--- a/Presentation/Дипломный проект.pptx
+++ b/Presentation/Дипломный проект.pptx
@@ -2,14 +2,30 @@
 <file path=ppt/presentation.xml><?xml version="1.0" encoding="utf-8"?>
 <p:presentation xmlns:a="http://schemas.openxmlformats.org/drawingml/2006/main" xmlns:r="http://schemas.openxmlformats.org/officeDocument/2006/relationships" xmlns:p="http://schemas.openxmlformats.org/presentationml/2006/main" saveSubsetFonts="1">
   <p:sldMasterIdLst>
-    <p:sldMasterId id="2147483672" r:id="rId1"/>
+    <p:sldMasterId id="2147483684" r:id="rId1"/>
   </p:sldMasterIdLst>
+  <p:notesMasterIdLst>
+    <p:notesMasterId r:id="rId17"/>
+  </p:notesMasterIdLst>
+  <p:handoutMasterIdLst>
+    <p:handoutMasterId r:id="rId18"/>
+  </p:handoutMasterIdLst>
   <p:sldIdLst>
     <p:sldId id="256" r:id="rId2"/>
-    <p:sldId id="257" r:id="rId3"/>
-    <p:sldId id="258" r:id="rId4"/>
-    <p:sldId id="259" r:id="rId5"/>
-    <p:sldId id="260" r:id="rId6"/>
+    <p:sldId id="261" r:id="rId3"/>
+    <p:sldId id="262" r:id="rId4"/>
+    <p:sldId id="263" r:id="rId5"/>
+    <p:sldId id="257" r:id="rId6"/>
+    <p:sldId id="258" r:id="rId7"/>
+    <p:sldId id="259" r:id="rId8"/>
+    <p:sldId id="264" r:id="rId9"/>
+    <p:sldId id="260" r:id="rId10"/>
+    <p:sldId id="266" r:id="rId11"/>
+    <p:sldId id="267" r:id="rId12"/>
+    <p:sldId id="268" r:id="rId13"/>
+    <p:sldId id="269" r:id="rId14"/>
+    <p:sldId id="270" r:id="rId15"/>
+    <p:sldId id="265" r:id="rId16"/>
   </p:sldIdLst>
   <p:sldSz cx="9144000" cy="6858000" type="screen4x3"/>
   <p:notesSz cx="6858000" cy="9144000"/>
@@ -111,6 +127,837 @@
 </p:presentation>
 </file>
 
+<file path=ppt/handoutMasters/handoutMaster1.xml><?xml version="1.0" encoding="utf-8"?>
+<p:handoutMaster xmlns:a="http://schemas.openxmlformats.org/drawingml/2006/main" xmlns:r="http://schemas.openxmlformats.org/officeDocument/2006/relationships" xmlns:p="http://schemas.openxmlformats.org/presentationml/2006/main">
+  <p:cSld>
+    <p:bg>
+      <p:bgRef idx="1001">
+        <a:schemeClr val="bg1"/>
+      </p:bgRef>
+    </p:bg>
+    <p:spTree>
+      <p:nvGrpSpPr>
+        <p:cNvPr id="1" name=""/>
+        <p:cNvGrpSpPr/>
+        <p:nvPr/>
+      </p:nvGrpSpPr>
+      <p:grpSpPr>
+        <a:xfrm>
+          <a:off x="0" y="0"/>
+          <a:ext cx="0" cy="0"/>
+          <a:chOff x="0" y="0"/>
+          <a:chExt cx="0" cy="0"/>
+        </a:xfrm>
+      </p:grpSpPr>
+      <p:sp>
+        <p:nvSpPr>
+          <p:cNvPr id="2" name="Верхний колонтитул 1"/>
+          <p:cNvSpPr>
+            <a:spLocks noGrp="1"/>
+          </p:cNvSpPr>
+          <p:nvPr>
+            <p:ph type="hdr" sz="quarter"/>
+          </p:nvPr>
+        </p:nvSpPr>
+        <p:spPr>
+          <a:xfrm>
+            <a:off x="0" y="0"/>
+            <a:ext cx="2971800" cy="457200"/>
+          </a:xfrm>
+          <a:prstGeom prst="rect">
+            <a:avLst/>
+          </a:prstGeom>
+        </p:spPr>
+        <p:txBody>
+          <a:bodyPr vert="horz" lIns="91440" tIns="45720" rIns="91440" bIns="45720" rtlCol="0"/>
+          <a:lstStyle>
+            <a:lvl1pPr algn="l">
+              <a:defRPr sz="1200"/>
+            </a:lvl1pPr>
+          </a:lstStyle>
+          <a:p>
+            <a:endParaRPr lang="ru-RU"/>
+          </a:p>
+        </p:txBody>
+      </p:sp>
+      <p:sp>
+        <p:nvSpPr>
+          <p:cNvPr id="3" name="Дата 2"/>
+          <p:cNvSpPr>
+            <a:spLocks noGrp="1"/>
+          </p:cNvSpPr>
+          <p:nvPr>
+            <p:ph type="dt" sz="quarter" idx="1"/>
+          </p:nvPr>
+        </p:nvSpPr>
+        <p:spPr>
+          <a:xfrm>
+            <a:off x="3884613" y="0"/>
+            <a:ext cx="2971800" cy="457200"/>
+          </a:xfrm>
+          <a:prstGeom prst="rect">
+            <a:avLst/>
+          </a:prstGeom>
+        </p:spPr>
+        <p:txBody>
+          <a:bodyPr vert="horz" lIns="91440" tIns="45720" rIns="91440" bIns="45720" rtlCol="0"/>
+          <a:lstStyle>
+            <a:lvl1pPr algn="r">
+              <a:defRPr sz="1200"/>
+            </a:lvl1pPr>
+          </a:lstStyle>
+          <a:p>
+            <a:fld id="{16CF853C-0D7E-4254-A861-796D59042FF5}" type="datetimeFigureOut">
+              <a:rPr lang="ru-RU" smtClean="0"/>
+              <a:t>03.06.2014</a:t>
+            </a:fld>
+            <a:endParaRPr lang="ru-RU"/>
+          </a:p>
+        </p:txBody>
+      </p:sp>
+      <p:sp>
+        <p:nvSpPr>
+          <p:cNvPr id="4" name="Нижний колонтитул 3"/>
+          <p:cNvSpPr>
+            <a:spLocks noGrp="1"/>
+          </p:cNvSpPr>
+          <p:nvPr>
+            <p:ph type="ftr" sz="quarter" idx="2"/>
+          </p:nvPr>
+        </p:nvSpPr>
+        <p:spPr>
+          <a:xfrm>
+            <a:off x="0" y="8685213"/>
+            <a:ext cx="2971800" cy="457200"/>
+          </a:xfrm>
+          <a:prstGeom prst="rect">
+            <a:avLst/>
+          </a:prstGeom>
+        </p:spPr>
+        <p:txBody>
+          <a:bodyPr vert="horz" lIns="91440" tIns="45720" rIns="91440" bIns="45720" rtlCol="0" anchor="b"/>
+          <a:lstStyle>
+            <a:lvl1pPr algn="l">
+              <a:defRPr sz="1200"/>
+            </a:lvl1pPr>
+          </a:lstStyle>
+          <a:p>
+            <a:endParaRPr lang="ru-RU"/>
+          </a:p>
+        </p:txBody>
+      </p:sp>
+      <p:sp>
+        <p:nvSpPr>
+          <p:cNvPr id="5" name="Номер слайда 4"/>
+          <p:cNvSpPr>
+            <a:spLocks noGrp="1"/>
+          </p:cNvSpPr>
+          <p:nvPr>
+            <p:ph type="sldNum" sz="quarter" idx="3"/>
+          </p:nvPr>
+        </p:nvSpPr>
+        <p:spPr>
+          <a:xfrm>
+            <a:off x="3884613" y="8685213"/>
+            <a:ext cx="2971800" cy="457200"/>
+          </a:xfrm>
+          <a:prstGeom prst="rect">
+            <a:avLst/>
+          </a:prstGeom>
+        </p:spPr>
+        <p:txBody>
+          <a:bodyPr vert="horz" lIns="91440" tIns="45720" rIns="91440" bIns="45720" rtlCol="0" anchor="b"/>
+          <a:lstStyle>
+            <a:lvl1pPr algn="r">
+              <a:defRPr sz="1200"/>
+            </a:lvl1pPr>
+          </a:lstStyle>
+          <a:p>
+            <a:fld id="{FF767439-49C5-4818-A8C7-98EFE1238C8E}" type="slidenum">
+              <a:rPr lang="ru-RU" smtClean="0"/>
+              <a:t>‹#›</a:t>
+            </a:fld>
+            <a:endParaRPr lang="ru-RU"/>
+          </a:p>
+        </p:txBody>
+      </p:sp>
+    </p:spTree>
+  </p:cSld>
+  <p:clrMap bg1="lt1" tx1="dk1" bg2="lt2" tx2="dk2" accent1="accent1" accent2="accent2" accent3="accent3" accent4="accent4" accent5="accent5" accent6="accent6" hlink="hlink" folHlink="folHlink"/>
+</p:handoutMaster>
+</file>
+
+<file path=ppt/notesMasters/notesMaster1.xml><?xml version="1.0" encoding="utf-8"?>
+<p:notesMaster xmlns:a="http://schemas.openxmlformats.org/drawingml/2006/main" xmlns:r="http://schemas.openxmlformats.org/officeDocument/2006/relationships" xmlns:p="http://schemas.openxmlformats.org/presentationml/2006/main">
+  <p:cSld>
+    <p:bg>
+      <p:bgRef idx="1001">
+        <a:schemeClr val="bg1"/>
+      </p:bgRef>
+    </p:bg>
+    <p:spTree>
+      <p:nvGrpSpPr>
+        <p:cNvPr id="1" name=""/>
+        <p:cNvGrpSpPr/>
+        <p:nvPr/>
+      </p:nvGrpSpPr>
+      <p:grpSpPr>
+        <a:xfrm>
+          <a:off x="0" y="0"/>
+          <a:ext cx="0" cy="0"/>
+          <a:chOff x="0" y="0"/>
+          <a:chExt cx="0" cy="0"/>
+        </a:xfrm>
+      </p:grpSpPr>
+      <p:sp>
+        <p:nvSpPr>
+          <p:cNvPr id="2" name="Верхний колонтитул 1"/>
+          <p:cNvSpPr>
+            <a:spLocks noGrp="1"/>
+          </p:cNvSpPr>
+          <p:nvPr>
+            <p:ph type="hdr" sz="quarter"/>
+          </p:nvPr>
+        </p:nvSpPr>
+        <p:spPr>
+          <a:xfrm>
+            <a:off x="0" y="0"/>
+            <a:ext cx="2971800" cy="457200"/>
+          </a:xfrm>
+          <a:prstGeom prst="rect">
+            <a:avLst/>
+          </a:prstGeom>
+        </p:spPr>
+        <p:txBody>
+          <a:bodyPr vert="horz" lIns="91440" tIns="45720" rIns="91440" bIns="45720" rtlCol="0"/>
+          <a:lstStyle>
+            <a:lvl1pPr algn="l">
+              <a:defRPr sz="1200"/>
+            </a:lvl1pPr>
+          </a:lstStyle>
+          <a:p>
+            <a:endParaRPr lang="ru-RU"/>
+          </a:p>
+        </p:txBody>
+      </p:sp>
+      <p:sp>
+        <p:nvSpPr>
+          <p:cNvPr id="3" name="Дата 2"/>
+          <p:cNvSpPr>
+            <a:spLocks noGrp="1"/>
+          </p:cNvSpPr>
+          <p:nvPr>
+            <p:ph type="dt" idx="1"/>
+          </p:nvPr>
+        </p:nvSpPr>
+        <p:spPr>
+          <a:xfrm>
+            <a:off x="3884613" y="0"/>
+            <a:ext cx="2971800" cy="457200"/>
+          </a:xfrm>
+          <a:prstGeom prst="rect">
+            <a:avLst/>
+          </a:prstGeom>
+        </p:spPr>
+        <p:txBody>
+          <a:bodyPr vert="horz" lIns="91440" tIns="45720" rIns="91440" bIns="45720" rtlCol="0"/>
+          <a:lstStyle>
+            <a:lvl1pPr algn="r">
+              <a:defRPr sz="1200"/>
+            </a:lvl1pPr>
+          </a:lstStyle>
+          <a:p>
+            <a:fld id="{898F12C2-9173-4687-853B-1DBE8EA57C98}" type="datetimeFigureOut">
+              <a:rPr lang="ru-RU" smtClean="0"/>
+              <a:t>03.06.2014</a:t>
+            </a:fld>
+            <a:endParaRPr lang="ru-RU"/>
+          </a:p>
+        </p:txBody>
+      </p:sp>
+      <p:sp>
+        <p:nvSpPr>
+          <p:cNvPr id="4" name="Образ слайда 3"/>
+          <p:cNvSpPr>
+            <a:spLocks noGrp="1" noRot="1" noChangeAspect="1"/>
+          </p:cNvSpPr>
+          <p:nvPr>
+            <p:ph type="sldImg" idx="2"/>
+          </p:nvPr>
+        </p:nvSpPr>
+        <p:spPr>
+          <a:xfrm>
+            <a:off x="1143000" y="685800"/>
+            <a:ext cx="4572000" cy="3429000"/>
+          </a:xfrm>
+          <a:prstGeom prst="rect">
+            <a:avLst/>
+          </a:prstGeom>
+          <a:noFill/>
+          <a:ln w="12700">
+            <a:solidFill>
+              <a:prstClr val="black"/>
+            </a:solidFill>
+          </a:ln>
+        </p:spPr>
+        <p:txBody>
+          <a:bodyPr vert="horz" lIns="91440" tIns="45720" rIns="91440" bIns="45720" rtlCol="0" anchor="ctr"/>
+          <a:lstStyle/>
+          <a:p>
+            <a:endParaRPr lang="ru-RU"/>
+          </a:p>
+        </p:txBody>
+      </p:sp>
+      <p:sp>
+        <p:nvSpPr>
+          <p:cNvPr id="5" name="Заметки 4"/>
+          <p:cNvSpPr>
+            <a:spLocks noGrp="1"/>
+          </p:cNvSpPr>
+          <p:nvPr>
+            <p:ph type="body" sz="quarter" idx="3"/>
+          </p:nvPr>
+        </p:nvSpPr>
+        <p:spPr>
+          <a:xfrm>
+            <a:off x="685800" y="4343400"/>
+            <a:ext cx="5486400" cy="4114800"/>
+          </a:xfrm>
+          <a:prstGeom prst="rect">
+            <a:avLst/>
+          </a:prstGeom>
+        </p:spPr>
+        <p:txBody>
+          <a:bodyPr vert="horz" lIns="91440" tIns="45720" rIns="91440" bIns="45720" rtlCol="0">
+            <a:normAutofit/>
+          </a:bodyPr>
+          <a:lstStyle/>
+          <a:p>
+            <a:pPr lvl="0"/>
+            <a:r>
+              <a:rPr lang="ru-RU" smtClean="0"/>
+              <a:t>Образец текста</a:t>
+            </a:r>
+          </a:p>
+          <a:p>
+            <a:pPr lvl="1"/>
+            <a:r>
+              <a:rPr lang="ru-RU" smtClean="0"/>
+              <a:t>Второй уровень</a:t>
+            </a:r>
+          </a:p>
+          <a:p>
+            <a:pPr lvl="2"/>
+            <a:r>
+              <a:rPr lang="ru-RU" smtClean="0"/>
+              <a:t>Третий уровень</a:t>
+            </a:r>
+          </a:p>
+          <a:p>
+            <a:pPr lvl="3"/>
+            <a:r>
+              <a:rPr lang="ru-RU" smtClean="0"/>
+              <a:t>Четвертый уровень</a:t>
+            </a:r>
+          </a:p>
+          <a:p>
+            <a:pPr lvl="4"/>
+            <a:r>
+              <a:rPr lang="ru-RU" smtClean="0"/>
+              <a:t>Пятый уровень</a:t>
+            </a:r>
+            <a:endParaRPr lang="ru-RU"/>
+          </a:p>
+        </p:txBody>
+      </p:sp>
+      <p:sp>
+        <p:nvSpPr>
+          <p:cNvPr id="6" name="Нижний колонтитул 5"/>
+          <p:cNvSpPr>
+            <a:spLocks noGrp="1"/>
+          </p:cNvSpPr>
+          <p:nvPr>
+            <p:ph type="ftr" sz="quarter" idx="4"/>
+          </p:nvPr>
+        </p:nvSpPr>
+        <p:spPr>
+          <a:xfrm>
+            <a:off x="0" y="8685213"/>
+            <a:ext cx="2971800" cy="457200"/>
+          </a:xfrm>
+          <a:prstGeom prst="rect">
+            <a:avLst/>
+          </a:prstGeom>
+        </p:spPr>
+        <p:txBody>
+          <a:bodyPr vert="horz" lIns="91440" tIns="45720" rIns="91440" bIns="45720" rtlCol="0" anchor="b"/>
+          <a:lstStyle>
+            <a:lvl1pPr algn="l">
+              <a:defRPr sz="1200"/>
+            </a:lvl1pPr>
+          </a:lstStyle>
+          <a:p>
+            <a:endParaRPr lang="ru-RU"/>
+          </a:p>
+        </p:txBody>
+      </p:sp>
+      <p:sp>
+        <p:nvSpPr>
+          <p:cNvPr id="7" name="Номер слайда 6"/>
+          <p:cNvSpPr>
+            <a:spLocks noGrp="1"/>
+          </p:cNvSpPr>
+          <p:nvPr>
+            <p:ph type="sldNum" sz="quarter" idx="5"/>
+          </p:nvPr>
+        </p:nvSpPr>
+        <p:spPr>
+          <a:xfrm>
+            <a:off x="3884613" y="8685213"/>
+            <a:ext cx="2971800" cy="457200"/>
+          </a:xfrm>
+          <a:prstGeom prst="rect">
+            <a:avLst/>
+          </a:prstGeom>
+        </p:spPr>
+        <p:txBody>
+          <a:bodyPr vert="horz" lIns="91440" tIns="45720" rIns="91440" bIns="45720" rtlCol="0" anchor="b"/>
+          <a:lstStyle>
+            <a:lvl1pPr algn="r">
+              <a:defRPr sz="1200"/>
+            </a:lvl1pPr>
+          </a:lstStyle>
+          <a:p>
+            <a:fld id="{5FEA2036-6099-4C0D-A627-6972A6DD0A86}" type="slidenum">
+              <a:rPr lang="ru-RU" smtClean="0"/>
+              <a:t>‹#›</a:t>
+            </a:fld>
+            <a:endParaRPr lang="ru-RU"/>
+          </a:p>
+        </p:txBody>
+      </p:sp>
+    </p:spTree>
+  </p:cSld>
+  <p:clrMap bg1="lt1" tx1="dk1" bg2="lt2" tx2="dk2" accent1="accent1" accent2="accent2" accent3="accent3" accent4="accent4" accent5="accent5" accent6="accent6" hlink="hlink" folHlink="folHlink"/>
+  <p:notesStyle>
+    <a:lvl1pPr marL="0" algn="l" defTabSz="914400" rtl="0" eaLnBrk="1" latinLnBrk="0" hangingPunct="1">
+      <a:defRPr sz="1200" kern="1200">
+        <a:solidFill>
+          <a:schemeClr val="tx1"/>
+        </a:solidFill>
+        <a:latin typeface="+mn-lt"/>
+        <a:ea typeface="+mn-ea"/>
+        <a:cs typeface="+mn-cs"/>
+      </a:defRPr>
+    </a:lvl1pPr>
+    <a:lvl2pPr marL="457200" algn="l" defTabSz="914400" rtl="0" eaLnBrk="1" latinLnBrk="0" hangingPunct="1">
+      <a:defRPr sz="1200" kern="1200">
+        <a:solidFill>
+          <a:schemeClr val="tx1"/>
+        </a:solidFill>
+        <a:latin typeface="+mn-lt"/>
+        <a:ea typeface="+mn-ea"/>
+        <a:cs typeface="+mn-cs"/>
+      </a:defRPr>
+    </a:lvl2pPr>
+    <a:lvl3pPr marL="914400" algn="l" defTabSz="914400" rtl="0" eaLnBrk="1" latinLnBrk="0" hangingPunct="1">
+      <a:defRPr sz="1200" kern="1200">
+        <a:solidFill>
+          <a:schemeClr val="tx1"/>
+        </a:solidFill>
+        <a:latin typeface="+mn-lt"/>
+        <a:ea typeface="+mn-ea"/>
+        <a:cs typeface="+mn-cs"/>
+      </a:defRPr>
+    </a:lvl3pPr>
+    <a:lvl4pPr marL="1371600" algn="l" defTabSz="914400" rtl="0" eaLnBrk="1" latinLnBrk="0" hangingPunct="1">
+      <a:defRPr sz="1200" kern="1200">
+        <a:solidFill>
+          <a:schemeClr val="tx1"/>
+        </a:solidFill>
+        <a:latin typeface="+mn-lt"/>
+        <a:ea typeface="+mn-ea"/>
+        <a:cs typeface="+mn-cs"/>
+      </a:defRPr>
+    </a:lvl4pPr>
+    <a:lvl5pPr marL="1828800" algn="l" defTabSz="914400" rtl="0" eaLnBrk="1" latinLnBrk="0" hangingPunct="1">
+      <a:defRPr sz="1200" kern="1200">
+        <a:solidFill>
+          <a:schemeClr val="tx1"/>
+        </a:solidFill>
+        <a:latin typeface="+mn-lt"/>
+        <a:ea typeface="+mn-ea"/>
+        <a:cs typeface="+mn-cs"/>
+      </a:defRPr>
+    </a:lvl5pPr>
+    <a:lvl6pPr marL="2286000" algn="l" defTabSz="914400" rtl="0" eaLnBrk="1" latinLnBrk="0" hangingPunct="1">
+      <a:defRPr sz="1200" kern="1200">
+        <a:solidFill>
+          <a:schemeClr val="tx1"/>
+        </a:solidFill>
+        <a:latin typeface="+mn-lt"/>
+        <a:ea typeface="+mn-ea"/>
+        <a:cs typeface="+mn-cs"/>
+      </a:defRPr>
+    </a:lvl6pPr>
+    <a:lvl7pPr marL="2743200" algn="l" defTabSz="914400" rtl="0" eaLnBrk="1" latinLnBrk="0" hangingPunct="1">
+      <a:defRPr sz="1200" kern="1200">
+        <a:solidFill>
+          <a:schemeClr val="tx1"/>
+        </a:solidFill>
+        <a:latin typeface="+mn-lt"/>
+        <a:ea typeface="+mn-ea"/>
+        <a:cs typeface="+mn-cs"/>
+      </a:defRPr>
+    </a:lvl7pPr>
+    <a:lvl8pPr marL="3200400" algn="l" defTabSz="914400" rtl="0" eaLnBrk="1" latinLnBrk="0" hangingPunct="1">
+      <a:defRPr sz="1200" kern="1200">
+        <a:solidFill>
+          <a:schemeClr val="tx1"/>
+        </a:solidFill>
+        <a:latin typeface="+mn-lt"/>
+        <a:ea typeface="+mn-ea"/>
+        <a:cs typeface="+mn-cs"/>
+      </a:defRPr>
+    </a:lvl8pPr>
+    <a:lvl9pPr marL="3657600" algn="l" defTabSz="914400" rtl="0" eaLnBrk="1" latinLnBrk="0" hangingPunct="1">
+      <a:defRPr sz="1200" kern="1200">
+        <a:solidFill>
+          <a:schemeClr val="tx1"/>
+        </a:solidFill>
+        <a:latin typeface="+mn-lt"/>
+        <a:ea typeface="+mn-ea"/>
+        <a:cs typeface="+mn-cs"/>
+      </a:defRPr>
+    </a:lvl9pPr>
+  </p:notesStyle>
+</p:notesMaster>
+</file>
+
+<file path=ppt/notesSlides/notesSlide1.xml><?xml version="1.0" encoding="utf-8"?>
+<p:notes xmlns:a="http://schemas.openxmlformats.org/drawingml/2006/main" xmlns:r="http://schemas.openxmlformats.org/officeDocument/2006/relationships" xmlns:p="http://schemas.openxmlformats.org/presentationml/2006/main">
+  <p:cSld>
+    <p:spTree>
+      <p:nvGrpSpPr>
+        <p:cNvPr id="1" name=""/>
+        <p:cNvGrpSpPr/>
+        <p:nvPr/>
+      </p:nvGrpSpPr>
+      <p:grpSpPr>
+        <a:xfrm>
+          <a:off x="0" y="0"/>
+          <a:ext cx="0" cy="0"/>
+          <a:chOff x="0" y="0"/>
+          <a:chExt cx="0" cy="0"/>
+        </a:xfrm>
+      </p:grpSpPr>
+      <p:sp>
+        <p:nvSpPr>
+          <p:cNvPr id="2" name="Образ слайда 1"/>
+          <p:cNvSpPr>
+            <a:spLocks noGrp="1" noRot="1" noChangeAspect="1"/>
+          </p:cNvSpPr>
+          <p:nvPr>
+            <p:ph type="sldImg"/>
+          </p:nvPr>
+        </p:nvSpPr>
+        <p:spPr/>
+      </p:sp>
+      <p:sp>
+        <p:nvSpPr>
+          <p:cNvPr id="3" name="Заметки 2"/>
+          <p:cNvSpPr>
+            <a:spLocks noGrp="1"/>
+          </p:cNvSpPr>
+          <p:nvPr>
+            <p:ph type="body" idx="1"/>
+          </p:nvPr>
+        </p:nvSpPr>
+        <p:spPr/>
+        <p:txBody>
+          <a:bodyPr>
+            <a:normAutofit/>
+          </a:bodyPr>
+          <a:lstStyle/>
+          <a:p>
+            <a:endParaRPr lang="ru-RU"/>
+          </a:p>
+        </p:txBody>
+      </p:sp>
+      <p:sp>
+        <p:nvSpPr>
+          <p:cNvPr id="4" name="Номер слайда 3"/>
+          <p:cNvSpPr>
+            <a:spLocks noGrp="1"/>
+          </p:cNvSpPr>
+          <p:nvPr>
+            <p:ph type="sldNum" sz="quarter" idx="10"/>
+          </p:nvPr>
+        </p:nvSpPr>
+        <p:spPr/>
+        <p:txBody>
+          <a:bodyPr/>
+          <a:lstStyle/>
+          <a:p>
+            <a:fld id="{5FEA2036-6099-4C0D-A627-6972A6DD0A86}" type="slidenum">
+              <a:rPr lang="ru-RU" smtClean="0"/>
+              <a:t>1</a:t>
+            </a:fld>
+            <a:endParaRPr lang="ru-RU"/>
+          </a:p>
+        </p:txBody>
+      </p:sp>
+    </p:spTree>
+  </p:cSld>
+  <p:clrMapOvr>
+    <a:masterClrMapping/>
+  </p:clrMapOvr>
+</p:notes>
+</file>
+
+<file path=ppt/notesSlides/notesSlide2.xml><?xml version="1.0" encoding="utf-8"?>
+<p:notes xmlns:a="http://schemas.openxmlformats.org/drawingml/2006/main" xmlns:r="http://schemas.openxmlformats.org/officeDocument/2006/relationships" xmlns:p="http://schemas.openxmlformats.org/presentationml/2006/main">
+  <p:cSld>
+    <p:spTree>
+      <p:nvGrpSpPr>
+        <p:cNvPr id="1" name=""/>
+        <p:cNvGrpSpPr/>
+        <p:nvPr/>
+      </p:nvGrpSpPr>
+      <p:grpSpPr>
+        <a:xfrm>
+          <a:off x="0" y="0"/>
+          <a:ext cx="0" cy="0"/>
+          <a:chOff x="0" y="0"/>
+          <a:chExt cx="0" cy="0"/>
+        </a:xfrm>
+      </p:grpSpPr>
+      <p:sp>
+        <p:nvSpPr>
+          <p:cNvPr id="2" name="Образ слайда 1"/>
+          <p:cNvSpPr>
+            <a:spLocks noGrp="1" noRot="1" noChangeAspect="1"/>
+          </p:cNvSpPr>
+          <p:nvPr>
+            <p:ph type="sldImg"/>
+          </p:nvPr>
+        </p:nvSpPr>
+        <p:spPr/>
+      </p:sp>
+      <p:sp>
+        <p:nvSpPr>
+          <p:cNvPr id="3" name="Заметки 2"/>
+          <p:cNvSpPr>
+            <a:spLocks noGrp="1"/>
+          </p:cNvSpPr>
+          <p:nvPr>
+            <p:ph type="body" idx="1"/>
+          </p:nvPr>
+        </p:nvSpPr>
+        <p:spPr/>
+        <p:txBody>
+          <a:bodyPr>
+            <a:normAutofit/>
+          </a:bodyPr>
+          <a:lstStyle/>
+          <a:p>
+            <a:endParaRPr lang="ru-RU"/>
+          </a:p>
+        </p:txBody>
+      </p:sp>
+      <p:sp>
+        <p:nvSpPr>
+          <p:cNvPr id="4" name="Номер слайда 3"/>
+          <p:cNvSpPr>
+            <a:spLocks noGrp="1"/>
+          </p:cNvSpPr>
+          <p:nvPr>
+            <p:ph type="sldNum" sz="quarter" idx="10"/>
+          </p:nvPr>
+        </p:nvSpPr>
+        <p:spPr/>
+        <p:txBody>
+          <a:bodyPr/>
+          <a:lstStyle/>
+          <a:p>
+            <a:fld id="{5FEA2036-6099-4C0D-A627-6972A6DD0A86}" type="slidenum">
+              <a:rPr lang="ru-RU" smtClean="0"/>
+              <a:t>2</a:t>
+            </a:fld>
+            <a:endParaRPr lang="ru-RU"/>
+          </a:p>
+        </p:txBody>
+      </p:sp>
+    </p:spTree>
+  </p:cSld>
+  <p:clrMapOvr>
+    <a:masterClrMapping/>
+  </p:clrMapOvr>
+</p:notes>
+</file>
+
+<file path=ppt/notesSlides/notesSlide3.xml><?xml version="1.0" encoding="utf-8"?>
+<p:notes xmlns:a="http://schemas.openxmlformats.org/drawingml/2006/main" xmlns:r="http://schemas.openxmlformats.org/officeDocument/2006/relationships" xmlns:p="http://schemas.openxmlformats.org/presentationml/2006/main">
+  <p:cSld>
+    <p:spTree>
+      <p:nvGrpSpPr>
+        <p:cNvPr id="1" name=""/>
+        <p:cNvGrpSpPr/>
+        <p:nvPr/>
+      </p:nvGrpSpPr>
+      <p:grpSpPr>
+        <a:xfrm>
+          <a:off x="0" y="0"/>
+          <a:ext cx="0" cy="0"/>
+          <a:chOff x="0" y="0"/>
+          <a:chExt cx="0" cy="0"/>
+        </a:xfrm>
+      </p:grpSpPr>
+      <p:sp>
+        <p:nvSpPr>
+          <p:cNvPr id="2" name="Образ слайда 1"/>
+          <p:cNvSpPr>
+            <a:spLocks noGrp="1" noRot="1" noChangeAspect="1"/>
+          </p:cNvSpPr>
+          <p:nvPr>
+            <p:ph type="sldImg"/>
+          </p:nvPr>
+        </p:nvSpPr>
+        <p:spPr/>
+      </p:sp>
+      <p:sp>
+        <p:nvSpPr>
+          <p:cNvPr id="3" name="Заметки 2"/>
+          <p:cNvSpPr>
+            <a:spLocks noGrp="1"/>
+          </p:cNvSpPr>
+          <p:nvPr>
+            <p:ph type="body" idx="1"/>
+          </p:nvPr>
+        </p:nvSpPr>
+        <p:spPr/>
+        <p:txBody>
+          <a:bodyPr>
+            <a:normAutofit/>
+          </a:bodyPr>
+          <a:lstStyle/>
+          <a:p>
+            <a:endParaRPr lang="ru-RU" dirty="0"/>
+          </a:p>
+        </p:txBody>
+      </p:sp>
+      <p:sp>
+        <p:nvSpPr>
+          <p:cNvPr id="4" name="Номер слайда 3"/>
+          <p:cNvSpPr>
+            <a:spLocks noGrp="1"/>
+          </p:cNvSpPr>
+          <p:nvPr>
+            <p:ph type="sldNum" sz="quarter" idx="10"/>
+          </p:nvPr>
+        </p:nvSpPr>
+        <p:spPr/>
+        <p:txBody>
+          <a:bodyPr/>
+          <a:lstStyle/>
+          <a:p>
+            <a:fld id="{5FEA2036-6099-4C0D-A627-6972A6DD0A86}" type="slidenum">
+              <a:rPr lang="ru-RU" smtClean="0"/>
+              <a:t>3</a:t>
+            </a:fld>
+            <a:endParaRPr lang="ru-RU"/>
+          </a:p>
+        </p:txBody>
+      </p:sp>
+    </p:spTree>
+  </p:cSld>
+  <p:clrMapOvr>
+    <a:masterClrMapping/>
+  </p:clrMapOvr>
+</p:notes>
+</file>
+
+<file path=ppt/notesSlides/notesSlide4.xml><?xml version="1.0" encoding="utf-8"?>
+<p:notes xmlns:a="http://schemas.openxmlformats.org/drawingml/2006/main" xmlns:r="http://schemas.openxmlformats.org/officeDocument/2006/relationships" xmlns:p="http://schemas.openxmlformats.org/presentationml/2006/main">
+  <p:cSld>
+    <p:spTree>
+      <p:nvGrpSpPr>
+        <p:cNvPr id="1" name=""/>
+        <p:cNvGrpSpPr/>
+        <p:nvPr/>
+      </p:nvGrpSpPr>
+      <p:grpSpPr>
+        <a:xfrm>
+          <a:off x="0" y="0"/>
+          <a:ext cx="0" cy="0"/>
+          <a:chOff x="0" y="0"/>
+          <a:chExt cx="0" cy="0"/>
+        </a:xfrm>
+      </p:grpSpPr>
+      <p:sp>
+        <p:nvSpPr>
+          <p:cNvPr id="2" name="Образ слайда 1"/>
+          <p:cNvSpPr>
+            <a:spLocks noGrp="1" noRot="1" noChangeAspect="1"/>
+          </p:cNvSpPr>
+          <p:nvPr>
+            <p:ph type="sldImg"/>
+          </p:nvPr>
+        </p:nvSpPr>
+        <p:spPr/>
+      </p:sp>
+      <p:sp>
+        <p:nvSpPr>
+          <p:cNvPr id="3" name="Заметки 2"/>
+          <p:cNvSpPr>
+            <a:spLocks noGrp="1"/>
+          </p:cNvSpPr>
+          <p:nvPr>
+            <p:ph type="body" idx="1"/>
+          </p:nvPr>
+        </p:nvSpPr>
+        <p:spPr/>
+        <p:txBody>
+          <a:bodyPr>
+            <a:normAutofit/>
+          </a:bodyPr>
+          <a:lstStyle/>
+          <a:p>
+            <a:endParaRPr lang="ru-RU"/>
+          </a:p>
+        </p:txBody>
+      </p:sp>
+      <p:sp>
+        <p:nvSpPr>
+          <p:cNvPr id="4" name="Номер слайда 3"/>
+          <p:cNvSpPr>
+            <a:spLocks noGrp="1"/>
+          </p:cNvSpPr>
+          <p:nvPr>
+            <p:ph type="sldNum" sz="quarter" idx="10"/>
+          </p:nvPr>
+        </p:nvSpPr>
+        <p:spPr/>
+        <p:txBody>
+          <a:bodyPr/>
+          <a:lstStyle/>
+          <a:p>
+            <a:fld id="{5FEA2036-6099-4C0D-A627-6972A6DD0A86}" type="slidenum">
+              <a:rPr lang="ru-RU" smtClean="0"/>
+              <a:t>4</a:t>
+            </a:fld>
+            <a:endParaRPr lang="ru-RU"/>
+          </a:p>
+        </p:txBody>
+      </p:sp>
+    </p:spTree>
+  </p:cSld>
+  <p:clrMapOvr>
+    <a:masterClrMapping/>
+  </p:clrMapOvr>
+</p:notes>
+</file>
+
 <file path=ppt/slideLayouts/slideLayout1.xml><?xml version="1.0" encoding="utf-8"?>
 <p:sldLayout xmlns:a="http://schemas.openxmlformats.org/drawingml/2006/main" xmlns:r="http://schemas.openxmlformats.org/officeDocument/2006/relationships" xmlns:p="http://schemas.openxmlformats.org/presentationml/2006/main" showMasterSp="0" type="title" preserve="1">
   <p:cSld name="Титульный слайд">
@@ -135,203 +982,54 @@
       </p:grpSpPr>
       <p:sp>
         <p:nvSpPr>
-          <p:cNvPr id="7" name="Полилиния 6"/>
-          <p:cNvSpPr>
-            <a:spLocks/>
-          </p:cNvSpPr>
+          <p:cNvPr id="9" name="Прямоугольник 8"/>
+          <p:cNvSpPr/>
           <p:nvPr/>
         </p:nvSpPr>
-        <p:spPr bwMode="auto">
+        <p:spPr bwMode="ltGray">
           <a:xfrm>
-            <a:off x="0" y="4752126"/>
-            <a:ext cx="9144000" cy="2112962"/>
+            <a:off x="0" y="0"/>
+            <a:ext cx="9143999" cy="5135430"/>
           </a:xfrm>
-          <a:custGeom>
-            <a:avLst>
-              <a:gd name="A1" fmla="val 0"/>
-              <a:gd name="A2" fmla="val 0"/>
-              <a:gd name="A3" fmla="val 0"/>
-              <a:gd name="A4" fmla="val 0"/>
-              <a:gd name="A5" fmla="val 0"/>
-              <a:gd name="A6" fmla="val 0"/>
-              <a:gd name="A7" fmla="val 0"/>
-              <a:gd name="A8" fmla="val 0"/>
-            </a:avLst>
-            <a:gdLst/>
-            <a:ahLst/>
-            <a:cxnLst>
-              <a:cxn ang="0">
-                <a:pos x="0" y="1066"/>
-              </a:cxn>
-              <a:cxn ang="0">
-                <a:pos x="0" y="1331"/>
-              </a:cxn>
-              <a:cxn ang="0">
-                <a:pos x="5760" y="1331"/>
-              </a:cxn>
-              <a:cxn ang="0">
-                <a:pos x="5760" y="0"/>
-              </a:cxn>
-              <a:cxn ang="0">
-                <a:pos x="0" y="1066"/>
-              </a:cxn>
-            </a:cxnLst>
-            <a:rect l="0" t="0" r="0" b="0"/>
-            <a:pathLst>
-              <a:path w="5760" h="1331">
-                <a:moveTo>
-                  <a:pt x="0" y="1066"/>
-                </a:moveTo>
-                <a:lnTo>
-                  <a:pt x="0" y="1331"/>
-                </a:lnTo>
-                <a:lnTo>
-                  <a:pt x="5760" y="1331"/>
-                </a:lnTo>
-                <a:lnTo>
-                  <a:pt x="5760" y="0"/>
-                </a:lnTo>
-                <a:cubicBezTo>
-                  <a:pt x="3220" y="1206"/>
-                  <a:pt x="2250" y="1146"/>
-                  <a:pt x="0" y="1066"/>
-                </a:cubicBezTo>
-                <a:close/>
-              </a:path>
-            </a:pathLst>
-          </a:custGeom>
+          <a:prstGeom prst="rect">
+            <a:avLst/>
+          </a:prstGeom>
           <a:solidFill>
-            <a:schemeClr val="bg1">
-              <a:tint val="80000"/>
-              <a:satMod val="200000"/>
-              <a:alpha val="45000"/>
-            </a:schemeClr>
+            <a:srgbClr val="000000"/>
           </a:solidFill>
-          <a:ln w="9525" cap="flat" cmpd="sng" algn="ctr">
+          <a:ln w="48000" cap="flat" cmpd="thickThin" algn="ctr">
             <a:noFill/>
             <a:prstDash val="solid"/>
-            <a:round/>
-            <a:headEnd type="none" w="med" len="med"/>
-            <a:tailEnd type="none" w="med" len="med"/>
           </a:ln>
-          <a:effectLst>
-            <a:outerShdw blurRad="50800" dist="44450" dir="16200000" algn="ctr" rotWithShape="0">
-              <a:prstClr val="black">
-                <a:alpha val="35000"/>
-              </a:prstClr>
-            </a:outerShdw>
-          </a:effectLst>
         </p:spPr>
-        <p:txBody>
-          <a:bodyPr vert="horz" wrap="square" lIns="91440" tIns="45720" rIns="91440" bIns="45720" anchor="t" compatLnSpc="1"/>
-          <a:lstStyle/>
-          <a:p>
+        <p:style>
+          <a:lnRef idx="2">
+            <a:schemeClr val="accent1"/>
+          </a:lnRef>
+          <a:fillRef idx="1">
+            <a:schemeClr val="accent1"/>
+          </a:fillRef>
+          <a:effectRef idx="0">
+            <a:schemeClr val="accent1"/>
+          </a:effectRef>
+          <a:fontRef idx="minor">
+            <a:schemeClr val="lt1"/>
+          </a:fontRef>
+        </p:style>
+        <p:txBody>
+          <a:bodyPr rtlCol="0" anchor="ctr"/>
+          <a:lstStyle>
+            <a:extLst/>
+          </a:lstStyle>
+          <a:p>
+            <a:pPr algn="ctr" eaLnBrk="1" latinLnBrk="0" hangingPunct="1"/>
             <a:endParaRPr kumimoji="0" lang="en-US"/>
           </a:p>
         </p:txBody>
       </p:sp>
       <p:sp>
         <p:nvSpPr>
-          <p:cNvPr id="8" name="Полилиния 7"/>
-          <p:cNvSpPr>
-            <a:spLocks/>
-          </p:cNvSpPr>
-          <p:nvPr/>
-        </p:nvSpPr>
-        <p:spPr bwMode="auto">
-          <a:xfrm>
-            <a:off x="6105525" y="0"/>
-            <a:ext cx="3038475" cy="6858000"/>
-          </a:xfrm>
-          <a:custGeom>
-            <a:avLst/>
-            <a:gdLst>
-              <a:gd name="connsiteX0" fmla="*/ 1914 w 1914"/>
-              <a:gd name="connsiteY0" fmla="*/ 9 h 4329"/>
-              <a:gd name="connsiteX1" fmla="*/ 1914 w 1914"/>
-              <a:gd name="connsiteY1" fmla="*/ 4329 h 4329"/>
-              <a:gd name="connsiteX2" fmla="*/ 204 w 1914"/>
-              <a:gd name="connsiteY2" fmla="*/ 4327 h 4329"/>
-              <a:gd name="connsiteX3" fmla="*/ 0 w 1914"/>
-              <a:gd name="connsiteY3" fmla="*/ 0 h 4329"/>
-              <a:gd name="connsiteX4" fmla="*/ 1914 w 1914"/>
-              <a:gd name="connsiteY4" fmla="*/ 9 h 4329"/>
-            </a:gdLst>
-            <a:ahLst/>
-            <a:cxnLst>
-              <a:cxn ang="0">
-                <a:pos x="connsiteX0" y="connsiteY0"/>
-              </a:cxn>
-              <a:cxn ang="0">
-                <a:pos x="connsiteX1" y="connsiteY1"/>
-              </a:cxn>
-              <a:cxn ang="0">
-                <a:pos x="connsiteX2" y="connsiteY2"/>
-              </a:cxn>
-              <a:cxn ang="0">
-                <a:pos x="connsiteX3" y="connsiteY3"/>
-              </a:cxn>
-              <a:cxn ang="0">
-                <a:pos x="connsiteX4" y="connsiteY4"/>
-              </a:cxn>
-            </a:cxnLst>
-            <a:rect l="l" t="t" r="r" b="b"/>
-            <a:pathLst>
-              <a:path w="1914" h="4329">
-                <a:moveTo>
-                  <a:pt x="1914" y="9"/>
-                </a:moveTo>
-                <a:lnTo>
-                  <a:pt x="1914" y="4329"/>
-                </a:lnTo>
-                <a:lnTo>
-                  <a:pt x="204" y="4327"/>
-                </a:lnTo>
-                <a:cubicBezTo>
-                  <a:pt x="1288" y="3574"/>
-                  <a:pt x="1608" y="1590"/>
-                  <a:pt x="0" y="0"/>
-                </a:cubicBezTo>
-                <a:lnTo>
-                  <a:pt x="1914" y="9"/>
-                </a:lnTo>
-                <a:close/>
-              </a:path>
-            </a:pathLst>
-          </a:custGeom>
-          <a:solidFill>
-            <a:schemeClr val="bg1">
-              <a:tint val="90000"/>
-              <a:satMod val="350000"/>
-              <a:alpha val="40000"/>
-            </a:schemeClr>
-          </a:solidFill>
-          <a:ln w="9525" cap="flat" cmpd="sng" algn="ctr">
-            <a:noFill/>
-            <a:prstDash val="solid"/>
-            <a:round/>
-            <a:headEnd type="none" w="med" len="med"/>
-            <a:tailEnd type="none" w="med" len="med"/>
-          </a:ln>
-          <a:effectLst>
-            <a:outerShdw blurRad="50800" dist="50800" dir="10800000" algn="ctr" rotWithShape="0">
-              <a:prstClr val="black">
-                <a:alpha val="45000"/>
-              </a:prstClr>
-            </a:outerShdw>
-          </a:effectLst>
-        </p:spPr>
-        <p:txBody>
-          <a:bodyPr vert="horz" wrap="square" lIns="91440" tIns="45720" rIns="91440" bIns="45720" anchor="t" compatLnSpc="1"/>
-          <a:lstStyle/>
-          <a:p>
-            <a:endParaRPr kumimoji="0" lang="en-US"/>
-          </a:p>
-        </p:txBody>
-      </p:sp>
-      <p:sp>
-        <p:nvSpPr>
-          <p:cNvPr id="9" name="Заголовок 8"/>
+          <p:cNvPr id="2" name="Заголовок 1"/>
           <p:cNvSpPr>
             <a:spLocks noGrp="1"/>
           </p:cNvSpPr>
@@ -341,69 +1039,28 @@
         </p:nvSpPr>
         <p:spPr>
           <a:xfrm>
-            <a:off x="429064" y="3337560"/>
-            <a:ext cx="6480048" cy="2301240"/>
+            <a:off x="685800" y="3355848"/>
+            <a:ext cx="8077200" cy="1673352"/>
           </a:xfrm>
         </p:spPr>
         <p:txBody>
-          <a:bodyPr rIns="45720" anchor="t"/>
+          <a:bodyPr vert="horz" lIns="91440" tIns="0" rIns="45720" bIns="0" rtlCol="0" anchor="t">
+            <a:normAutofit/>
+            <a:scene3d>
+              <a:camera prst="orthographicFront"/>
+              <a:lightRig rig="threePt" dir="t">
+                <a:rot lat="0" lon="0" rev="4800000"/>
+              </a:lightRig>
+            </a:scene3d>
+            <a:sp3d prstMaterial="matte">
+              <a:bevelT w="50800" h="10160"/>
+            </a:sp3d>
+          </a:bodyPr>
           <a:lstStyle>
-            <a:lvl1pPr algn="r">
-              <a:defRPr lang="en-US" b="1" cap="all" baseline="0" dirty="0">
-                <a:ln w="5000" cmpd="sng">
-                  <a:solidFill>
-                    <a:schemeClr val="accent1">
-                      <a:tint val="80000"/>
-                      <a:shade val="99000"/>
-                      <a:satMod val="500000"/>
-                    </a:schemeClr>
-                  </a:solidFill>
-                  <a:prstDash val="solid"/>
-                </a:ln>
-                <a:gradFill>
-                  <a:gsLst>
-                    <a:gs pos="0">
-                      <a:schemeClr val="accent1">
-                        <a:tint val="63000"/>
-                        <a:satMod val="255000"/>
-                      </a:schemeClr>
-                    </a:gs>
-                    <a:gs pos="9000">
-                      <a:schemeClr val="accent1">
-                        <a:tint val="63000"/>
-                        <a:satMod val="255000"/>
-                      </a:schemeClr>
-                    </a:gs>
-                    <a:gs pos="53000">
-                      <a:schemeClr val="accent1">
-                        <a:shade val="60000"/>
-                        <a:satMod val="100000"/>
-                      </a:schemeClr>
-                    </a:gs>
-                    <a:gs pos="90000">
-                      <a:schemeClr val="accent1">
-                        <a:tint val="63000"/>
-                        <a:satMod val="255000"/>
-                      </a:schemeClr>
-                    </a:gs>
-                    <a:gs pos="100000">
-                      <a:schemeClr val="accent1">
-                        <a:tint val="63000"/>
-                        <a:satMod val="255000"/>
-                      </a:schemeClr>
-                    </a:gs>
-                  </a:gsLst>
-                  <a:lin ang="5400000"/>
-                </a:gradFill>
-                <a:effectLst>
-                  <a:outerShdw blurRad="50800" dist="38100" dir="5400000" algn="t" rotWithShape="0">
-                    <a:prstClr val="black">
-                      <a:alpha val="50000"/>
-                    </a:prstClr>
-                  </a:outerShdw>
-                </a:effectLst>
-              </a:defRPr>
+            <a:lvl1pPr algn="l">
+              <a:defRPr sz="4700" b="1"/>
             </a:lvl1pPr>
+            <a:extLst/>
           </a:lstStyle>
           <a:p>
             <a:r>
@@ -416,7 +1073,7 @@
       </p:sp>
       <p:sp>
         <p:nvSpPr>
-          <p:cNvPr id="17" name="Подзаголовок 16"/>
+          <p:cNvPr id="3" name="Подзаголовок 2"/>
           <p:cNvSpPr>
             <a:spLocks noGrp="1"/>
           </p:cNvSpPr>
@@ -426,48 +1083,102 @@
         </p:nvSpPr>
         <p:spPr>
           <a:xfrm>
-            <a:off x="433050" y="1544812"/>
-            <a:ext cx="6480048" cy="1752600"/>
+            <a:off x="685800" y="1828800"/>
+            <a:ext cx="8077200" cy="1499616"/>
           </a:xfrm>
         </p:spPr>
         <p:txBody>
-          <a:bodyPr tIns="0" rIns="45720" bIns="0" anchor="b">
-            <a:normAutofit/>
-          </a:bodyPr>
+          <a:bodyPr lIns="118872" tIns="0" rIns="45720" bIns="0" anchor="b"/>
           <a:lstStyle>
-            <a:lvl1pPr marL="0" indent="0" algn="r">
+            <a:lvl1pPr marL="0" indent="0" algn="l">
               <a:buNone/>
               <a:defRPr sz="2000">
                 <a:solidFill>
-                  <a:schemeClr val="tx1"/>
+                  <a:srgbClr val="FFFFFF"/>
                 </a:solidFill>
-                <a:effectLst/>
               </a:defRPr>
             </a:lvl1pPr>
             <a:lvl2pPr marL="457200" indent="0" algn="ctr">
               <a:buNone/>
+              <a:defRPr>
+                <a:solidFill>
+                  <a:schemeClr val="tx1">
+                    <a:tint val="75000"/>
+                  </a:schemeClr>
+                </a:solidFill>
+              </a:defRPr>
             </a:lvl2pPr>
             <a:lvl3pPr marL="914400" indent="0" algn="ctr">
               <a:buNone/>
+              <a:defRPr>
+                <a:solidFill>
+                  <a:schemeClr val="tx1">
+                    <a:tint val="75000"/>
+                  </a:schemeClr>
+                </a:solidFill>
+              </a:defRPr>
             </a:lvl3pPr>
             <a:lvl4pPr marL="1371600" indent="0" algn="ctr">
               <a:buNone/>
+              <a:defRPr>
+                <a:solidFill>
+                  <a:schemeClr val="tx1">
+                    <a:tint val="75000"/>
+                  </a:schemeClr>
+                </a:solidFill>
+              </a:defRPr>
             </a:lvl4pPr>
             <a:lvl5pPr marL="1828800" indent="0" algn="ctr">
               <a:buNone/>
+              <a:defRPr>
+                <a:solidFill>
+                  <a:schemeClr val="tx1">
+                    <a:tint val="75000"/>
+                  </a:schemeClr>
+                </a:solidFill>
+              </a:defRPr>
             </a:lvl5pPr>
             <a:lvl6pPr marL="2286000" indent="0" algn="ctr">
               <a:buNone/>
+              <a:defRPr>
+                <a:solidFill>
+                  <a:schemeClr val="tx1">
+                    <a:tint val="75000"/>
+                  </a:schemeClr>
+                </a:solidFill>
+              </a:defRPr>
             </a:lvl6pPr>
             <a:lvl7pPr marL="2743200" indent="0" algn="ctr">
               <a:buNone/>
+              <a:defRPr>
+                <a:solidFill>
+                  <a:schemeClr val="tx1">
+                    <a:tint val="75000"/>
+                  </a:schemeClr>
+                </a:solidFill>
+              </a:defRPr>
             </a:lvl7pPr>
             <a:lvl8pPr marL="3200400" indent="0" algn="ctr">
               <a:buNone/>
+              <a:defRPr>
+                <a:solidFill>
+                  <a:schemeClr val="tx1">
+                    <a:tint val="75000"/>
+                  </a:schemeClr>
+                </a:solidFill>
+              </a:defRPr>
             </a:lvl8pPr>
             <a:lvl9pPr marL="3657600" indent="0" algn="ctr">
               <a:buNone/>
+              <a:defRPr>
+                <a:solidFill>
+                  <a:schemeClr val="tx1">
+                    <a:tint val="75000"/>
+                  </a:schemeClr>
+                </a:solidFill>
+              </a:defRPr>
             </a:lvl9pPr>
+            <a:extLst/>
           </a:lstStyle>
           <a:p>
             <a:r>
@@ -480,7 +1191,7 @@
       </p:sp>
       <p:sp>
         <p:nvSpPr>
-          <p:cNvPr id="30" name="Дата 29"/>
+          <p:cNvPr id="4" name="Дата 3"/>
           <p:cNvSpPr>
             <a:spLocks noGrp="1"/>
           </p:cNvSpPr>
@@ -495,7 +1206,8 @@
           <a:p>
             <a:fld id="{B694148D-F572-431C-9104-40A9977EF92E}" type="datetimeFigureOut">
               <a:rPr lang="ru-RU" smtClean="0"/>
-              <a:t>15.04.2014</a:t>
+              <a:pPr/>
+              <a:t>03.06.2014</a:t>
             </a:fld>
             <a:endParaRPr lang="ru-RU"/>
           </a:p>
@@ -503,7 +1215,7 @@
       </p:sp>
       <p:sp>
         <p:nvSpPr>
-          <p:cNvPr id="19" name="Нижний колонтитул 18"/>
+          <p:cNvPr id="5" name="Нижний колонтитул 4"/>
           <p:cNvSpPr>
             <a:spLocks noGrp="1"/>
           </p:cNvSpPr>
@@ -522,7 +1234,7 @@
       </p:sp>
       <p:sp>
         <p:nvSpPr>
-          <p:cNvPr id="27" name="Номер слайда 26"/>
+          <p:cNvPr id="6" name="Номер слайда 5"/>
           <p:cNvSpPr>
             <a:spLocks noGrp="1"/>
           </p:cNvSpPr>
@@ -537,9 +1249,64 @@
           <a:p>
             <a:fld id="{48997E51-03E2-4119-AB53-0712BC3CF70D}" type="slidenum">
               <a:rPr lang="ru-RU" smtClean="0"/>
+              <a:pPr/>
               <a:t>‹#›</a:t>
             </a:fld>
             <a:endParaRPr lang="ru-RU"/>
+          </a:p>
+        </p:txBody>
+      </p:sp>
+      <p:sp>
+        <p:nvSpPr>
+          <p:cNvPr id="10" name="Прямоугольник 9"/>
+          <p:cNvSpPr/>
+          <p:nvPr/>
+        </p:nvSpPr>
+        <p:spPr bwMode="invGray">
+          <a:xfrm>
+            <a:off x="0" y="5128334"/>
+            <a:ext cx="9144000" cy="45720"/>
+          </a:xfrm>
+          <a:prstGeom prst="rect">
+            <a:avLst/>
+          </a:prstGeom>
+          <a:solidFill>
+            <a:srgbClr val="FFFFFF"/>
+          </a:solidFill>
+          <a:ln w="48000" cap="flat" cmpd="thickThin" algn="ctr">
+            <a:noFill/>
+            <a:prstDash val="solid"/>
+          </a:ln>
+          <a:effectLst>
+            <a:outerShdw blurRad="31750" dist="10160" dir="5400000" algn="tl" rotWithShape="0">
+              <a:srgbClr val="000000">
+                <a:alpha val="60000"/>
+              </a:srgbClr>
+            </a:outerShdw>
+          </a:effectLst>
+        </p:spPr>
+        <p:style>
+          <a:lnRef idx="2">
+            <a:schemeClr val="accent1"/>
+          </a:lnRef>
+          <a:fillRef idx="1">
+            <a:schemeClr val="accent1"/>
+          </a:fillRef>
+          <a:effectRef idx="0">
+            <a:schemeClr val="accent1"/>
+          </a:effectRef>
+          <a:fontRef idx="minor">
+            <a:schemeClr val="lt1"/>
+          </a:fontRef>
+        </p:style>
+        <p:txBody>
+          <a:bodyPr rtlCol="0" anchor="ctr"/>
+          <a:lstStyle>
+            <a:extLst/>
+          </a:lstStyle>
+          <a:p>
+            <a:pPr algn="ctr" eaLnBrk="1" latinLnBrk="0" hangingPunct="1"/>
+            <a:endParaRPr kumimoji="0" lang="en-US"/>
           </a:p>
         </p:txBody>
       </p:sp>
@@ -551,6 +1318,13 @@
   <p:transition>
     <p:fade/>
   </p:transition>
+  <p:timing>
+    <p:tnLst>
+      <p:par>
+        <p:cTn id="1" dur="indefinite" restart="never" nodeType="tmRoot"/>
+      </p:par>
+    </p:tnLst>
+  </p:timing>
 </p:sldLayout>
 </file>
 
@@ -584,7 +1358,9 @@
         <p:spPr/>
         <p:txBody>
           <a:bodyPr/>
-          <a:lstStyle/>
+          <a:lstStyle>
+            <a:extLst/>
+          </a:lstStyle>
           <a:p>
             <a:r>
               <a:rPr kumimoji="0" lang="ru-RU" smtClean="0"/>
@@ -607,7 +1383,9 @@
         <p:spPr/>
         <p:txBody>
           <a:bodyPr vert="eaVert"/>
-          <a:lstStyle/>
+          <a:lstStyle>
+            <a:extLst/>
+          </a:lstStyle>
           <a:p>
             <a:pPr lvl="0" eaLnBrk="1" latinLnBrk="0" hangingPunct="1"/>
             <a:r>
@@ -663,7 +1441,8 @@
           <a:p>
             <a:fld id="{B694148D-F572-431C-9104-40A9977EF92E}" type="datetimeFigureOut">
               <a:rPr lang="ru-RU" smtClean="0"/>
-              <a:t>15.04.2014</a:t>
+              <a:pPr/>
+              <a:t>03.06.2014</a:t>
             </a:fld>
             <a:endParaRPr lang="ru-RU"/>
           </a:p>
@@ -705,6 +1484,7 @@
           <a:p>
             <a:fld id="{48997E51-03E2-4119-AB53-0712BC3CF70D}" type="slidenum">
               <a:rPr lang="ru-RU" smtClean="0"/>
+              <a:pPr/>
               <a:t>‹#›</a:t>
             </a:fld>
             <a:endParaRPr lang="ru-RU"/>
@@ -719,11 +1499,18 @@
   <p:transition>
     <p:fade/>
   </p:transition>
+  <p:timing>
+    <p:tnLst>
+      <p:par>
+        <p:cTn id="1" dur="indefinite" restart="never" nodeType="tmRoot"/>
+      </p:par>
+    </p:tnLst>
+  </p:timing>
 </p:sldLayout>
 </file>
 
 <file path=ppt/slideLayouts/slideLayout11.xml><?xml version="1.0" encoding="utf-8"?>
-<p:sldLayout xmlns:a="http://schemas.openxmlformats.org/drawingml/2006/main" xmlns:r="http://schemas.openxmlformats.org/officeDocument/2006/relationships" xmlns:p="http://schemas.openxmlformats.org/presentationml/2006/main" type="vertTitleAndTx" preserve="1">
+<p:sldLayout xmlns:a="http://schemas.openxmlformats.org/drawingml/2006/main" xmlns:r="http://schemas.openxmlformats.org/officeDocument/2006/relationships" xmlns:p="http://schemas.openxmlformats.org/presentationml/2006/main" showMasterSp="0" type="vertTitleAndTx" preserve="1">
   <p:cSld name="Вертикальный заголовок и текст">
     <p:spTree>
       <p:nvGrpSpPr>
@@ -741,6 +1528,107 @@
       </p:grpSpPr>
       <p:sp>
         <p:nvSpPr>
+          <p:cNvPr id="9" name="Прямоугольник 8"/>
+          <p:cNvSpPr/>
+          <p:nvPr/>
+        </p:nvSpPr>
+        <p:spPr bwMode="invGray">
+          <a:xfrm>
+            <a:off x="6598920" y="0"/>
+            <a:ext cx="45720" cy="6858000"/>
+          </a:xfrm>
+          <a:prstGeom prst="rect">
+            <a:avLst/>
+          </a:prstGeom>
+          <a:solidFill>
+            <a:srgbClr val="FFFFFF"/>
+          </a:solidFill>
+          <a:ln w="48000" cap="flat" cmpd="thickThin" algn="ctr">
+            <a:noFill/>
+            <a:prstDash val="solid"/>
+          </a:ln>
+          <a:effectLst>
+            <a:outerShdw blurRad="31750" dist="10160" dir="10800000" algn="tl" rotWithShape="0">
+              <a:srgbClr val="000000">
+                <a:alpha val="60000"/>
+              </a:srgbClr>
+            </a:outerShdw>
+          </a:effectLst>
+        </p:spPr>
+        <p:style>
+          <a:lnRef idx="2">
+            <a:schemeClr val="accent1"/>
+          </a:lnRef>
+          <a:fillRef idx="1">
+            <a:schemeClr val="accent1"/>
+          </a:fillRef>
+          <a:effectRef idx="0">
+            <a:schemeClr val="accent1"/>
+          </a:effectRef>
+          <a:fontRef idx="minor">
+            <a:schemeClr val="lt1"/>
+          </a:fontRef>
+        </p:style>
+        <p:txBody>
+          <a:bodyPr rtlCol="0" anchor="ctr"/>
+          <a:lstStyle>
+            <a:extLst/>
+          </a:lstStyle>
+          <a:p>
+            <a:pPr algn="ctr" eaLnBrk="1" latinLnBrk="0" hangingPunct="1"/>
+            <a:endParaRPr kumimoji="0" lang="en-US"/>
+          </a:p>
+        </p:txBody>
+      </p:sp>
+      <p:sp>
+        <p:nvSpPr>
+          <p:cNvPr id="8" name="Прямоугольник 7"/>
+          <p:cNvSpPr/>
+          <p:nvPr/>
+        </p:nvSpPr>
+        <p:spPr bwMode="ltGray">
+          <a:xfrm>
+            <a:off x="6647687" y="0"/>
+            <a:ext cx="2514601" cy="6858000"/>
+          </a:xfrm>
+          <a:prstGeom prst="rect">
+            <a:avLst/>
+          </a:prstGeom>
+          <a:solidFill>
+            <a:srgbClr val="000000"/>
+          </a:solidFill>
+          <a:ln w="48000" cap="flat" cmpd="thickThin" algn="ctr">
+            <a:noFill/>
+            <a:prstDash val="solid"/>
+          </a:ln>
+        </p:spPr>
+        <p:style>
+          <a:lnRef idx="2">
+            <a:schemeClr val="accent1"/>
+          </a:lnRef>
+          <a:fillRef idx="1">
+            <a:schemeClr val="accent1"/>
+          </a:fillRef>
+          <a:effectRef idx="0">
+            <a:schemeClr val="accent1"/>
+          </a:effectRef>
+          <a:fontRef idx="minor">
+            <a:schemeClr val="lt1"/>
+          </a:fontRef>
+        </p:style>
+        <p:txBody>
+          <a:bodyPr rtlCol="0" anchor="ctr"/>
+          <a:lstStyle>
+            <a:extLst/>
+          </a:lstStyle>
+          <a:p>
+            <a:pPr algn="ctr" eaLnBrk="1" latinLnBrk="0" hangingPunct="1"/>
+            <a:endParaRPr kumimoji="0" lang="en-US"/>
+          </a:p>
+        </p:txBody>
+      </p:sp>
+      <p:sp>
+        <p:nvSpPr>
           <p:cNvPr id="2" name="Вертикальный заголовок 1"/>
           <p:cNvSpPr>
             <a:spLocks noGrp="1"/>
@@ -751,13 +1639,15 @@
         </p:nvSpPr>
         <p:spPr>
           <a:xfrm>
-            <a:off x="6629400" y="274638"/>
-            <a:ext cx="2057400" cy="5851525"/>
+            <a:off x="6781800" y="274640"/>
+            <a:ext cx="1905000" cy="5851525"/>
           </a:xfrm>
         </p:spPr>
         <p:txBody>
           <a:bodyPr vert="eaVert"/>
-          <a:lstStyle/>
+          <a:lstStyle>
+            <a:extLst/>
+          </a:lstStyle>
           <a:p>
             <a:r>
               <a:rPr kumimoji="0" lang="ru-RU" smtClean="0"/>
@@ -779,13 +1669,15 @@
         </p:nvSpPr>
         <p:spPr>
           <a:xfrm>
-            <a:off x="457200" y="274638"/>
+            <a:off x="457200" y="304800"/>
             <a:ext cx="6019800" cy="5851525"/>
           </a:xfrm>
         </p:spPr>
         <p:txBody>
           <a:bodyPr vert="eaVert"/>
-          <a:lstStyle/>
+          <a:lstStyle>
+            <a:extLst/>
+          </a:lstStyle>
           <a:p>
             <a:pPr lvl="0" eaLnBrk="1" latinLnBrk="0" hangingPunct="1"/>
             <a:r>
@@ -841,7 +1733,8 @@
           <a:p>
             <a:fld id="{B694148D-F572-431C-9104-40A9977EF92E}" type="datetimeFigureOut">
               <a:rPr lang="ru-RU" smtClean="0"/>
-              <a:t>15.04.2014</a:t>
+              <a:pPr/>
+              <a:t>03.06.2014</a:t>
             </a:fld>
             <a:endParaRPr lang="ru-RU"/>
           </a:p>
@@ -857,7 +1750,12 @@
             <p:ph type="ftr" sz="quarter" idx="11"/>
           </p:nvPr>
         </p:nvSpPr>
-        <p:spPr/>
+        <p:spPr>
+          <a:xfrm>
+            <a:off x="2640597" y="6377459"/>
+            <a:ext cx="3836404" cy="365125"/>
+          </a:xfrm>
+        </p:spPr>
         <p:txBody>
           <a:bodyPr/>
           <a:lstStyle/>
@@ -883,6 +1781,7 @@
           <a:p>
             <a:fld id="{48997E51-03E2-4119-AB53-0712BC3CF70D}" type="slidenum">
               <a:rPr lang="ru-RU" smtClean="0"/>
+              <a:pPr/>
               <a:t>‹#›</a:t>
             </a:fld>
             <a:endParaRPr lang="ru-RU"/>
@@ -897,6 +1796,13 @@
   <p:transition>
     <p:fade/>
   </p:transition>
+  <p:timing>
+    <p:tnLst>
+      <p:par>
+        <p:cTn id="1" dur="indefinite" restart="never" nodeType="tmRoot"/>
+      </p:par>
+    </p:tnLst>
+  </p:timing>
 </p:sldLayout>
 </file>
 
@@ -927,13 +1833,16 @@
             <p:ph type="title"/>
           </p:nvPr>
         </p:nvSpPr>
-        <p:spPr/>
+        <p:spPr>
+          <a:xfrm>
+            <a:off x="457200" y="155448"/>
+            <a:ext cx="8229600" cy="1252728"/>
+          </a:xfrm>
+        </p:spPr>
         <p:txBody>
           <a:bodyPr/>
           <a:lstStyle>
-            <a:lvl1pPr algn="l">
-              <a:defRPr/>
-            </a:lvl1pPr>
+            <a:extLst/>
           </a:lstStyle>
           <a:p>
             <a:r>
@@ -957,7 +1866,9 @@
         <p:spPr/>
         <p:txBody>
           <a:bodyPr/>
-          <a:lstStyle/>
+          <a:lstStyle>
+            <a:extLst/>
+          </a:lstStyle>
           <a:p>
             <a:pPr lvl="0" eaLnBrk="1" latinLnBrk="0" hangingPunct="1"/>
             <a:r>
@@ -1013,7 +1924,8 @@
           <a:p>
             <a:fld id="{B694148D-F572-431C-9104-40A9977EF92E}" type="datetimeFigureOut">
               <a:rPr lang="ru-RU" smtClean="0"/>
-              <a:t>15.04.2014</a:t>
+              <a:pPr/>
+              <a:t>03.06.2014</a:t>
             </a:fld>
             <a:endParaRPr lang="ru-RU"/>
           </a:p>
@@ -1055,6 +1967,7 @@
           <a:p>
             <a:fld id="{48997E51-03E2-4119-AB53-0712BC3CF70D}" type="slidenum">
               <a:rPr lang="ru-RU" smtClean="0"/>
+              <a:pPr/>
               <a:t>‹#›</a:t>
             </a:fld>
             <a:endParaRPr lang="ru-RU"/>
@@ -1069,6 +1982,13 @@
   <p:transition>
     <p:fade/>
   </p:transition>
+  <p:timing>
+    <p:tnLst>
+      <p:par>
+        <p:cTn id="1" dur="indefinite" restart="never" nodeType="tmRoot"/>
+      </p:par>
+    </p:tnLst>
+  </p:timing>
 </p:sldLayout>
 </file>
 
@@ -1096,196 +2016,101 @@
       </p:grpSpPr>
       <p:sp>
         <p:nvSpPr>
-          <p:cNvPr id="7" name="Полилиния 6"/>
-          <p:cNvSpPr>
-            <a:spLocks/>
-          </p:cNvSpPr>
+          <p:cNvPr id="9" name="Прямоугольник 8"/>
+          <p:cNvSpPr/>
           <p:nvPr/>
         </p:nvSpPr>
-        <p:spPr bwMode="auto">
+        <p:spPr bwMode="ltGray">
           <a:xfrm>
-            <a:off x="0" y="4752126"/>
-            <a:ext cx="9144000" cy="2112962"/>
+            <a:off x="0" y="1"/>
+            <a:ext cx="9144000" cy="2602520"/>
           </a:xfrm>
-          <a:custGeom>
-            <a:avLst>
-              <a:gd name="A1" fmla="val 0"/>
-              <a:gd name="A2" fmla="val 0"/>
-              <a:gd name="A3" fmla="val 0"/>
-              <a:gd name="A4" fmla="val 0"/>
-              <a:gd name="A5" fmla="val 0"/>
-              <a:gd name="A6" fmla="val 0"/>
-              <a:gd name="A7" fmla="val 0"/>
-              <a:gd name="A8" fmla="val 0"/>
-            </a:avLst>
-            <a:gdLst/>
-            <a:ahLst/>
-            <a:cxnLst>
-              <a:cxn ang="0">
-                <a:pos x="0" y="1066"/>
-              </a:cxn>
-              <a:cxn ang="0">
-                <a:pos x="0" y="1331"/>
-              </a:cxn>
-              <a:cxn ang="0">
-                <a:pos x="5760" y="1331"/>
-              </a:cxn>
-              <a:cxn ang="0">
-                <a:pos x="5760" y="0"/>
-              </a:cxn>
-              <a:cxn ang="0">
-                <a:pos x="0" y="1066"/>
-              </a:cxn>
-            </a:cxnLst>
-            <a:rect l="0" t="0" r="0" b="0"/>
-            <a:pathLst>
-              <a:path w="5760" h="1331">
-                <a:moveTo>
-                  <a:pt x="0" y="1066"/>
-                </a:moveTo>
-                <a:lnTo>
-                  <a:pt x="0" y="1331"/>
-                </a:lnTo>
-                <a:lnTo>
-                  <a:pt x="5760" y="1331"/>
-                </a:lnTo>
-                <a:lnTo>
-                  <a:pt x="5760" y="0"/>
-                </a:lnTo>
-                <a:cubicBezTo>
-                  <a:pt x="3220" y="1206"/>
-                  <a:pt x="2250" y="1146"/>
-                  <a:pt x="0" y="1066"/>
-                </a:cubicBezTo>
-                <a:close/>
-              </a:path>
-            </a:pathLst>
-          </a:custGeom>
+          <a:prstGeom prst="rect">
+            <a:avLst/>
+          </a:prstGeom>
           <a:solidFill>
-            <a:schemeClr val="bg1">
-              <a:tint val="80000"/>
-              <a:satMod val="200000"/>
-              <a:alpha val="45000"/>
-            </a:schemeClr>
+            <a:srgbClr val="000000"/>
           </a:solidFill>
-          <a:ln w="9525" cap="flat" cmpd="sng" algn="ctr">
+          <a:ln w="48000" cap="flat" cmpd="thickThin" algn="ctr">
             <a:noFill/>
             <a:prstDash val="solid"/>
-            <a:round/>
-            <a:headEnd type="none" w="med" len="med"/>
-            <a:tailEnd type="none" w="med" len="med"/>
+          </a:ln>
+        </p:spPr>
+        <p:style>
+          <a:lnRef idx="2">
+            <a:schemeClr val="accent1"/>
+          </a:lnRef>
+          <a:fillRef idx="1">
+            <a:schemeClr val="accent1"/>
+          </a:fillRef>
+          <a:effectRef idx="0">
+            <a:schemeClr val="accent1"/>
+          </a:effectRef>
+          <a:fontRef idx="minor">
+            <a:schemeClr val="lt1"/>
+          </a:fontRef>
+        </p:style>
+        <p:txBody>
+          <a:bodyPr rtlCol="0" anchor="ctr"/>
+          <a:lstStyle>
+            <a:extLst/>
+          </a:lstStyle>
+          <a:p>
+            <a:pPr algn="ctr" eaLnBrk="1" latinLnBrk="0" hangingPunct="1"/>
+            <a:endParaRPr kumimoji="0" lang="en-US"/>
+          </a:p>
+        </p:txBody>
+      </p:sp>
+      <p:sp>
+        <p:nvSpPr>
+          <p:cNvPr id="12" name="Прямоугольник 11"/>
+          <p:cNvSpPr/>
+          <p:nvPr/>
+        </p:nvSpPr>
+        <p:spPr bwMode="invGray">
+          <a:xfrm>
+            <a:off x="0" y="2602520"/>
+            <a:ext cx="9144000" cy="45720"/>
+          </a:xfrm>
+          <a:prstGeom prst="rect">
+            <a:avLst/>
+          </a:prstGeom>
+          <a:solidFill>
+            <a:srgbClr val="FFFFFF"/>
+          </a:solidFill>
+          <a:ln w="48000" cap="flat" cmpd="thickThin" algn="ctr">
+            <a:noFill/>
+            <a:prstDash val="solid"/>
           </a:ln>
           <a:effectLst>
-            <a:outerShdw blurRad="50800" dist="44450" dir="16200000" algn="ctr" rotWithShape="0">
-              <a:prstClr val="black">
-                <a:alpha val="35000"/>
-              </a:prstClr>
+            <a:outerShdw blurRad="31750" dist="10160" dir="5400000" algn="tl" rotWithShape="0">
+              <a:srgbClr val="000000">
+                <a:alpha val="60000"/>
+              </a:srgbClr>
             </a:outerShdw>
           </a:effectLst>
         </p:spPr>
-        <p:txBody>
-          <a:bodyPr vert="horz" wrap="square" lIns="91440" tIns="45720" rIns="91440" bIns="45720" anchor="t" compatLnSpc="1"/>
-          <a:lstStyle/>
-          <a:p>
-            <a:endParaRPr kumimoji="0" lang="en-US"/>
-          </a:p>
-        </p:txBody>
-      </p:sp>
-      <p:sp>
-        <p:nvSpPr>
-          <p:cNvPr id="9" name="Полилиния 8"/>
-          <p:cNvSpPr>
-            <a:spLocks/>
-          </p:cNvSpPr>
-          <p:nvPr/>
-        </p:nvSpPr>
-        <p:spPr bwMode="auto">
-          <a:xfrm>
-            <a:off x="6105525" y="0"/>
-            <a:ext cx="3038475" cy="6858000"/>
-          </a:xfrm>
-          <a:custGeom>
-            <a:avLst/>
-            <a:gdLst>
-              <a:gd name="connsiteX0" fmla="*/ 1914 w 1914"/>
-              <a:gd name="connsiteY0" fmla="*/ 9 h 4329"/>
-              <a:gd name="connsiteX1" fmla="*/ 1914 w 1914"/>
-              <a:gd name="connsiteY1" fmla="*/ 4329 h 4329"/>
-              <a:gd name="connsiteX2" fmla="*/ 204 w 1914"/>
-              <a:gd name="connsiteY2" fmla="*/ 4327 h 4329"/>
-              <a:gd name="connsiteX3" fmla="*/ 0 w 1914"/>
-              <a:gd name="connsiteY3" fmla="*/ 0 h 4329"/>
-              <a:gd name="connsiteX4" fmla="*/ 1914 w 1914"/>
-              <a:gd name="connsiteY4" fmla="*/ 9 h 4329"/>
-            </a:gdLst>
-            <a:ahLst/>
-            <a:cxnLst>
-              <a:cxn ang="0">
-                <a:pos x="connsiteX0" y="connsiteY0"/>
-              </a:cxn>
-              <a:cxn ang="0">
-                <a:pos x="connsiteX1" y="connsiteY1"/>
-              </a:cxn>
-              <a:cxn ang="0">
-                <a:pos x="connsiteX2" y="connsiteY2"/>
-              </a:cxn>
-              <a:cxn ang="0">
-                <a:pos x="connsiteX3" y="connsiteY3"/>
-              </a:cxn>
-              <a:cxn ang="0">
-                <a:pos x="connsiteX4" y="connsiteY4"/>
-              </a:cxn>
-            </a:cxnLst>
-            <a:rect l="l" t="t" r="r" b="b"/>
-            <a:pathLst>
-              <a:path w="1914" h="4329">
-                <a:moveTo>
-                  <a:pt x="1914" y="9"/>
-                </a:moveTo>
-                <a:lnTo>
-                  <a:pt x="1914" y="4329"/>
-                </a:lnTo>
-                <a:lnTo>
-                  <a:pt x="204" y="4327"/>
-                </a:lnTo>
-                <a:cubicBezTo>
-                  <a:pt x="1288" y="3574"/>
-                  <a:pt x="1608" y="1590"/>
-                  <a:pt x="0" y="0"/>
-                </a:cubicBezTo>
-                <a:lnTo>
-                  <a:pt x="1914" y="9"/>
-                </a:lnTo>
-                <a:close/>
-              </a:path>
-            </a:pathLst>
-          </a:custGeom>
-          <a:solidFill>
-            <a:schemeClr val="bg1">
-              <a:tint val="90000"/>
-              <a:satMod val="350000"/>
-              <a:alpha val="40000"/>
-            </a:schemeClr>
-          </a:solidFill>
-          <a:ln w="9525" cap="flat" cmpd="sng" algn="ctr">
-            <a:noFill/>
-            <a:prstDash val="solid"/>
-            <a:round/>
-            <a:headEnd type="none" w="med" len="med"/>
-            <a:tailEnd type="none" w="med" len="med"/>
-          </a:ln>
-          <a:effectLst>
-            <a:outerShdw blurRad="50800" dist="50800" dir="10800000" algn="ctr" rotWithShape="0">
-              <a:prstClr val="black">
-                <a:alpha val="45000"/>
-              </a:prstClr>
-            </a:outerShdw>
-          </a:effectLst>
-        </p:spPr>
-        <p:txBody>
-          <a:bodyPr vert="horz" wrap="square" lIns="91440" tIns="45720" rIns="91440" bIns="45720" anchor="t" compatLnSpc="1"/>
-          <a:lstStyle/>
-          <a:p>
+        <p:style>
+          <a:lnRef idx="2">
+            <a:schemeClr val="accent1"/>
+          </a:lnRef>
+          <a:fillRef idx="1">
+            <a:schemeClr val="accent1"/>
+          </a:fillRef>
+          <a:effectRef idx="0">
+            <a:schemeClr val="accent1"/>
+          </a:effectRef>
+          <a:fontRef idx="minor">
+            <a:schemeClr val="lt1"/>
+          </a:fontRef>
+        </p:style>
+        <p:txBody>
+          <a:bodyPr rtlCol="0" anchor="ctr"/>
+          <a:lstStyle>
+            <a:extLst/>
+          </a:lstStyle>
+          <a:p>
+            <a:pPr algn="ctr" eaLnBrk="1" latinLnBrk="0" hangingPunct="1"/>
             <a:endParaRPr kumimoji="0" lang="en-US"/>
           </a:p>
         </p:txBody>
@@ -1302,70 +2127,28 @@
         </p:nvSpPr>
         <p:spPr>
           <a:xfrm>
-            <a:off x="685800" y="3583837"/>
-            <a:ext cx="6629400" cy="1826363"/>
+            <a:off x="749808" y="118872"/>
+            <a:ext cx="8013192" cy="1636776"/>
           </a:xfrm>
         </p:spPr>
         <p:txBody>
-          <a:bodyPr tIns="0" bIns="0" anchor="t"/>
+          <a:bodyPr vert="horz" lIns="91440" tIns="0" rIns="91440" bIns="0" rtlCol="0" anchor="b">
+            <a:normAutofit/>
+            <a:scene3d>
+              <a:camera prst="orthographicFront"/>
+              <a:lightRig rig="threePt" dir="t">
+                <a:rot lat="0" lon="0" rev="4800000"/>
+              </a:lightRig>
+            </a:scene3d>
+            <a:sp3d prstMaterial="matte">
+              <a:bevelT w="50800" h="10160"/>
+            </a:sp3d>
+          </a:bodyPr>
           <a:lstStyle>
             <a:lvl1pPr algn="l">
-              <a:buNone/>
-              <a:defRPr sz="4200" b="1" cap="none" baseline="0">
-                <a:ln w="5000" cmpd="sng">
-                  <a:solidFill>
-                    <a:schemeClr val="accent1">
-                      <a:tint val="80000"/>
-                      <a:shade val="99000"/>
-                      <a:satMod val="500000"/>
-                    </a:schemeClr>
-                  </a:solidFill>
-                  <a:prstDash val="solid"/>
-                </a:ln>
-                <a:gradFill>
-                  <a:gsLst>
-                    <a:gs pos="0">
-                      <a:schemeClr val="accent1">
-                        <a:tint val="63000"/>
-                        <a:satMod val="255000"/>
-                      </a:schemeClr>
-                    </a:gs>
-                    <a:gs pos="9000">
-                      <a:schemeClr val="accent1">
-                        <a:tint val="63000"/>
-                        <a:satMod val="255000"/>
-                      </a:schemeClr>
-                    </a:gs>
-                    <a:gs pos="53000">
-                      <a:schemeClr val="accent1">
-                        <a:shade val="60000"/>
-                        <a:satMod val="100000"/>
-                      </a:schemeClr>
-                    </a:gs>
-                    <a:gs pos="90000">
-                      <a:schemeClr val="accent1">
-                        <a:tint val="63000"/>
-                        <a:satMod val="255000"/>
-                      </a:schemeClr>
-                    </a:gs>
-                    <a:gs pos="100000">
-                      <a:schemeClr val="accent1">
-                        <a:tint val="63000"/>
-                        <a:satMod val="255000"/>
-                      </a:schemeClr>
-                    </a:gs>
-                  </a:gsLst>
-                  <a:lin ang="5400000"/>
-                </a:gradFill>
-                <a:effectLst>
-                  <a:outerShdw blurRad="50800" dist="38100" dir="5400000" algn="t" rotWithShape="0">
-                    <a:prstClr val="black">
-                      <a:alpha val="50000"/>
-                    </a:prstClr>
-                  </a:outerShdw>
-                </a:effectLst>
-              </a:defRPr>
+              <a:defRPr sz="4700" b="1" cap="none" baseline="0"/>
             </a:lvl1pPr>
+            <a:extLst/>
           </a:lstStyle>
           <a:p>
             <a:r>
@@ -1388,23 +2171,22 @@
         </p:nvSpPr>
         <p:spPr>
           <a:xfrm>
-            <a:off x="685800" y="2485800"/>
-            <a:ext cx="6629400" cy="1066688"/>
+            <a:off x="740664" y="1828800"/>
+            <a:ext cx="8022336" cy="685800"/>
           </a:xfrm>
         </p:spPr>
         <p:txBody>
-          <a:bodyPr lIns="45720" tIns="0" rIns="45720" bIns="0" anchor="b"/>
+          <a:bodyPr lIns="146304" tIns="0" rIns="45720" bIns="0" anchor="t"/>
           <a:lstStyle>
-            <a:lvl1pPr marL="0" indent="0" algn="l">
+            <a:lvl1pPr marL="0" indent="0">
               <a:buNone/>
               <a:defRPr sz="2000">
                 <a:solidFill>
-                  <a:schemeClr val="tx1"/>
+                  <a:srgbClr val="FFFFFF"/>
                 </a:solidFill>
-                <a:effectLst/>
               </a:defRPr>
             </a:lvl1pPr>
-            <a:lvl2pPr>
+            <a:lvl2pPr marL="457200" indent="0">
               <a:buNone/>
               <a:defRPr sz="1800">
                 <a:solidFill>
@@ -1414,7 +2196,7 @@
                 </a:solidFill>
               </a:defRPr>
             </a:lvl2pPr>
-            <a:lvl3pPr>
+            <a:lvl3pPr marL="914400" indent="0">
               <a:buNone/>
               <a:defRPr sz="1600">
                 <a:solidFill>
@@ -1424,7 +2206,7 @@
                 </a:solidFill>
               </a:defRPr>
             </a:lvl3pPr>
-            <a:lvl4pPr>
+            <a:lvl4pPr marL="1371600" indent="0">
               <a:buNone/>
               <a:defRPr sz="1400">
                 <a:solidFill>
@@ -1434,7 +2216,7 @@
                 </a:solidFill>
               </a:defRPr>
             </a:lvl4pPr>
-            <a:lvl5pPr>
+            <a:lvl5pPr marL="1828800" indent="0">
               <a:buNone/>
               <a:defRPr sz="1400">
                 <a:solidFill>
@@ -1444,6 +2226,47 @@
                 </a:solidFill>
               </a:defRPr>
             </a:lvl5pPr>
+            <a:lvl6pPr marL="2286000" indent="0">
+              <a:buNone/>
+              <a:defRPr sz="1400">
+                <a:solidFill>
+                  <a:schemeClr val="tx1">
+                    <a:tint val="75000"/>
+                  </a:schemeClr>
+                </a:solidFill>
+              </a:defRPr>
+            </a:lvl6pPr>
+            <a:lvl7pPr marL="2743200" indent="0">
+              <a:buNone/>
+              <a:defRPr sz="1400">
+                <a:solidFill>
+                  <a:schemeClr val="tx1">
+                    <a:tint val="75000"/>
+                  </a:schemeClr>
+                </a:solidFill>
+              </a:defRPr>
+            </a:lvl7pPr>
+            <a:lvl8pPr marL="3200400" indent="0">
+              <a:buNone/>
+              <a:defRPr sz="1400">
+                <a:solidFill>
+                  <a:schemeClr val="tx1">
+                    <a:tint val="75000"/>
+                  </a:schemeClr>
+                </a:solidFill>
+              </a:defRPr>
+            </a:lvl8pPr>
+            <a:lvl9pPr marL="3657600" indent="0">
+              <a:buNone/>
+              <a:defRPr sz="1400">
+                <a:solidFill>
+                  <a:schemeClr val="tx1">
+                    <a:tint val="75000"/>
+                  </a:schemeClr>
+                </a:solidFill>
+              </a:defRPr>
+            </a:lvl9pPr>
+            <a:extLst/>
           </a:lstStyle>
           <a:p>
             <a:pPr lvl="0" eaLnBrk="1" latinLnBrk="0" hangingPunct="1"/>
@@ -1471,7 +2294,8 @@
           <a:p>
             <a:fld id="{B694148D-F572-431C-9104-40A9977EF92E}" type="datetimeFigureOut">
               <a:rPr lang="ru-RU" smtClean="0"/>
-              <a:t>15.04.2014</a:t>
+              <a:pPr/>
+              <a:t>03.06.2014</a:t>
             </a:fld>
             <a:endParaRPr lang="ru-RU"/>
           </a:p>
@@ -1513,6 +2337,7 @@
           <a:p>
             <a:fld id="{48997E51-03E2-4119-AB53-0712BC3CF70D}" type="slidenum">
               <a:rPr lang="ru-RU" smtClean="0"/>
+              <a:pPr/>
               <a:t>‹#›</a:t>
             </a:fld>
             <a:endParaRPr lang="ru-RU"/>
@@ -1527,6 +2352,13 @@
   <p:transition>
     <p:fade/>
   </p:transition>
+  <p:timing>
+    <p:tnLst>
+      <p:par>
+        <p:cTn id="1" dur="indefinite" restart="never" nodeType="tmRoot"/>
+      </p:par>
+    </p:tnLst>
+  </p:timing>
 </p:sldLayout>
 </file>
 
@@ -1557,48 +2389,45 @@
             <p:ph type="title"/>
           </p:nvPr>
         </p:nvSpPr>
+        <p:spPr/>
+        <p:txBody>
+          <a:bodyPr/>
+          <a:lstStyle>
+            <a:extLst/>
+          </a:lstStyle>
+          <a:p>
+            <a:r>
+              <a:rPr kumimoji="0" lang="ru-RU" smtClean="0"/>
+              <a:t>Образец заголовка</a:t>
+            </a:r>
+            <a:endParaRPr kumimoji="0" lang="en-US"/>
+          </a:p>
+        </p:txBody>
+      </p:sp>
+      <p:sp>
+        <p:nvSpPr>
+          <p:cNvPr id="3" name="Содержимое 2"/>
+          <p:cNvSpPr>
+            <a:spLocks noGrp="1"/>
+          </p:cNvSpPr>
+          <p:nvPr>
+            <p:ph sz="half" idx="1"/>
+          </p:nvPr>
+        </p:nvSpPr>
         <p:spPr>
           <a:xfrm>
-            <a:off x="457200" y="274638"/>
-            <a:ext cx="7467600" cy="1143000"/>
+            <a:off x="457200" y="1773936"/>
+            <a:ext cx="4038600" cy="4623816"/>
           </a:xfrm>
         </p:spPr>
         <p:txBody>
-          <a:bodyPr/>
-          <a:lstStyle/>
-          <a:p>
-            <a:r>
-              <a:rPr kumimoji="0" lang="ru-RU" smtClean="0"/>
-              <a:t>Образец заголовка</a:t>
-            </a:r>
-            <a:endParaRPr kumimoji="0" lang="en-US"/>
-          </a:p>
-        </p:txBody>
-      </p:sp>
-      <p:sp>
-        <p:nvSpPr>
-          <p:cNvPr id="3" name="Содержимое 2"/>
-          <p:cNvSpPr>
-            <a:spLocks noGrp="1"/>
-          </p:cNvSpPr>
-          <p:nvPr>
-            <p:ph sz="half" idx="1"/>
-          </p:nvPr>
-        </p:nvSpPr>
-        <p:spPr>
-          <a:xfrm>
-            <a:off x="457200" y="1600200"/>
-            <a:ext cx="3657600" cy="4525963"/>
-          </a:xfrm>
-        </p:spPr>
-        <p:txBody>
-          <a:bodyPr/>
+          <a:bodyPr lIns="91440"/>
           <a:lstStyle>
             <a:lvl1pPr>
-              <a:defRPr sz="2600"/>
+              <a:defRPr sz="2800"/>
             </a:lvl1pPr>
             <a:lvl2pPr>
-              <a:defRPr sz="2200"/>
+              <a:defRPr sz="2400"/>
             </a:lvl2pPr>
             <a:lvl3pPr>
               <a:defRPr sz="2000"/>
@@ -1609,6 +2438,19 @@
             <a:lvl5pPr>
               <a:defRPr sz="1800"/>
             </a:lvl5pPr>
+            <a:lvl6pPr>
+              <a:defRPr sz="1800"/>
+            </a:lvl6pPr>
+            <a:lvl7pPr>
+              <a:defRPr sz="1800"/>
+            </a:lvl7pPr>
+            <a:lvl8pPr>
+              <a:defRPr sz="1800"/>
+            </a:lvl8pPr>
+            <a:lvl9pPr>
+              <a:defRPr sz="1800"/>
+            </a:lvl9pPr>
+            <a:extLst/>
           </a:lstStyle>
           <a:p>
             <a:pPr lvl="0" eaLnBrk="1" latinLnBrk="0" hangingPunct="1"/>
@@ -1660,18 +2502,18 @@
         </p:nvSpPr>
         <p:spPr>
           <a:xfrm>
-            <a:off x="4267200" y="1600200"/>
-            <a:ext cx="3657600" cy="4525963"/>
+            <a:off x="4648200" y="1773936"/>
+            <a:ext cx="4038600" cy="4623816"/>
           </a:xfrm>
         </p:spPr>
         <p:txBody>
           <a:bodyPr/>
           <a:lstStyle>
             <a:lvl1pPr>
-              <a:defRPr sz="2600"/>
+              <a:defRPr sz="2800"/>
             </a:lvl1pPr>
             <a:lvl2pPr>
-              <a:defRPr sz="2200"/>
+              <a:defRPr sz="2400"/>
             </a:lvl2pPr>
             <a:lvl3pPr>
               <a:defRPr sz="2000"/>
@@ -1682,6 +2524,19 @@
             <a:lvl5pPr>
               <a:defRPr sz="1800"/>
             </a:lvl5pPr>
+            <a:lvl6pPr>
+              <a:defRPr sz="1800"/>
+            </a:lvl6pPr>
+            <a:lvl7pPr>
+              <a:defRPr sz="1800"/>
+            </a:lvl7pPr>
+            <a:lvl8pPr>
+              <a:defRPr sz="1800"/>
+            </a:lvl8pPr>
+            <a:lvl9pPr>
+              <a:defRPr sz="1800"/>
+            </a:lvl9pPr>
+            <a:extLst/>
           </a:lstStyle>
           <a:p>
             <a:pPr lvl="0" eaLnBrk="1" latinLnBrk="0" hangingPunct="1"/>
@@ -1738,7 +2593,8 @@
           <a:p>
             <a:fld id="{B694148D-F572-431C-9104-40A9977EF92E}" type="datetimeFigureOut">
               <a:rPr lang="ru-RU" smtClean="0"/>
-              <a:t>15.04.2014</a:t>
+              <a:pPr/>
+              <a:t>03.06.2014</a:t>
             </a:fld>
             <a:endParaRPr lang="ru-RU"/>
           </a:p>
@@ -1780,6 +2636,7 @@
           <a:p>
             <a:fld id="{48997E51-03E2-4119-AB53-0712BC3CF70D}" type="slidenum">
               <a:rPr lang="ru-RU" smtClean="0"/>
+              <a:pPr/>
               <a:t>‹#›</a:t>
             </a:fld>
             <a:endParaRPr lang="ru-RU"/>
@@ -1794,11 +2651,18 @@
   <p:transition>
     <p:fade/>
   </p:transition>
+  <p:timing>
+    <p:tnLst>
+      <p:par>
+        <p:cTn id="1" dur="indefinite" restart="never" nodeType="tmRoot"/>
+      </p:par>
+    </p:tnLst>
+  </p:timing>
 </p:sldLayout>
 </file>
 
 <file path=ppt/slideLayouts/slideLayout5.xml><?xml version="1.0" encoding="utf-8"?>
-<p:sldLayout xmlns:a="http://schemas.openxmlformats.org/drawingml/2006/main" xmlns:r="http://schemas.openxmlformats.org/officeDocument/2006/relationships" xmlns:p="http://schemas.openxmlformats.org/presentationml/2006/main" showMasterSp="0" type="twoTxTwoObj" preserve="1">
+<p:sldLayout xmlns:a="http://schemas.openxmlformats.org/drawingml/2006/main" xmlns:r="http://schemas.openxmlformats.org/officeDocument/2006/relationships" xmlns:p="http://schemas.openxmlformats.org/presentationml/2006/main" type="twoTxTwoObj" preserve="1">
   <p:cSld name="Сравнение">
     <p:spTree>
       <p:nvGrpSpPr>
@@ -1824,18 +2688,14 @@
             <p:ph type="title"/>
           </p:nvPr>
         </p:nvSpPr>
-        <p:spPr>
-          <a:xfrm>
-            <a:off x="457200" y="273050"/>
-            <a:ext cx="8229600" cy="1143000"/>
-          </a:xfrm>
-        </p:spPr>
-        <p:txBody>
-          <a:bodyPr anchor="ctr"/>
+        <p:spPr/>
+        <p:txBody>
+          <a:bodyPr/>
           <a:lstStyle>
             <a:lvl1pPr>
               <a:defRPr/>
             </a:lvl1pPr>
+            <a:extLst/>
           </a:lstStyle>
           <a:p>
             <a:r>
@@ -1858,37 +2718,50 @@
         </p:nvSpPr>
         <p:spPr>
           <a:xfrm>
-            <a:off x="457200" y="5486400"/>
-            <a:ext cx="4040188" cy="838200"/>
+            <a:off x="457200" y="1698987"/>
+            <a:ext cx="4040188" cy="715355"/>
           </a:xfrm>
         </p:spPr>
         <p:txBody>
-          <a:bodyPr anchor="t"/>
+          <a:bodyPr lIns="146304" anchor="ctr"/>
           <a:lstStyle>
             <a:lvl1pPr marL="0" indent="0">
               <a:buNone/>
-              <a:defRPr sz="2400" b="1">
-                <a:solidFill>
-                  <a:schemeClr val="accent1"/>
-                </a:solidFill>
-              </a:defRPr>
+              <a:defRPr sz="2300" b="1" cap="all" baseline="0"/>
             </a:lvl1pPr>
-            <a:lvl2pPr>
+            <a:lvl2pPr marL="457200" indent="0">
               <a:buNone/>
               <a:defRPr sz="2000" b="1"/>
             </a:lvl2pPr>
-            <a:lvl3pPr>
+            <a:lvl3pPr marL="914400" indent="0">
               <a:buNone/>
               <a:defRPr sz="1800" b="1"/>
             </a:lvl3pPr>
-            <a:lvl4pPr>
+            <a:lvl4pPr marL="1371600" indent="0">
               <a:buNone/>
               <a:defRPr sz="1600" b="1"/>
             </a:lvl4pPr>
-            <a:lvl5pPr>
+            <a:lvl5pPr marL="1828800" indent="0">
               <a:buNone/>
               <a:defRPr sz="1600" b="1"/>
             </a:lvl5pPr>
+            <a:lvl6pPr marL="2286000" indent="0">
+              <a:buNone/>
+              <a:defRPr sz="1600" b="1"/>
+            </a:lvl6pPr>
+            <a:lvl7pPr marL="2743200" indent="0">
+              <a:buNone/>
+              <a:defRPr sz="1600" b="1"/>
+            </a:lvl7pPr>
+            <a:lvl8pPr marL="3200400" indent="0">
+              <a:buNone/>
+              <a:defRPr sz="1600" b="1"/>
+            </a:lvl8pPr>
+            <a:lvl9pPr marL="3657600" indent="0">
+              <a:buNone/>
+              <a:defRPr sz="1600" b="1"/>
+            </a:lvl9pPr>
+            <a:extLst/>
           </a:lstStyle>
           <a:p>
             <a:pPr lvl="0" eaLnBrk="1" latinLnBrk="0" hangingPunct="1"/>
@@ -1901,71 +2774,18 @@
       </p:sp>
       <p:sp>
         <p:nvSpPr>
-          <p:cNvPr id="4" name="Текст 3"/>
-          <p:cNvSpPr>
-            <a:spLocks noGrp="1"/>
-          </p:cNvSpPr>
-          <p:nvPr>
-            <p:ph type="body" sz="half" idx="3"/>
+          <p:cNvPr id="4" name="Содержимое 3"/>
+          <p:cNvSpPr>
+            <a:spLocks noGrp="1"/>
+          </p:cNvSpPr>
+          <p:nvPr>
+            <p:ph sz="half" idx="2"/>
           </p:nvPr>
         </p:nvSpPr>
         <p:spPr>
           <a:xfrm>
-            <a:off x="4645025" y="5486400"/>
-            <a:ext cx="4041775" cy="838200"/>
-          </a:xfrm>
-        </p:spPr>
-        <p:txBody>
-          <a:bodyPr anchor="t"/>
-          <a:lstStyle>
-            <a:lvl1pPr marL="0" indent="0">
-              <a:buNone/>
-              <a:defRPr sz="2400" b="1">
-                <a:solidFill>
-                  <a:schemeClr val="accent1"/>
-                </a:solidFill>
-              </a:defRPr>
-            </a:lvl1pPr>
-            <a:lvl2pPr>
-              <a:buNone/>
-              <a:defRPr sz="2000" b="1"/>
-            </a:lvl2pPr>
-            <a:lvl3pPr>
-              <a:buNone/>
-              <a:defRPr sz="1800" b="1"/>
-            </a:lvl3pPr>
-            <a:lvl4pPr>
-              <a:buNone/>
-              <a:defRPr sz="1600" b="1"/>
-            </a:lvl4pPr>
-            <a:lvl5pPr>
-              <a:buNone/>
-              <a:defRPr sz="1600" b="1"/>
-            </a:lvl5pPr>
-          </a:lstStyle>
-          <a:p>
-            <a:pPr lvl="0" eaLnBrk="1" latinLnBrk="0" hangingPunct="1"/>
-            <a:r>
-              <a:rPr kumimoji="0" lang="ru-RU" smtClean="0"/>
-              <a:t>Образец текста</a:t>
-            </a:r>
-          </a:p>
-        </p:txBody>
-      </p:sp>
-      <p:sp>
-        <p:nvSpPr>
-          <p:cNvPr id="5" name="Содержимое 4"/>
-          <p:cNvSpPr>
-            <a:spLocks noGrp="1"/>
-          </p:cNvSpPr>
-          <p:nvPr>
-            <p:ph sz="quarter" idx="2"/>
-          </p:nvPr>
-        </p:nvSpPr>
-        <p:spPr>
-          <a:xfrm>
-            <a:off x="457200" y="1516912"/>
-            <a:ext cx="4040188" cy="3941763"/>
+            <a:off x="457200" y="2449512"/>
+            <a:ext cx="4040188" cy="3951288"/>
           </a:xfrm>
         </p:spPr>
         <p:txBody>
@@ -1986,6 +2806,19 @@
             <a:lvl5pPr>
               <a:defRPr sz="1600"/>
             </a:lvl5pPr>
+            <a:lvl6pPr>
+              <a:defRPr sz="1600"/>
+            </a:lvl6pPr>
+            <a:lvl7pPr>
+              <a:defRPr sz="1600"/>
+            </a:lvl7pPr>
+            <a:lvl8pPr>
+              <a:defRPr sz="1600"/>
+            </a:lvl8pPr>
+            <a:lvl9pPr>
+              <a:defRPr sz="1600"/>
+            </a:lvl9pPr>
+            <a:extLst/>
           </a:lstStyle>
           <a:p>
             <a:pPr lvl="0" eaLnBrk="1" latinLnBrk="0" hangingPunct="1"/>
@@ -2027,18 +2860,84 @@
       </p:sp>
       <p:sp>
         <p:nvSpPr>
-          <p:cNvPr id="6" name="Содержимое 5"/>
-          <p:cNvSpPr>
-            <a:spLocks noGrp="1"/>
-          </p:cNvSpPr>
-          <p:nvPr>
-            <p:ph sz="quarter" idx="4"/>
+          <p:cNvPr id="5" name="Текст 4"/>
+          <p:cNvSpPr>
+            <a:spLocks noGrp="1"/>
+          </p:cNvSpPr>
+          <p:nvPr>
+            <p:ph type="body" sz="quarter" idx="3"/>
           </p:nvPr>
         </p:nvSpPr>
         <p:spPr>
           <a:xfrm>
-            <a:off x="4645025" y="1516912"/>
-            <a:ext cx="4041775" cy="3941763"/>
+            <a:off x="4645025" y="1698987"/>
+            <a:ext cx="4041775" cy="715355"/>
+          </a:xfrm>
+        </p:spPr>
+        <p:txBody>
+          <a:bodyPr lIns="146304" anchor="ctr"/>
+          <a:lstStyle>
+            <a:lvl1pPr marL="0" indent="0">
+              <a:buNone/>
+              <a:defRPr sz="2300" b="1" cap="all" baseline="0"/>
+            </a:lvl1pPr>
+            <a:lvl2pPr marL="457200" indent="0">
+              <a:buNone/>
+              <a:defRPr sz="2000" b="1"/>
+            </a:lvl2pPr>
+            <a:lvl3pPr marL="914400" indent="0">
+              <a:buNone/>
+              <a:defRPr sz="1800" b="1"/>
+            </a:lvl3pPr>
+            <a:lvl4pPr marL="1371600" indent="0">
+              <a:buNone/>
+              <a:defRPr sz="1600" b="1"/>
+            </a:lvl4pPr>
+            <a:lvl5pPr marL="1828800" indent="0">
+              <a:buNone/>
+              <a:defRPr sz="1600" b="1"/>
+            </a:lvl5pPr>
+            <a:lvl6pPr marL="2286000" indent="0">
+              <a:buNone/>
+              <a:defRPr sz="1600" b="1"/>
+            </a:lvl6pPr>
+            <a:lvl7pPr marL="2743200" indent="0">
+              <a:buNone/>
+              <a:defRPr sz="1600" b="1"/>
+            </a:lvl7pPr>
+            <a:lvl8pPr marL="3200400" indent="0">
+              <a:buNone/>
+              <a:defRPr sz="1600" b="1"/>
+            </a:lvl8pPr>
+            <a:lvl9pPr marL="3657600" indent="0">
+              <a:buNone/>
+              <a:defRPr sz="1600" b="1"/>
+            </a:lvl9pPr>
+            <a:extLst/>
+          </a:lstStyle>
+          <a:p>
+            <a:pPr lvl="0" eaLnBrk="1" latinLnBrk="0" hangingPunct="1"/>
+            <a:r>
+              <a:rPr kumimoji="0" lang="ru-RU" smtClean="0"/>
+              <a:t>Образец текста</a:t>
+            </a:r>
+          </a:p>
+        </p:txBody>
+      </p:sp>
+      <p:sp>
+        <p:nvSpPr>
+          <p:cNvPr id="6" name="Содержимое 5"/>
+          <p:cNvSpPr>
+            <a:spLocks noGrp="1"/>
+          </p:cNvSpPr>
+          <p:nvPr>
+            <p:ph sz="quarter" idx="4"/>
+          </p:nvPr>
+        </p:nvSpPr>
+        <p:spPr>
+          <a:xfrm>
+            <a:off x="4645025" y="2449512"/>
+            <a:ext cx="4041775" cy="3951288"/>
           </a:xfrm>
         </p:spPr>
         <p:txBody>
@@ -2059,6 +2958,19 @@
             <a:lvl5pPr>
               <a:defRPr sz="1600"/>
             </a:lvl5pPr>
+            <a:lvl6pPr>
+              <a:defRPr sz="1600"/>
+            </a:lvl6pPr>
+            <a:lvl7pPr>
+              <a:defRPr sz="1600"/>
+            </a:lvl7pPr>
+            <a:lvl8pPr>
+              <a:defRPr sz="1600"/>
+            </a:lvl8pPr>
+            <a:lvl9pPr>
+              <a:defRPr sz="1600"/>
+            </a:lvl9pPr>
+            <a:extLst/>
           </a:lstStyle>
           <a:p>
             <a:pPr lvl="0" eaLnBrk="1" latinLnBrk="0" hangingPunct="1"/>
@@ -2115,7 +3027,8 @@
           <a:p>
             <a:fld id="{B694148D-F572-431C-9104-40A9977EF92E}" type="datetimeFigureOut">
               <a:rPr lang="ru-RU" smtClean="0"/>
-              <a:t>15.04.2014</a:t>
+              <a:pPr/>
+              <a:t>03.06.2014</a:t>
             </a:fld>
             <a:endParaRPr lang="ru-RU"/>
           </a:p>
@@ -2157,6 +3070,7 @@
           <a:p>
             <a:fld id="{48997E51-03E2-4119-AB53-0712BC3CF70D}" type="slidenum">
               <a:rPr lang="ru-RU" smtClean="0"/>
+              <a:pPr/>
               <a:t>‹#›</a:t>
             </a:fld>
             <a:endParaRPr lang="ru-RU"/>
@@ -2171,6 +3085,13 @@
   <p:transition>
     <p:fade/>
   </p:transition>
+  <p:timing>
+    <p:tnLst>
+      <p:par>
+        <p:cTn id="1" dur="indefinite" restart="never" nodeType="tmRoot"/>
+      </p:par>
+    </p:tnLst>
+  </p:timing>
 </p:sldLayout>
 </file>
 
@@ -2201,18 +3122,11 @@
             <p:ph type="title"/>
           </p:nvPr>
         </p:nvSpPr>
-        <p:spPr>
-          <a:xfrm>
-            <a:off x="457200" y="274320"/>
-            <a:ext cx="7470648" cy="1143000"/>
-          </a:xfrm>
-        </p:spPr>
-        <p:txBody>
-          <a:bodyPr anchor="ctr"/>
+        <p:spPr/>
+        <p:txBody>
+          <a:bodyPr/>
           <a:lstStyle>
-            <a:lvl1pPr algn="l">
-              <a:defRPr sz="4600"/>
-            </a:lvl1pPr>
+            <a:extLst/>
           </a:lstStyle>
           <a:p>
             <a:r>
@@ -2225,7 +3139,7 @@
       </p:sp>
       <p:sp>
         <p:nvSpPr>
-          <p:cNvPr id="7" name="Дата 6"/>
+          <p:cNvPr id="3" name="Дата 2"/>
           <p:cNvSpPr>
             <a:spLocks noGrp="1"/>
           </p:cNvSpPr>
@@ -2240,7 +3154,8 @@
           <a:p>
             <a:fld id="{B694148D-F572-431C-9104-40A9977EF92E}" type="datetimeFigureOut">
               <a:rPr lang="ru-RU" smtClean="0"/>
-              <a:t>15.04.2014</a:t>
+              <a:pPr/>
+              <a:t>03.06.2014</a:t>
             </a:fld>
             <a:endParaRPr lang="ru-RU"/>
           </a:p>
@@ -2248,12 +3163,12 @@
       </p:sp>
       <p:sp>
         <p:nvSpPr>
-          <p:cNvPr id="8" name="Номер слайда 7"/>
-          <p:cNvSpPr>
-            <a:spLocks noGrp="1"/>
-          </p:cNvSpPr>
-          <p:nvPr>
-            <p:ph type="sldNum" sz="quarter" idx="11"/>
+          <p:cNvPr id="4" name="Нижний колонтитул 3"/>
+          <p:cNvSpPr>
+            <a:spLocks noGrp="1"/>
+          </p:cNvSpPr>
+          <p:nvPr>
+            <p:ph type="ftr" sz="quarter" idx="11"/>
           </p:nvPr>
         </p:nvSpPr>
         <p:spPr/>
@@ -2261,29 +3176,30 @@
           <a:bodyPr/>
           <a:lstStyle/>
           <a:p>
+            <a:endParaRPr lang="ru-RU"/>
+          </a:p>
+        </p:txBody>
+      </p:sp>
+      <p:sp>
+        <p:nvSpPr>
+          <p:cNvPr id="5" name="Номер слайда 4"/>
+          <p:cNvSpPr>
+            <a:spLocks noGrp="1"/>
+          </p:cNvSpPr>
+          <p:nvPr>
+            <p:ph type="sldNum" sz="quarter" idx="12"/>
+          </p:nvPr>
+        </p:nvSpPr>
+        <p:spPr/>
+        <p:txBody>
+          <a:bodyPr/>
+          <a:lstStyle/>
+          <a:p>
             <a:fld id="{48997E51-03E2-4119-AB53-0712BC3CF70D}" type="slidenum">
               <a:rPr lang="ru-RU" smtClean="0"/>
+              <a:pPr/>
               <a:t>‹#›</a:t>
             </a:fld>
-            <a:endParaRPr lang="ru-RU"/>
-          </a:p>
-        </p:txBody>
-      </p:sp>
-      <p:sp>
-        <p:nvSpPr>
-          <p:cNvPr id="9" name="Нижний колонтитул 8"/>
-          <p:cNvSpPr>
-            <a:spLocks noGrp="1"/>
-          </p:cNvSpPr>
-          <p:nvPr>
-            <p:ph type="ftr" sz="quarter" idx="12"/>
-          </p:nvPr>
-        </p:nvSpPr>
-        <p:spPr/>
-        <p:txBody>
-          <a:bodyPr/>
-          <a:lstStyle/>
-          <a:p>
             <a:endParaRPr lang="ru-RU"/>
           </a:p>
         </p:txBody>
@@ -2296,11 +3212,18 @@
   <p:transition>
     <p:fade/>
   </p:transition>
+  <p:timing>
+    <p:tnLst>
+      <p:par>
+        <p:cTn id="1" dur="indefinite" restart="never" nodeType="tmRoot"/>
+      </p:par>
+    </p:tnLst>
+  </p:timing>
 </p:sldLayout>
 </file>
 
 <file path=ppt/slideLayouts/slideLayout7.xml><?xml version="1.0" encoding="utf-8"?>
-<p:sldLayout xmlns:a="http://schemas.openxmlformats.org/drawingml/2006/main" xmlns:r="http://schemas.openxmlformats.org/officeDocument/2006/relationships" xmlns:p="http://schemas.openxmlformats.org/presentationml/2006/main" type="blank" preserve="1">
+<p:sldLayout xmlns:a="http://schemas.openxmlformats.org/drawingml/2006/main" xmlns:r="http://schemas.openxmlformats.org/officeDocument/2006/relationships" xmlns:p="http://schemas.openxmlformats.org/presentationml/2006/main" showMasterSp="0" type="blank" preserve="1">
   <p:cSld name="Пустой слайд">
     <p:spTree>
       <p:nvGrpSpPr>
@@ -2333,7 +3256,8 @@
           <a:p>
             <a:fld id="{B694148D-F572-431C-9104-40A9977EF92E}" type="datetimeFigureOut">
               <a:rPr lang="ru-RU" smtClean="0"/>
-              <a:t>15.04.2014</a:t>
+              <a:pPr/>
+              <a:t>03.06.2014</a:t>
             </a:fld>
             <a:endParaRPr lang="ru-RU"/>
           </a:p>
@@ -2375,6 +3299,7 @@
           <a:p>
             <a:fld id="{48997E51-03E2-4119-AB53-0712BC3CF70D}" type="slidenum">
               <a:rPr lang="ru-RU" smtClean="0"/>
+              <a:pPr/>
               <a:t>‹#›</a:t>
             </a:fld>
             <a:endParaRPr lang="ru-RU"/>
@@ -2389,6 +3314,13 @@
   <p:transition>
     <p:fade/>
   </p:transition>
+  <p:timing>
+    <p:tnLst>
+      <p:par>
+        <p:cTn id="1" dur="indefinite" restart="never" nodeType="tmRoot"/>
+      </p:par>
+    </p:tnLst>
+  </p:timing>
 </p:sldLayout>
 </file>
 
@@ -2421,21 +3353,20 @@
         </p:nvSpPr>
         <p:spPr>
           <a:xfrm>
-            <a:off x="457200" y="1185528"/>
-            <a:ext cx="3200400" cy="730250"/>
+            <a:off x="167838" y="152400"/>
+            <a:ext cx="2523744" cy="978408"/>
           </a:xfrm>
         </p:spPr>
         <p:txBody>
-          <a:bodyPr tIns="0" bIns="0" anchor="t"/>
+          <a:bodyPr vert="horz" lIns="73152" rIns="45720" bIns="0" rtlCol="0" anchor="b">
+            <a:normAutofit/>
+            <a:sp3d prstMaterial="matte"/>
+          </a:bodyPr>
           <a:lstStyle>
             <a:lvl1pPr algn="l">
-              <a:buNone/>
-              <a:defRPr sz="1800" b="1">
-                <a:solidFill>
-                  <a:schemeClr val="accent1"/>
-                </a:solidFill>
-              </a:defRPr>
+              <a:defRPr sz="2000" b="0"/>
             </a:lvl1pPr>
+            <a:extLst/>
           </a:lstStyle>
           <a:p>
             <a:r>
@@ -2448,80 +3379,31 @@
       </p:sp>
       <p:sp>
         <p:nvSpPr>
-          <p:cNvPr id="3" name="Текст 2"/>
-          <p:cNvSpPr>
-            <a:spLocks noGrp="1"/>
-          </p:cNvSpPr>
-          <p:nvPr>
-            <p:ph type="body" idx="2"/>
+          <p:cNvPr id="3" name="Содержимое 2"/>
+          <p:cNvSpPr>
+            <a:spLocks noGrp="1"/>
+          </p:cNvSpPr>
+          <p:nvPr>
+            <p:ph idx="1"/>
           </p:nvPr>
         </p:nvSpPr>
         <p:spPr>
           <a:xfrm>
-            <a:off x="457200" y="214424"/>
-            <a:ext cx="2743200" cy="914400"/>
-          </a:xfrm>
-        </p:spPr>
-        <p:txBody>
-          <a:bodyPr lIns="45720" tIns="0" rIns="45720" bIns="0" anchor="b"/>
-          <a:lstStyle>
-            <a:lvl1pPr marL="0" indent="0" algn="l">
-              <a:buNone/>
-              <a:defRPr sz="1400"/>
-            </a:lvl1pPr>
-            <a:lvl2pPr>
-              <a:buNone/>
-              <a:defRPr sz="1200"/>
-            </a:lvl2pPr>
-            <a:lvl3pPr>
-              <a:buNone/>
-              <a:defRPr sz="1000"/>
-            </a:lvl3pPr>
-            <a:lvl4pPr>
-              <a:buNone/>
-              <a:defRPr sz="900"/>
-            </a:lvl4pPr>
-            <a:lvl5pPr>
-              <a:buNone/>
-              <a:defRPr sz="900"/>
-            </a:lvl5pPr>
-          </a:lstStyle>
-          <a:p>
-            <a:pPr lvl="0" eaLnBrk="1" latinLnBrk="0" hangingPunct="1"/>
-            <a:r>
-              <a:rPr kumimoji="0" lang="ru-RU" smtClean="0"/>
-              <a:t>Образец текста</a:t>
-            </a:r>
-          </a:p>
-        </p:txBody>
-      </p:sp>
-      <p:sp>
-        <p:nvSpPr>
-          <p:cNvPr id="4" name="Содержимое 3"/>
-          <p:cNvSpPr>
-            <a:spLocks noGrp="1"/>
-          </p:cNvSpPr>
-          <p:nvPr>
-            <p:ph sz="half" idx="1"/>
-          </p:nvPr>
-        </p:nvSpPr>
-        <p:spPr>
-          <a:xfrm>
-            <a:off x="457200" y="1981200"/>
-            <a:ext cx="7086600" cy="3810000"/>
+            <a:off x="3019377" y="1743133"/>
+            <a:ext cx="5920641" cy="4558885"/>
           </a:xfrm>
         </p:spPr>
         <p:txBody>
           <a:bodyPr/>
           <a:lstStyle>
             <a:lvl1pPr>
-              <a:defRPr sz="2800"/>
+              <a:defRPr sz="3200"/>
             </a:lvl1pPr>
             <a:lvl2pPr>
-              <a:defRPr sz="2400"/>
+              <a:defRPr sz="2800"/>
             </a:lvl2pPr>
             <a:lvl3pPr>
-              <a:defRPr sz="2200"/>
+              <a:defRPr sz="2400"/>
             </a:lvl3pPr>
             <a:lvl4pPr>
               <a:defRPr sz="2000"/>
@@ -2529,6 +3411,19 @@
             <a:lvl5pPr>
               <a:defRPr sz="2000"/>
             </a:lvl5pPr>
+            <a:lvl6pPr>
+              <a:defRPr sz="2000"/>
+            </a:lvl6pPr>
+            <a:lvl7pPr>
+              <a:defRPr sz="2000"/>
+            </a:lvl7pPr>
+            <a:lvl8pPr>
+              <a:defRPr sz="2000"/>
+            </a:lvl8pPr>
+            <a:lvl9pPr>
+              <a:defRPr sz="2000"/>
+            </a:lvl9pPr>
+            <a:extLst/>
           </a:lstStyle>
           <a:p>
             <a:pPr lvl="0" eaLnBrk="1" latinLnBrk="0" hangingPunct="1"/>
@@ -2570,6 +3465,72 @@
       </p:sp>
       <p:sp>
         <p:nvSpPr>
+          <p:cNvPr id="4" name="Текст 3"/>
+          <p:cNvSpPr>
+            <a:spLocks noGrp="1"/>
+          </p:cNvSpPr>
+          <p:nvPr>
+            <p:ph type="body" sz="half" idx="2"/>
+          </p:nvPr>
+        </p:nvSpPr>
+        <p:spPr>
+          <a:xfrm>
+            <a:off x="167838" y="1730018"/>
+            <a:ext cx="2468880" cy="4572000"/>
+          </a:xfrm>
+        </p:spPr>
+        <p:txBody>
+          <a:bodyPr/>
+          <a:lstStyle>
+            <a:lvl1pPr marL="0" indent="0">
+              <a:buNone/>
+              <a:defRPr sz="1400"/>
+            </a:lvl1pPr>
+            <a:lvl2pPr marL="457200" indent="0">
+              <a:buNone/>
+              <a:defRPr sz="1200"/>
+            </a:lvl2pPr>
+            <a:lvl3pPr marL="914400" indent="0">
+              <a:buNone/>
+              <a:defRPr sz="1000"/>
+            </a:lvl3pPr>
+            <a:lvl4pPr marL="1371600" indent="0">
+              <a:buNone/>
+              <a:defRPr sz="900"/>
+            </a:lvl4pPr>
+            <a:lvl5pPr marL="1828800" indent="0">
+              <a:buNone/>
+              <a:defRPr sz="900"/>
+            </a:lvl5pPr>
+            <a:lvl6pPr marL="2286000" indent="0">
+              <a:buNone/>
+              <a:defRPr sz="900"/>
+            </a:lvl6pPr>
+            <a:lvl7pPr marL="2743200" indent="0">
+              <a:buNone/>
+              <a:defRPr sz="900"/>
+            </a:lvl7pPr>
+            <a:lvl8pPr marL="3200400" indent="0">
+              <a:buNone/>
+              <a:defRPr sz="900"/>
+            </a:lvl8pPr>
+            <a:lvl9pPr marL="3657600" indent="0">
+              <a:buNone/>
+              <a:defRPr sz="900"/>
+            </a:lvl9pPr>
+            <a:extLst/>
+          </a:lstStyle>
+          <a:p>
+            <a:pPr lvl="0" eaLnBrk="1" latinLnBrk="0" hangingPunct="1"/>
+            <a:r>
+              <a:rPr kumimoji="0" lang="ru-RU" smtClean="0"/>
+              <a:t>Образец текста</a:t>
+            </a:r>
+          </a:p>
+        </p:txBody>
+      </p:sp>
+      <p:sp>
+        <p:nvSpPr>
           <p:cNvPr id="5" name="Дата 4"/>
           <p:cNvSpPr>
             <a:spLocks noGrp="1"/>
@@ -2585,7 +3546,8 @@
           <a:p>
             <a:fld id="{B694148D-F572-431C-9104-40A9977EF92E}" type="datetimeFigureOut">
               <a:rPr lang="ru-RU" smtClean="0"/>
-              <a:t>15.04.2014</a:t>
+              <a:pPr/>
+              <a:t>03.06.2014</a:t>
             </a:fld>
             <a:endParaRPr lang="ru-RU"/>
           </a:p>
@@ -2620,21 +3582,111 @@
             <p:ph type="sldNum" sz="quarter" idx="12"/>
           </p:nvPr>
         </p:nvSpPr>
-        <p:spPr>
-          <a:xfrm>
-            <a:off x="8156448" y="6422064"/>
-            <a:ext cx="762000" cy="365125"/>
-          </a:xfrm>
-        </p:spPr>
+        <p:spPr/>
         <p:txBody>
           <a:bodyPr/>
           <a:lstStyle/>
           <a:p>
             <a:fld id="{48997E51-03E2-4119-AB53-0712BC3CF70D}" type="slidenum">
               <a:rPr lang="ru-RU" smtClean="0"/>
+              <a:pPr/>
               <a:t>‹#›</a:t>
             </a:fld>
             <a:endParaRPr lang="ru-RU"/>
+          </a:p>
+        </p:txBody>
+      </p:sp>
+      <p:sp>
+        <p:nvSpPr>
+          <p:cNvPr id="12" name="Прямоугольник 11"/>
+          <p:cNvSpPr/>
+          <p:nvPr/>
+        </p:nvSpPr>
+        <p:spPr bwMode="invGray">
+          <a:xfrm>
+            <a:off x="2855737" y="0"/>
+            <a:ext cx="45720" cy="1453896"/>
+          </a:xfrm>
+          <a:prstGeom prst="rect">
+            <a:avLst/>
+          </a:prstGeom>
+          <a:solidFill>
+            <a:srgbClr val="FFFFFF"/>
+          </a:solidFill>
+          <a:ln w="48000" cap="flat" cmpd="thickThin" algn="ctr">
+            <a:noFill/>
+            <a:prstDash val="solid"/>
+          </a:ln>
+        </p:spPr>
+        <p:style>
+          <a:lnRef idx="2">
+            <a:schemeClr val="accent1"/>
+          </a:lnRef>
+          <a:fillRef idx="1">
+            <a:schemeClr val="accent1"/>
+          </a:fillRef>
+          <a:effectRef idx="0">
+            <a:schemeClr val="accent1"/>
+          </a:effectRef>
+          <a:fontRef idx="minor">
+            <a:schemeClr val="lt1"/>
+          </a:fontRef>
+        </p:style>
+        <p:txBody>
+          <a:bodyPr rtlCol="0" anchor="ctr"/>
+          <a:lstStyle>
+            <a:extLst/>
+          </a:lstStyle>
+          <a:p>
+            <a:pPr algn="ctr" eaLnBrk="1" latinLnBrk="0" hangingPunct="1"/>
+            <a:endParaRPr kumimoji="0" lang="en-US"/>
+          </a:p>
+        </p:txBody>
+      </p:sp>
+      <p:sp>
+        <p:nvSpPr>
+          <p:cNvPr id="9" name="Прямоугольник 8"/>
+          <p:cNvSpPr/>
+          <p:nvPr/>
+        </p:nvSpPr>
+        <p:spPr bwMode="invGray">
+          <a:xfrm>
+            <a:off x="2855737" y="0"/>
+            <a:ext cx="45720" cy="1453896"/>
+          </a:xfrm>
+          <a:prstGeom prst="rect">
+            <a:avLst/>
+          </a:prstGeom>
+          <a:solidFill>
+            <a:srgbClr val="FFFFFF"/>
+          </a:solidFill>
+          <a:ln w="48000" cap="flat" cmpd="thickThin" algn="ctr">
+            <a:noFill/>
+            <a:prstDash val="solid"/>
+          </a:ln>
+        </p:spPr>
+        <p:style>
+          <a:lnRef idx="2">
+            <a:schemeClr val="accent1"/>
+          </a:lnRef>
+          <a:fillRef idx="1">
+            <a:schemeClr val="accent1"/>
+          </a:fillRef>
+          <a:effectRef idx="0">
+            <a:schemeClr val="accent1"/>
+          </a:effectRef>
+          <a:fontRef idx="minor">
+            <a:schemeClr val="lt1"/>
+          </a:fontRef>
+        </p:style>
+        <p:txBody>
+          <a:bodyPr rtlCol="0" anchor="ctr"/>
+          <a:lstStyle>
+            <a:extLst/>
+          </a:lstStyle>
+          <a:p>
+            <a:pPr algn="ctr" eaLnBrk="1" latinLnBrk="0" hangingPunct="1"/>
+            <a:endParaRPr kumimoji="0" lang="en-US"/>
           </a:p>
         </p:txBody>
       </p:sp>
@@ -2646,269 +3698,19 @@
   <p:transition>
     <p:fade/>
   </p:transition>
+  <p:timing>
+    <p:tnLst>
+      <p:par>
+        <p:cTn id="1" dur="indefinite" restart="never" nodeType="tmRoot"/>
+      </p:par>
+    </p:tnLst>
+  </p:timing>
 </p:sldLayout>
 </file>
 
 <file path=ppt/slideLayouts/slideLayout9.xml><?xml version="1.0" encoding="utf-8"?>
-<p:sldLayout xmlns:a="http://schemas.openxmlformats.org/drawingml/2006/main" xmlns:r="http://schemas.openxmlformats.org/officeDocument/2006/relationships" xmlns:p="http://schemas.openxmlformats.org/presentationml/2006/main" showMasterSp="0" type="picTx" preserve="1">
+<p:sldLayout xmlns:a="http://schemas.openxmlformats.org/drawingml/2006/main" xmlns:r="http://schemas.openxmlformats.org/officeDocument/2006/relationships" xmlns:p="http://schemas.openxmlformats.org/presentationml/2006/main" type="picTx" preserve="1">
   <p:cSld name="Рисунок с подписью">
-    <p:spTree>
-      <p:nvGrpSpPr>
-        <p:cNvPr id="1" name=""/>
-        <p:cNvGrpSpPr/>
-        <p:nvPr/>
-      </p:nvGrpSpPr>
-      <p:grpSpPr>
-        <a:xfrm>
-          <a:off x="0" y="0"/>
-          <a:ext cx="0" cy="0"/>
-          <a:chOff x="0" y="0"/>
-          <a:chExt cx="0" cy="0"/>
-        </a:xfrm>
-      </p:grpSpPr>
-      <p:sp>
-        <p:nvSpPr>
-          <p:cNvPr id="2" name="Заголовок 1"/>
-          <p:cNvSpPr>
-            <a:spLocks noGrp="1"/>
-          </p:cNvSpPr>
-          <p:nvPr>
-            <p:ph type="title"/>
-          </p:nvPr>
-        </p:nvSpPr>
-        <p:spPr>
-          <a:xfrm>
-            <a:off x="5556732" y="1705709"/>
-            <a:ext cx="3053868" cy="1253808"/>
-          </a:xfrm>
-        </p:spPr>
-        <p:txBody>
-          <a:bodyPr anchor="b"/>
-          <a:lstStyle>
-            <a:lvl1pPr algn="l">
-              <a:buNone/>
-              <a:defRPr sz="2200" b="1">
-                <a:solidFill>
-                  <a:schemeClr val="accent1"/>
-                </a:solidFill>
-              </a:defRPr>
-            </a:lvl1pPr>
-          </a:lstStyle>
-          <a:p>
-            <a:r>
-              <a:rPr kumimoji="0" lang="ru-RU" smtClean="0"/>
-              <a:t>Образец заголовка</a:t>
-            </a:r>
-            <a:endParaRPr kumimoji="0" lang="en-US"/>
-          </a:p>
-        </p:txBody>
-      </p:sp>
-      <p:sp>
-        <p:nvSpPr>
-          <p:cNvPr id="3" name="Рисунок 2"/>
-          <p:cNvSpPr>
-            <a:spLocks noGrp="1"/>
-          </p:cNvSpPr>
-          <p:nvPr>
-            <p:ph type="pic" idx="1"/>
-          </p:nvPr>
-        </p:nvSpPr>
-        <p:spPr>
-          <a:xfrm>
-            <a:off x="1065628" y="1019907"/>
-            <a:ext cx="4114800" cy="4114800"/>
-          </a:xfrm>
-          <a:prstGeom prst="ellipse">
-            <a:avLst/>
-          </a:prstGeom>
-          <a:solidFill>
-            <a:schemeClr val="bg2">
-              <a:shade val="50000"/>
-            </a:schemeClr>
-          </a:solidFill>
-          <a:ln w="50800" cap="flat">
-            <a:solidFill>
-              <a:schemeClr val="bg2"/>
-            </a:solidFill>
-            <a:miter lim="800000"/>
-          </a:ln>
-          <a:effectLst>
-            <a:outerShdw blurRad="152000" dist="345000" dir="5400000" sx="-80000" sy="-18000" rotWithShape="0">
-              <a:srgbClr val="000000">
-                <a:alpha val="25000"/>
-              </a:srgbClr>
-            </a:outerShdw>
-          </a:effectLst>
-          <a:scene3d>
-            <a:camera prst="orthographicFront"/>
-            <a:lightRig rig="contrasting" dir="t">
-              <a:rot lat="0" lon="0" rev="2400000"/>
-            </a:lightRig>
-          </a:scene3d>
-          <a:sp3d contourW="7620">
-            <a:bevelT w="63500" h="63500"/>
-            <a:contourClr>
-              <a:schemeClr val="bg2">
-                <a:shade val="50000"/>
-              </a:schemeClr>
-            </a:contourClr>
-          </a:sp3d>
-        </p:spPr>
-        <p:txBody>
-          <a:bodyPr/>
-          <a:lstStyle>
-            <a:lvl1pPr marL="0" indent="0">
-              <a:buNone/>
-              <a:defRPr sz="3200"/>
-            </a:lvl1pPr>
-          </a:lstStyle>
-          <a:p>
-            <a:r>
-              <a:rPr kumimoji="0" lang="ru-RU" smtClean="0"/>
-              <a:t>Вставка рисунка</a:t>
-            </a:r>
-            <a:endParaRPr kumimoji="0" lang="en-US" dirty="0"/>
-          </a:p>
-        </p:txBody>
-      </p:sp>
-      <p:sp>
-        <p:nvSpPr>
-          <p:cNvPr id="4" name="Текст 3"/>
-          <p:cNvSpPr>
-            <a:spLocks noGrp="1"/>
-          </p:cNvSpPr>
-          <p:nvPr>
-            <p:ph type="body" sz="half" idx="2"/>
-          </p:nvPr>
-        </p:nvSpPr>
-        <p:spPr>
-          <a:xfrm>
-            <a:off x="5556734" y="2998765"/>
-            <a:ext cx="3053866" cy="2663482"/>
-          </a:xfrm>
-        </p:spPr>
-        <p:txBody>
-          <a:bodyPr lIns="45720" rIns="45720"/>
-          <a:lstStyle>
-            <a:lvl1pPr marL="0" indent="0">
-              <a:buFontTx/>
-              <a:buNone/>
-              <a:defRPr sz="1200"/>
-            </a:lvl1pPr>
-            <a:lvl2pPr>
-              <a:buFontTx/>
-              <a:buNone/>
-              <a:defRPr sz="1200"/>
-            </a:lvl2pPr>
-            <a:lvl3pPr>
-              <a:buFontTx/>
-              <a:buNone/>
-              <a:defRPr sz="1000"/>
-            </a:lvl3pPr>
-            <a:lvl4pPr>
-              <a:buFontTx/>
-              <a:buNone/>
-              <a:defRPr sz="900"/>
-            </a:lvl4pPr>
-            <a:lvl5pPr>
-              <a:buFontTx/>
-              <a:buNone/>
-              <a:defRPr sz="900"/>
-            </a:lvl5pPr>
-          </a:lstStyle>
-          <a:p>
-            <a:pPr lvl="0" eaLnBrk="1" latinLnBrk="0" hangingPunct="1"/>
-            <a:r>
-              <a:rPr kumimoji="0" lang="ru-RU" smtClean="0"/>
-              <a:t>Образец текста</a:t>
-            </a:r>
-          </a:p>
-        </p:txBody>
-      </p:sp>
-      <p:sp>
-        <p:nvSpPr>
-          <p:cNvPr id="5" name="Дата 4"/>
-          <p:cNvSpPr>
-            <a:spLocks noGrp="1"/>
-          </p:cNvSpPr>
-          <p:nvPr>
-            <p:ph type="dt" sz="half" idx="10"/>
-          </p:nvPr>
-        </p:nvSpPr>
-        <p:spPr>
-          <a:xfrm>
-            <a:off x="457200" y="6422064"/>
-            <a:ext cx="2133600" cy="365125"/>
-          </a:xfrm>
-        </p:spPr>
-        <p:txBody>
-          <a:bodyPr/>
-          <a:lstStyle/>
-          <a:p>
-            <a:fld id="{B694148D-F572-431C-9104-40A9977EF92E}" type="datetimeFigureOut">
-              <a:rPr lang="ru-RU" smtClean="0"/>
-              <a:t>15.04.2014</a:t>
-            </a:fld>
-            <a:endParaRPr lang="ru-RU"/>
-          </a:p>
-        </p:txBody>
-      </p:sp>
-      <p:sp>
-        <p:nvSpPr>
-          <p:cNvPr id="6" name="Нижний колонтитул 5"/>
-          <p:cNvSpPr>
-            <a:spLocks noGrp="1"/>
-          </p:cNvSpPr>
-          <p:nvPr>
-            <p:ph type="ftr" sz="quarter" idx="11"/>
-          </p:nvPr>
-        </p:nvSpPr>
-        <p:spPr/>
-        <p:txBody>
-          <a:bodyPr/>
-          <a:lstStyle/>
-          <a:p>
-            <a:endParaRPr lang="ru-RU"/>
-          </a:p>
-        </p:txBody>
-      </p:sp>
-      <p:sp>
-        <p:nvSpPr>
-          <p:cNvPr id="7" name="Номер слайда 6"/>
-          <p:cNvSpPr>
-            <a:spLocks noGrp="1"/>
-          </p:cNvSpPr>
-          <p:nvPr>
-            <p:ph type="sldNum" sz="quarter" idx="12"/>
-          </p:nvPr>
-        </p:nvSpPr>
-        <p:spPr/>
-        <p:txBody>
-          <a:bodyPr/>
-          <a:lstStyle/>
-          <a:p>
-            <a:fld id="{48997E51-03E2-4119-AB53-0712BC3CF70D}" type="slidenum">
-              <a:rPr lang="ru-RU" smtClean="0"/>
-              <a:t>‹#›</a:t>
-            </a:fld>
-            <a:endParaRPr lang="ru-RU"/>
-          </a:p>
-        </p:txBody>
-      </p:sp>
-    </p:spTree>
-  </p:cSld>
-  <p:clrMapOvr>
-    <a:masterClrMapping/>
-  </p:clrMapOvr>
-  <p:transition>
-    <p:fade/>
-  </p:transition>
-</p:sldLayout>
-</file>
-
-<file path=ppt/slideMasters/slideMaster1.xml><?xml version="1.0" encoding="utf-8"?>
-<p:sldMaster xmlns:a="http://schemas.openxmlformats.org/drawingml/2006/main" xmlns:r="http://schemas.openxmlformats.org/officeDocument/2006/relationships" xmlns:p="http://schemas.openxmlformats.org/presentationml/2006/main">
-  <p:cSld>
     <p:bg>
       <p:bgRef idx="1001">
         <a:schemeClr val="bg2"/>
@@ -2930,321 +3732,322 @@
       </p:grpSpPr>
       <p:sp>
         <p:nvSpPr>
-          <p:cNvPr id="12" name="Полилиния 11"/>
-          <p:cNvSpPr>
-            <a:spLocks/>
-          </p:cNvSpPr>
-          <p:nvPr/>
-        </p:nvSpPr>
-        <p:spPr bwMode="auto">
+          <p:cNvPr id="2" name="Заголовок 1"/>
+          <p:cNvSpPr>
+            <a:spLocks noGrp="1"/>
+          </p:cNvSpPr>
+          <p:nvPr>
+            <p:ph type="title"/>
+          </p:nvPr>
+        </p:nvSpPr>
+        <p:spPr>
           <a:xfrm>
-            <a:off x="0" y="4752126"/>
-            <a:ext cx="9144000" cy="2112962"/>
+            <a:off x="164592" y="155448"/>
+            <a:ext cx="2525150" cy="978408"/>
           </a:xfrm>
-          <a:custGeom>
-            <a:avLst>
-              <a:gd name="A1" fmla="val 0"/>
-              <a:gd name="A2" fmla="val 0"/>
-              <a:gd name="A3" fmla="val 0"/>
-              <a:gd name="A4" fmla="val 0"/>
-              <a:gd name="A5" fmla="val 0"/>
-              <a:gd name="A6" fmla="val 0"/>
-              <a:gd name="A7" fmla="val 0"/>
-              <a:gd name="A8" fmla="val 0"/>
-            </a:avLst>
-            <a:gdLst/>
-            <a:ahLst/>
-            <a:cxnLst>
-              <a:cxn ang="0">
-                <a:pos x="0" y="1066"/>
-              </a:cxn>
-              <a:cxn ang="0">
-                <a:pos x="0" y="1331"/>
-              </a:cxn>
-              <a:cxn ang="0">
-                <a:pos x="5760" y="1331"/>
-              </a:cxn>
-              <a:cxn ang="0">
-                <a:pos x="5760" y="0"/>
-              </a:cxn>
-              <a:cxn ang="0">
-                <a:pos x="0" y="1066"/>
-              </a:cxn>
-            </a:cxnLst>
-            <a:rect l="0" t="0" r="0" b="0"/>
-            <a:pathLst>
-              <a:path w="5760" h="1331">
-                <a:moveTo>
-                  <a:pt x="0" y="1066"/>
-                </a:moveTo>
-                <a:lnTo>
-                  <a:pt x="0" y="1331"/>
-                </a:lnTo>
-                <a:lnTo>
-                  <a:pt x="5760" y="1331"/>
-                </a:lnTo>
-                <a:lnTo>
-                  <a:pt x="5760" y="0"/>
-                </a:lnTo>
-                <a:cubicBezTo>
-                  <a:pt x="3220" y="1206"/>
-                  <a:pt x="2250" y="1146"/>
-                  <a:pt x="0" y="1066"/>
-                </a:cubicBezTo>
-                <a:close/>
-              </a:path>
-            </a:pathLst>
-          </a:custGeom>
+        </p:spPr>
+        <p:txBody>
+          <a:bodyPr lIns="73152" bIns="0" anchor="b">
+            <a:sp3d prstMaterial="matte"/>
+          </a:bodyPr>
+          <a:lstStyle>
+            <a:lvl1pPr algn="l">
+              <a:defRPr sz="2000" b="0"/>
+            </a:lvl1pPr>
+            <a:extLst/>
+          </a:lstStyle>
+          <a:p>
+            <a:r>
+              <a:rPr kumimoji="0" lang="ru-RU" smtClean="0"/>
+              <a:t>Образец заголовка</a:t>
+            </a:r>
+            <a:endParaRPr kumimoji="0" lang="en-US"/>
+          </a:p>
+        </p:txBody>
+      </p:sp>
+      <p:sp>
+        <p:nvSpPr>
+          <p:cNvPr id="3" name="Рисунок 2"/>
+          <p:cNvSpPr>
+            <a:spLocks noGrp="1"/>
+          </p:cNvSpPr>
+          <p:nvPr>
+            <p:ph type="pic" idx="1"/>
+          </p:nvPr>
+        </p:nvSpPr>
+        <p:spPr>
+          <a:xfrm>
+            <a:off x="2903805" y="1484808"/>
+            <a:ext cx="6247397" cy="5373192"/>
+          </a:xfrm>
           <a:solidFill>
-            <a:schemeClr val="bg1">
-              <a:tint val="80000"/>
-              <a:satMod val="200000"/>
-              <a:alpha val="45000"/>
+            <a:schemeClr val="bg2">
+              <a:shade val="75000"/>
             </a:schemeClr>
           </a:solidFill>
-          <a:ln w="9525" cap="flat" cmpd="sng" algn="ctr">
-            <a:noFill/>
-            <a:prstDash val="solid"/>
-            <a:round/>
-            <a:headEnd type="none" w="med" len="med"/>
-            <a:tailEnd type="none" w="med" len="med"/>
-          </a:ln>
-          <a:effectLst>
-            <a:outerShdw blurRad="50800" dist="44450" dir="16200000" algn="ctr" rotWithShape="0">
-              <a:prstClr val="black">
-                <a:alpha val="35000"/>
-              </a:prstClr>
-            </a:outerShdw>
-          </a:effectLst>
         </p:spPr>
         <p:txBody>
-          <a:bodyPr vert="horz" wrap="square" lIns="91440" tIns="45720" rIns="91440" bIns="45720" anchor="t" compatLnSpc="1"/>
-          <a:lstStyle/>
-          <a:p>
-            <a:endParaRPr kumimoji="0" lang="en-US"/>
-          </a:p>
-        </p:txBody>
-      </p:sp>
-      <p:sp>
-        <p:nvSpPr>
-          <p:cNvPr id="16" name="Полилиния 15"/>
-          <p:cNvSpPr>
-            <a:spLocks/>
-          </p:cNvSpPr>
-          <p:nvPr/>
-        </p:nvSpPr>
-        <p:spPr bwMode="auto">
-          <a:xfrm>
-            <a:off x="7315200" y="0"/>
-            <a:ext cx="1828800" cy="6858000"/>
-          </a:xfrm>
-          <a:custGeom>
-            <a:avLst/>
-            <a:gdLst>
-              <a:gd name="connsiteX0" fmla="*/ 1914 w 1914"/>
-              <a:gd name="connsiteY0" fmla="*/ 9 h 4329"/>
-              <a:gd name="connsiteX1" fmla="*/ 1914 w 1914"/>
-              <a:gd name="connsiteY1" fmla="*/ 4329 h 4329"/>
-              <a:gd name="connsiteX2" fmla="*/ 204 w 1914"/>
-              <a:gd name="connsiteY2" fmla="*/ 4327 h 4329"/>
-              <a:gd name="connsiteX3" fmla="*/ 0 w 1914"/>
-              <a:gd name="connsiteY3" fmla="*/ 0 h 4329"/>
-              <a:gd name="connsiteX4" fmla="*/ 1914 w 1914"/>
-              <a:gd name="connsiteY4" fmla="*/ 9 h 4329"/>
-            </a:gdLst>
-            <a:ahLst/>
-            <a:cxnLst>
-              <a:cxn ang="0">
-                <a:pos x="connsiteX0" y="connsiteY0"/>
-              </a:cxn>
-              <a:cxn ang="0">
-                <a:pos x="connsiteX1" y="connsiteY1"/>
-              </a:cxn>
-              <a:cxn ang="0">
-                <a:pos x="connsiteX2" y="connsiteY2"/>
-              </a:cxn>
-              <a:cxn ang="0">
-                <a:pos x="connsiteX3" y="connsiteY3"/>
-              </a:cxn>
-              <a:cxn ang="0">
-                <a:pos x="connsiteX4" y="connsiteY4"/>
-              </a:cxn>
-            </a:cxnLst>
-            <a:rect l="l" t="t" r="r" b="b"/>
-            <a:pathLst>
-              <a:path w="1914" h="4329">
-                <a:moveTo>
-                  <a:pt x="1914" y="9"/>
-                </a:moveTo>
-                <a:lnTo>
-                  <a:pt x="1914" y="4329"/>
-                </a:lnTo>
-                <a:lnTo>
-                  <a:pt x="204" y="4327"/>
-                </a:lnTo>
-                <a:cubicBezTo>
-                  <a:pt x="1288" y="3574"/>
-                  <a:pt x="2082" y="1734"/>
-                  <a:pt x="0" y="0"/>
-                </a:cubicBezTo>
-                <a:lnTo>
-                  <a:pt x="1914" y="9"/>
-                </a:lnTo>
-                <a:close/>
-              </a:path>
-            </a:pathLst>
-          </a:custGeom>
-          <a:solidFill>
-            <a:schemeClr val="bg1">
-              <a:tint val="90000"/>
-              <a:satMod val="350000"/>
-              <a:alpha val="40000"/>
-            </a:schemeClr>
-          </a:solidFill>
-          <a:ln w="9525" cap="flat" cmpd="sng" algn="ctr">
-            <a:noFill/>
-            <a:prstDash val="solid"/>
-            <a:round/>
-            <a:headEnd type="none" w="med" len="med"/>
-            <a:tailEnd type="none" w="med" len="med"/>
-          </a:ln>
-          <a:effectLst>
-            <a:outerShdw blurRad="50800" dist="50800" dir="10800000" algn="ctr" rotWithShape="0">
-              <a:prstClr val="black">
-                <a:alpha val="45000"/>
-              </a:prstClr>
-            </a:outerShdw>
-          </a:effectLst>
-        </p:spPr>
-        <p:txBody>
-          <a:bodyPr vert="horz" wrap="square" lIns="91440" tIns="45720" rIns="91440" bIns="45720" anchor="t" compatLnSpc="1"/>
-          <a:lstStyle/>
-          <a:p>
-            <a:endParaRPr kumimoji="0" lang="en-US"/>
-          </a:p>
-        </p:txBody>
-      </p:sp>
-      <p:sp>
-        <p:nvSpPr>
-          <p:cNvPr id="9" name="Заголовок 8"/>
-          <p:cNvSpPr>
-            <a:spLocks noGrp="1"/>
-          </p:cNvSpPr>
-          <p:nvPr>
-            <p:ph type="title"/>
+          <a:bodyPr/>
+          <a:lstStyle>
+            <a:lvl1pPr marL="0" indent="0">
+              <a:buNone/>
+              <a:defRPr sz="3200"/>
+            </a:lvl1pPr>
+            <a:lvl2pPr marL="457200" indent="0">
+              <a:buNone/>
+              <a:defRPr sz="2800"/>
+            </a:lvl2pPr>
+            <a:lvl3pPr marL="914400" indent="0">
+              <a:buNone/>
+              <a:defRPr sz="2400"/>
+            </a:lvl3pPr>
+            <a:lvl4pPr marL="1371600" indent="0">
+              <a:buNone/>
+              <a:defRPr sz="2000"/>
+            </a:lvl4pPr>
+            <a:lvl5pPr marL="1828800" indent="0">
+              <a:buNone/>
+              <a:defRPr sz="2000"/>
+            </a:lvl5pPr>
+            <a:lvl6pPr marL="2286000" indent="0">
+              <a:buNone/>
+              <a:defRPr sz="2000"/>
+            </a:lvl6pPr>
+            <a:lvl7pPr marL="2743200" indent="0">
+              <a:buNone/>
+              <a:defRPr sz="2000"/>
+            </a:lvl7pPr>
+            <a:lvl8pPr marL="3200400" indent="0">
+              <a:buNone/>
+              <a:defRPr sz="2000"/>
+            </a:lvl8pPr>
+            <a:lvl9pPr marL="3657600" indent="0">
+              <a:buNone/>
+              <a:defRPr sz="2000"/>
+            </a:lvl9pPr>
+            <a:extLst/>
+          </a:lstStyle>
+          <a:p>
+            <a:r>
+              <a:rPr kumimoji="0" lang="ru-RU" smtClean="0"/>
+              <a:t>Вставка рисунка</a:t>
+            </a:r>
+            <a:endParaRPr kumimoji="0" lang="en-US" dirty="0"/>
+          </a:p>
+        </p:txBody>
+      </p:sp>
+      <p:sp>
+        <p:nvSpPr>
+          <p:cNvPr id="4" name="Текст 3"/>
+          <p:cNvSpPr>
+            <a:spLocks noGrp="1"/>
+          </p:cNvSpPr>
+          <p:nvPr>
+            <p:ph type="body" sz="half" idx="2"/>
           </p:nvPr>
         </p:nvSpPr>
         <p:spPr>
           <a:xfrm>
-            <a:off x="457200" y="274638"/>
-            <a:ext cx="7467600" cy="1143000"/>
+            <a:off x="164592" y="1728216"/>
+            <a:ext cx="2468880" cy="4572000"/>
+          </a:xfrm>
+        </p:spPr>
+        <p:txBody>
+          <a:bodyPr/>
+          <a:lstStyle>
+            <a:lvl1pPr marL="0" indent="0">
+              <a:buNone/>
+              <a:defRPr sz="1400"/>
+            </a:lvl1pPr>
+            <a:lvl2pPr marL="457200" indent="0">
+              <a:buNone/>
+              <a:defRPr sz="1200"/>
+            </a:lvl2pPr>
+            <a:lvl3pPr marL="914400" indent="0">
+              <a:buNone/>
+              <a:defRPr sz="1000"/>
+            </a:lvl3pPr>
+            <a:lvl4pPr marL="1371600" indent="0">
+              <a:buNone/>
+              <a:defRPr sz="900"/>
+            </a:lvl4pPr>
+            <a:lvl5pPr marL="1828800" indent="0">
+              <a:buNone/>
+              <a:defRPr sz="900"/>
+            </a:lvl5pPr>
+            <a:lvl6pPr marL="2286000" indent="0">
+              <a:buNone/>
+              <a:defRPr sz="900"/>
+            </a:lvl6pPr>
+            <a:lvl7pPr marL="2743200" indent="0">
+              <a:buNone/>
+              <a:defRPr sz="900"/>
+            </a:lvl7pPr>
+            <a:lvl8pPr marL="3200400" indent="0">
+              <a:buNone/>
+              <a:defRPr sz="900"/>
+            </a:lvl8pPr>
+            <a:lvl9pPr marL="3657600" indent="0">
+              <a:buNone/>
+              <a:defRPr sz="900"/>
+            </a:lvl9pPr>
+            <a:extLst/>
+          </a:lstStyle>
+          <a:p>
+            <a:pPr lvl="0" eaLnBrk="1" latinLnBrk="0" hangingPunct="1"/>
+            <a:r>
+              <a:rPr kumimoji="0" lang="ru-RU" smtClean="0"/>
+              <a:t>Образец текста</a:t>
+            </a:r>
+          </a:p>
+        </p:txBody>
+      </p:sp>
+      <p:sp>
+        <p:nvSpPr>
+          <p:cNvPr id="5" name="Дата 4"/>
+          <p:cNvSpPr>
+            <a:spLocks noGrp="1"/>
+          </p:cNvSpPr>
+          <p:nvPr>
+            <p:ph type="dt" sz="half" idx="10"/>
+          </p:nvPr>
+        </p:nvSpPr>
+        <p:spPr>
+          <a:xfrm>
+            <a:off x="164592" y="1170432"/>
+            <a:ext cx="2523744" cy="201168"/>
+          </a:xfrm>
+        </p:spPr>
+        <p:txBody>
+          <a:bodyPr/>
+          <a:lstStyle/>
+          <a:p>
+            <a:fld id="{B694148D-F572-431C-9104-40A9977EF92E}" type="datetimeFigureOut">
+              <a:rPr lang="ru-RU" smtClean="0"/>
+              <a:pPr/>
+              <a:t>03.06.2014</a:t>
+            </a:fld>
+            <a:endParaRPr lang="ru-RU"/>
+          </a:p>
+        </p:txBody>
+      </p:sp>
+      <p:sp>
+        <p:nvSpPr>
+          <p:cNvPr id="11" name="Прямоугольник 10"/>
+          <p:cNvSpPr/>
+          <p:nvPr/>
+        </p:nvSpPr>
+        <p:spPr>
+          <a:xfrm>
+            <a:off x="2855737" y="0"/>
+            <a:ext cx="45720" cy="6858000"/>
           </a:xfrm>
           <a:prstGeom prst="rect">
             <a:avLst/>
           </a:prstGeom>
+          <a:solidFill>
+            <a:srgbClr val="FFFFFF"/>
+          </a:solidFill>
+          <a:ln w="48000" cap="flat" cmpd="thickThin" algn="ctr">
+            <a:noFill/>
+            <a:prstDash val="solid"/>
+          </a:ln>
         </p:spPr>
-        <p:txBody>
-          <a:bodyPr vert="horz" lIns="45720" rIns="45720" anchor="ctr">
-            <a:normAutofit/>
-          </a:bodyPr>
-          <a:lstStyle/>
-          <a:p>
-            <a:r>
-              <a:rPr kumimoji="0" lang="ru-RU" smtClean="0"/>
-              <a:t>Образец заголовка</a:t>
-            </a:r>
+        <p:style>
+          <a:lnRef idx="2">
+            <a:schemeClr val="accent1"/>
+          </a:lnRef>
+          <a:fillRef idx="1">
+            <a:schemeClr val="accent1"/>
+          </a:fillRef>
+          <a:effectRef idx="0">
+            <a:schemeClr val="accent1"/>
+          </a:effectRef>
+          <a:fontRef idx="minor">
+            <a:schemeClr val="lt1"/>
+          </a:fontRef>
+        </p:style>
+        <p:txBody>
+          <a:bodyPr rtlCol="0" anchor="ctr"/>
+          <a:lstStyle>
+            <a:extLst/>
+          </a:lstStyle>
+          <a:p>
+            <a:pPr algn="ctr" eaLnBrk="1" latinLnBrk="0" hangingPunct="1"/>
             <a:endParaRPr kumimoji="0" lang="en-US"/>
           </a:p>
         </p:txBody>
       </p:sp>
       <p:sp>
         <p:nvSpPr>
-          <p:cNvPr id="30" name="Текст 29"/>
-          <p:cNvSpPr>
-            <a:spLocks noGrp="1"/>
-          </p:cNvSpPr>
-          <p:nvPr>
-            <p:ph type="body" idx="1"/>
-          </p:nvPr>
-        </p:nvSpPr>
-        <p:spPr>
+          <p:cNvPr id="9" name="Прямоугольник 8"/>
+          <p:cNvSpPr/>
+          <p:nvPr/>
+        </p:nvSpPr>
+        <p:spPr bwMode="invGray">
           <a:xfrm>
-            <a:off x="457200" y="1600200"/>
-            <a:ext cx="7467600" cy="4525963"/>
+            <a:off x="2855737" y="0"/>
+            <a:ext cx="45720" cy="6858000"/>
           </a:xfrm>
           <a:prstGeom prst="rect">
             <a:avLst/>
           </a:prstGeom>
+          <a:solidFill>
+            <a:srgbClr val="FFFFFF"/>
+          </a:solidFill>
+          <a:ln w="48000" cap="flat" cmpd="thickThin" algn="ctr">
+            <a:noFill/>
+            <a:prstDash val="solid"/>
+          </a:ln>
         </p:spPr>
-        <p:txBody>
-          <a:bodyPr vert="horz">
-            <a:normAutofit/>
-          </a:bodyPr>
-          <a:lstStyle/>
-          <a:p>
-            <a:pPr lvl="0" eaLnBrk="1" latinLnBrk="0" hangingPunct="1"/>
-            <a:r>
-              <a:rPr kumimoji="0" lang="ru-RU" smtClean="0"/>
-              <a:t>Образец текста</a:t>
-            </a:r>
-          </a:p>
-          <a:p>
-            <a:pPr lvl="1" eaLnBrk="1" latinLnBrk="0" hangingPunct="1"/>
-            <a:r>
-              <a:rPr kumimoji="0" lang="ru-RU" smtClean="0"/>
-              <a:t>Второй уровень</a:t>
-            </a:r>
-          </a:p>
-          <a:p>
-            <a:pPr lvl="2" eaLnBrk="1" latinLnBrk="0" hangingPunct="1"/>
-            <a:r>
-              <a:rPr kumimoji="0" lang="ru-RU" smtClean="0"/>
-              <a:t>Третий уровень</a:t>
-            </a:r>
-          </a:p>
-          <a:p>
-            <a:pPr lvl="3" eaLnBrk="1" latinLnBrk="0" hangingPunct="1"/>
-            <a:r>
-              <a:rPr kumimoji="0" lang="ru-RU" smtClean="0"/>
-              <a:t>Четвертый уровень</a:t>
-            </a:r>
-          </a:p>
-          <a:p>
-            <a:pPr lvl="4" eaLnBrk="1" latinLnBrk="0" hangingPunct="1"/>
-            <a:r>
-              <a:rPr kumimoji="0" lang="ru-RU" smtClean="0"/>
-              <a:t>Пятый уровень</a:t>
-            </a:r>
+        <p:style>
+          <a:lnRef idx="2">
+            <a:schemeClr val="accent1"/>
+          </a:lnRef>
+          <a:fillRef idx="1">
+            <a:schemeClr val="accent1"/>
+          </a:fillRef>
+          <a:effectRef idx="0">
+            <a:schemeClr val="accent1"/>
+          </a:effectRef>
+          <a:fontRef idx="minor">
+            <a:schemeClr val="lt1"/>
+          </a:fontRef>
+        </p:style>
+        <p:txBody>
+          <a:bodyPr rtlCol="0" anchor="ctr"/>
+          <a:lstStyle>
+            <a:extLst/>
+          </a:lstStyle>
+          <a:p>
+            <a:pPr algn="ctr" eaLnBrk="1" latinLnBrk="0" hangingPunct="1"/>
             <a:endParaRPr kumimoji="0" lang="en-US"/>
           </a:p>
         </p:txBody>
       </p:sp>
       <p:sp>
         <p:nvSpPr>
-          <p:cNvPr id="10" name="Дата 9"/>
-          <p:cNvSpPr>
-            <a:spLocks noGrp="1"/>
-          </p:cNvSpPr>
-          <p:nvPr>
-            <p:ph type="dt" sz="half" idx="2"/>
+          <p:cNvPr id="6" name="Нижний колонтитул 5"/>
+          <p:cNvSpPr>
+            <a:spLocks noGrp="1"/>
+          </p:cNvSpPr>
+          <p:nvPr>
+            <p:ph type="ftr" sz="quarter" idx="11"/>
           </p:nvPr>
         </p:nvSpPr>
         <p:spPr>
           <a:xfrm>
-            <a:off x="457200" y="6422064"/>
-            <a:ext cx="2133600" cy="365125"/>
+            <a:off x="3035808" y="1170432"/>
+            <a:ext cx="5193792" cy="201168"/>
           </a:xfrm>
-          <a:prstGeom prst="rect">
-            <a:avLst/>
-          </a:prstGeom>
         </p:spPr>
         <p:txBody>
-          <a:bodyPr vert="horz" bIns="0" anchor="b"/>
+          <a:bodyPr/>
           <a:lstStyle>
-            <a:lvl1pPr algn="l" eaLnBrk="1" latinLnBrk="0" hangingPunct="1">
-              <a:defRPr kumimoji="0" sz="1000">
+            <a:lvl1pPr>
+              <a:defRPr>
                 <a:solidFill>
-                  <a:schemeClr val="tx2">
+                  <a:schemeClr val="bg1">
                     <a:shade val="50000"/>
                   </a:schemeClr>
                 </a:solidFill>
@@ -3252,86 +4055,406 @@
             </a:lvl1pPr>
           </a:lstStyle>
           <a:p>
-            <a:fld id="{B694148D-F572-431C-9104-40A9977EF92E}" type="datetimeFigureOut">
+            <a:endParaRPr lang="ru-RU"/>
+          </a:p>
+        </p:txBody>
+      </p:sp>
+      <p:sp>
+        <p:nvSpPr>
+          <p:cNvPr id="7" name="Номер слайда 6"/>
+          <p:cNvSpPr>
+            <a:spLocks noGrp="1"/>
+          </p:cNvSpPr>
+          <p:nvPr>
+            <p:ph type="sldNum" sz="quarter" idx="12"/>
+          </p:nvPr>
+        </p:nvSpPr>
+        <p:spPr>
+          <a:xfrm>
+            <a:off x="8339328" y="1170432"/>
+            <a:ext cx="733864" cy="201168"/>
+          </a:xfrm>
+        </p:spPr>
+        <p:txBody>
+          <a:bodyPr/>
+          <a:lstStyle/>
+          <a:p>
+            <a:fld id="{48997E51-03E2-4119-AB53-0712BC3CF70D}" type="slidenum">
               <a:rPr lang="ru-RU" smtClean="0"/>
-              <a:t>15.04.2014</a:t>
+              <a:pPr/>
+              <a:t>‹#›</a:t>
             </a:fld>
             <a:endParaRPr lang="ru-RU"/>
           </a:p>
         </p:txBody>
       </p:sp>
-      <p:sp>
-        <p:nvSpPr>
-          <p:cNvPr id="22" name="Нижний колонтитул 21"/>
-          <p:cNvSpPr>
-            <a:spLocks noGrp="1"/>
-          </p:cNvSpPr>
-          <p:nvPr>
-            <p:ph type="ftr" sz="quarter" idx="3"/>
+    </p:spTree>
+  </p:cSld>
+  <p:clrMapOvr>
+    <a:overrideClrMapping bg1="lt1" tx1="dk1" bg2="lt2" tx2="dk2" accent1="accent1" accent2="accent2" accent3="accent3" accent4="accent4" accent5="accent5" accent6="accent6" hlink="hlink" folHlink="folHlink"/>
+  </p:clrMapOvr>
+  <p:transition>
+    <p:fade/>
+  </p:transition>
+  <p:timing>
+    <p:tnLst>
+      <p:par>
+        <p:cTn id="1" dur="indefinite" restart="never" nodeType="tmRoot"/>
+      </p:par>
+    </p:tnLst>
+  </p:timing>
+</p:sldLayout>
+</file>
+
+<file path=ppt/slideMasters/slideMaster1.xml><?xml version="1.0" encoding="utf-8"?>
+<p:sldMaster xmlns:a="http://schemas.openxmlformats.org/drawingml/2006/main" xmlns:r="http://schemas.openxmlformats.org/officeDocument/2006/relationships" xmlns:p="http://schemas.openxmlformats.org/presentationml/2006/main">
+  <p:cSld>
+    <p:bg>
+      <p:bgRef idx="1001">
+        <a:schemeClr val="bg1"/>
+      </p:bgRef>
+    </p:bg>
+    <p:spTree>
+      <p:nvGrpSpPr>
+        <p:cNvPr id="1" name=""/>
+        <p:cNvGrpSpPr/>
+        <p:nvPr/>
+      </p:nvGrpSpPr>
+      <p:grpSpPr>
+        <a:xfrm>
+          <a:off x="0" y="0"/>
+          <a:ext cx="0" cy="0"/>
+          <a:chOff x="0" y="0"/>
+          <a:chExt cx="0" cy="0"/>
+        </a:xfrm>
+      </p:grpSpPr>
+      <p:sp>
+        <p:nvSpPr>
+          <p:cNvPr id="10" name="Прямоугольник 9"/>
+          <p:cNvSpPr/>
+          <p:nvPr/>
+        </p:nvSpPr>
+        <p:spPr bwMode="invGray">
+          <a:xfrm>
+            <a:off x="0" y="1435895"/>
+            <a:ext cx="9144000" cy="45720"/>
+          </a:xfrm>
+          <a:prstGeom prst="rect">
+            <a:avLst/>
+          </a:prstGeom>
+          <a:solidFill>
+            <a:srgbClr val="FFFFFF"/>
+          </a:solidFill>
+          <a:ln w="48000" cap="flat" cmpd="thickThin" algn="ctr">
+            <a:noFill/>
+            <a:prstDash val="solid"/>
+          </a:ln>
+          <a:effectLst>
+            <a:outerShdw blurRad="31750" dist="10160" dir="5400000" algn="tl" rotWithShape="0">
+              <a:srgbClr val="000000">
+                <a:alpha val="60000"/>
+              </a:srgbClr>
+            </a:outerShdw>
+          </a:effectLst>
+        </p:spPr>
+        <p:style>
+          <a:lnRef idx="2">
+            <a:schemeClr val="accent1"/>
+          </a:lnRef>
+          <a:fillRef idx="1">
+            <a:schemeClr val="accent1"/>
+          </a:fillRef>
+          <a:effectRef idx="0">
+            <a:schemeClr val="accent1"/>
+          </a:effectRef>
+          <a:fontRef idx="minor">
+            <a:schemeClr val="lt1"/>
+          </a:fontRef>
+        </p:style>
+        <p:txBody>
+          <a:bodyPr rtlCol="0" anchor="ctr"/>
+          <a:lstStyle>
+            <a:extLst/>
+          </a:lstStyle>
+          <a:p>
+            <a:pPr algn="ctr" eaLnBrk="1" latinLnBrk="0" hangingPunct="1"/>
+            <a:endParaRPr kumimoji="0" lang="en-US"/>
+          </a:p>
+        </p:txBody>
+      </p:sp>
+      <p:sp>
+        <p:nvSpPr>
+          <p:cNvPr id="7" name="Прямоугольник 6"/>
+          <p:cNvSpPr/>
+          <p:nvPr/>
+        </p:nvSpPr>
+        <p:spPr bwMode="ltGray">
+          <a:xfrm>
+            <a:off x="0" y="0"/>
+            <a:ext cx="9143999" cy="1433733"/>
+          </a:xfrm>
+          <a:prstGeom prst="rect">
+            <a:avLst/>
+          </a:prstGeom>
+          <a:solidFill>
+            <a:srgbClr val="000000"/>
+          </a:solidFill>
+          <a:ln w="48000" cap="flat" cmpd="thickThin" algn="ctr">
+            <a:noFill/>
+            <a:prstDash val="solid"/>
+          </a:ln>
+        </p:spPr>
+        <p:style>
+          <a:lnRef idx="2">
+            <a:schemeClr val="accent1"/>
+          </a:lnRef>
+          <a:fillRef idx="1">
+            <a:schemeClr val="accent1"/>
+          </a:fillRef>
+          <a:effectRef idx="0">
+            <a:schemeClr val="accent1"/>
+          </a:effectRef>
+          <a:fontRef idx="minor">
+            <a:schemeClr val="lt1"/>
+          </a:fontRef>
+        </p:style>
+        <p:txBody>
+          <a:bodyPr rtlCol="0" anchor="ctr"/>
+          <a:lstStyle>
+            <a:extLst/>
+          </a:lstStyle>
+          <a:p>
+            <a:pPr algn="ctr" eaLnBrk="1" latinLnBrk="0" hangingPunct="1"/>
+            <a:endParaRPr kumimoji="0" lang="en-US"/>
+          </a:p>
+        </p:txBody>
+      </p:sp>
+      <p:sp>
+        <p:nvSpPr>
+          <p:cNvPr id="2" name="Заголовок 1"/>
+          <p:cNvSpPr>
+            <a:spLocks noGrp="1"/>
+          </p:cNvSpPr>
+          <p:nvPr>
+            <p:ph type="title"/>
           </p:nvPr>
         </p:nvSpPr>
         <p:spPr>
           <a:xfrm>
-            <a:off x="3124200" y="6422064"/>
-            <a:ext cx="2895600" cy="365125"/>
+            <a:off x="457200" y="152400"/>
+            <a:ext cx="8229600" cy="1251062"/>
           </a:xfrm>
           <a:prstGeom prst="rect">
             <a:avLst/>
           </a:prstGeom>
         </p:spPr>
         <p:txBody>
-          <a:bodyPr vert="horz" lIns="0" rIns="0" bIns="0" anchor="b"/>
+          <a:bodyPr vert="horz" lIns="91440" rIns="45720" rtlCol="0" anchor="ctr">
+            <a:normAutofit/>
+            <a:scene3d>
+              <a:camera prst="orthographicFront"/>
+              <a:lightRig rig="threePt" dir="t">
+                <a:rot lat="0" lon="0" rev="4800000"/>
+              </a:lightRig>
+            </a:scene3d>
+            <a:sp3d prstMaterial="matte">
+              <a:bevelT w="50800" h="10160"/>
+            </a:sp3d>
+          </a:bodyPr>
           <a:lstStyle>
-            <a:lvl1pPr algn="ctr" eaLnBrk="1" latinLnBrk="0" hangingPunct="1">
-              <a:defRPr kumimoji="0" sz="1000">
-                <a:solidFill>
-                  <a:schemeClr val="tx2">
-                    <a:shade val="50000"/>
-                  </a:schemeClr>
-                </a:solidFill>
-              </a:defRPr>
-            </a:lvl1pPr>
+            <a:extLst/>
           </a:lstStyle>
           <a:p>
-            <a:endParaRPr lang="ru-RU"/>
-          </a:p>
-        </p:txBody>
-      </p:sp>
-      <p:sp>
-        <p:nvSpPr>
-          <p:cNvPr id="18" name="Номер слайда 17"/>
-          <p:cNvSpPr>
-            <a:spLocks noGrp="1"/>
-          </p:cNvSpPr>
-          <p:nvPr>
-            <p:ph type="sldNum" sz="quarter" idx="4"/>
+            <a:r>
+              <a:rPr kumimoji="0" lang="ru-RU" smtClean="0"/>
+              <a:t>Образец заголовка</a:t>
+            </a:r>
+            <a:endParaRPr kumimoji="0" lang="en-US"/>
+          </a:p>
+        </p:txBody>
+      </p:sp>
+      <p:sp>
+        <p:nvSpPr>
+          <p:cNvPr id="3" name="Текст 2"/>
+          <p:cNvSpPr>
+            <a:spLocks noGrp="1"/>
+          </p:cNvSpPr>
+          <p:nvPr>
+            <p:ph type="body" idx="1"/>
           </p:nvPr>
         </p:nvSpPr>
         <p:spPr>
           <a:xfrm>
-            <a:off x="8153400" y="6422064"/>
-            <a:ext cx="762000" cy="365125"/>
+            <a:off x="457200" y="1775191"/>
+            <a:ext cx="8229600" cy="4625609"/>
           </a:xfrm>
           <a:prstGeom prst="rect">
             <a:avLst/>
           </a:prstGeom>
         </p:spPr>
         <p:txBody>
-          <a:bodyPr vert="horz" lIns="0" tIns="0" rIns="0" bIns="0" anchor="b"/>
+          <a:bodyPr vert="horz" lIns="54864" tIns="91440" rtlCol="0">
+            <a:normAutofit/>
+          </a:bodyPr>
           <a:lstStyle>
-            <a:lvl1pPr algn="r" eaLnBrk="1" latinLnBrk="0" hangingPunct="1">
-              <a:defRPr kumimoji="0" sz="1000">
+            <a:extLst/>
+          </a:lstStyle>
+          <a:p>
+            <a:pPr lvl="0" eaLnBrk="1" latinLnBrk="0" hangingPunct="1"/>
+            <a:r>
+              <a:rPr kumimoji="0" lang="ru-RU" smtClean="0"/>
+              <a:t>Образец текста</a:t>
+            </a:r>
+          </a:p>
+          <a:p>
+            <a:pPr lvl="1" eaLnBrk="1" latinLnBrk="0" hangingPunct="1"/>
+            <a:r>
+              <a:rPr kumimoji="0" lang="ru-RU" smtClean="0"/>
+              <a:t>Второй уровень</a:t>
+            </a:r>
+          </a:p>
+          <a:p>
+            <a:pPr lvl="2" eaLnBrk="1" latinLnBrk="0" hangingPunct="1"/>
+            <a:r>
+              <a:rPr kumimoji="0" lang="ru-RU" smtClean="0"/>
+              <a:t>Третий уровень</a:t>
+            </a:r>
+          </a:p>
+          <a:p>
+            <a:pPr lvl="3" eaLnBrk="1" latinLnBrk="0" hangingPunct="1"/>
+            <a:r>
+              <a:rPr kumimoji="0" lang="ru-RU" smtClean="0"/>
+              <a:t>Четвертый уровень</a:t>
+            </a:r>
+          </a:p>
+          <a:p>
+            <a:pPr lvl="4" eaLnBrk="1" latinLnBrk="0" hangingPunct="1"/>
+            <a:r>
+              <a:rPr kumimoji="0" lang="ru-RU" smtClean="0"/>
+              <a:t>Пятый уровень</a:t>
+            </a:r>
+            <a:endParaRPr kumimoji="0" lang="en-US"/>
+          </a:p>
+        </p:txBody>
+      </p:sp>
+      <p:sp>
+        <p:nvSpPr>
+          <p:cNvPr id="4" name="Дата 3"/>
+          <p:cNvSpPr>
+            <a:spLocks noGrp="1"/>
+          </p:cNvSpPr>
+          <p:nvPr>
+            <p:ph type="dt" sz="half" idx="2"/>
+          </p:nvPr>
+        </p:nvSpPr>
+        <p:spPr>
+          <a:xfrm>
+            <a:off x="457200" y="6476999"/>
+            <a:ext cx="2133600" cy="274320"/>
+          </a:xfrm>
+          <a:prstGeom prst="rect">
+            <a:avLst/>
+          </a:prstGeom>
+        </p:spPr>
+        <p:txBody>
+          <a:bodyPr vert="horz" lIns="109728" rIns="45720" bIns="0" rtlCol="0" anchor="b"/>
+          <a:lstStyle>
+            <a:lvl1pPr algn="l" eaLnBrk="1" latinLnBrk="0" hangingPunct="1">
+              <a:defRPr kumimoji="0" sz="1200">
                 <a:solidFill>
-                  <a:schemeClr val="tx2">
-                    <a:shade val="50000"/>
+                  <a:schemeClr val="tx1">
+                    <a:tint val="95000"/>
                   </a:schemeClr>
                 </a:solidFill>
               </a:defRPr>
             </a:lvl1pPr>
+            <a:extLst/>
+          </a:lstStyle>
+          <a:p>
+            <a:fld id="{B694148D-F572-431C-9104-40A9977EF92E}" type="datetimeFigureOut">
+              <a:rPr lang="ru-RU" smtClean="0"/>
+              <a:pPr/>
+              <a:t>03.06.2014</a:t>
+            </a:fld>
+            <a:endParaRPr lang="ru-RU"/>
+          </a:p>
+        </p:txBody>
+      </p:sp>
+      <p:sp>
+        <p:nvSpPr>
+          <p:cNvPr id="5" name="Нижний колонтитул 4"/>
+          <p:cNvSpPr>
+            <a:spLocks noGrp="1"/>
+          </p:cNvSpPr>
+          <p:nvPr>
+            <p:ph type="ftr" sz="quarter" idx="3"/>
+          </p:nvPr>
+        </p:nvSpPr>
+        <p:spPr>
+          <a:xfrm>
+            <a:off x="2640596" y="6476999"/>
+            <a:ext cx="5507719" cy="274320"/>
+          </a:xfrm>
+          <a:prstGeom prst="rect">
+            <a:avLst/>
+          </a:prstGeom>
+        </p:spPr>
+        <p:txBody>
+          <a:bodyPr vert="horz" lIns="45720" rIns="45720" bIns="0" rtlCol="0" anchor="b"/>
+          <a:lstStyle>
+            <a:lvl1pPr algn="l" eaLnBrk="1" latinLnBrk="0" hangingPunct="1">
+              <a:defRPr kumimoji="0" sz="1200">
+                <a:solidFill>
+                  <a:schemeClr val="tx1">
+                    <a:tint val="95000"/>
+                  </a:schemeClr>
+                </a:solidFill>
+              </a:defRPr>
+            </a:lvl1pPr>
+            <a:extLst/>
+          </a:lstStyle>
+          <a:p>
+            <a:endParaRPr lang="ru-RU"/>
+          </a:p>
+        </p:txBody>
+      </p:sp>
+      <p:sp>
+        <p:nvSpPr>
+          <p:cNvPr id="6" name="Номер слайда 5"/>
+          <p:cNvSpPr>
+            <a:spLocks noGrp="1"/>
+          </p:cNvSpPr>
+          <p:nvPr>
+            <p:ph type="sldNum" sz="quarter" idx="4"/>
+          </p:nvPr>
+        </p:nvSpPr>
+        <p:spPr>
+          <a:xfrm>
+            <a:off x="8204396" y="6476999"/>
+            <a:ext cx="733864" cy="274320"/>
+          </a:xfrm>
+          <a:prstGeom prst="rect">
+            <a:avLst/>
+          </a:prstGeom>
+        </p:spPr>
+        <p:txBody>
+          <a:bodyPr vert="horz" bIns="0" rtlCol="0" anchor="b"/>
+          <a:lstStyle>
+            <a:lvl1pPr algn="r" eaLnBrk="1" latinLnBrk="0" hangingPunct="1">
+              <a:defRPr kumimoji="0" sz="1200">
+                <a:solidFill>
+                  <a:schemeClr val="tx1">
+                    <a:tint val="95000"/>
+                  </a:schemeClr>
+                </a:solidFill>
+              </a:defRPr>
+            </a:lvl1pPr>
+            <a:extLst/>
           </a:lstStyle>
           <a:p>
             <a:fld id="{48997E51-03E2-4119-AB53-0712BC3CF70D}" type="slidenum">
               <a:rPr lang="ru-RU" smtClean="0"/>
+              <a:pPr/>
               <a:t>‹#›</a:t>
             </a:fld>
             <a:endParaRPr lang="ru-RU"/>
@@ -3340,23 +4463,30 @@
       </p:sp>
     </p:spTree>
   </p:cSld>
-  <p:clrMap bg1="dk1" tx1="lt1" bg2="dk2" tx2="lt2" accent1="accent1" accent2="accent2" accent3="accent3" accent4="accent4" accent5="accent5" accent6="accent6" hlink="hlink" folHlink="folHlink"/>
+  <p:clrMap bg1="lt1" tx1="dk1" bg2="lt2" tx2="dk2" accent1="accent1" accent2="accent2" accent3="accent3" accent4="accent4" accent5="accent5" accent6="accent6" hlink="hlink" folHlink="folHlink"/>
   <p:sldLayoutIdLst>
-    <p:sldLayoutId id="2147483673" r:id="rId1"/>
-    <p:sldLayoutId id="2147483674" r:id="rId2"/>
-    <p:sldLayoutId id="2147483675" r:id="rId3"/>
-    <p:sldLayoutId id="2147483676" r:id="rId4"/>
-    <p:sldLayoutId id="2147483677" r:id="rId5"/>
-    <p:sldLayoutId id="2147483678" r:id="rId6"/>
-    <p:sldLayoutId id="2147483679" r:id="rId7"/>
-    <p:sldLayoutId id="2147483680" r:id="rId8"/>
-    <p:sldLayoutId id="2147483681" r:id="rId9"/>
-    <p:sldLayoutId id="2147483682" r:id="rId10"/>
-    <p:sldLayoutId id="2147483683" r:id="rId11"/>
+    <p:sldLayoutId id="2147483685" r:id="rId1"/>
+    <p:sldLayoutId id="2147483686" r:id="rId2"/>
+    <p:sldLayoutId id="2147483687" r:id="rId3"/>
+    <p:sldLayoutId id="2147483688" r:id="rId4"/>
+    <p:sldLayoutId id="2147483689" r:id="rId5"/>
+    <p:sldLayoutId id="2147483690" r:id="rId6"/>
+    <p:sldLayoutId id="2147483691" r:id="rId7"/>
+    <p:sldLayoutId id="2147483692" r:id="rId8"/>
+    <p:sldLayoutId id="2147483693" r:id="rId9"/>
+    <p:sldLayoutId id="2147483694" r:id="rId10"/>
+    <p:sldLayoutId id="2147483695" r:id="rId11"/>
   </p:sldLayoutIdLst>
   <p:transition>
     <p:fade/>
   </p:transition>
+  <p:timing>
+    <p:tnLst>
+      <p:par>
+        <p:cTn id="1" dur="indefinite" restart="never" nodeType="tmRoot"/>
+      </p:par>
+    </p:tnLst>
+  </p:timing>
   <p:txStyles>
     <p:titleStyle>
       <a:lvl1pPr algn="l" rtl="0" eaLnBrk="1" latinLnBrk="0" hangingPunct="1">
@@ -3364,28 +4494,32 @@
           <a:spcPct val="0"/>
         </a:spcBef>
         <a:buNone/>
-        <a:defRPr kumimoji="0" sz="4600" kern="1200">
+        <a:defRPr kumimoji="0" sz="4500" b="1" kern="1200">
           <a:solidFill>
-            <a:schemeClr val="tx1"/>
+            <a:schemeClr val="accent1">
+              <a:satMod val="150000"/>
+            </a:schemeClr>
           </a:solidFill>
+          <a:effectLst/>
           <a:latin typeface="+mj-lt"/>
           <a:ea typeface="+mj-ea"/>
           <a:cs typeface="+mj-cs"/>
         </a:defRPr>
       </a:lvl1pPr>
+      <a:extLst/>
     </p:titleStyle>
     <p:bodyStyle>
-      <a:lvl1pPr marL="420624" indent="-384048" algn="l" rtl="0" eaLnBrk="1" latinLnBrk="0" hangingPunct="1">
+      <a:lvl1pPr marL="438912" indent="-320040" algn="l" rtl="0" eaLnBrk="1" latinLnBrk="0" hangingPunct="1">
         <a:spcBef>
-          <a:spcPct val="20000"/>
+          <a:spcPts val="0"/>
         </a:spcBef>
         <a:buClr>
           <a:schemeClr val="accent1"/>
         </a:buClr>
         <a:buSzPct val="80000"/>
         <a:buFont typeface="Wingdings 2"/>
-        <a:buChar char=""/>
-        <a:defRPr kumimoji="0" sz="3000" kern="1200">
+        <a:buChar char=""/>
+        <a:defRPr kumimoji="0" sz="3200" kern="1200">
           <a:solidFill>
             <a:schemeClr val="tx1"/>
           </a:solidFill>
@@ -3394,17 +4528,17 @@
           <a:cs typeface="+mn-cs"/>
         </a:defRPr>
       </a:lvl1pPr>
-      <a:lvl2pPr marL="722376" indent="-274320" algn="l" rtl="0" eaLnBrk="1" latinLnBrk="0" hangingPunct="1">
+      <a:lvl2pPr marL="731520" indent="-274320" algn="l" rtl="0" eaLnBrk="1" latinLnBrk="0" hangingPunct="1">
         <a:spcBef>
           <a:spcPct val="20000"/>
         </a:spcBef>
         <a:buClr>
-          <a:schemeClr val="accent1"/>
+          <a:schemeClr val="accent2"/>
         </a:buClr>
         <a:buSzPct val="90000"/>
-        <a:buFont typeface="Wingdings 2"/>
-        <a:buChar char=""/>
-        <a:defRPr kumimoji="0" sz="2600" kern="1200">
+        <a:buFont typeface="Wingdings"/>
+        <a:buChar char=""/>
+        <a:defRPr kumimoji="0" sz="2800" kern="1200">
           <a:solidFill>
             <a:schemeClr val="tx1"/>
           </a:solidFill>
@@ -3413,16 +4547,15 @@
           <a:cs typeface="+mn-cs"/>
         </a:defRPr>
       </a:lvl2pPr>
-      <a:lvl3pPr marL="1005840" indent="-256032" algn="l" rtl="0" eaLnBrk="1" latinLnBrk="0" hangingPunct="1">
+      <a:lvl3pPr marL="996696" indent="-228600" algn="l" rtl="0" eaLnBrk="1" latinLnBrk="0" hangingPunct="1">
         <a:spcBef>
           <a:spcPct val="20000"/>
         </a:spcBef>
         <a:buClr>
-          <a:schemeClr val="accent2"/>
+          <a:schemeClr val="accent3"/>
         </a:buClr>
-        <a:buSzPct val="85000"/>
         <a:buFont typeface="Arial"/>
-        <a:buChar char="○"/>
+        <a:buChar char="▪"/>
         <a:defRPr kumimoji="0" sz="2400" kern="1200">
           <a:solidFill>
             <a:schemeClr val="tx1"/>
@@ -3432,16 +4565,15 @@
           <a:cs typeface="+mn-cs"/>
         </a:defRPr>
       </a:lvl3pPr>
-      <a:lvl4pPr marL="1280160" indent="-237744" algn="l" rtl="0" eaLnBrk="1" latinLnBrk="0" hangingPunct="1">
+      <a:lvl4pPr marL="1216152" indent="-182880" algn="l" rtl="0" eaLnBrk="1" latinLnBrk="0" hangingPunct="1">
         <a:spcBef>
           <a:spcPct val="20000"/>
         </a:spcBef>
         <a:buClr>
-          <a:schemeClr val="accent3"/>
+          <a:schemeClr val="accent4"/>
         </a:buClr>
-        <a:buSzPct val="90000"/>
-        <a:buFont typeface="Wingdings 2"/>
-        <a:buChar char=""/>
+        <a:buFont typeface="Arial"/>
+        <a:buChar char="▪"/>
         <a:defRPr kumimoji="0" sz="2000" kern="1200">
           <a:solidFill>
             <a:schemeClr val="tx1"/>
@@ -3451,16 +4583,34 @@
           <a:cs typeface="+mn-cs"/>
         </a:defRPr>
       </a:lvl4pPr>
-      <a:lvl5pPr marL="1490472" indent="-182880" algn="l" rtl="0" eaLnBrk="1" latinLnBrk="0" hangingPunct="1">
+      <a:lvl5pPr marL="1426464" indent="-182880" algn="l" rtl="0" eaLnBrk="1" latinLnBrk="0" hangingPunct="1">
         <a:spcBef>
           <a:spcPct val="20000"/>
         </a:spcBef>
         <a:buClr>
-          <a:schemeClr val="accent4"/>
+          <a:schemeClr val="accent5"/>
+        </a:buClr>
+        <a:buFont typeface="Wingdings 3"/>
+        <a:buChar char=""/>
+        <a:defRPr kumimoji="0" lang="en-US" sz="2000" kern="1200" smtClean="0">
+          <a:solidFill>
+            <a:schemeClr val="tx1"/>
+          </a:solidFill>
+          <a:latin typeface="+mn-lt"/>
+          <a:ea typeface="+mn-ea"/>
+          <a:cs typeface="+mn-cs"/>
+        </a:defRPr>
+      </a:lvl5pPr>
+      <a:lvl6pPr marL="1627632" indent="-182880" algn="l" rtl="0" eaLnBrk="1" latinLnBrk="0" hangingPunct="1">
+        <a:spcBef>
+          <a:spcPct val="20000"/>
+        </a:spcBef>
+        <a:buClr>
+          <a:schemeClr val="accent6"/>
         </a:buClr>
         <a:buSzPct val="100000"/>
-        <a:buFont typeface="Arial"/>
-        <a:buChar char="-"/>
+        <a:buFont typeface="Wingdings 2"/>
+        <a:buChar char=""/>
         <a:defRPr kumimoji="0" sz="2000" kern="1200">
           <a:solidFill>
             <a:schemeClr val="tx1"/>
@@ -3469,17 +4619,18 @@
           <a:ea typeface="+mn-ea"/>
           <a:cs typeface="+mn-cs"/>
         </a:defRPr>
-      </a:lvl5pPr>
-      <a:lvl6pPr marL="1700784" indent="-182880" algn="l" rtl="0" eaLnBrk="1" latinLnBrk="0" hangingPunct="1">
+      </a:lvl6pPr>
+      <a:lvl7pPr marL="1828800" indent="-182880" algn="l" rtl="0" eaLnBrk="1" latinLnBrk="0" hangingPunct="1">
         <a:spcBef>
           <a:spcPct val="20000"/>
         </a:spcBef>
         <a:buClr>
-          <a:schemeClr val="accent5"/>
+          <a:schemeClr val="accent1"/>
         </a:buClr>
-        <a:buFont typeface="Arial"/>
-        <a:buChar char="-"/>
-        <a:defRPr kumimoji="0" sz="2000" kern="1200" baseline="0">
+        <a:buSzPct val="100000"/>
+        <a:buFont typeface="Wingdings 2"/>
+        <a:buChar char=""/>
+        <a:defRPr kumimoji="0" sz="1800" kern="1200">
           <a:solidFill>
             <a:schemeClr val="tx1"/>
           </a:solidFill>
@@ -3487,17 +4638,34 @@
           <a:ea typeface="+mn-ea"/>
           <a:cs typeface="+mn-cs"/>
         </a:defRPr>
-      </a:lvl6pPr>
-      <a:lvl7pPr marL="1920240" indent="-182880" algn="l" rtl="0" eaLnBrk="1" latinLnBrk="0" hangingPunct="1">
+      </a:lvl7pPr>
+      <a:lvl8pPr marL="2029968" indent="-182880" algn="l" rtl="0" eaLnBrk="1" latinLnBrk="0" hangingPunct="1">
         <a:spcBef>
           <a:spcPct val="20000"/>
         </a:spcBef>
         <a:buClr>
-          <a:schemeClr val="accent6"/>
+          <a:schemeClr val="accent2"/>
         </a:buClr>
-        <a:buSzPct val="100000"/>
-        <a:buFont typeface="Arial"/>
-        <a:buChar char="•"/>
+        <a:buFont typeface="Wingdings 2" pitchFamily="18" charset="2"/>
+        <a:buChar char=""/>
+        <a:defRPr kumimoji="0" sz="1800" kern="1200">
+          <a:solidFill>
+            <a:schemeClr val="tx1"/>
+          </a:solidFill>
+          <a:latin typeface="+mn-lt"/>
+          <a:ea typeface="+mn-ea"/>
+          <a:cs typeface="+mn-cs"/>
+        </a:defRPr>
+      </a:lvl8pPr>
+      <a:lvl9pPr marL="2231136" indent="-182880" algn="l" rtl="0" eaLnBrk="1" latinLnBrk="0" hangingPunct="1">
+        <a:spcBef>
+          <a:spcPct val="20000"/>
+        </a:spcBef>
+        <a:buClr>
+          <a:schemeClr val="accent3"/>
+        </a:buClr>
+        <a:buFont typeface="Wingdings 2" pitchFamily="18" charset="2"/>
+        <a:buChar char=""/>
         <a:defRPr kumimoji="0" sz="1800" kern="1200" baseline="0">
           <a:solidFill>
             <a:schemeClr val="tx1"/>
@@ -3506,43 +4674,8 @@
           <a:ea typeface="+mn-ea"/>
           <a:cs typeface="+mn-cs"/>
         </a:defRPr>
-      </a:lvl7pPr>
-      <a:lvl8pPr marL="2139696" indent="-182880" algn="l" rtl="0" eaLnBrk="1" latinLnBrk="0" hangingPunct="1">
-        <a:spcBef>
-          <a:spcPct val="20000"/>
-        </a:spcBef>
-        <a:buClr>
-          <a:schemeClr val="accent6"/>
-        </a:buClr>
-        <a:buFont typeface="Arial"/>
-        <a:buChar char="▪"/>
-        <a:defRPr kumimoji="0" sz="1600" kern="1200">
-          <a:solidFill>
-            <a:schemeClr val="tx1"/>
-          </a:solidFill>
-          <a:latin typeface="+mn-lt"/>
-          <a:ea typeface="+mn-ea"/>
-          <a:cs typeface="+mn-cs"/>
-        </a:defRPr>
-      </a:lvl8pPr>
-      <a:lvl9pPr marL="2331720" indent="-182880" algn="l" rtl="0" eaLnBrk="1" latinLnBrk="0" hangingPunct="1">
-        <a:spcBef>
-          <a:spcPct val="20000"/>
-        </a:spcBef>
-        <a:buClr>
-          <a:schemeClr val="accent6"/>
-        </a:buClr>
-        <a:buFont typeface="Arial"/>
-        <a:buChar char="•"/>
-        <a:defRPr kumimoji="0" sz="1600" kern="1200">
-          <a:solidFill>
-            <a:schemeClr val="tx1"/>
-          </a:solidFill>
-          <a:latin typeface="+mn-lt"/>
-          <a:ea typeface="+mn-ea"/>
-          <a:cs typeface="+mn-cs"/>
-        </a:defRPr>
       </a:lvl9pPr>
+      <a:extLst/>
     </p:bodyStyle>
     <p:otherStyle>
       <a:lvl1pPr marL="0" algn="l" rtl="0" eaLnBrk="1" latinLnBrk="0" hangingPunct="1">
@@ -3635,6 +4768,7 @@
           <a:cs typeface="+mn-cs"/>
         </a:defRPr>
       </a:lvl9pPr>
+      <a:extLst/>
     </p:otherStyle>
   </p:txStyles>
 </p:sldMaster>
@@ -3669,14 +4803,15 @@
         </p:nvSpPr>
         <p:spPr>
           <a:xfrm>
-            <a:off x="827584" y="2348880"/>
-            <a:ext cx="6480048" cy="2301240"/>
+            <a:off x="611560" y="1748408"/>
+            <a:ext cx="7704856" cy="2301240"/>
           </a:xfrm>
         </p:spPr>
         <p:txBody>
           <a:bodyPr/>
           <a:lstStyle/>
           <a:p>
+            <a:pPr algn="ctr"/>
             <a:r>
               <a:rPr lang="ru-RU" dirty="0" smtClean="0"/>
               <a:t>Дипломный проект</a:t>
@@ -3697,8 +4832,8 @@
         </p:nvSpPr>
         <p:spPr>
           <a:xfrm>
-            <a:off x="827584" y="2996952"/>
-            <a:ext cx="6480048" cy="1752600"/>
+            <a:off x="539552" y="2684512"/>
+            <a:ext cx="7920880" cy="1536576"/>
           </a:xfrm>
         </p:spPr>
         <p:txBody>
@@ -3708,39 +4843,245 @@
           <a:lstStyle/>
           <a:p>
             <a:r>
+              <a:rPr lang="ru-RU" sz="2800" b="1" dirty="0" smtClean="0"/>
+              <a:t>Тема: </a:t>
+            </a:r>
+            <a:r>
+              <a:rPr lang="ru-RU" sz="2800" b="1" dirty="0" smtClean="0"/>
+              <a:t>Внедрение </a:t>
+            </a:r>
+            <a:r>
+              <a:rPr lang="ru-RU" sz="2800" b="1" dirty="0" smtClean="0"/>
+              <a:t>элементов защиты в </a:t>
+            </a:r>
+            <a:r>
+              <a:rPr lang="ru-RU" sz="2800" b="1" dirty="0" smtClean="0"/>
+              <a:t>.</a:t>
+            </a:r>
+            <a:r>
+              <a:rPr lang="en-US" sz="2800" b="1" dirty="0" smtClean="0"/>
+              <a:t>NET</a:t>
+            </a:r>
+            <a:r>
+              <a:rPr lang="ru-RU" sz="2800" b="1" dirty="0" smtClean="0"/>
+              <a:t> приложения без необходимости модификации исходного кода </a:t>
+            </a:r>
+            <a:endParaRPr lang="ru-RU" sz="2800" dirty="0" smtClean="0"/>
+          </a:p>
+          <a:p>
+            <a:endParaRPr lang="ru-RU" sz="2400" dirty="0"/>
+          </a:p>
+        </p:txBody>
+      </p:sp>
+      <p:sp>
+        <p:nvSpPr>
+          <p:cNvPr id="4" name="TextBox 3"/>
+          <p:cNvSpPr txBox="1"/>
+          <p:nvPr/>
+        </p:nvSpPr>
+        <p:spPr>
+          <a:xfrm>
+            <a:off x="179512" y="5373216"/>
+            <a:ext cx="8964488" cy="1754326"/>
+          </a:xfrm>
+          <a:prstGeom prst="rect">
+            <a:avLst/>
+          </a:prstGeom>
+          <a:noFill/>
+        </p:spPr>
+        <p:txBody>
+          <a:bodyPr wrap="square" rtlCol="0">
+            <a:spAutoFit/>
+          </a:bodyPr>
+          <a:lstStyle/>
+          <a:p>
+            <a:pPr>
+              <a:lnSpc>
+                <a:spcPct val="150000"/>
+              </a:lnSpc>
+            </a:pPr>
+            <a:r>
               <a:rPr lang="ru-RU" sz="2400" b="1" dirty="0" smtClean="0"/>
-              <a:t>Внедрение элементов защиты </a:t>
-            </a:r>
+              <a:t>Выполнил:</a:t>
+            </a:r>
+            <a:r>
+              <a:rPr lang="en-US" sz="2400" b="1" dirty="0" smtClean="0"/>
+              <a:t> </a:t>
+            </a:r>
+            <a:r>
+              <a:rPr lang="ru-RU" sz="2400" dirty="0" smtClean="0"/>
+              <a:t>студент </a:t>
+            </a:r>
+            <a:r>
+              <a:rPr lang="ru-RU" sz="2400" dirty="0" smtClean="0"/>
+              <a:t>гр. 53505/2		</a:t>
+            </a:r>
+            <a:r>
+              <a:rPr lang="en-US" sz="2400" dirty="0" smtClean="0"/>
+              <a:t>	</a:t>
+            </a:r>
+            <a:r>
+              <a:rPr lang="ru-RU" sz="2400" dirty="0" smtClean="0"/>
+              <a:t>С.А</a:t>
+            </a:r>
+            <a:r>
+              <a:rPr lang="ru-RU" sz="2400" dirty="0" smtClean="0"/>
+              <a:t>. </a:t>
+            </a:r>
+            <a:r>
+              <a:rPr lang="ru-RU" sz="2400" dirty="0" smtClean="0"/>
+              <a:t>Гладышев</a:t>
+            </a:r>
+            <a:endParaRPr lang="en-US" sz="2400" dirty="0" smtClean="0"/>
+          </a:p>
+          <a:p>
             <a:r>
               <a:rPr lang="ru-RU" sz="2400" b="1" dirty="0" smtClean="0"/>
-              <a:t>в </a:t>
-            </a:r>
-          </a:p>
-          <a:p>
-            <a:r>
-              <a:rPr lang="ru-RU" sz="2400" b="1" dirty="0" smtClean="0"/>
-              <a:t>.</a:t>
+              <a:t>Руководитель:</a:t>
             </a:r>
             <a:r>
               <a:rPr lang="en-US" sz="2400" b="1" dirty="0" smtClean="0"/>
-              <a:t>NET</a:t>
-            </a:r>
-            <a:r>
-              <a:rPr lang="ru-RU" sz="2400" b="1" dirty="0" smtClean="0"/>
               <a:t> </a:t>
             </a:r>
             <a:r>
-              <a:rPr lang="ru-RU" sz="2400" b="1" dirty="0" smtClean="0"/>
-              <a:t>приложения без </a:t>
-            </a:r>
-            <a:r>
-              <a:rPr lang="ru-RU" sz="2400" b="1" dirty="0" smtClean="0"/>
-              <a:t>необходимости модификации исходного кода </a:t>
-            </a:r>
+              <a:rPr lang="ru-RU" sz="2400" dirty="0" smtClean="0"/>
+              <a:t>канд</a:t>
+            </a:r>
+            <a:r>
+              <a:rPr lang="ru-RU" sz="2400" dirty="0" smtClean="0"/>
+              <a:t>. </a:t>
+            </a:r>
+            <a:r>
+              <a:rPr lang="ru-RU" sz="2400" dirty="0" err="1" smtClean="0"/>
+              <a:t>техн</a:t>
+            </a:r>
+            <a:r>
+              <a:rPr lang="ru-RU" sz="2400" dirty="0" smtClean="0"/>
+              <a:t>. наук, </a:t>
+            </a:r>
+            <a:r>
+              <a:rPr lang="ru-RU" sz="2400" dirty="0" smtClean="0"/>
+              <a:t>доцент</a:t>
+            </a:r>
+            <a:r>
+              <a:rPr lang="en-US" sz="2400" dirty="0" smtClean="0"/>
+              <a:t>		</a:t>
+            </a:r>
+            <a:r>
+              <a:rPr lang="ru-RU" sz="2400" dirty="0" smtClean="0"/>
+              <a:t>В.Ю</a:t>
+            </a:r>
+            <a:r>
+              <a:rPr lang="ru-RU" sz="2400" dirty="0" smtClean="0"/>
+              <a:t>. Сальников</a:t>
+            </a:r>
+          </a:p>
+          <a:p>
             <a:endParaRPr lang="ru-RU" sz="2400" dirty="0" smtClean="0"/>
           </a:p>
           <a:p>
             <a:endParaRPr lang="ru-RU" sz="2400" dirty="0"/>
+          </a:p>
+        </p:txBody>
+      </p:sp>
+      <p:sp>
+        <p:nvSpPr>
+          <p:cNvPr id="5" name="TextBox 4"/>
+          <p:cNvSpPr txBox="1"/>
+          <p:nvPr/>
+        </p:nvSpPr>
+        <p:spPr>
+          <a:xfrm>
+            <a:off x="585452" y="4294837"/>
+            <a:ext cx="7658956" cy="646331"/>
+          </a:xfrm>
+          <a:prstGeom prst="rect">
+            <a:avLst/>
+          </a:prstGeom>
+          <a:noFill/>
+        </p:spPr>
+        <p:txBody>
+          <a:bodyPr wrap="none" rtlCol="0">
+            <a:spAutoFit/>
+          </a:bodyPr>
+          <a:lstStyle/>
+          <a:p>
+            <a:r>
+              <a:rPr lang="ru-RU" dirty="0" smtClean="0"/>
+              <a:t>Направление: </a:t>
+            </a:r>
+            <a:r>
+              <a:rPr lang="ru-RU" dirty="0" smtClean="0"/>
+              <a:t>    090900 </a:t>
+            </a:r>
+            <a:r>
+              <a:rPr lang="ru-RU" dirty="0" smtClean="0"/>
+              <a:t>— Информационная безопасность</a:t>
+            </a:r>
+          </a:p>
+          <a:p>
+            <a:r>
+              <a:rPr lang="ru-RU" dirty="0" smtClean="0"/>
+              <a:t>Специальность: 090104 — Комплексная защита объектов </a:t>
+            </a:r>
+            <a:r>
+              <a:rPr lang="ru-RU" dirty="0" smtClean="0"/>
+              <a:t>информатизации</a:t>
+            </a:r>
+            <a:endParaRPr lang="ru-RU" dirty="0" smtClean="0"/>
+          </a:p>
+        </p:txBody>
+      </p:sp>
+      <p:sp>
+        <p:nvSpPr>
+          <p:cNvPr id="6" name="TextBox 5"/>
+          <p:cNvSpPr txBox="1"/>
+          <p:nvPr/>
+        </p:nvSpPr>
+        <p:spPr>
+          <a:xfrm>
+            <a:off x="1370138" y="44624"/>
+            <a:ext cx="6478568" cy="830997"/>
+          </a:xfrm>
+          <a:prstGeom prst="rect">
+            <a:avLst/>
+          </a:prstGeom>
+          <a:noFill/>
+        </p:spPr>
+        <p:txBody>
+          <a:bodyPr wrap="none" rtlCol="0">
+            <a:spAutoFit/>
+          </a:bodyPr>
+          <a:lstStyle/>
+          <a:p>
+            <a:pPr algn="ctr"/>
+            <a:r>
+              <a:rPr lang="ru-RU" sz="1600" dirty="0" smtClean="0"/>
+              <a:t>Санкт-Петербургский Государственный Политехнический университет</a:t>
+            </a:r>
+          </a:p>
+          <a:p>
+            <a:pPr algn="ctr"/>
+            <a:r>
+              <a:rPr lang="ru-RU" sz="1600" dirty="0" smtClean="0"/>
+              <a:t>Институт информационных технологий и управления</a:t>
+            </a:r>
+          </a:p>
+          <a:p>
+            <a:pPr algn="ctr"/>
+            <a:r>
+              <a:rPr lang="ru-RU" sz="1600" dirty="0" smtClean="0"/>
+              <a:t>Кафедра </a:t>
+            </a:r>
+            <a:r>
+              <a:rPr lang="ru-RU" sz="1600" dirty="0" smtClean="0"/>
+              <a:t>измерительных информационных </a:t>
+            </a:r>
+            <a:r>
+              <a:rPr lang="ru-RU" sz="1600" dirty="0" smtClean="0"/>
+              <a:t>технологий</a:t>
+            </a:r>
+            <a:endParaRPr lang="ru-RU" sz="1600" dirty="0"/>
           </a:p>
         </p:txBody>
       </p:sp>
@@ -3762,7 +5103,1398 @@
 </p:sld>
 </file>
 
+<file path=ppt/slides/slide10.xml><?xml version="1.0" encoding="utf-8"?>
+<p:sld xmlns:a="http://schemas.openxmlformats.org/drawingml/2006/main" xmlns:r="http://schemas.openxmlformats.org/officeDocument/2006/relationships" xmlns:p="http://schemas.openxmlformats.org/presentationml/2006/main">
+  <p:cSld>
+    <p:spTree>
+      <p:nvGrpSpPr>
+        <p:cNvPr id="1" name=""/>
+        <p:cNvGrpSpPr/>
+        <p:nvPr/>
+      </p:nvGrpSpPr>
+      <p:grpSpPr>
+        <a:xfrm>
+          <a:off x="0" y="0"/>
+          <a:ext cx="0" cy="0"/>
+          <a:chOff x="0" y="0"/>
+          <a:chExt cx="0" cy="0"/>
+        </a:xfrm>
+      </p:grpSpPr>
+      <p:sp>
+        <p:nvSpPr>
+          <p:cNvPr id="2" name="Заголовок 1"/>
+          <p:cNvSpPr>
+            <a:spLocks noGrp="1"/>
+          </p:cNvSpPr>
+          <p:nvPr>
+            <p:ph type="title"/>
+          </p:nvPr>
+        </p:nvSpPr>
+        <p:spPr>
+          <a:xfrm>
+            <a:off x="467544" y="118872"/>
+            <a:ext cx="8496944" cy="1509928"/>
+          </a:xfrm>
+        </p:spPr>
+        <p:txBody>
+          <a:bodyPr>
+            <a:normAutofit/>
+          </a:bodyPr>
+          <a:lstStyle/>
+          <a:p>
+            <a:r>
+              <a:rPr lang="ru-RU" dirty="0" smtClean="0"/>
+              <a:t>Проверка работоспособности</a:t>
+            </a:r>
+            <a:endParaRPr lang="ru-RU" dirty="0"/>
+          </a:p>
+        </p:txBody>
+      </p:sp>
+      <p:sp>
+        <p:nvSpPr>
+          <p:cNvPr id="3" name="Текст 2"/>
+          <p:cNvSpPr>
+            <a:spLocks noGrp="1"/>
+          </p:cNvSpPr>
+          <p:nvPr>
+            <p:ph type="body" idx="1"/>
+          </p:nvPr>
+        </p:nvSpPr>
+        <p:spPr/>
+        <p:txBody>
+          <a:bodyPr>
+            <a:normAutofit/>
+          </a:bodyPr>
+          <a:lstStyle/>
+          <a:p>
+            <a:r>
+              <a:rPr lang="ru-RU" sz="2800" dirty="0" smtClean="0"/>
+              <a:t>С использованием </a:t>
+            </a:r>
+            <a:r>
+              <a:rPr lang="en-US" sz="2800" dirty="0" err="1" smtClean="0"/>
+              <a:t>ArtMoney</a:t>
+            </a:r>
+            <a:endParaRPr lang="ru-RU" sz="2800" dirty="0"/>
+          </a:p>
+        </p:txBody>
+      </p:sp>
+      <p:pic>
+        <p:nvPicPr>
+          <p:cNvPr id="2050" name="Picture 2" descr="Скриншот 573f016f"/>
+          <p:cNvPicPr>
+            <a:picLocks noChangeAspect="1" noChangeArrowheads="1"/>
+          </p:cNvPicPr>
+          <p:nvPr/>
+        </p:nvPicPr>
+        <p:blipFill>
+          <a:blip r:embed="rId2" cstate="print"/>
+          <a:srcRect/>
+          <a:stretch>
+            <a:fillRect/>
+          </a:stretch>
+        </p:blipFill>
+        <p:spPr bwMode="auto">
+          <a:xfrm>
+            <a:off x="1547664" y="2852936"/>
+            <a:ext cx="6324600" cy="3743325"/>
+          </a:xfrm>
+          <a:prstGeom prst="rect">
+            <a:avLst/>
+          </a:prstGeom>
+          <a:noFill/>
+        </p:spPr>
+      </p:pic>
+    </p:spTree>
+  </p:cSld>
+  <p:clrMapOvr>
+    <a:masterClrMapping/>
+  </p:clrMapOvr>
+  <p:transition>
+    <p:fade/>
+  </p:transition>
+  <p:timing>
+    <p:tnLst>
+      <p:par>
+        <p:cTn id="1" dur="indefinite" restart="never" nodeType="tmRoot"/>
+      </p:par>
+    </p:tnLst>
+  </p:timing>
+</p:sld>
+</file>
+
+<file path=ppt/slides/slide11.xml><?xml version="1.0" encoding="utf-8"?>
+<p:sld xmlns:a="http://schemas.openxmlformats.org/drawingml/2006/main" xmlns:r="http://schemas.openxmlformats.org/officeDocument/2006/relationships" xmlns:p="http://schemas.openxmlformats.org/presentationml/2006/main">
+  <p:cSld>
+    <p:spTree>
+      <p:nvGrpSpPr>
+        <p:cNvPr id="1" name=""/>
+        <p:cNvGrpSpPr/>
+        <p:nvPr/>
+      </p:nvGrpSpPr>
+      <p:grpSpPr>
+        <a:xfrm>
+          <a:off x="0" y="0"/>
+          <a:ext cx="0" cy="0"/>
+          <a:chOff x="0" y="0"/>
+          <a:chExt cx="0" cy="0"/>
+        </a:xfrm>
+      </p:grpSpPr>
+      <p:sp>
+        <p:nvSpPr>
+          <p:cNvPr id="2" name="Заголовок 1"/>
+          <p:cNvSpPr>
+            <a:spLocks noGrp="1"/>
+          </p:cNvSpPr>
+          <p:nvPr>
+            <p:ph type="title"/>
+          </p:nvPr>
+        </p:nvSpPr>
+        <p:spPr/>
+        <p:txBody>
+          <a:bodyPr/>
+          <a:lstStyle/>
+          <a:p>
+            <a:r>
+              <a:rPr lang="ru-RU" dirty="0" smtClean="0"/>
+              <a:t>Шаг 1. Поиск</a:t>
+            </a:r>
+            <a:endParaRPr lang="ru-RU" dirty="0"/>
+          </a:p>
+        </p:txBody>
+      </p:sp>
+      <p:pic>
+        <p:nvPicPr>
+          <p:cNvPr id="5" name="Содержимое 4" descr="Скриншот 74828018"/>
+          <p:cNvPicPr>
+            <a:picLocks noGrp="1"/>
+          </p:cNvPicPr>
+          <p:nvPr>
+            <p:ph sz="half" idx="1"/>
+          </p:nvPr>
+        </p:nvPicPr>
+        <p:blipFill>
+          <a:blip r:embed="rId2" cstate="print"/>
+          <a:srcRect/>
+          <a:stretch>
+            <a:fillRect/>
+          </a:stretch>
+        </p:blipFill>
+        <p:spPr bwMode="auto">
+          <a:xfrm>
+            <a:off x="467544" y="2564904"/>
+            <a:ext cx="4817519" cy="3084901"/>
+          </a:xfrm>
+          <a:prstGeom prst="rect">
+            <a:avLst/>
+          </a:prstGeom>
+          <a:noFill/>
+          <a:ln w="9525">
+            <a:noFill/>
+            <a:miter lim="800000"/>
+            <a:headEnd/>
+            <a:tailEnd/>
+          </a:ln>
+        </p:spPr>
+      </p:pic>
+      <p:pic>
+        <p:nvPicPr>
+          <p:cNvPr id="1026" name="Picture 2" descr="Скриншот e510ef6a"/>
+          <p:cNvPicPr>
+            <a:picLocks noGrp="1" noChangeAspect="1" noChangeArrowheads="1"/>
+          </p:cNvPicPr>
+          <p:nvPr>
+            <p:ph sz="half" idx="2"/>
+          </p:nvPr>
+        </p:nvPicPr>
+        <p:blipFill>
+          <a:blip r:embed="rId3" cstate="print"/>
+          <a:srcRect/>
+          <a:stretch>
+            <a:fillRect/>
+          </a:stretch>
+        </p:blipFill>
+        <p:spPr bwMode="auto">
+          <a:xfrm>
+            <a:off x="5796136" y="2924944"/>
+            <a:ext cx="2594728" cy="2351092"/>
+          </a:xfrm>
+          <a:prstGeom prst="rect">
+            <a:avLst/>
+          </a:prstGeom>
+          <a:noFill/>
+        </p:spPr>
+      </p:pic>
+      <p:sp>
+        <p:nvSpPr>
+          <p:cNvPr id="7" name="TextBox 6"/>
+          <p:cNvSpPr txBox="1"/>
+          <p:nvPr/>
+        </p:nvSpPr>
+        <p:spPr>
+          <a:xfrm>
+            <a:off x="1115616" y="1988840"/>
+            <a:ext cx="3456384" cy="369332"/>
+          </a:xfrm>
+          <a:prstGeom prst="rect">
+            <a:avLst/>
+          </a:prstGeom>
+          <a:noFill/>
+        </p:spPr>
+        <p:txBody>
+          <a:bodyPr wrap="square" rtlCol="0">
+            <a:spAutoFit/>
+          </a:bodyPr>
+          <a:lstStyle/>
+          <a:p>
+            <a:r>
+              <a:rPr lang="en-US" dirty="0" smtClean="0"/>
+              <a:t>1.1. </a:t>
+            </a:r>
+            <a:r>
+              <a:rPr lang="ru-RU" dirty="0" smtClean="0"/>
+              <a:t>Поиск по точному значению</a:t>
+            </a:r>
+            <a:endParaRPr lang="ru-RU" dirty="0"/>
+          </a:p>
+        </p:txBody>
+      </p:sp>
+      <p:sp>
+        <p:nvSpPr>
+          <p:cNvPr id="8" name="TextBox 7"/>
+          <p:cNvSpPr txBox="1"/>
+          <p:nvPr/>
+        </p:nvSpPr>
+        <p:spPr>
+          <a:xfrm>
+            <a:off x="5796136" y="1988840"/>
+            <a:ext cx="2664296" cy="369332"/>
+          </a:xfrm>
+          <a:prstGeom prst="rect">
+            <a:avLst/>
+          </a:prstGeom>
+          <a:noFill/>
+        </p:spPr>
+        <p:txBody>
+          <a:bodyPr wrap="square" rtlCol="0">
+            <a:spAutoFit/>
+          </a:bodyPr>
+          <a:lstStyle/>
+          <a:p>
+            <a:r>
+              <a:rPr lang="en-US" dirty="0" smtClean="0"/>
+              <a:t>1.</a:t>
+            </a:r>
+            <a:r>
+              <a:rPr lang="ru-RU" dirty="0" smtClean="0"/>
+              <a:t>2</a:t>
+            </a:r>
+            <a:r>
+              <a:rPr lang="en-US" dirty="0" smtClean="0"/>
+              <a:t>. </a:t>
+            </a:r>
+            <a:r>
+              <a:rPr lang="ru-RU" dirty="0" smtClean="0"/>
+              <a:t>Результаты поиска</a:t>
+            </a:r>
+            <a:endParaRPr lang="ru-RU" dirty="0"/>
+          </a:p>
+        </p:txBody>
+      </p:sp>
+    </p:spTree>
+  </p:cSld>
+  <p:clrMapOvr>
+    <a:masterClrMapping/>
+  </p:clrMapOvr>
+  <p:transition>
+    <p:fade/>
+  </p:transition>
+  <p:timing>
+    <p:tnLst>
+      <p:par>
+        <p:cTn id="1" dur="indefinite" restart="never" nodeType="tmRoot"/>
+      </p:par>
+    </p:tnLst>
+  </p:timing>
+</p:sld>
+</file>
+
+<file path=ppt/slides/slide12.xml><?xml version="1.0" encoding="utf-8"?>
+<p:sld xmlns:a="http://schemas.openxmlformats.org/drawingml/2006/main" xmlns:r="http://schemas.openxmlformats.org/officeDocument/2006/relationships" xmlns:p="http://schemas.openxmlformats.org/presentationml/2006/main">
+  <p:cSld>
+    <p:spTree>
+      <p:nvGrpSpPr>
+        <p:cNvPr id="1" name=""/>
+        <p:cNvGrpSpPr/>
+        <p:nvPr/>
+      </p:nvGrpSpPr>
+      <p:grpSpPr>
+        <a:xfrm>
+          <a:off x="0" y="0"/>
+          <a:ext cx="0" cy="0"/>
+          <a:chOff x="0" y="0"/>
+          <a:chExt cx="0" cy="0"/>
+        </a:xfrm>
+      </p:grpSpPr>
+      <p:sp>
+        <p:nvSpPr>
+          <p:cNvPr id="2" name="Заголовок 1"/>
+          <p:cNvSpPr>
+            <a:spLocks noGrp="1"/>
+          </p:cNvSpPr>
+          <p:nvPr>
+            <p:ph type="title"/>
+          </p:nvPr>
+        </p:nvSpPr>
+        <p:spPr>
+          <a:xfrm>
+            <a:off x="457200" y="152400"/>
+            <a:ext cx="8686800" cy="1251062"/>
+          </a:xfrm>
+        </p:spPr>
+        <p:txBody>
+          <a:bodyPr>
+            <a:normAutofit/>
+          </a:bodyPr>
+          <a:lstStyle/>
+          <a:p>
+            <a:r>
+              <a:rPr lang="ru-RU" dirty="0" smtClean="0"/>
+              <a:t>Шаг 2</a:t>
+            </a:r>
+            <a:r>
+              <a:rPr lang="ru-RU" sz="2800" dirty="0" smtClean="0"/>
+              <a:t>а</a:t>
+            </a:r>
+            <a:r>
+              <a:rPr lang="ru-RU" dirty="0" smtClean="0"/>
+              <a:t>. Отсеивание (без защиты)</a:t>
+            </a:r>
+            <a:endParaRPr lang="ru-RU" dirty="0"/>
+          </a:p>
+        </p:txBody>
+      </p:sp>
+      <p:pic>
+        <p:nvPicPr>
+          <p:cNvPr id="25602" name="Picture 2" descr="Скриншот fd962068"/>
+          <p:cNvPicPr>
+            <a:picLocks noGrp="1" noChangeAspect="1" noChangeArrowheads="1"/>
+          </p:cNvPicPr>
+          <p:nvPr>
+            <p:ph sz="half" idx="1"/>
+          </p:nvPr>
+        </p:nvPicPr>
+        <p:blipFill>
+          <a:blip r:embed="rId2" cstate="print"/>
+          <a:srcRect/>
+          <a:stretch>
+            <a:fillRect/>
+          </a:stretch>
+        </p:blipFill>
+        <p:spPr bwMode="auto">
+          <a:xfrm>
+            <a:off x="2195736" y="1916832"/>
+            <a:ext cx="4580509" cy="2160240"/>
+          </a:xfrm>
+          <a:prstGeom prst="rect">
+            <a:avLst/>
+          </a:prstGeom>
+          <a:noFill/>
+        </p:spPr>
+      </p:pic>
+      <p:pic>
+        <p:nvPicPr>
+          <p:cNvPr id="6" name="Содержимое 5" descr="Скриншот 40d24494"/>
+          <p:cNvPicPr>
+            <a:picLocks noGrp="1"/>
+          </p:cNvPicPr>
+          <p:nvPr>
+            <p:ph sz="half" idx="2"/>
+          </p:nvPr>
+        </p:nvPicPr>
+        <p:blipFill>
+          <a:blip r:embed="rId3" cstate="print"/>
+          <a:srcRect/>
+          <a:stretch>
+            <a:fillRect/>
+          </a:stretch>
+        </p:blipFill>
+        <p:spPr bwMode="auto">
+          <a:xfrm>
+            <a:off x="1403648" y="4581128"/>
+            <a:ext cx="6375452" cy="1944216"/>
+          </a:xfrm>
+          <a:prstGeom prst="rect">
+            <a:avLst/>
+          </a:prstGeom>
+          <a:noFill/>
+          <a:ln w="9525">
+            <a:noFill/>
+            <a:miter lim="800000"/>
+            <a:headEnd/>
+            <a:tailEnd/>
+          </a:ln>
+        </p:spPr>
+      </p:pic>
+      <p:sp>
+        <p:nvSpPr>
+          <p:cNvPr id="7" name="TextBox 6"/>
+          <p:cNvSpPr txBox="1"/>
+          <p:nvPr/>
+        </p:nvSpPr>
+        <p:spPr>
+          <a:xfrm>
+            <a:off x="2411760" y="1484784"/>
+            <a:ext cx="4392488" cy="369332"/>
+          </a:xfrm>
+          <a:prstGeom prst="rect">
+            <a:avLst/>
+          </a:prstGeom>
+          <a:noFill/>
+        </p:spPr>
+        <p:txBody>
+          <a:bodyPr wrap="square" rtlCol="0">
+            <a:spAutoFit/>
+          </a:bodyPr>
+          <a:lstStyle/>
+          <a:p>
+            <a:r>
+              <a:rPr lang="ru-RU" dirty="0" smtClean="0"/>
+              <a:t>2</a:t>
+            </a:r>
+            <a:r>
+              <a:rPr lang="ru-RU" sz="1200" dirty="0" smtClean="0"/>
+              <a:t>а</a:t>
+            </a:r>
+            <a:r>
+              <a:rPr lang="en-US" dirty="0" smtClean="0"/>
+              <a:t>.1. </a:t>
+            </a:r>
+            <a:r>
+              <a:rPr lang="ru-RU" dirty="0" smtClean="0"/>
+              <a:t>Отсеивание по точному значению</a:t>
+            </a:r>
+            <a:endParaRPr lang="ru-RU" dirty="0"/>
+          </a:p>
+        </p:txBody>
+      </p:sp>
+      <p:sp>
+        <p:nvSpPr>
+          <p:cNvPr id="8" name="TextBox 7"/>
+          <p:cNvSpPr txBox="1"/>
+          <p:nvPr/>
+        </p:nvSpPr>
+        <p:spPr>
+          <a:xfrm>
+            <a:off x="2987824" y="4149080"/>
+            <a:ext cx="3456384" cy="369332"/>
+          </a:xfrm>
+          <a:prstGeom prst="rect">
+            <a:avLst/>
+          </a:prstGeom>
+          <a:noFill/>
+        </p:spPr>
+        <p:txBody>
+          <a:bodyPr wrap="square" rtlCol="0">
+            <a:spAutoFit/>
+          </a:bodyPr>
+          <a:lstStyle/>
+          <a:p>
+            <a:r>
+              <a:rPr lang="ru-RU" dirty="0" smtClean="0"/>
+              <a:t>2</a:t>
+            </a:r>
+            <a:r>
+              <a:rPr lang="ru-RU" sz="1200" dirty="0" smtClean="0"/>
+              <a:t>а</a:t>
+            </a:r>
+            <a:r>
+              <a:rPr lang="en-US" dirty="0" smtClean="0"/>
+              <a:t>.</a:t>
+            </a:r>
+            <a:r>
+              <a:rPr lang="ru-RU" dirty="0" smtClean="0"/>
+              <a:t>2</a:t>
+            </a:r>
+            <a:r>
+              <a:rPr lang="en-US" dirty="0" smtClean="0"/>
+              <a:t>. </a:t>
+            </a:r>
+            <a:r>
+              <a:rPr lang="ru-RU" dirty="0" smtClean="0"/>
+              <a:t>Результаты отсеивания</a:t>
+            </a:r>
+            <a:endParaRPr lang="ru-RU" dirty="0"/>
+          </a:p>
+        </p:txBody>
+      </p:sp>
+    </p:spTree>
+  </p:cSld>
+  <p:clrMapOvr>
+    <a:masterClrMapping/>
+  </p:clrMapOvr>
+  <p:transition>
+    <p:fade/>
+  </p:transition>
+</p:sld>
+</file>
+
+<file path=ppt/slides/slide13.xml><?xml version="1.0" encoding="utf-8"?>
+<p:sld xmlns:a="http://schemas.openxmlformats.org/drawingml/2006/main" xmlns:r="http://schemas.openxmlformats.org/officeDocument/2006/relationships" xmlns:p="http://schemas.openxmlformats.org/presentationml/2006/main">
+  <p:cSld>
+    <p:spTree>
+      <p:nvGrpSpPr>
+        <p:cNvPr id="1" name=""/>
+        <p:cNvGrpSpPr/>
+        <p:nvPr/>
+      </p:nvGrpSpPr>
+      <p:grpSpPr>
+        <a:xfrm>
+          <a:off x="0" y="0"/>
+          <a:ext cx="0" cy="0"/>
+          <a:chOff x="0" y="0"/>
+          <a:chExt cx="0" cy="0"/>
+        </a:xfrm>
+      </p:grpSpPr>
+      <p:sp>
+        <p:nvSpPr>
+          <p:cNvPr id="2" name="Заголовок 1"/>
+          <p:cNvSpPr>
+            <a:spLocks noGrp="1"/>
+          </p:cNvSpPr>
+          <p:nvPr>
+            <p:ph type="title"/>
+          </p:nvPr>
+        </p:nvSpPr>
+        <p:spPr/>
+        <p:txBody>
+          <a:bodyPr>
+            <a:normAutofit/>
+          </a:bodyPr>
+          <a:lstStyle/>
+          <a:p>
+            <a:r>
+              <a:rPr lang="ru-RU" dirty="0" smtClean="0"/>
+              <a:t>Шаг </a:t>
+            </a:r>
+            <a:r>
+              <a:rPr lang="ru-RU" dirty="0" smtClean="0"/>
+              <a:t>2</a:t>
+            </a:r>
+            <a:r>
+              <a:rPr lang="ru-RU" sz="2800" dirty="0" smtClean="0"/>
+              <a:t>б</a:t>
+            </a:r>
+            <a:r>
+              <a:rPr lang="ru-RU" dirty="0" smtClean="0"/>
+              <a:t>. </a:t>
+            </a:r>
+            <a:r>
+              <a:rPr lang="ru-RU" dirty="0" smtClean="0"/>
+              <a:t>Отсеивание </a:t>
+            </a:r>
+            <a:r>
+              <a:rPr lang="ru-RU" dirty="0" smtClean="0"/>
+              <a:t>(с защитой)</a:t>
+            </a:r>
+            <a:endParaRPr lang="ru-RU" dirty="0"/>
+          </a:p>
+        </p:txBody>
+      </p:sp>
+      <p:pic>
+        <p:nvPicPr>
+          <p:cNvPr id="26626" name="Picture 2" descr="Скриншот 3bd4f864"/>
+          <p:cNvPicPr>
+            <a:picLocks noGrp="1" noChangeAspect="1" noChangeArrowheads="1"/>
+          </p:cNvPicPr>
+          <p:nvPr>
+            <p:ph sz="half" idx="2"/>
+          </p:nvPr>
+        </p:nvPicPr>
+        <p:blipFill>
+          <a:blip r:embed="rId2" cstate="print"/>
+          <a:srcRect/>
+          <a:stretch>
+            <a:fillRect/>
+          </a:stretch>
+        </p:blipFill>
+        <p:spPr bwMode="auto">
+          <a:xfrm>
+            <a:off x="899592" y="2204864"/>
+            <a:ext cx="6923112" cy="2060833"/>
+          </a:xfrm>
+          <a:prstGeom prst="rect">
+            <a:avLst/>
+          </a:prstGeom>
+          <a:noFill/>
+        </p:spPr>
+      </p:pic>
+      <p:sp>
+        <p:nvSpPr>
+          <p:cNvPr id="7" name="Прямоугольник 6"/>
+          <p:cNvSpPr/>
+          <p:nvPr/>
+        </p:nvSpPr>
+        <p:spPr>
+          <a:xfrm>
+            <a:off x="1691680" y="1700808"/>
+            <a:ext cx="5331075" cy="369332"/>
+          </a:xfrm>
+          <a:prstGeom prst="rect">
+            <a:avLst/>
+          </a:prstGeom>
+        </p:spPr>
+        <p:txBody>
+          <a:bodyPr wrap="none">
+            <a:spAutoFit/>
+          </a:bodyPr>
+          <a:lstStyle/>
+          <a:p>
+            <a:r>
+              <a:rPr lang="ru-RU" dirty="0" smtClean="0"/>
+              <a:t>2</a:t>
+            </a:r>
+            <a:r>
+              <a:rPr lang="ru-RU" sz="1200" dirty="0" smtClean="0"/>
+              <a:t>б</a:t>
+            </a:r>
+            <a:r>
+              <a:rPr lang="ru-RU" dirty="0" smtClean="0"/>
+              <a:t>. Результат отсеивания с использованием защиты</a:t>
+            </a:r>
+            <a:endParaRPr lang="ru-RU" dirty="0"/>
+          </a:p>
+        </p:txBody>
+      </p:sp>
+      <p:sp>
+        <p:nvSpPr>
+          <p:cNvPr id="8" name="TextBox 7"/>
+          <p:cNvSpPr txBox="1"/>
+          <p:nvPr/>
+        </p:nvSpPr>
+        <p:spPr>
+          <a:xfrm>
+            <a:off x="683568" y="4725144"/>
+            <a:ext cx="7704856" cy="923330"/>
+          </a:xfrm>
+          <a:prstGeom prst="rect">
+            <a:avLst/>
+          </a:prstGeom>
+          <a:noFill/>
+        </p:spPr>
+        <p:txBody>
+          <a:bodyPr wrap="square" rtlCol="0">
+            <a:spAutoFit/>
+          </a:bodyPr>
+          <a:lstStyle/>
+          <a:p>
+            <a:r>
+              <a:rPr lang="ru-RU" sz="2700" dirty="0" smtClean="0"/>
+              <a:t>Изменение найденного значения ни как не влияет на оригинальное значение, хранящееся в памяти.</a:t>
+            </a:r>
+            <a:endParaRPr lang="ru-RU" sz="2700" dirty="0"/>
+          </a:p>
+        </p:txBody>
+      </p:sp>
+    </p:spTree>
+  </p:cSld>
+  <p:clrMapOvr>
+    <a:masterClrMapping/>
+  </p:clrMapOvr>
+  <p:transition>
+    <p:fade/>
+  </p:transition>
+</p:sld>
+</file>
+
+<file path=ppt/slides/slide14.xml><?xml version="1.0" encoding="utf-8"?>
+<p:sld xmlns:a="http://schemas.openxmlformats.org/drawingml/2006/main" xmlns:r="http://schemas.openxmlformats.org/officeDocument/2006/relationships" xmlns:p="http://schemas.openxmlformats.org/presentationml/2006/main">
+  <p:cSld>
+    <p:spTree>
+      <p:nvGrpSpPr>
+        <p:cNvPr id="1" name=""/>
+        <p:cNvGrpSpPr/>
+        <p:nvPr/>
+      </p:nvGrpSpPr>
+      <p:grpSpPr>
+        <a:xfrm>
+          <a:off x="0" y="0"/>
+          <a:ext cx="0" cy="0"/>
+          <a:chOff x="0" y="0"/>
+          <a:chExt cx="0" cy="0"/>
+        </a:xfrm>
+      </p:grpSpPr>
+      <p:sp>
+        <p:nvSpPr>
+          <p:cNvPr id="2" name="Заголовок 1"/>
+          <p:cNvSpPr>
+            <a:spLocks noGrp="1"/>
+          </p:cNvSpPr>
+          <p:nvPr>
+            <p:ph type="title"/>
+          </p:nvPr>
+        </p:nvSpPr>
+        <p:spPr/>
+        <p:txBody>
+          <a:bodyPr/>
+          <a:lstStyle/>
+          <a:p>
+            <a:r>
+              <a:rPr lang="ru-RU" dirty="0" smtClean="0"/>
+              <a:t>Результаты</a:t>
+            </a:r>
+            <a:endParaRPr lang="ru-RU" dirty="0"/>
+          </a:p>
+        </p:txBody>
+      </p:sp>
+      <p:sp>
+        <p:nvSpPr>
+          <p:cNvPr id="3" name="Содержимое 2"/>
+          <p:cNvSpPr>
+            <a:spLocks noGrp="1"/>
+          </p:cNvSpPr>
+          <p:nvPr>
+            <p:ph idx="1"/>
+          </p:nvPr>
+        </p:nvSpPr>
+        <p:spPr/>
+        <p:txBody>
+          <a:bodyPr>
+            <a:normAutofit/>
+          </a:bodyPr>
+          <a:lstStyle/>
+          <a:p>
+            <a:pPr>
+              <a:spcAft>
+                <a:spcPts val="600"/>
+              </a:spcAft>
+            </a:pPr>
+            <a:r>
+              <a:rPr lang="ru-RU" sz="2700" dirty="0" smtClean="0"/>
+              <a:t>В ходе работы над данным проектом были решены все поставленные задачи, в том числе разработано новое программное решение для защиты </a:t>
+            </a:r>
+            <a:r>
+              <a:rPr lang="en-US" sz="2700" dirty="0" smtClean="0"/>
+              <a:t>.NET </a:t>
+            </a:r>
+            <a:r>
+              <a:rPr lang="ru-RU" sz="2700" dirty="0" smtClean="0"/>
+              <a:t>приложений.</a:t>
+            </a:r>
+          </a:p>
+          <a:p>
+            <a:pPr>
+              <a:spcAft>
+                <a:spcPts val="600"/>
+              </a:spcAft>
+            </a:pPr>
+            <a:r>
+              <a:rPr lang="ru-RU" sz="2700" dirty="0" smtClean="0"/>
+              <a:t>Разработанное решение является </a:t>
+            </a:r>
+            <a:r>
+              <a:rPr lang="ru-RU" sz="2700" dirty="0" smtClean="0"/>
+              <a:t>законченным программным </a:t>
+            </a:r>
+            <a:r>
+              <a:rPr lang="ru-RU" sz="2700" dirty="0" smtClean="0"/>
+              <a:t>продуктом и его следует использовать к комплексе с другими существующими на рынке продуктами, такими как </a:t>
+            </a:r>
+            <a:r>
+              <a:rPr lang="ru-RU" sz="2700" dirty="0" err="1" smtClean="0"/>
+              <a:t>обфускаторы</a:t>
+            </a:r>
+            <a:r>
+              <a:rPr lang="ru-RU" sz="2700" dirty="0" smtClean="0"/>
+              <a:t> и протекторы для наилучшей защиты.</a:t>
+            </a:r>
+            <a:endParaRPr lang="ru-RU" sz="2700" dirty="0"/>
+          </a:p>
+        </p:txBody>
+      </p:sp>
+    </p:spTree>
+  </p:cSld>
+  <p:clrMapOvr>
+    <a:masterClrMapping/>
+  </p:clrMapOvr>
+  <p:transition>
+    <p:fade/>
+  </p:transition>
+</p:sld>
+</file>
+
+<file path=ppt/slides/slide15.xml><?xml version="1.0" encoding="utf-8"?>
+<p:sld xmlns:a="http://schemas.openxmlformats.org/drawingml/2006/main" xmlns:r="http://schemas.openxmlformats.org/officeDocument/2006/relationships" xmlns:p="http://schemas.openxmlformats.org/presentationml/2006/main">
+  <p:cSld>
+    <p:spTree>
+      <p:nvGrpSpPr>
+        <p:cNvPr id="1" name=""/>
+        <p:cNvGrpSpPr/>
+        <p:nvPr/>
+      </p:nvGrpSpPr>
+      <p:grpSpPr>
+        <a:xfrm>
+          <a:off x="0" y="0"/>
+          <a:ext cx="0" cy="0"/>
+          <a:chOff x="0" y="0"/>
+          <a:chExt cx="0" cy="0"/>
+        </a:xfrm>
+      </p:grpSpPr>
+      <p:sp>
+        <p:nvSpPr>
+          <p:cNvPr id="2" name="Заголовок 1"/>
+          <p:cNvSpPr>
+            <a:spLocks noGrp="1"/>
+          </p:cNvSpPr>
+          <p:nvPr>
+            <p:ph type="title"/>
+          </p:nvPr>
+        </p:nvSpPr>
+        <p:spPr/>
+        <p:txBody>
+          <a:bodyPr/>
+          <a:lstStyle/>
+          <a:p>
+            <a:r>
+              <a:rPr lang="ru-RU" dirty="0" smtClean="0"/>
+              <a:t>Перспективы развития</a:t>
+            </a:r>
+            <a:endParaRPr lang="ru-RU" dirty="0"/>
+          </a:p>
+        </p:txBody>
+      </p:sp>
+      <p:sp>
+        <p:nvSpPr>
+          <p:cNvPr id="3" name="Содержимое 2"/>
+          <p:cNvSpPr>
+            <a:spLocks noGrp="1"/>
+          </p:cNvSpPr>
+          <p:nvPr>
+            <p:ph idx="1"/>
+          </p:nvPr>
+        </p:nvSpPr>
+        <p:spPr/>
+        <p:txBody>
+          <a:bodyPr>
+            <a:noAutofit/>
+          </a:bodyPr>
+          <a:lstStyle/>
+          <a:p>
+            <a:pPr lvl="0">
+              <a:spcAft>
+                <a:spcPts val="600"/>
+              </a:spcAft>
+            </a:pPr>
+            <a:r>
+              <a:rPr lang="ru-RU" sz="2700" dirty="0" smtClean="0"/>
+              <a:t>Дополнительная поддержка ссылочных типов данных, как стандартных, так и </a:t>
+            </a:r>
+            <a:r>
+              <a:rPr lang="ru-RU" sz="2700" dirty="0" smtClean="0"/>
+              <a:t>пользовательских.</a:t>
+            </a:r>
+            <a:endParaRPr lang="ru-RU" sz="2700" dirty="0" smtClean="0"/>
+          </a:p>
+          <a:p>
+            <a:pPr lvl="0">
+              <a:spcAft>
+                <a:spcPts val="600"/>
+              </a:spcAft>
+            </a:pPr>
+            <a:r>
+              <a:rPr lang="ru-RU" sz="2700" dirty="0" smtClean="0"/>
+              <a:t>Добавление простой </a:t>
+            </a:r>
+            <a:r>
+              <a:rPr lang="ru-RU" sz="2700" dirty="0" err="1" smtClean="0"/>
+              <a:t>обфускации</a:t>
+            </a:r>
+            <a:r>
+              <a:rPr lang="ru-RU" sz="2700" dirty="0" smtClean="0"/>
+              <a:t>, встраиваемой по такому же принципу и реализованной на добавлении </a:t>
+            </a:r>
+            <a:r>
+              <a:rPr lang="ru-RU" sz="2700" dirty="0" err="1" smtClean="0"/>
+              <a:t>невалидных</a:t>
+            </a:r>
+            <a:r>
+              <a:rPr lang="ru-RU" sz="2700" dirty="0" smtClean="0"/>
+              <a:t> конструкций на языке низкого </a:t>
+            </a:r>
+            <a:r>
+              <a:rPr lang="ru-RU" sz="2700" dirty="0" smtClean="0"/>
+              <a:t>уровня.</a:t>
+            </a:r>
+            <a:endParaRPr lang="ru-RU" sz="2700" dirty="0" smtClean="0"/>
+          </a:p>
+          <a:p>
+            <a:pPr lvl="0">
+              <a:spcAft>
+                <a:spcPts val="600"/>
+              </a:spcAft>
+            </a:pPr>
+            <a:r>
+              <a:rPr lang="ru-RU" sz="2700" dirty="0" smtClean="0"/>
+              <a:t>Реализация возможности использования своего алгоритма защиты данных, путем вынесения его реализации из библиотеки и создания специальных интерфейсов по подключению дополнительных алгоритмов.</a:t>
+            </a:r>
+          </a:p>
+          <a:p>
+            <a:pPr>
+              <a:spcAft>
+                <a:spcPts val="600"/>
+              </a:spcAft>
+            </a:pPr>
+            <a:endParaRPr lang="ru-RU" sz="2700" dirty="0"/>
+          </a:p>
+        </p:txBody>
+      </p:sp>
+    </p:spTree>
+  </p:cSld>
+  <p:clrMapOvr>
+    <a:masterClrMapping/>
+  </p:clrMapOvr>
+  <p:transition>
+    <p:fade/>
+  </p:transition>
+</p:sld>
+</file>
+
 <file path=ppt/slides/slide2.xml><?xml version="1.0" encoding="utf-8"?>
+<p:sld xmlns:a="http://schemas.openxmlformats.org/drawingml/2006/main" xmlns:r="http://schemas.openxmlformats.org/officeDocument/2006/relationships" xmlns:p="http://schemas.openxmlformats.org/presentationml/2006/main">
+  <p:cSld>
+    <p:spTree>
+      <p:nvGrpSpPr>
+        <p:cNvPr id="1" name=""/>
+        <p:cNvGrpSpPr/>
+        <p:nvPr/>
+      </p:nvGrpSpPr>
+      <p:grpSpPr>
+        <a:xfrm>
+          <a:off x="0" y="0"/>
+          <a:ext cx="0" cy="0"/>
+          <a:chOff x="0" y="0"/>
+          <a:chExt cx="0" cy="0"/>
+        </a:xfrm>
+      </p:grpSpPr>
+      <p:sp>
+        <p:nvSpPr>
+          <p:cNvPr id="2" name="Заголовок 1"/>
+          <p:cNvSpPr>
+            <a:spLocks noGrp="1"/>
+          </p:cNvSpPr>
+          <p:nvPr>
+            <p:ph type="title"/>
+          </p:nvPr>
+        </p:nvSpPr>
+        <p:spPr/>
+        <p:txBody>
+          <a:bodyPr/>
+          <a:lstStyle/>
+          <a:p>
+            <a:r>
+              <a:rPr lang="ru-RU" dirty="0" smtClean="0"/>
+              <a:t>Актуальность темы</a:t>
+            </a:r>
+            <a:endParaRPr lang="ru-RU" dirty="0"/>
+          </a:p>
+        </p:txBody>
+      </p:sp>
+      <p:sp>
+        <p:nvSpPr>
+          <p:cNvPr id="3" name="Содержимое 2"/>
+          <p:cNvSpPr>
+            <a:spLocks noGrp="1"/>
+          </p:cNvSpPr>
+          <p:nvPr>
+            <p:ph idx="1"/>
+          </p:nvPr>
+        </p:nvSpPr>
+        <p:spPr>
+          <a:xfrm>
+            <a:off x="457200" y="1775191"/>
+            <a:ext cx="8507288" cy="4625609"/>
+          </a:xfrm>
+        </p:spPr>
+        <p:txBody>
+          <a:bodyPr>
+            <a:noAutofit/>
+          </a:bodyPr>
+          <a:lstStyle/>
+          <a:p>
+            <a:pPr>
+              <a:spcAft>
+                <a:spcPts val="600"/>
+              </a:spcAft>
+            </a:pPr>
+            <a:r>
+              <a:rPr lang="ru-RU" sz="2700" dirty="0" smtClean="0"/>
+              <a:t>В связи с </a:t>
+            </a:r>
+            <a:r>
+              <a:rPr lang="ru-RU" sz="2700" dirty="0" smtClean="0"/>
+              <a:t>широким распространением информационных технологий , </a:t>
+            </a:r>
+            <a:r>
+              <a:rPr lang="ru-RU" sz="2700" dirty="0" smtClean="0"/>
+              <a:t>серьезно встает вопрос защиты обрабатываемых и хранимых данных. </a:t>
+            </a:r>
+            <a:endParaRPr lang="ru-RU" sz="2700" dirty="0" smtClean="0"/>
+          </a:p>
+          <a:p>
+            <a:pPr>
+              <a:spcAft>
+                <a:spcPts val="600"/>
+              </a:spcAft>
+            </a:pPr>
+            <a:r>
+              <a:rPr lang="ru-RU" sz="2700" dirty="0" smtClean="0"/>
+              <a:t>В наше время существует множество высокоуровневых </a:t>
+            </a:r>
+            <a:r>
+              <a:rPr lang="ru-RU" sz="2700" dirty="0" smtClean="0"/>
+              <a:t>инструментов для облегчения </a:t>
+            </a:r>
+            <a:r>
+              <a:rPr lang="ru-RU" sz="2700" dirty="0" smtClean="0"/>
+              <a:t>разработки, например, виртуальных машин, таких как </a:t>
+            </a:r>
+            <a:r>
+              <a:rPr lang="en-US" sz="2700" dirty="0" smtClean="0"/>
+              <a:t>JVM, CLR </a:t>
+            </a:r>
+            <a:r>
+              <a:rPr lang="ru-RU" sz="2700" dirty="0" smtClean="0"/>
+              <a:t>и других.</a:t>
+            </a:r>
+          </a:p>
+          <a:p>
+            <a:pPr>
+              <a:spcAft>
+                <a:spcPts val="600"/>
+              </a:spcAft>
+            </a:pPr>
+            <a:r>
+              <a:rPr lang="ru-RU" sz="2700" dirty="0" smtClean="0"/>
+              <a:t>С их использованием приложение хранится в промежуточном байт-коде, который легко </a:t>
+            </a:r>
+            <a:r>
+              <a:rPr lang="ru-RU" sz="2700" dirty="0" err="1" smtClean="0"/>
+              <a:t>декомпилируется</a:t>
+            </a:r>
+            <a:r>
+              <a:rPr lang="ru-RU" sz="2700" dirty="0" smtClean="0"/>
+              <a:t> обратно в исходный код.</a:t>
+            </a:r>
+            <a:endParaRPr lang="ru-RU" sz="2700" dirty="0"/>
+          </a:p>
+        </p:txBody>
+      </p:sp>
+    </p:spTree>
+  </p:cSld>
+  <p:clrMapOvr>
+    <a:masterClrMapping/>
+  </p:clrMapOvr>
+  <p:transition>
+    <p:fade/>
+  </p:transition>
+  <p:timing>
+    <p:tnLst>
+      <p:par>
+        <p:cTn id="1" dur="indefinite" restart="never" nodeType="tmRoot"/>
+      </p:par>
+    </p:tnLst>
+  </p:timing>
+</p:sld>
+</file>
+
+<file path=ppt/slides/slide3.xml><?xml version="1.0" encoding="utf-8"?>
+<p:sld xmlns:a="http://schemas.openxmlformats.org/drawingml/2006/main" xmlns:r="http://schemas.openxmlformats.org/officeDocument/2006/relationships" xmlns:p="http://schemas.openxmlformats.org/presentationml/2006/main">
+  <p:cSld>
+    <p:spTree>
+      <p:nvGrpSpPr>
+        <p:cNvPr id="1" name=""/>
+        <p:cNvGrpSpPr/>
+        <p:nvPr/>
+      </p:nvGrpSpPr>
+      <p:grpSpPr>
+        <a:xfrm>
+          <a:off x="0" y="0"/>
+          <a:ext cx="0" cy="0"/>
+          <a:chOff x="0" y="0"/>
+          <a:chExt cx="0" cy="0"/>
+        </a:xfrm>
+      </p:grpSpPr>
+      <p:sp>
+        <p:nvSpPr>
+          <p:cNvPr id="2" name="Заголовок 1"/>
+          <p:cNvSpPr>
+            <a:spLocks noGrp="1"/>
+          </p:cNvSpPr>
+          <p:nvPr>
+            <p:ph type="title"/>
+          </p:nvPr>
+        </p:nvSpPr>
+        <p:spPr/>
+        <p:txBody>
+          <a:bodyPr/>
+          <a:lstStyle/>
+          <a:p>
+            <a:r>
+              <a:rPr lang="ru-RU" dirty="0" smtClean="0"/>
+              <a:t>Ц</a:t>
+            </a:r>
+            <a:r>
+              <a:rPr lang="ru-RU" dirty="0" smtClean="0"/>
+              <a:t>ель проекта</a:t>
+            </a:r>
+            <a:endParaRPr lang="ru-RU" dirty="0"/>
+          </a:p>
+        </p:txBody>
+      </p:sp>
+      <p:sp>
+        <p:nvSpPr>
+          <p:cNvPr id="3" name="Содержимое 2"/>
+          <p:cNvSpPr>
+            <a:spLocks noGrp="1"/>
+          </p:cNvSpPr>
+          <p:nvPr>
+            <p:ph idx="1"/>
+          </p:nvPr>
+        </p:nvSpPr>
+        <p:spPr/>
+        <p:txBody>
+          <a:bodyPr>
+            <a:normAutofit/>
+          </a:bodyPr>
+          <a:lstStyle/>
+          <a:p>
+            <a:r>
+              <a:rPr lang="ru-RU" sz="2700" dirty="0" smtClean="0"/>
+              <a:t>Целью проекта является рассмотрение </a:t>
+            </a:r>
+            <a:r>
+              <a:rPr lang="ru-RU" sz="2700" dirty="0" smtClean="0"/>
+              <a:t>существующих решений, </a:t>
+            </a:r>
+            <a:r>
+              <a:rPr lang="ru-RU" sz="2700" dirty="0" smtClean="0"/>
+              <a:t>выявление </a:t>
+            </a:r>
+            <a:r>
+              <a:rPr lang="ru-RU" sz="2700" dirty="0" smtClean="0"/>
+              <a:t>преимуществ и недостатков и </a:t>
+            </a:r>
+            <a:r>
+              <a:rPr lang="ru-RU" sz="2700" dirty="0" smtClean="0"/>
+              <a:t>разработка </a:t>
+            </a:r>
+            <a:r>
+              <a:rPr lang="ru-RU" sz="2700" dirty="0" smtClean="0"/>
+              <a:t>нового решения, основанного одновременно на нескольких методах и технологиях, как защиты, так и упрощения ее внедрения в готовый проект.</a:t>
+            </a:r>
+          </a:p>
+          <a:p>
+            <a:endParaRPr lang="ru-RU" sz="2700" dirty="0"/>
+          </a:p>
+        </p:txBody>
+      </p:sp>
+    </p:spTree>
+  </p:cSld>
+  <p:clrMapOvr>
+    <a:masterClrMapping/>
+  </p:clrMapOvr>
+  <p:transition>
+    <p:fade/>
+  </p:transition>
+  <p:timing>
+    <p:tnLst>
+      <p:par>
+        <p:cTn id="1" dur="indefinite" restart="never" nodeType="tmRoot"/>
+      </p:par>
+    </p:tnLst>
+  </p:timing>
+</p:sld>
+</file>
+
+<file path=ppt/slides/slide4.xml><?xml version="1.0" encoding="utf-8"?>
+<p:sld xmlns:a="http://schemas.openxmlformats.org/drawingml/2006/main" xmlns:r="http://schemas.openxmlformats.org/officeDocument/2006/relationships" xmlns:p="http://schemas.openxmlformats.org/presentationml/2006/main">
+  <p:cSld>
+    <p:spTree>
+      <p:nvGrpSpPr>
+        <p:cNvPr id="1" name=""/>
+        <p:cNvGrpSpPr/>
+        <p:nvPr/>
+      </p:nvGrpSpPr>
+      <p:grpSpPr>
+        <a:xfrm>
+          <a:off x="0" y="0"/>
+          <a:ext cx="0" cy="0"/>
+          <a:chOff x="0" y="0"/>
+          <a:chExt cx="0" cy="0"/>
+        </a:xfrm>
+      </p:grpSpPr>
+      <p:sp>
+        <p:nvSpPr>
+          <p:cNvPr id="2" name="Заголовок 1"/>
+          <p:cNvSpPr>
+            <a:spLocks noGrp="1"/>
+          </p:cNvSpPr>
+          <p:nvPr>
+            <p:ph type="title"/>
+          </p:nvPr>
+        </p:nvSpPr>
+        <p:spPr/>
+        <p:txBody>
+          <a:bodyPr/>
+          <a:lstStyle/>
+          <a:p>
+            <a:r>
+              <a:rPr lang="ru-RU" dirty="0" smtClean="0"/>
+              <a:t>Задачи проекта</a:t>
+            </a:r>
+            <a:endParaRPr lang="ru-RU" dirty="0"/>
+          </a:p>
+        </p:txBody>
+      </p:sp>
+      <p:sp>
+        <p:nvSpPr>
+          <p:cNvPr id="3" name="Содержимое 2"/>
+          <p:cNvSpPr>
+            <a:spLocks noGrp="1"/>
+          </p:cNvSpPr>
+          <p:nvPr>
+            <p:ph idx="1"/>
+          </p:nvPr>
+        </p:nvSpPr>
+        <p:spPr>
+          <a:xfrm>
+            <a:off x="457200" y="1775191"/>
+            <a:ext cx="8507288" cy="4625609"/>
+          </a:xfrm>
+        </p:spPr>
+        <p:txBody>
+          <a:bodyPr>
+            <a:noAutofit/>
+          </a:bodyPr>
+          <a:lstStyle/>
+          <a:p>
+            <a:pPr lvl="0">
+              <a:spcAft>
+                <a:spcPts val="600"/>
+              </a:spcAft>
+            </a:pPr>
+            <a:r>
+              <a:rPr lang="ru-RU" sz="2700" dirty="0" smtClean="0"/>
+              <a:t>Провести </a:t>
+            </a:r>
+            <a:r>
+              <a:rPr lang="ru-RU" sz="2700" dirty="0" smtClean="0"/>
+              <a:t>анализ существующих решений и </a:t>
+            </a:r>
+            <a:r>
+              <a:rPr lang="ru-RU" sz="2700" dirty="0" smtClean="0"/>
+              <a:t>выявить </a:t>
+            </a:r>
+            <a:r>
+              <a:rPr lang="ru-RU" sz="2700" dirty="0" smtClean="0"/>
+              <a:t>их </a:t>
+            </a:r>
+            <a:r>
+              <a:rPr lang="ru-RU" sz="2700" dirty="0" smtClean="0"/>
+              <a:t>преимущества </a:t>
+            </a:r>
+            <a:r>
+              <a:rPr lang="ru-RU" sz="2700" dirty="0" smtClean="0"/>
+              <a:t>и недостатки;</a:t>
+            </a:r>
+          </a:p>
+          <a:p>
+            <a:pPr lvl="0">
+              <a:spcAft>
+                <a:spcPts val="600"/>
+              </a:spcAft>
+            </a:pPr>
+            <a:r>
+              <a:rPr lang="ru-RU" sz="2700" dirty="0" smtClean="0"/>
+              <a:t>Определить </a:t>
+            </a:r>
+            <a:r>
+              <a:rPr lang="ru-RU" sz="2700" dirty="0" smtClean="0"/>
+              <a:t>возможные эффективные пути по защите памяти приложения от чтения и модификации информации;</a:t>
+            </a:r>
+          </a:p>
+          <a:p>
+            <a:pPr lvl="0">
+              <a:spcAft>
+                <a:spcPts val="600"/>
+              </a:spcAft>
+            </a:pPr>
+            <a:r>
+              <a:rPr lang="ru-RU" sz="2700" dirty="0" smtClean="0"/>
+              <a:t>Реализовать </a:t>
+            </a:r>
+            <a:r>
+              <a:rPr lang="ru-RU" sz="2700" dirty="0" smtClean="0"/>
+              <a:t>механизм инъекции кода без необходимости модификации </a:t>
+            </a:r>
+            <a:r>
+              <a:rPr lang="ru-RU" sz="2700" dirty="0" smtClean="0"/>
+              <a:t>исходного кода;</a:t>
+            </a:r>
+            <a:endParaRPr lang="ru-RU" sz="2700" dirty="0" smtClean="0"/>
+          </a:p>
+          <a:p>
+            <a:pPr lvl="0">
+              <a:spcAft>
+                <a:spcPts val="600"/>
+              </a:spcAft>
+            </a:pPr>
+            <a:r>
+              <a:rPr lang="ru-RU" sz="2700" dirty="0" smtClean="0"/>
+              <a:t>Разработать рабочее </a:t>
+            </a:r>
+            <a:r>
+              <a:rPr lang="ru-RU" sz="2700" dirty="0" smtClean="0"/>
+              <a:t>приложение, позволяющее эффективно защищать память .</a:t>
+            </a:r>
+            <a:r>
+              <a:rPr lang="en-US" sz="2700" dirty="0" smtClean="0"/>
+              <a:t>NET </a:t>
+            </a:r>
+            <a:r>
+              <a:rPr lang="ru-RU" sz="2700" dirty="0" smtClean="0"/>
+              <a:t>программ от несанкционированного доступа к памяти.</a:t>
+            </a:r>
+          </a:p>
+          <a:p>
+            <a:pPr>
+              <a:spcAft>
+                <a:spcPts val="600"/>
+              </a:spcAft>
+            </a:pPr>
+            <a:endParaRPr lang="ru-RU" sz="2700" dirty="0"/>
+          </a:p>
+        </p:txBody>
+      </p:sp>
+    </p:spTree>
+  </p:cSld>
+  <p:clrMapOvr>
+    <a:masterClrMapping/>
+  </p:clrMapOvr>
+  <p:transition>
+    <p:fade/>
+  </p:transition>
+  <p:timing>
+    <p:tnLst>
+      <p:par>
+        <p:cTn id="1" dur="indefinite" restart="never" nodeType="tmRoot"/>
+      </p:par>
+    </p:tnLst>
+  </p:timing>
+</p:sld>
+</file>
+
+<file path=ppt/slides/slide5.xml><?xml version="1.0" encoding="utf-8"?>
 <p:sld xmlns:a="http://schemas.openxmlformats.org/drawingml/2006/main" xmlns:r="http://schemas.openxmlformats.org/officeDocument/2006/relationships" xmlns:p="http://schemas.openxmlformats.org/presentationml/2006/main">
   <p:cSld>
     <p:spTree>
@@ -3872,7 +6604,7 @@
 </p:sld>
 </file>
 
-<file path=ppt/slides/slide3.xml><?xml version="1.0" encoding="utf-8"?>
+<file path=ppt/slides/slide6.xml><?xml version="1.0" encoding="utf-8"?>
 <p:sld xmlns:a="http://schemas.openxmlformats.org/drawingml/2006/main" xmlns:r="http://schemas.openxmlformats.org/officeDocument/2006/relationships" xmlns:p="http://schemas.openxmlformats.org/presentationml/2006/main">
   <p:cSld>
     <p:spTree>
@@ -3926,7 +6658,7 @@
         </p:nvGraphicFramePr>
         <p:xfrm>
           <a:off x="611560" y="1628800"/>
-          <a:ext cx="7992889" cy="4550902"/>
+          <a:ext cx="7992889" cy="4663992"/>
         </p:xfrm>
         <a:graphic>
           <a:graphicData uri="http://schemas.openxmlformats.org/drawingml/2006/table">
@@ -4225,16 +6957,16 @@
                     <a:bodyPr/>
                     <a:lstStyle/>
                     <a:p>
-                      <a:pPr algn="l">
+                      <a:pPr lvl="1" algn="l">
                         <a:spcAft>
                           <a:spcPts val="0"/>
                         </a:spcAft>
                       </a:pPr>
                       <a:r>
-                        <a:rPr lang="ru-RU" sz="1600"/>
+                        <a:rPr lang="ru-RU" sz="1600" dirty="0"/>
                         <a:t>Защита кода</a:t>
                       </a:r>
-                      <a:endParaRPr lang="ru-RU" sz="1600">
+                      <a:endParaRPr lang="ru-RU" sz="1600" dirty="0">
                         <a:solidFill>
                           <a:srgbClr val="333399"/>
                         </a:solidFill>
@@ -4364,7 +7096,7 @@
                     <a:bodyPr/>
                     <a:lstStyle/>
                     <a:p>
-                      <a:pPr algn="l">
+                      <a:pPr lvl="1" algn="l">
                         <a:spcAft>
                           <a:spcPts val="0"/>
                         </a:spcAft>
@@ -4503,16 +7235,16 @@
                     <a:bodyPr/>
                     <a:lstStyle/>
                     <a:p>
-                      <a:pPr algn="l">
+                      <a:pPr lvl="1" algn="l">
                         <a:spcAft>
                           <a:spcPts val="0"/>
                         </a:spcAft>
                       </a:pPr>
                       <a:r>
-                        <a:rPr lang="ru-RU" sz="1600"/>
+                        <a:rPr lang="ru-RU" sz="1600" dirty="0"/>
                         <a:t>Запутывание потока управления</a:t>
                       </a:r>
-                      <a:endParaRPr lang="ru-RU" sz="1600">
+                      <a:endParaRPr lang="ru-RU" sz="1600" dirty="0">
                         <a:solidFill>
                           <a:srgbClr val="333399"/>
                         </a:solidFill>
@@ -4648,10 +7380,10 @@
                         </a:spcAft>
                       </a:pPr>
                       <a:r>
-                        <a:rPr lang="ru-RU" sz="1600"/>
+                        <a:rPr lang="ru-RU" sz="1600" dirty="0"/>
                         <a:t>Упаковка</a:t>
                       </a:r>
-                      <a:endParaRPr lang="ru-RU" sz="1600">
+                      <a:endParaRPr lang="ru-RU" sz="1600" dirty="0">
                         <a:solidFill>
                           <a:srgbClr val="333399"/>
                         </a:solidFill>
@@ -4926,25 +7658,9 @@
                         </a:spcAft>
                       </a:pPr>
                       <a:r>
-                        <a:rPr lang="en-US" sz="1600"/>
-                        <a:t>Tamper</a:t>
+                        <a:rPr lang="ru-RU" sz="1600" dirty="0" smtClean="0"/>
+                        <a:t>Защита от модификаций </a:t>
                       </a:r>
-                      <a:r>
-                        <a:rPr lang="ru-RU" sz="1600"/>
-                        <a:t>-</a:t>
-                      </a:r>
-                      <a:r>
-                        <a:rPr lang="en-US" sz="1600"/>
-                        <a:t>resistant</a:t>
-                      </a:r>
-                      <a:endParaRPr lang="ru-RU" sz="1600">
-                        <a:solidFill>
-                          <a:srgbClr val="333399"/>
-                        </a:solidFill>
-                        <a:latin typeface="Times New Roman"/>
-                        <a:ea typeface="Calibri"/>
-                        <a:cs typeface="Mangal"/>
-                      </a:endParaRPr>
                     </a:p>
                   </a:txBody>
                   <a:tcPr marL="60202" marR="60202" marT="31773" marB="31773"/>
@@ -5073,10 +7789,10 @@
                         </a:spcAft>
                       </a:pPr>
                       <a:r>
-                        <a:rPr lang="en-US" sz="1600"/>
-                        <a:t>Watermarks</a:t>
+                        <a:rPr lang="ru-RU" sz="1600" dirty="0" smtClean="0"/>
+                        <a:t>Водяные знаки</a:t>
                       </a:r>
-                      <a:endParaRPr lang="ru-RU" sz="1600">
+                      <a:endParaRPr lang="ru-RU" sz="1600" dirty="0">
                         <a:solidFill>
                           <a:srgbClr val="333399"/>
                         </a:solidFill>
@@ -5647,7 +8363,7 @@
 </p:sld>
 </file>
 
-<file path=ppt/slides/slide4.xml><?xml version="1.0" encoding="utf-8"?>
+<file path=ppt/slides/slide7.xml><?xml version="1.0" encoding="utf-8"?>
 <p:sld xmlns:a="http://schemas.openxmlformats.org/drawingml/2006/main" xmlns:r="http://schemas.openxmlformats.org/officeDocument/2006/relationships" xmlns:p="http://schemas.openxmlformats.org/presentationml/2006/main">
   <p:cSld>
     <p:spTree>
@@ -5755,7 +8471,7 @@
 </p:sld>
 </file>
 
-<file path=ppt/slides/slide5.xml><?xml version="1.0" encoding="utf-8"?>
+<file path=ppt/slides/slide8.xml><?xml version="1.0" encoding="utf-8"?>
 <p:sld xmlns:a="http://schemas.openxmlformats.org/drawingml/2006/main" xmlns:r="http://schemas.openxmlformats.org/officeDocument/2006/relationships" xmlns:p="http://schemas.openxmlformats.org/presentationml/2006/main">
   <p:cSld>
     <p:spTree>
@@ -5790,6 +8506,102 @@
             <a:r>
               <a:rPr lang="ru-RU" dirty="0" smtClean="0"/>
               <a:t>Реализация</a:t>
+            </a:r>
+            <a:endParaRPr lang="ru-RU" dirty="0"/>
+          </a:p>
+        </p:txBody>
+      </p:sp>
+      <p:sp>
+        <p:nvSpPr>
+          <p:cNvPr id="5" name="Содержимое 4"/>
+          <p:cNvSpPr>
+            <a:spLocks noGrp="1"/>
+          </p:cNvSpPr>
+          <p:nvPr>
+            <p:ph idx="1"/>
+          </p:nvPr>
+        </p:nvSpPr>
+        <p:spPr/>
+        <p:txBody>
+          <a:bodyPr/>
+          <a:lstStyle/>
+          <a:p>
+            <a:endParaRPr lang="ru-RU"/>
+          </a:p>
+        </p:txBody>
+      </p:sp>
+      <p:pic>
+        <p:nvPicPr>
+          <p:cNvPr id="4098" name="Picture 2" descr="Скриншот a70d99c7"/>
+          <p:cNvPicPr>
+            <a:picLocks noChangeAspect="1" noChangeArrowheads="1"/>
+          </p:cNvPicPr>
+          <p:nvPr/>
+        </p:nvPicPr>
+        <p:blipFill>
+          <a:blip r:embed="rId2" cstate="print"/>
+          <a:srcRect t="1340"/>
+          <a:stretch>
+            <a:fillRect/>
+          </a:stretch>
+        </p:blipFill>
+        <p:spPr bwMode="auto">
+          <a:xfrm>
+            <a:off x="64047" y="1556792"/>
+            <a:ext cx="8972449" cy="5301208"/>
+          </a:xfrm>
+          <a:prstGeom prst="rect">
+            <a:avLst/>
+          </a:prstGeom>
+          <a:noFill/>
+        </p:spPr>
+      </p:pic>
+    </p:spTree>
+  </p:cSld>
+  <p:clrMapOvr>
+    <a:masterClrMapping/>
+  </p:clrMapOvr>
+  <p:transition>
+    <p:fade/>
+  </p:transition>
+</p:sld>
+</file>
+
+<file path=ppt/slides/slide9.xml><?xml version="1.0" encoding="utf-8"?>
+<p:sld xmlns:a="http://schemas.openxmlformats.org/drawingml/2006/main" xmlns:r="http://schemas.openxmlformats.org/officeDocument/2006/relationships" xmlns:p="http://schemas.openxmlformats.org/presentationml/2006/main">
+  <p:cSld>
+    <p:spTree>
+      <p:nvGrpSpPr>
+        <p:cNvPr id="1" name=""/>
+        <p:cNvGrpSpPr/>
+        <p:nvPr/>
+      </p:nvGrpSpPr>
+      <p:grpSpPr>
+        <a:xfrm>
+          <a:off x="0" y="0"/>
+          <a:ext cx="0" cy="0"/>
+          <a:chOff x="0" y="0"/>
+          <a:chExt cx="0" cy="0"/>
+        </a:xfrm>
+      </p:grpSpPr>
+      <p:sp>
+        <p:nvSpPr>
+          <p:cNvPr id="2" name="Заголовок 1"/>
+          <p:cNvSpPr>
+            <a:spLocks noGrp="1"/>
+          </p:cNvSpPr>
+          <p:nvPr>
+            <p:ph type="title"/>
+          </p:nvPr>
+        </p:nvSpPr>
+        <p:spPr/>
+        <p:txBody>
+          <a:bodyPr/>
+          <a:lstStyle/>
+          <a:p>
+            <a:r>
+              <a:rPr lang="ru-RU" dirty="0" smtClean="0"/>
+              <a:t>Алгоритм внедрения защиты</a:t>
             </a:r>
             <a:endParaRPr lang="ru-RU" dirty="0"/>
           </a:p>
@@ -5864,9 +8676,9 @@
 </file>
 
 <file path=ppt/theme/theme1.xml><?xml version="1.0" encoding="utf-8"?>
-<a:theme xmlns:a="http://schemas.openxmlformats.org/drawingml/2006/main" name="Техническая">
+<a:theme xmlns:a="http://schemas.openxmlformats.org/drawingml/2006/main" name="Модульная">
   <a:themeElements>
-    <a:clrScheme name="Техническая">
+    <a:clrScheme name="Модульная">
       <a:dk1>
         <a:sysClr val="windowText" lastClr="000000"/>
       </a:dk1>
@@ -5874,50 +8686,331 @@
         <a:sysClr val="window" lastClr="FFFFFF"/>
       </a:lt1>
       <a:dk2>
-        <a:srgbClr val="3B3B3B"/>
+        <a:srgbClr val="5A6378"/>
       </a:dk2>
       <a:lt2>
-        <a:srgbClr val="D4D2D0"/>
+        <a:srgbClr val="D4D4D6"/>
       </a:lt2>
       <a:accent1>
-        <a:srgbClr val="6EA0B0"/>
+        <a:srgbClr val="F0AD00"/>
       </a:accent1>
       <a:accent2>
-        <a:srgbClr val="CCAF0A"/>
+        <a:srgbClr val="60B5CC"/>
       </a:accent2>
       <a:accent3>
-        <a:srgbClr val="8D89A4"/>
+        <a:srgbClr val="E66C7D"/>
       </a:accent3>
       <a:accent4>
-        <a:srgbClr val="748560"/>
+        <a:srgbClr val="6BB76D"/>
       </a:accent4>
       <a:accent5>
-        <a:srgbClr val="9E9273"/>
+        <a:srgbClr val="E88651"/>
       </a:accent5>
       <a:accent6>
-        <a:srgbClr val="7E848D"/>
+        <a:srgbClr val="C64847"/>
       </a:accent6>
       <a:hlink>
-        <a:srgbClr val="00C8C3"/>
+        <a:srgbClr val="168BBA"/>
       </a:hlink>
       <a:folHlink>
-        <a:srgbClr val="A116E0"/>
+        <a:srgbClr val="680000"/>
       </a:folHlink>
     </a:clrScheme>
-    <a:fontScheme name="Начальная">
+    <a:fontScheme name="Модульная">
       <a:majorFont>
-        <a:latin typeface="Bookman Old Style"/>
+        <a:latin typeface="Corbel"/>
         <a:ea typeface=""/>
         <a:cs typeface=""/>
-        <a:font script="Grek" typeface="Cambria"/>
-        <a:font script="Cyrl" typeface="Cambria"/>
-        <a:font script="Jpan" typeface="HG明朝E"/>
-        <a:font script="Hang" typeface="돋움"/>
+        <a:font script="Jpan" typeface="HGｺﾞｼｯｸM"/>
+        <a:font script="Hang" typeface="HY엽서L"/>
+        <a:font script="Hans" typeface="华文楷体"/>
+        <a:font script="Hant" typeface="新細明體"/>
+        <a:font script="Arab" typeface="Tahoma"/>
+        <a:font script="Hebr" typeface="Miriam"/>
+        <a:font script="Thai" typeface="DilleniaUPC"/>
+        <a:font script="Ethi" typeface="Nyala"/>
+        <a:font script="Beng" typeface="Vrinda"/>
+        <a:font script="Gujr" typeface="Shruti"/>
+        <a:font script="Khmr" typeface="DaunPenh"/>
+        <a:font script="Knda" typeface="Tunga"/>
+        <a:font script="Guru" typeface="Raavi"/>
+        <a:font script="Cans" typeface="Euphemia"/>
+        <a:font script="Cher" typeface="Plantagenet Cherokee"/>
+        <a:font script="Yiii" typeface="Microsoft Yi Baiti"/>
+        <a:font script="Tibt" typeface="Microsoft Himalaya"/>
+        <a:font script="Thaa" typeface="MV Boli"/>
+        <a:font script="Deva" typeface="Mangal"/>
+        <a:font script="Telu" typeface="Gautami"/>
+        <a:font script="Taml" typeface="Latha"/>
+        <a:font script="Syrc" typeface="Estrangelo Edessa"/>
+        <a:font script="Orya" typeface="Kalinga"/>
+        <a:font script="Mlym" typeface="Kartika"/>
+        <a:font script="Laoo" typeface="DokChampa"/>
+        <a:font script="Sinh" typeface="Iskoola Pota"/>
+        <a:font script="Mong" typeface="Mongolian Baiti"/>
+        <a:font script="Viet" typeface="Arial"/>
+        <a:font script="Uigh" typeface="Microsoft Uighur"/>
+      </a:majorFont>
+      <a:minorFont>
+        <a:latin typeface="Corbel"/>
+        <a:ea typeface=""/>
+        <a:cs typeface=""/>
+        <a:font script="Jpan" typeface="HGｺﾞｼｯｸM"/>
+        <a:font script="Hang" typeface="HY엽서L"/>
+        <a:font script="Hans" typeface="华文楷体"/>
+        <a:font script="Hant" typeface="新細明體"/>
+        <a:font script="Arab" typeface="Tahoma"/>
+        <a:font script="Hebr" typeface="Miriam"/>
+        <a:font script="Thai" typeface="DilleniaUPC"/>
+        <a:font script="Ethi" typeface="Nyala"/>
+        <a:font script="Beng" typeface="Vrinda"/>
+        <a:font script="Gujr" typeface="Shruti"/>
+        <a:font script="Khmr" typeface="DaunPenh"/>
+        <a:font script="Knda" typeface="Tunga"/>
+        <a:font script="Guru" typeface="Raavi"/>
+        <a:font script="Cans" typeface="Euphemia"/>
+        <a:font script="Cher" typeface="Plantagenet Cherokee"/>
+        <a:font script="Yiii" typeface="Microsoft Yi Baiti"/>
+        <a:font script="Tibt" typeface="Microsoft Himalaya"/>
+        <a:font script="Thaa" typeface="MV Boli"/>
+        <a:font script="Deva" typeface="Mangal"/>
+        <a:font script="Telu" typeface="Gautami"/>
+        <a:font script="Taml" typeface="Latha"/>
+        <a:font script="Syrc" typeface="Estrangelo Edessa"/>
+        <a:font script="Orya" typeface="Kalinga"/>
+        <a:font script="Mlym" typeface="Kartika"/>
+        <a:font script="Laoo" typeface="DokChampa"/>
+        <a:font script="Sinh" typeface="Iskoola Pota"/>
+        <a:font script="Mong" typeface="Mongolian Baiti"/>
+        <a:font script="Viet" typeface="Arial"/>
+        <a:font script="Uigh" typeface="Microsoft Uighur"/>
+      </a:minorFont>
+    </a:fontScheme>
+    <a:fmtScheme name="Модульная">
+      <a:fillStyleLst>
+        <a:solidFill>
+          <a:schemeClr val="phClr"/>
+        </a:solidFill>
+        <a:gradFill rotWithShape="1">
+          <a:gsLst>
+            <a:gs pos="0">
+              <a:schemeClr val="phClr">
+                <a:tint val="50000"/>
+                <a:satMod val="300000"/>
+              </a:schemeClr>
+            </a:gs>
+            <a:gs pos="35000">
+              <a:schemeClr val="phClr">
+                <a:tint val="37000"/>
+                <a:satMod val="300000"/>
+              </a:schemeClr>
+            </a:gs>
+            <a:gs pos="100000">
+              <a:schemeClr val="phClr">
+                <a:tint val="15000"/>
+                <a:satMod val="350000"/>
+              </a:schemeClr>
+            </a:gs>
+          </a:gsLst>
+          <a:lin ang="16200000" scaled="1"/>
+        </a:gradFill>
+        <a:gradFill rotWithShape="1">
+          <a:gsLst>
+            <a:gs pos="0">
+              <a:schemeClr val="phClr">
+                <a:shade val="47500"/>
+                <a:satMod val="137000"/>
+              </a:schemeClr>
+            </a:gs>
+            <a:gs pos="55000">
+              <a:schemeClr val="phClr">
+                <a:shade val="69000"/>
+                <a:satMod val="137000"/>
+              </a:schemeClr>
+            </a:gs>
+            <a:gs pos="100000">
+              <a:schemeClr val="phClr">
+                <a:shade val="98000"/>
+                <a:satMod val="137000"/>
+              </a:schemeClr>
+            </a:gs>
+          </a:gsLst>
+          <a:lin ang="16200000" scaled="0"/>
+        </a:gradFill>
+      </a:fillStyleLst>
+      <a:lnStyleLst>
+        <a:ln w="6350" cap="rnd" cmpd="sng" algn="ctr">
+          <a:solidFill>
+            <a:schemeClr val="phClr">
+              <a:shade val="95000"/>
+              <a:satMod val="105000"/>
+            </a:schemeClr>
+          </a:solidFill>
+          <a:prstDash val="solid"/>
+        </a:ln>
+        <a:ln w="48000" cap="flat" cmpd="thickThin" algn="ctr">
+          <a:solidFill>
+            <a:schemeClr val="phClr"/>
+          </a:solidFill>
+          <a:prstDash val="solid"/>
+        </a:ln>
+        <a:ln w="48500" cap="flat" cmpd="thickThin" algn="ctr">
+          <a:solidFill>
+            <a:schemeClr val="phClr"/>
+          </a:solidFill>
+          <a:prstDash val="solid"/>
+        </a:ln>
+      </a:lnStyleLst>
+      <a:effectStyleLst>
+        <a:effectStyle>
+          <a:effectLst>
+            <a:outerShdw blurRad="45000" dist="25000" dir="5400000" rotWithShape="0">
+              <a:srgbClr val="000000">
+                <a:alpha val="38000"/>
+              </a:srgbClr>
+            </a:outerShdw>
+          </a:effectLst>
+        </a:effectStyle>
+        <a:effectStyle>
+          <a:effectLst>
+            <a:outerShdw blurRad="39000" dist="25400" dir="5400000" rotWithShape="0">
+              <a:srgbClr val="000000">
+                <a:alpha val="38000"/>
+              </a:srgbClr>
+            </a:outerShdw>
+          </a:effectLst>
+        </a:effectStyle>
+        <a:effectStyle>
+          <a:effectLst>
+            <a:outerShdw blurRad="39000" dist="25400" dir="5400000" rotWithShape="0">
+              <a:srgbClr val="000000">
+                <a:alpha val="38000"/>
+              </a:srgbClr>
+            </a:outerShdw>
+          </a:effectLst>
+          <a:scene3d>
+            <a:camera prst="orthographicFront" fov="0">
+              <a:rot lat="0" lon="0" rev="0"/>
+            </a:camera>
+            <a:lightRig rig="threePt" dir="t">
+              <a:rot lat="0" lon="0" rev="1800000"/>
+            </a:lightRig>
+          </a:scene3d>
+          <a:sp3d prstMaterial="matte">
+            <a:bevelT h="20000"/>
+          </a:sp3d>
+        </a:effectStyle>
+      </a:effectStyleLst>
+      <a:bgFillStyleLst>
+        <a:solidFill>
+          <a:schemeClr val="phClr"/>
+        </a:solidFill>
+        <a:gradFill rotWithShape="1">
+          <a:gsLst>
+            <a:gs pos="0">
+              <a:schemeClr val="phClr">
+                <a:tint val="48000"/>
+                <a:satMod val="300000"/>
+              </a:schemeClr>
+            </a:gs>
+            <a:gs pos="12000">
+              <a:schemeClr val="phClr">
+                <a:tint val="48000"/>
+                <a:satMod val="300000"/>
+              </a:schemeClr>
+            </a:gs>
+            <a:gs pos="20000">
+              <a:schemeClr val="phClr">
+                <a:tint val="49000"/>
+                <a:satMod val="300000"/>
+              </a:schemeClr>
+            </a:gs>
+            <a:gs pos="100000">
+              <a:schemeClr val="phClr">
+                <a:shade val="30000"/>
+              </a:schemeClr>
+            </a:gs>
+          </a:gsLst>
+          <a:path path="circle">
+            <a:fillToRect l="10000" t="-25000" r="10000" b="125000"/>
+          </a:path>
+        </a:gradFill>
+        <a:blipFill>
+          <a:blip xmlns:r="http://schemas.openxmlformats.org/officeDocument/2006/relationships" r:embed="rId1">
+            <a:duotone>
+              <a:schemeClr val="phClr">
+                <a:shade val="75000"/>
+                <a:satMod val="105000"/>
+              </a:schemeClr>
+              <a:schemeClr val="phClr">
+                <a:tint val="95000"/>
+                <a:satMod val="105000"/>
+              </a:schemeClr>
+            </a:duotone>
+          </a:blip>
+          <a:tile tx="0" ty="0" sx="38000" sy="38000" flip="none" algn="tl"/>
+        </a:blipFill>
+      </a:bgFillStyleLst>
+    </a:fmtScheme>
+  </a:themeElements>
+  <a:objectDefaults/>
+  <a:extraClrSchemeLst/>
+</a:theme>
+</file>
+
+<file path=ppt/theme/theme2.xml><?xml version="1.0" encoding="utf-8"?>
+<a:theme xmlns:a="http://schemas.openxmlformats.org/drawingml/2006/main" name="Тема Office">
+  <a:themeElements>
+    <a:clrScheme name="Стандартная">
+      <a:dk1>
+        <a:sysClr val="windowText" lastClr="000000"/>
+      </a:dk1>
+      <a:lt1>
+        <a:sysClr val="window" lastClr="FFFFFF"/>
+      </a:lt1>
+      <a:dk2>
+        <a:srgbClr val="1F497D"/>
+      </a:dk2>
+      <a:lt2>
+        <a:srgbClr val="EEECE1"/>
+      </a:lt2>
+      <a:accent1>
+        <a:srgbClr val="4F81BD"/>
+      </a:accent1>
+      <a:accent2>
+        <a:srgbClr val="C0504D"/>
+      </a:accent2>
+      <a:accent3>
+        <a:srgbClr val="9BBB59"/>
+      </a:accent3>
+      <a:accent4>
+        <a:srgbClr val="8064A2"/>
+      </a:accent4>
+      <a:accent5>
+        <a:srgbClr val="4BACC6"/>
+      </a:accent5>
+      <a:accent6>
+        <a:srgbClr val="F79646"/>
+      </a:accent6>
+      <a:hlink>
+        <a:srgbClr val="0000FF"/>
+      </a:hlink>
+      <a:folHlink>
+        <a:srgbClr val="800080"/>
+      </a:folHlink>
+    </a:clrScheme>
+    <a:fontScheme name="Стандартная">
+      <a:majorFont>
+        <a:latin typeface="Calibri"/>
+        <a:ea typeface=""/>
+        <a:cs typeface=""/>
+        <a:font script="Jpan" typeface="ＭＳ Ｐゴシック"/>
+        <a:font script="Hang" typeface="맑은 고딕"/>
         <a:font script="Hans" typeface="宋体"/>
-        <a:font script="Hant" typeface="標楷體"/>
+        <a:font script="Hant" typeface="新細明體"/>
         <a:font script="Arab" typeface="Times New Roman"/>
         <a:font script="Hebr" typeface="Times New Roman"/>
-        <a:font script="Thai" typeface="Browallia New"/>
+        <a:font script="Thai" typeface="Angsana New"/>
         <a:font script="Ethi" typeface="Nyala"/>
         <a:font script="Beng" typeface="Vrinda"/>
         <a:font script="Gujr" typeface="Shruti"/>
@@ -5942,14 +9035,12 @@
         <a:font script="Uigh" typeface="Microsoft Uighur"/>
       </a:majorFont>
       <a:minorFont>
-        <a:latin typeface="Gill Sans MT"/>
+        <a:latin typeface="Calibri"/>
         <a:ea typeface=""/>
         <a:cs typeface=""/>
-        <a:font script="Grek" typeface="Calibri"/>
-        <a:font script="Cyrl" typeface="Calibri"/>
         <a:font script="Jpan" typeface="ＭＳ Ｐゴシック"/>
         <a:font script="Hang" typeface="맑은 고딕"/>
-        <a:font script="Hans" typeface="华文新魏"/>
+        <a:font script="Hans" typeface="宋体"/>
         <a:font script="Hant" typeface="新細明體"/>
         <a:font script="Arab" typeface="Arial"/>
         <a:font script="Hebr" typeface="Arial"/>
@@ -5978,7 +9069,7 @@
         <a:font script="Uigh" typeface="Microsoft Uighur"/>
       </a:minorFont>
     </a:fontScheme>
-    <a:fmtScheme name="Техническая">
+    <a:fmtScheme name="Стандартная">
       <a:fillStyleLst>
         <a:solidFill>
           <a:schemeClr val="phClr"/>
@@ -5987,99 +9078,66 @@
           <a:gsLst>
             <a:gs pos="0">
               <a:schemeClr val="phClr">
-                <a:tint val="1000"/>
+                <a:tint val="50000"/>
+                <a:satMod val="300000"/>
               </a:schemeClr>
             </a:gs>
-            <a:gs pos="68000">
+            <a:gs pos="35000">
               <a:schemeClr val="phClr">
-                <a:tint val="77000"/>
-              </a:schemeClr>
-            </a:gs>
-            <a:gs pos="81000">
-              <a:schemeClr val="phClr">
-                <a:tint val="79000"/>
-              </a:schemeClr>
-            </a:gs>
-            <a:gs pos="86000">
-              <a:schemeClr val="phClr">
-                <a:tint val="73000"/>
+                <a:tint val="37000"/>
+                <a:satMod val="300000"/>
               </a:schemeClr>
             </a:gs>
             <a:gs pos="100000">
               <a:schemeClr val="phClr">
-                <a:tint val="35000"/>
+                <a:tint val="15000"/>
+                <a:satMod val="350000"/>
               </a:schemeClr>
             </a:gs>
           </a:gsLst>
-          <a:lin ang="5400000" scaled="1"/>
+          <a:lin ang="16200000" scaled="1"/>
         </a:gradFill>
         <a:gradFill rotWithShape="1">
           <a:gsLst>
             <a:gs pos="0">
               <a:schemeClr val="phClr">
-                <a:tint val="73000"/>
-                <a:satMod val="150000"/>
-              </a:schemeClr>
-            </a:gs>
-            <a:gs pos="25000">
-              <a:schemeClr val="phClr">
-                <a:tint val="96000"/>
-                <a:shade val="80000"/>
-                <a:satMod val="105000"/>
-              </a:schemeClr>
-            </a:gs>
-            <a:gs pos="38000">
-              <a:schemeClr val="phClr">
-                <a:tint val="96000"/>
-                <a:shade val="59000"/>
-                <a:satMod val="120000"/>
-              </a:schemeClr>
-            </a:gs>
-            <a:gs pos="55000">
-              <a:schemeClr val="phClr">
-                <a:shade val="57000"/>
-                <a:satMod val="120000"/>
+                <a:shade val="51000"/>
+                <a:satMod val="130000"/>
               </a:schemeClr>
             </a:gs>
             <a:gs pos="80000">
               <a:schemeClr val="phClr">
-                <a:shade val="56000"/>
-                <a:satMod val="145000"/>
-              </a:schemeClr>
-            </a:gs>
-            <a:gs pos="88000">
-              <a:schemeClr val="phClr">
-                <a:shade val="63000"/>
-                <a:satMod val="160000"/>
+                <a:shade val="93000"/>
+                <a:satMod val="130000"/>
               </a:schemeClr>
             </a:gs>
             <a:gs pos="100000">
               <a:schemeClr val="phClr">
-                <a:tint val="99555"/>
-                <a:satMod val="155000"/>
+                <a:shade val="94000"/>
+                <a:satMod val="135000"/>
               </a:schemeClr>
             </a:gs>
           </a:gsLst>
-          <a:lin ang="5400000" scaled="1"/>
+          <a:lin ang="16200000" scaled="0"/>
         </a:gradFill>
       </a:fillStyleLst>
       <a:lnStyleLst>
         <a:ln w="9525" cap="flat" cmpd="sng" algn="ctr">
           <a:solidFill>
             <a:schemeClr val="phClr">
-              <a:shade val="60000"/>
-              <a:satMod val="300000"/>
+              <a:shade val="95000"/>
+              <a:satMod val="105000"/>
             </a:schemeClr>
           </a:solidFill>
           <a:prstDash val="solid"/>
         </a:ln>
-        <a:ln w="19050" cap="flat" cmpd="sng" algn="ctr">
+        <a:ln w="25400" cap="flat" cmpd="sng" algn="ctr">
           <a:solidFill>
             <a:schemeClr val="phClr"/>
           </a:solidFill>
           <a:prstDash val="solid"/>
         </a:ln>
-        <a:ln w="19050" cap="flat" cmpd="sng" algn="ctr">
+        <a:ln w="38100" cap="flat" cmpd="sng" algn="ctr">
           <a:solidFill>
             <a:schemeClr val="phClr"/>
           </a:solidFill>
@@ -6089,55 +9147,40 @@
       <a:effectStyleLst>
         <a:effectStyle>
           <a:effectLst>
-            <a:glow rad="63500">
-              <a:schemeClr val="phClr">
-                <a:tint val="30000"/>
-                <a:shade val="95000"/>
-                <a:satMod val="300000"/>
-                <a:alpha val="50000"/>
-              </a:schemeClr>
-            </a:glow>
+            <a:outerShdw blurRad="40000" dist="20000" dir="5400000" rotWithShape="0">
+              <a:srgbClr val="000000">
+                <a:alpha val="38000"/>
+              </a:srgbClr>
+            </a:outerShdw>
           </a:effectLst>
         </a:effectStyle>
         <a:effectStyle>
           <a:effectLst>
-            <a:glow rad="70000">
-              <a:schemeClr val="phClr">
-                <a:tint val="30000"/>
-                <a:shade val="95000"/>
-                <a:satMod val="300000"/>
-                <a:alpha val="50000"/>
-              </a:schemeClr>
-            </a:glow>
+            <a:outerShdw blurRad="40000" dist="23000" dir="5400000" rotWithShape="0">
+              <a:srgbClr val="000000">
+                <a:alpha val="35000"/>
+              </a:srgbClr>
+            </a:outerShdw>
           </a:effectLst>
         </a:effectStyle>
         <a:effectStyle>
           <a:effectLst>
-            <a:glow rad="76200">
-              <a:schemeClr val="phClr">
-                <a:tint val="30000"/>
-                <a:shade val="95000"/>
-                <a:satMod val="300000"/>
-                <a:alpha val="50000"/>
-              </a:schemeClr>
-            </a:glow>
+            <a:outerShdw blurRad="40000" dist="23000" dir="5400000" rotWithShape="0">
+              <a:srgbClr val="000000">
+                <a:alpha val="35000"/>
+              </a:srgbClr>
+            </a:outerShdw>
           </a:effectLst>
           <a:scene3d>
-            <a:camera prst="orthographicFront" fov="0">
+            <a:camera prst="orthographicFront">
               <a:rot lat="0" lon="0" rev="0"/>
             </a:camera>
-            <a:lightRig rig="harsh" dir="t">
-              <a:rot lat="6000000" lon="6000000" rev="0"/>
+            <a:lightRig rig="threePt" dir="t">
+              <a:rot lat="0" lon="0" rev="1200000"/>
             </a:lightRig>
           </a:scene3d>
-          <a:sp3d contourW="10000" prstMaterial="metal">
-            <a:bevelT w="20000" h="9000" prst="softRound"/>
-            <a:contourClr>
-              <a:schemeClr val="phClr">
-                <a:shade val="30000"/>
-                <a:satMod val="200000"/>
-              </a:schemeClr>
-            </a:contourClr>
+          <a:sp3d>
+            <a:bevelT w="63500" h="25400"/>
           </a:sp3d>
         </a:effectStyle>
       </a:effectStyleLst>
@@ -6149,42 +9192,328 @@
           <a:gsLst>
             <a:gs pos="0">
               <a:schemeClr val="phClr">
-                <a:shade val="40000"/>
-                <a:satMod val="150000"/>
+                <a:tint val="40000"/>
+                <a:satMod val="350000"/>
               </a:schemeClr>
             </a:gs>
-            <a:gs pos="30000">
+            <a:gs pos="40000">
               <a:schemeClr val="phClr">
-                <a:shade val="60000"/>
-                <a:satMod val="150000"/>
+                <a:tint val="45000"/>
+                <a:shade val="99000"/>
+                <a:satMod val="350000"/>
               </a:schemeClr>
             </a:gs>
             <a:gs pos="100000">
               <a:schemeClr val="phClr">
-                <a:tint val="83000"/>
-                <a:satMod val="200000"/>
+                <a:shade val="20000"/>
+                <a:satMod val="255000"/>
               </a:schemeClr>
             </a:gs>
           </a:gsLst>
-          <a:lin ang="13000000" scaled="0"/>
+          <a:path path="circle">
+            <a:fillToRect l="50000" t="-80000" r="50000" b="180000"/>
+          </a:path>
         </a:gradFill>
         <a:gradFill rotWithShape="1">
           <a:gsLst>
             <a:gs pos="0">
               <a:schemeClr val="phClr">
-                <a:tint val="78000"/>
-                <a:satMod val="220000"/>
+                <a:tint val="80000"/>
+                <a:satMod val="300000"/>
               </a:schemeClr>
             </a:gs>
             <a:gs pos="100000">
               <a:schemeClr val="phClr">
-                <a:shade val="35000"/>
-                <a:satMod val="155000"/>
+                <a:shade val="30000"/>
+                <a:satMod val="200000"/>
               </a:schemeClr>
             </a:gs>
           </a:gsLst>
           <a:path path="circle">
-            <a:fillToRect l="60000" t="50000" r="40000" b="50000"/>
+            <a:fillToRect l="50000" t="50000" r="50000" b="50000"/>
+          </a:path>
+        </a:gradFill>
+      </a:bgFillStyleLst>
+    </a:fmtScheme>
+  </a:themeElements>
+  <a:objectDefaults/>
+  <a:extraClrSchemeLst/>
+</a:theme>
+</file>
+
+<file path=ppt/theme/theme3.xml><?xml version="1.0" encoding="utf-8"?>
+<a:theme xmlns:a="http://schemas.openxmlformats.org/drawingml/2006/main" name="Тема Office">
+  <a:themeElements>
+    <a:clrScheme name="Стандартная">
+      <a:dk1>
+        <a:sysClr val="windowText" lastClr="000000"/>
+      </a:dk1>
+      <a:lt1>
+        <a:sysClr val="window" lastClr="FFFFFF"/>
+      </a:lt1>
+      <a:dk2>
+        <a:srgbClr val="1F497D"/>
+      </a:dk2>
+      <a:lt2>
+        <a:srgbClr val="EEECE1"/>
+      </a:lt2>
+      <a:accent1>
+        <a:srgbClr val="4F81BD"/>
+      </a:accent1>
+      <a:accent2>
+        <a:srgbClr val="C0504D"/>
+      </a:accent2>
+      <a:accent3>
+        <a:srgbClr val="9BBB59"/>
+      </a:accent3>
+      <a:accent4>
+        <a:srgbClr val="8064A2"/>
+      </a:accent4>
+      <a:accent5>
+        <a:srgbClr val="4BACC6"/>
+      </a:accent5>
+      <a:accent6>
+        <a:srgbClr val="F79646"/>
+      </a:accent6>
+      <a:hlink>
+        <a:srgbClr val="0000FF"/>
+      </a:hlink>
+      <a:folHlink>
+        <a:srgbClr val="800080"/>
+      </a:folHlink>
+    </a:clrScheme>
+    <a:fontScheme name="Стандартная">
+      <a:majorFont>
+        <a:latin typeface="Calibri"/>
+        <a:ea typeface=""/>
+        <a:cs typeface=""/>
+        <a:font script="Jpan" typeface="ＭＳ Ｐゴシック"/>
+        <a:font script="Hang" typeface="맑은 고딕"/>
+        <a:font script="Hans" typeface="宋体"/>
+        <a:font script="Hant" typeface="新細明體"/>
+        <a:font script="Arab" typeface="Times New Roman"/>
+        <a:font script="Hebr" typeface="Times New Roman"/>
+        <a:font script="Thai" typeface="Angsana New"/>
+        <a:font script="Ethi" typeface="Nyala"/>
+        <a:font script="Beng" typeface="Vrinda"/>
+        <a:font script="Gujr" typeface="Shruti"/>
+        <a:font script="Khmr" typeface="MoolBoran"/>
+        <a:font script="Knda" typeface="Tunga"/>
+        <a:font script="Guru" typeface="Raavi"/>
+        <a:font script="Cans" typeface="Euphemia"/>
+        <a:font script="Cher" typeface="Plantagenet Cherokee"/>
+        <a:font script="Yiii" typeface="Microsoft Yi Baiti"/>
+        <a:font script="Tibt" typeface="Microsoft Himalaya"/>
+        <a:font script="Thaa" typeface="MV Boli"/>
+        <a:font script="Deva" typeface="Mangal"/>
+        <a:font script="Telu" typeface="Gautami"/>
+        <a:font script="Taml" typeface="Latha"/>
+        <a:font script="Syrc" typeface="Estrangelo Edessa"/>
+        <a:font script="Orya" typeface="Kalinga"/>
+        <a:font script="Mlym" typeface="Kartika"/>
+        <a:font script="Laoo" typeface="DokChampa"/>
+        <a:font script="Sinh" typeface="Iskoola Pota"/>
+        <a:font script="Mong" typeface="Mongolian Baiti"/>
+        <a:font script="Viet" typeface="Times New Roman"/>
+        <a:font script="Uigh" typeface="Microsoft Uighur"/>
+      </a:majorFont>
+      <a:minorFont>
+        <a:latin typeface="Calibri"/>
+        <a:ea typeface=""/>
+        <a:cs typeface=""/>
+        <a:font script="Jpan" typeface="ＭＳ Ｐゴシック"/>
+        <a:font script="Hang" typeface="맑은 고딕"/>
+        <a:font script="Hans" typeface="宋体"/>
+        <a:font script="Hant" typeface="新細明體"/>
+        <a:font script="Arab" typeface="Arial"/>
+        <a:font script="Hebr" typeface="Arial"/>
+        <a:font script="Thai" typeface="Cordia New"/>
+        <a:font script="Ethi" typeface="Nyala"/>
+        <a:font script="Beng" typeface="Vrinda"/>
+        <a:font script="Gujr" typeface="Shruti"/>
+        <a:font script="Khmr" typeface="DaunPenh"/>
+        <a:font script="Knda" typeface="Tunga"/>
+        <a:font script="Guru" typeface="Raavi"/>
+        <a:font script="Cans" typeface="Euphemia"/>
+        <a:font script="Cher" typeface="Plantagenet Cherokee"/>
+        <a:font script="Yiii" typeface="Microsoft Yi Baiti"/>
+        <a:font script="Tibt" typeface="Microsoft Himalaya"/>
+        <a:font script="Thaa" typeface="MV Boli"/>
+        <a:font script="Deva" typeface="Mangal"/>
+        <a:font script="Telu" typeface="Gautami"/>
+        <a:font script="Taml" typeface="Latha"/>
+        <a:font script="Syrc" typeface="Estrangelo Edessa"/>
+        <a:font script="Orya" typeface="Kalinga"/>
+        <a:font script="Mlym" typeface="Kartika"/>
+        <a:font script="Laoo" typeface="DokChampa"/>
+        <a:font script="Sinh" typeface="Iskoola Pota"/>
+        <a:font script="Mong" typeface="Mongolian Baiti"/>
+        <a:font script="Viet" typeface="Arial"/>
+        <a:font script="Uigh" typeface="Microsoft Uighur"/>
+      </a:minorFont>
+    </a:fontScheme>
+    <a:fmtScheme name="Стандартная">
+      <a:fillStyleLst>
+        <a:solidFill>
+          <a:schemeClr val="phClr"/>
+        </a:solidFill>
+        <a:gradFill rotWithShape="1">
+          <a:gsLst>
+            <a:gs pos="0">
+              <a:schemeClr val="phClr">
+                <a:tint val="50000"/>
+                <a:satMod val="300000"/>
+              </a:schemeClr>
+            </a:gs>
+            <a:gs pos="35000">
+              <a:schemeClr val="phClr">
+                <a:tint val="37000"/>
+                <a:satMod val="300000"/>
+              </a:schemeClr>
+            </a:gs>
+            <a:gs pos="100000">
+              <a:schemeClr val="phClr">
+                <a:tint val="15000"/>
+                <a:satMod val="350000"/>
+              </a:schemeClr>
+            </a:gs>
+          </a:gsLst>
+          <a:lin ang="16200000" scaled="1"/>
+        </a:gradFill>
+        <a:gradFill rotWithShape="1">
+          <a:gsLst>
+            <a:gs pos="0">
+              <a:schemeClr val="phClr">
+                <a:shade val="51000"/>
+                <a:satMod val="130000"/>
+              </a:schemeClr>
+            </a:gs>
+            <a:gs pos="80000">
+              <a:schemeClr val="phClr">
+                <a:shade val="93000"/>
+                <a:satMod val="130000"/>
+              </a:schemeClr>
+            </a:gs>
+            <a:gs pos="100000">
+              <a:schemeClr val="phClr">
+                <a:shade val="94000"/>
+                <a:satMod val="135000"/>
+              </a:schemeClr>
+            </a:gs>
+          </a:gsLst>
+          <a:lin ang="16200000" scaled="0"/>
+        </a:gradFill>
+      </a:fillStyleLst>
+      <a:lnStyleLst>
+        <a:ln w="9525" cap="flat" cmpd="sng" algn="ctr">
+          <a:solidFill>
+            <a:schemeClr val="phClr">
+              <a:shade val="95000"/>
+              <a:satMod val="105000"/>
+            </a:schemeClr>
+          </a:solidFill>
+          <a:prstDash val="solid"/>
+        </a:ln>
+        <a:ln w="25400" cap="flat" cmpd="sng" algn="ctr">
+          <a:solidFill>
+            <a:schemeClr val="phClr"/>
+          </a:solidFill>
+          <a:prstDash val="solid"/>
+        </a:ln>
+        <a:ln w="38100" cap="flat" cmpd="sng" algn="ctr">
+          <a:solidFill>
+            <a:schemeClr val="phClr"/>
+          </a:solidFill>
+          <a:prstDash val="solid"/>
+        </a:ln>
+      </a:lnStyleLst>
+      <a:effectStyleLst>
+        <a:effectStyle>
+          <a:effectLst>
+            <a:outerShdw blurRad="40000" dist="20000" dir="5400000" rotWithShape="0">
+              <a:srgbClr val="000000">
+                <a:alpha val="38000"/>
+              </a:srgbClr>
+            </a:outerShdw>
+          </a:effectLst>
+        </a:effectStyle>
+        <a:effectStyle>
+          <a:effectLst>
+            <a:outerShdw blurRad="40000" dist="23000" dir="5400000" rotWithShape="0">
+              <a:srgbClr val="000000">
+                <a:alpha val="35000"/>
+              </a:srgbClr>
+            </a:outerShdw>
+          </a:effectLst>
+        </a:effectStyle>
+        <a:effectStyle>
+          <a:effectLst>
+            <a:outerShdw blurRad="40000" dist="23000" dir="5400000" rotWithShape="0">
+              <a:srgbClr val="000000">
+                <a:alpha val="35000"/>
+              </a:srgbClr>
+            </a:outerShdw>
+          </a:effectLst>
+          <a:scene3d>
+            <a:camera prst="orthographicFront">
+              <a:rot lat="0" lon="0" rev="0"/>
+            </a:camera>
+            <a:lightRig rig="threePt" dir="t">
+              <a:rot lat="0" lon="0" rev="1200000"/>
+            </a:lightRig>
+          </a:scene3d>
+          <a:sp3d>
+            <a:bevelT w="63500" h="25400"/>
+          </a:sp3d>
+        </a:effectStyle>
+      </a:effectStyleLst>
+      <a:bgFillStyleLst>
+        <a:solidFill>
+          <a:schemeClr val="phClr"/>
+        </a:solidFill>
+        <a:gradFill rotWithShape="1">
+          <a:gsLst>
+            <a:gs pos="0">
+              <a:schemeClr val="phClr">
+                <a:tint val="40000"/>
+                <a:satMod val="350000"/>
+              </a:schemeClr>
+            </a:gs>
+            <a:gs pos="40000">
+              <a:schemeClr val="phClr">
+                <a:tint val="45000"/>
+                <a:shade val="99000"/>
+                <a:satMod val="350000"/>
+              </a:schemeClr>
+            </a:gs>
+            <a:gs pos="100000">
+              <a:schemeClr val="phClr">
+                <a:shade val="20000"/>
+                <a:satMod val="255000"/>
+              </a:schemeClr>
+            </a:gs>
+          </a:gsLst>
+          <a:path path="circle">
+            <a:fillToRect l="50000" t="-80000" r="50000" b="180000"/>
+          </a:path>
+        </a:gradFill>
+        <a:gradFill rotWithShape="1">
+          <a:gsLst>
+            <a:gs pos="0">
+              <a:schemeClr val="phClr">
+                <a:tint val="80000"/>
+                <a:satMod val="300000"/>
+              </a:schemeClr>
+            </a:gs>
+            <a:gs pos="100000">
+              <a:schemeClr val="phClr">
+                <a:shade val="30000"/>
+                <a:satMod val="200000"/>
+              </a:schemeClr>
+            </a:gs>
+          </a:gsLst>
+          <a:path path="circle">
+            <a:fillToRect l="50000" t="50000" r="50000" b="50000"/>
           </a:path>
         </a:gradFill>
       </a:bgFillStyleLst>

--- a/Presentation/Дипломный проект.pptx
+++ b/Presentation/Дипломный проект.pptx
@@ -5,27 +5,26 @@
     <p:sldMasterId id="2147483684" r:id="rId1"/>
   </p:sldMasterIdLst>
   <p:notesMasterIdLst>
-    <p:notesMasterId r:id="rId17"/>
+    <p:notesMasterId r:id="rId16"/>
   </p:notesMasterIdLst>
   <p:handoutMasterIdLst>
-    <p:handoutMasterId r:id="rId18"/>
+    <p:handoutMasterId r:id="rId17"/>
   </p:handoutMasterIdLst>
   <p:sldIdLst>
     <p:sldId id="256" r:id="rId2"/>
-    <p:sldId id="261" r:id="rId3"/>
-    <p:sldId id="262" r:id="rId4"/>
-    <p:sldId id="263" r:id="rId5"/>
-    <p:sldId id="257" r:id="rId6"/>
-    <p:sldId id="258" r:id="rId7"/>
-    <p:sldId id="259" r:id="rId8"/>
-    <p:sldId id="264" r:id="rId9"/>
-    <p:sldId id="260" r:id="rId10"/>
-    <p:sldId id="266" r:id="rId11"/>
-    <p:sldId id="267" r:id="rId12"/>
-    <p:sldId id="268" r:id="rId13"/>
-    <p:sldId id="269" r:id="rId14"/>
-    <p:sldId id="270" r:id="rId15"/>
-    <p:sldId id="265" r:id="rId16"/>
+    <p:sldId id="263" r:id="rId3"/>
+    <p:sldId id="257" r:id="rId4"/>
+    <p:sldId id="258" r:id="rId5"/>
+    <p:sldId id="259" r:id="rId6"/>
+    <p:sldId id="260" r:id="rId7"/>
+    <p:sldId id="272" r:id="rId8"/>
+    <p:sldId id="266" r:id="rId9"/>
+    <p:sldId id="267" r:id="rId10"/>
+    <p:sldId id="268" r:id="rId11"/>
+    <p:sldId id="269" r:id="rId12"/>
+    <p:sldId id="273" r:id="rId13"/>
+    <p:sldId id="270" r:id="rId14"/>
+    <p:sldId id="265" r:id="rId15"/>
   </p:sldIdLst>
   <p:sldSz cx="9144000" cy="6858000" type="screen4x3"/>
   <p:notesSz cx="6858000" cy="9144000"/>
@@ -209,7 +208,8 @@
           <a:p>
             <a:fld id="{16CF853C-0D7E-4254-A861-796D59042FF5}" type="datetimeFigureOut">
               <a:rPr lang="ru-RU" smtClean="0"/>
-              <a:t>03.06.2014</a:t>
+              <a:pPr/>
+              <a:t>09.06.2014</a:t>
             </a:fld>
             <a:endParaRPr lang="ru-RU"/>
           </a:p>
@@ -275,6 +275,7 @@
           <a:p>
             <a:fld id="{FF767439-49C5-4818-A8C7-98EFE1238C8E}" type="slidenum">
               <a:rPr lang="ru-RU" smtClean="0"/>
+              <a:pPr/>
               <a:t>‹#›</a:t>
             </a:fld>
             <a:endParaRPr lang="ru-RU"/>
@@ -369,7 +370,8 @@
           <a:p>
             <a:fld id="{898F12C2-9173-4687-853B-1DBE8EA57C98}" type="datetimeFigureOut">
               <a:rPr lang="ru-RU" smtClean="0"/>
-              <a:t>03.06.2014</a:t>
+              <a:pPr/>
+              <a:t>09.06.2014</a:t>
             </a:fld>
             <a:endParaRPr lang="ru-RU"/>
           </a:p>
@@ -530,6 +532,7 @@
           <a:p>
             <a:fld id="{5FEA2036-6099-4C0D-A627-6972A6DD0A86}" type="slidenum">
               <a:rPr lang="ru-RU" smtClean="0"/>
+              <a:pPr/>
               <a:t>‹#›</a:t>
             </a:fld>
             <a:endParaRPr lang="ru-RU"/>
@@ -701,6 +704,7 @@
           <a:p>
             <a:fld id="{5FEA2036-6099-4C0D-A627-6972A6DD0A86}" type="slidenum">
               <a:rPr lang="ru-RU" smtClean="0"/>
+              <a:pPr/>
               <a:t>1</a:t>
             </a:fld>
             <a:endParaRPr lang="ru-RU"/>
@@ -782,169 +786,8 @@
           <a:p>
             <a:fld id="{5FEA2036-6099-4C0D-A627-6972A6DD0A86}" type="slidenum">
               <a:rPr lang="ru-RU" smtClean="0"/>
+              <a:pPr/>
               <a:t>2</a:t>
-            </a:fld>
-            <a:endParaRPr lang="ru-RU"/>
-          </a:p>
-        </p:txBody>
-      </p:sp>
-    </p:spTree>
-  </p:cSld>
-  <p:clrMapOvr>
-    <a:masterClrMapping/>
-  </p:clrMapOvr>
-</p:notes>
-</file>
-
-<file path=ppt/notesSlides/notesSlide3.xml><?xml version="1.0" encoding="utf-8"?>
-<p:notes xmlns:a="http://schemas.openxmlformats.org/drawingml/2006/main" xmlns:r="http://schemas.openxmlformats.org/officeDocument/2006/relationships" xmlns:p="http://schemas.openxmlformats.org/presentationml/2006/main">
-  <p:cSld>
-    <p:spTree>
-      <p:nvGrpSpPr>
-        <p:cNvPr id="1" name=""/>
-        <p:cNvGrpSpPr/>
-        <p:nvPr/>
-      </p:nvGrpSpPr>
-      <p:grpSpPr>
-        <a:xfrm>
-          <a:off x="0" y="0"/>
-          <a:ext cx="0" cy="0"/>
-          <a:chOff x="0" y="0"/>
-          <a:chExt cx="0" cy="0"/>
-        </a:xfrm>
-      </p:grpSpPr>
-      <p:sp>
-        <p:nvSpPr>
-          <p:cNvPr id="2" name="Образ слайда 1"/>
-          <p:cNvSpPr>
-            <a:spLocks noGrp="1" noRot="1" noChangeAspect="1"/>
-          </p:cNvSpPr>
-          <p:nvPr>
-            <p:ph type="sldImg"/>
-          </p:nvPr>
-        </p:nvSpPr>
-        <p:spPr/>
-      </p:sp>
-      <p:sp>
-        <p:nvSpPr>
-          <p:cNvPr id="3" name="Заметки 2"/>
-          <p:cNvSpPr>
-            <a:spLocks noGrp="1"/>
-          </p:cNvSpPr>
-          <p:nvPr>
-            <p:ph type="body" idx="1"/>
-          </p:nvPr>
-        </p:nvSpPr>
-        <p:spPr/>
-        <p:txBody>
-          <a:bodyPr>
-            <a:normAutofit/>
-          </a:bodyPr>
-          <a:lstStyle/>
-          <a:p>
-            <a:endParaRPr lang="ru-RU" dirty="0"/>
-          </a:p>
-        </p:txBody>
-      </p:sp>
-      <p:sp>
-        <p:nvSpPr>
-          <p:cNvPr id="4" name="Номер слайда 3"/>
-          <p:cNvSpPr>
-            <a:spLocks noGrp="1"/>
-          </p:cNvSpPr>
-          <p:nvPr>
-            <p:ph type="sldNum" sz="quarter" idx="10"/>
-          </p:nvPr>
-        </p:nvSpPr>
-        <p:spPr/>
-        <p:txBody>
-          <a:bodyPr/>
-          <a:lstStyle/>
-          <a:p>
-            <a:fld id="{5FEA2036-6099-4C0D-A627-6972A6DD0A86}" type="slidenum">
-              <a:rPr lang="ru-RU" smtClean="0"/>
-              <a:t>3</a:t>
-            </a:fld>
-            <a:endParaRPr lang="ru-RU"/>
-          </a:p>
-        </p:txBody>
-      </p:sp>
-    </p:spTree>
-  </p:cSld>
-  <p:clrMapOvr>
-    <a:masterClrMapping/>
-  </p:clrMapOvr>
-</p:notes>
-</file>
-
-<file path=ppt/notesSlides/notesSlide4.xml><?xml version="1.0" encoding="utf-8"?>
-<p:notes xmlns:a="http://schemas.openxmlformats.org/drawingml/2006/main" xmlns:r="http://schemas.openxmlformats.org/officeDocument/2006/relationships" xmlns:p="http://schemas.openxmlformats.org/presentationml/2006/main">
-  <p:cSld>
-    <p:spTree>
-      <p:nvGrpSpPr>
-        <p:cNvPr id="1" name=""/>
-        <p:cNvGrpSpPr/>
-        <p:nvPr/>
-      </p:nvGrpSpPr>
-      <p:grpSpPr>
-        <a:xfrm>
-          <a:off x="0" y="0"/>
-          <a:ext cx="0" cy="0"/>
-          <a:chOff x="0" y="0"/>
-          <a:chExt cx="0" cy="0"/>
-        </a:xfrm>
-      </p:grpSpPr>
-      <p:sp>
-        <p:nvSpPr>
-          <p:cNvPr id="2" name="Образ слайда 1"/>
-          <p:cNvSpPr>
-            <a:spLocks noGrp="1" noRot="1" noChangeAspect="1"/>
-          </p:cNvSpPr>
-          <p:nvPr>
-            <p:ph type="sldImg"/>
-          </p:nvPr>
-        </p:nvSpPr>
-        <p:spPr/>
-      </p:sp>
-      <p:sp>
-        <p:nvSpPr>
-          <p:cNvPr id="3" name="Заметки 2"/>
-          <p:cNvSpPr>
-            <a:spLocks noGrp="1"/>
-          </p:cNvSpPr>
-          <p:nvPr>
-            <p:ph type="body" idx="1"/>
-          </p:nvPr>
-        </p:nvSpPr>
-        <p:spPr/>
-        <p:txBody>
-          <a:bodyPr>
-            <a:normAutofit/>
-          </a:bodyPr>
-          <a:lstStyle/>
-          <a:p>
-            <a:endParaRPr lang="ru-RU"/>
-          </a:p>
-        </p:txBody>
-      </p:sp>
-      <p:sp>
-        <p:nvSpPr>
-          <p:cNvPr id="4" name="Номер слайда 3"/>
-          <p:cNvSpPr>
-            <a:spLocks noGrp="1"/>
-          </p:cNvSpPr>
-          <p:nvPr>
-            <p:ph type="sldNum" sz="quarter" idx="10"/>
-          </p:nvPr>
-        </p:nvSpPr>
-        <p:spPr/>
-        <p:txBody>
-          <a:bodyPr/>
-          <a:lstStyle/>
-          <a:p>
-            <a:fld id="{5FEA2036-6099-4C0D-A627-6972A6DD0A86}" type="slidenum">
-              <a:rPr lang="ru-RU" smtClean="0"/>
-              <a:t>4</a:t>
             </a:fld>
             <a:endParaRPr lang="ru-RU"/>
           </a:p>
@@ -1204,10 +1047,9 @@
           <a:bodyPr/>
           <a:lstStyle/>
           <a:p>
-            <a:fld id="{B694148D-F572-431C-9104-40A9977EF92E}" type="datetimeFigureOut">
+            <a:fld id="{87C677EF-330A-478E-913D-790145F050D7}" type="datetime1">
               <a:rPr lang="ru-RU" smtClean="0"/>
-              <a:pPr/>
-              <a:t>03.06.2014</a:t>
+              <a:t>09.06.2014</a:t>
             </a:fld>
             <a:endParaRPr lang="ru-RU"/>
           </a:p>
@@ -1439,10 +1281,9 @@
           <a:bodyPr/>
           <a:lstStyle/>
           <a:p>
-            <a:fld id="{B694148D-F572-431C-9104-40A9977EF92E}" type="datetimeFigureOut">
+            <a:fld id="{3A849DF9-5C0A-4E72-9574-8B696A0ED27C}" type="datetime1">
               <a:rPr lang="ru-RU" smtClean="0"/>
-              <a:pPr/>
-              <a:t>03.06.2014</a:t>
+              <a:t>09.06.2014</a:t>
             </a:fld>
             <a:endParaRPr lang="ru-RU"/>
           </a:p>
@@ -1731,10 +1572,9 @@
           <a:bodyPr/>
           <a:lstStyle/>
           <a:p>
-            <a:fld id="{B694148D-F572-431C-9104-40A9977EF92E}" type="datetimeFigureOut">
+            <a:fld id="{797ECB51-668D-4283-99CF-1DF5CF9A38EE}" type="datetime1">
               <a:rPr lang="ru-RU" smtClean="0"/>
-              <a:pPr/>
-              <a:t>03.06.2014</a:t>
+              <a:t>09.06.2014</a:t>
             </a:fld>
             <a:endParaRPr lang="ru-RU"/>
           </a:p>
@@ -1922,10 +1762,9 @@
           <a:bodyPr/>
           <a:lstStyle/>
           <a:p>
-            <a:fld id="{B694148D-F572-431C-9104-40A9977EF92E}" type="datetimeFigureOut">
+            <a:fld id="{0AB158D6-C691-4F24-8DB8-7F17A3FFA98C}" type="datetime1">
               <a:rPr lang="ru-RU" smtClean="0"/>
-              <a:pPr/>
-              <a:t>03.06.2014</a:t>
+              <a:t>09.06.2014</a:t>
             </a:fld>
             <a:endParaRPr lang="ru-RU"/>
           </a:p>
@@ -2292,10 +2131,9 @@
           <a:bodyPr/>
           <a:lstStyle/>
           <a:p>
-            <a:fld id="{B694148D-F572-431C-9104-40A9977EF92E}" type="datetimeFigureOut">
+            <a:fld id="{DDED07F6-97D4-428E-9B6D-630FFB22CB18}" type="datetime1">
               <a:rPr lang="ru-RU" smtClean="0"/>
-              <a:pPr/>
-              <a:t>03.06.2014</a:t>
+              <a:t>09.06.2014</a:t>
             </a:fld>
             <a:endParaRPr lang="ru-RU"/>
           </a:p>
@@ -2591,10 +2429,9 @@
           <a:bodyPr/>
           <a:lstStyle/>
           <a:p>
-            <a:fld id="{B694148D-F572-431C-9104-40A9977EF92E}" type="datetimeFigureOut">
+            <a:fld id="{50EFBE14-77E7-4FB8-A69B-A1AF8BEA5EED}" type="datetime1">
               <a:rPr lang="ru-RU" smtClean="0"/>
-              <a:pPr/>
-              <a:t>03.06.2014</a:t>
+              <a:t>09.06.2014</a:t>
             </a:fld>
             <a:endParaRPr lang="ru-RU"/>
           </a:p>
@@ -3025,10 +2862,9 @@
           <a:bodyPr/>
           <a:lstStyle/>
           <a:p>
-            <a:fld id="{B694148D-F572-431C-9104-40A9977EF92E}" type="datetimeFigureOut">
+            <a:fld id="{2506A19A-4BC4-409A-9DBE-BCC689A60895}" type="datetime1">
               <a:rPr lang="ru-RU" smtClean="0"/>
-              <a:pPr/>
-              <a:t>03.06.2014</a:t>
+              <a:t>09.06.2014</a:t>
             </a:fld>
             <a:endParaRPr lang="ru-RU"/>
           </a:p>
@@ -3152,10 +2988,9 @@
           <a:bodyPr/>
           <a:lstStyle/>
           <a:p>
-            <a:fld id="{B694148D-F572-431C-9104-40A9977EF92E}" type="datetimeFigureOut">
+            <a:fld id="{96152A73-A872-42CE-BD24-F385898C88C1}" type="datetime1">
               <a:rPr lang="ru-RU" smtClean="0"/>
-              <a:pPr/>
-              <a:t>03.06.2014</a:t>
+              <a:t>09.06.2014</a:t>
             </a:fld>
             <a:endParaRPr lang="ru-RU"/>
           </a:p>
@@ -3254,10 +3089,9 @@
           <a:bodyPr/>
           <a:lstStyle/>
           <a:p>
-            <a:fld id="{B694148D-F572-431C-9104-40A9977EF92E}" type="datetimeFigureOut">
+            <a:fld id="{D9C04914-E2FD-4923-8D4D-10CAA3C63692}" type="datetime1">
               <a:rPr lang="ru-RU" smtClean="0"/>
-              <a:pPr/>
-              <a:t>03.06.2014</a:t>
+              <a:t>09.06.2014</a:t>
             </a:fld>
             <a:endParaRPr lang="ru-RU"/>
           </a:p>
@@ -3544,10 +3378,9 @@
           <a:bodyPr/>
           <a:lstStyle/>
           <a:p>
-            <a:fld id="{B694148D-F572-431C-9104-40A9977EF92E}" type="datetimeFigureOut">
+            <a:fld id="{3C293908-DFAD-47B8-A082-D2B68D325F47}" type="datetime1">
               <a:rPr lang="ru-RU" smtClean="0"/>
-              <a:pPr/>
-              <a:t>03.06.2014</a:t>
+              <a:t>09.06.2014</a:t>
             </a:fld>
             <a:endParaRPr lang="ru-RU"/>
           </a:p>
@@ -3922,10 +3755,9 @@
           <a:bodyPr/>
           <a:lstStyle/>
           <a:p>
-            <a:fld id="{B694148D-F572-431C-9104-40A9977EF92E}" type="datetimeFigureOut">
+            <a:fld id="{7E4106EA-6FB1-4B4E-AE07-CC444BD39F64}" type="datetime1">
               <a:rPr lang="ru-RU" smtClean="0"/>
-              <a:pPr/>
-              <a:t>03.06.2014</a:t>
+              <a:t>09.06.2014</a:t>
             </a:fld>
             <a:endParaRPr lang="ru-RU"/>
           </a:p>
@@ -4371,10 +4203,9 @@
             <a:extLst/>
           </a:lstStyle>
           <a:p>
-            <a:fld id="{B694148D-F572-431C-9104-40A9977EF92E}" type="datetimeFigureOut">
+            <a:fld id="{C1E798A7-C672-42B0-B898-C9853C3E5068}" type="datetime1">
               <a:rPr lang="ru-RU" smtClean="0"/>
-              <a:pPr/>
-              <a:t>03.06.2014</a:t>
+              <a:t>09.06.2014</a:t>
             </a:fld>
             <a:endParaRPr lang="ru-RU"/>
           </a:p>
@@ -4487,6 +4318,7 @@
       </p:par>
     </p:tnLst>
   </p:timing>
+  <p:hf hdr="0" ftr="0" dt="0"/>
   <p:txStyles>
     <p:titleStyle>
       <a:lvl1pPr algn="l" rtl="0" eaLnBrk="1" latinLnBrk="0" hangingPunct="1">
@@ -4844,19 +4676,7 @@
           <a:p>
             <a:r>
               <a:rPr lang="ru-RU" sz="2800" b="1" dirty="0" smtClean="0"/>
-              <a:t>Тема: </a:t>
-            </a:r>
-            <a:r>
-              <a:rPr lang="ru-RU" sz="2800" b="1" dirty="0" smtClean="0"/>
-              <a:t>Внедрение </a:t>
-            </a:r>
-            <a:r>
-              <a:rPr lang="ru-RU" sz="2800" b="1" dirty="0" smtClean="0"/>
-              <a:t>элементов защиты в </a:t>
-            </a:r>
-            <a:r>
-              <a:rPr lang="ru-RU" sz="2800" b="1" dirty="0" smtClean="0"/>
-              <a:t>.</a:t>
+              <a:t>Тема: Внедрение элементов защиты в .</a:t>
             </a:r>
             <a:r>
               <a:rPr lang="en-US" sz="2800" b="1" dirty="0" smtClean="0"/>
@@ -4910,11 +4730,7 @@
             </a:r>
             <a:r>
               <a:rPr lang="ru-RU" sz="2400" dirty="0" smtClean="0"/>
-              <a:t>студент </a:t>
-            </a:r>
-            <a:r>
-              <a:rPr lang="ru-RU" sz="2400" dirty="0" smtClean="0"/>
-              <a:t>гр. 53505/2		</a:t>
+              <a:t>студент гр. 53505/2		</a:t>
             </a:r>
             <a:r>
               <a:rPr lang="en-US" sz="2400" dirty="0" smtClean="0"/>
@@ -4922,15 +4738,7 @@
             </a:r>
             <a:r>
               <a:rPr lang="ru-RU" sz="2400" dirty="0" smtClean="0"/>
-              <a:t>С.А</a:t>
-            </a:r>
-            <a:r>
-              <a:rPr lang="ru-RU" sz="2400" dirty="0" smtClean="0"/>
-              <a:t>. </a:t>
-            </a:r>
-            <a:r>
-              <a:rPr lang="ru-RU" sz="2400" dirty="0" smtClean="0"/>
-              <a:t>Гладышев</a:t>
+              <a:t>С.А. Гладышев</a:t>
             </a:r>
             <a:endParaRPr lang="en-US" sz="2400" dirty="0" smtClean="0"/>
           </a:p>
@@ -4945,11 +4753,7 @@
             </a:r>
             <a:r>
               <a:rPr lang="ru-RU" sz="2400" dirty="0" smtClean="0"/>
-              <a:t>канд</a:t>
-            </a:r>
-            <a:r>
-              <a:rPr lang="ru-RU" sz="2400" dirty="0" smtClean="0"/>
-              <a:t>. </a:t>
+              <a:t>канд. </a:t>
             </a:r>
             <a:r>
               <a:rPr lang="ru-RU" sz="2400" dirty="0" err="1" smtClean="0"/>
@@ -4957,11 +4761,7 @@
             </a:r>
             <a:r>
               <a:rPr lang="ru-RU" sz="2400" dirty="0" smtClean="0"/>
-              <a:t>. наук, </a:t>
-            </a:r>
-            <a:r>
-              <a:rPr lang="ru-RU" sz="2400" dirty="0" smtClean="0"/>
-              <a:t>доцент</a:t>
+              <a:t>. наук, доцент</a:t>
             </a:r>
             <a:r>
               <a:rPr lang="en-US" sz="2400" dirty="0" smtClean="0"/>
@@ -4969,11 +4769,7 @@
             </a:r>
             <a:r>
               <a:rPr lang="ru-RU" sz="2400" dirty="0" smtClean="0"/>
-              <a:t>В.Ю</a:t>
-            </a:r>
-            <a:r>
-              <a:rPr lang="ru-RU" sz="2400" dirty="0" smtClean="0"/>
-              <a:t>. Сальников</a:t>
+              <a:t>В.Ю. Сальников</a:t>
             </a:r>
           </a:p>
           <a:p>
@@ -5008,27 +4804,14 @@
           <a:p>
             <a:r>
               <a:rPr lang="ru-RU" dirty="0" smtClean="0"/>
-              <a:t>Направление: </a:t>
-            </a:r>
+              <a:t>Направление:     090900 — Информационная безопасность</a:t>
+            </a:r>
+          </a:p>
+          <a:p>
             <a:r>
               <a:rPr lang="ru-RU" dirty="0" smtClean="0"/>
-              <a:t>    090900 </a:t>
-            </a:r>
-            <a:r>
-              <a:rPr lang="ru-RU" dirty="0" smtClean="0"/>
-              <a:t>— Информационная безопасность</a:t>
-            </a:r>
-          </a:p>
-          <a:p>
-            <a:r>
-              <a:rPr lang="ru-RU" dirty="0" smtClean="0"/>
-              <a:t>Специальность: 090104 — Комплексная защита объектов </a:t>
-            </a:r>
-            <a:r>
-              <a:rPr lang="ru-RU" dirty="0" smtClean="0"/>
-              <a:t>информатизации</a:t>
-            </a:r>
-            <a:endParaRPr lang="ru-RU" dirty="0" smtClean="0"/>
+              <a:t>Специальность: 090104 — Комплексная защита объектов информатизации</a:t>
+            </a:r>
           </a:p>
         </p:txBody>
       </p:sp>
@@ -5071,15 +4854,7 @@
             <a:pPr algn="ctr"/>
             <a:r>
               <a:rPr lang="ru-RU" sz="1600" dirty="0" smtClean="0"/>
-              <a:t>Кафедра </a:t>
-            </a:r>
-            <a:r>
-              <a:rPr lang="ru-RU" sz="1600" dirty="0" smtClean="0"/>
-              <a:t>измерительных информационных </a:t>
-            </a:r>
-            <a:r>
-              <a:rPr lang="ru-RU" sz="1600" dirty="0" smtClean="0"/>
-              <a:t>технологий</a:t>
+              <a:t>Кафедра измерительных информационных технологий</a:t>
             </a:r>
             <a:endParaRPr lang="ru-RU" sz="1600" dirty="0"/>
           </a:p>
@@ -5132,322 +4907,6 @@
         </p:nvSpPr>
         <p:spPr>
           <a:xfrm>
-            <a:off x="467544" y="118872"/>
-            <a:ext cx="8496944" cy="1509928"/>
-          </a:xfrm>
-        </p:spPr>
-        <p:txBody>
-          <a:bodyPr>
-            <a:normAutofit/>
-          </a:bodyPr>
-          <a:lstStyle/>
-          <a:p>
-            <a:r>
-              <a:rPr lang="ru-RU" dirty="0" smtClean="0"/>
-              <a:t>Проверка работоспособности</a:t>
-            </a:r>
-            <a:endParaRPr lang="ru-RU" dirty="0"/>
-          </a:p>
-        </p:txBody>
-      </p:sp>
-      <p:sp>
-        <p:nvSpPr>
-          <p:cNvPr id="3" name="Текст 2"/>
-          <p:cNvSpPr>
-            <a:spLocks noGrp="1"/>
-          </p:cNvSpPr>
-          <p:nvPr>
-            <p:ph type="body" idx="1"/>
-          </p:nvPr>
-        </p:nvSpPr>
-        <p:spPr/>
-        <p:txBody>
-          <a:bodyPr>
-            <a:normAutofit/>
-          </a:bodyPr>
-          <a:lstStyle/>
-          <a:p>
-            <a:r>
-              <a:rPr lang="ru-RU" sz="2800" dirty="0" smtClean="0"/>
-              <a:t>С использованием </a:t>
-            </a:r>
-            <a:r>
-              <a:rPr lang="en-US" sz="2800" dirty="0" err="1" smtClean="0"/>
-              <a:t>ArtMoney</a:t>
-            </a:r>
-            <a:endParaRPr lang="ru-RU" sz="2800" dirty="0"/>
-          </a:p>
-        </p:txBody>
-      </p:sp>
-      <p:pic>
-        <p:nvPicPr>
-          <p:cNvPr id="2050" name="Picture 2" descr="Скриншот 573f016f"/>
-          <p:cNvPicPr>
-            <a:picLocks noChangeAspect="1" noChangeArrowheads="1"/>
-          </p:cNvPicPr>
-          <p:nvPr/>
-        </p:nvPicPr>
-        <p:blipFill>
-          <a:blip r:embed="rId2" cstate="print"/>
-          <a:srcRect/>
-          <a:stretch>
-            <a:fillRect/>
-          </a:stretch>
-        </p:blipFill>
-        <p:spPr bwMode="auto">
-          <a:xfrm>
-            <a:off x="1547664" y="2852936"/>
-            <a:ext cx="6324600" cy="3743325"/>
-          </a:xfrm>
-          <a:prstGeom prst="rect">
-            <a:avLst/>
-          </a:prstGeom>
-          <a:noFill/>
-        </p:spPr>
-      </p:pic>
-    </p:spTree>
-  </p:cSld>
-  <p:clrMapOvr>
-    <a:masterClrMapping/>
-  </p:clrMapOvr>
-  <p:transition>
-    <p:fade/>
-  </p:transition>
-  <p:timing>
-    <p:tnLst>
-      <p:par>
-        <p:cTn id="1" dur="indefinite" restart="never" nodeType="tmRoot"/>
-      </p:par>
-    </p:tnLst>
-  </p:timing>
-</p:sld>
-</file>
-
-<file path=ppt/slides/slide11.xml><?xml version="1.0" encoding="utf-8"?>
-<p:sld xmlns:a="http://schemas.openxmlformats.org/drawingml/2006/main" xmlns:r="http://schemas.openxmlformats.org/officeDocument/2006/relationships" xmlns:p="http://schemas.openxmlformats.org/presentationml/2006/main">
-  <p:cSld>
-    <p:spTree>
-      <p:nvGrpSpPr>
-        <p:cNvPr id="1" name=""/>
-        <p:cNvGrpSpPr/>
-        <p:nvPr/>
-      </p:nvGrpSpPr>
-      <p:grpSpPr>
-        <a:xfrm>
-          <a:off x="0" y="0"/>
-          <a:ext cx="0" cy="0"/>
-          <a:chOff x="0" y="0"/>
-          <a:chExt cx="0" cy="0"/>
-        </a:xfrm>
-      </p:grpSpPr>
-      <p:sp>
-        <p:nvSpPr>
-          <p:cNvPr id="2" name="Заголовок 1"/>
-          <p:cNvSpPr>
-            <a:spLocks noGrp="1"/>
-          </p:cNvSpPr>
-          <p:nvPr>
-            <p:ph type="title"/>
-          </p:nvPr>
-        </p:nvSpPr>
-        <p:spPr/>
-        <p:txBody>
-          <a:bodyPr/>
-          <a:lstStyle/>
-          <a:p>
-            <a:r>
-              <a:rPr lang="ru-RU" dirty="0" smtClean="0"/>
-              <a:t>Шаг 1. Поиск</a:t>
-            </a:r>
-            <a:endParaRPr lang="ru-RU" dirty="0"/>
-          </a:p>
-        </p:txBody>
-      </p:sp>
-      <p:pic>
-        <p:nvPicPr>
-          <p:cNvPr id="5" name="Содержимое 4" descr="Скриншот 74828018"/>
-          <p:cNvPicPr>
-            <a:picLocks noGrp="1"/>
-          </p:cNvPicPr>
-          <p:nvPr>
-            <p:ph sz="half" idx="1"/>
-          </p:nvPr>
-        </p:nvPicPr>
-        <p:blipFill>
-          <a:blip r:embed="rId2" cstate="print"/>
-          <a:srcRect/>
-          <a:stretch>
-            <a:fillRect/>
-          </a:stretch>
-        </p:blipFill>
-        <p:spPr bwMode="auto">
-          <a:xfrm>
-            <a:off x="467544" y="2564904"/>
-            <a:ext cx="4817519" cy="3084901"/>
-          </a:xfrm>
-          <a:prstGeom prst="rect">
-            <a:avLst/>
-          </a:prstGeom>
-          <a:noFill/>
-          <a:ln w="9525">
-            <a:noFill/>
-            <a:miter lim="800000"/>
-            <a:headEnd/>
-            <a:tailEnd/>
-          </a:ln>
-        </p:spPr>
-      </p:pic>
-      <p:pic>
-        <p:nvPicPr>
-          <p:cNvPr id="1026" name="Picture 2" descr="Скриншот e510ef6a"/>
-          <p:cNvPicPr>
-            <a:picLocks noGrp="1" noChangeAspect="1" noChangeArrowheads="1"/>
-          </p:cNvPicPr>
-          <p:nvPr>
-            <p:ph sz="half" idx="2"/>
-          </p:nvPr>
-        </p:nvPicPr>
-        <p:blipFill>
-          <a:blip r:embed="rId3" cstate="print"/>
-          <a:srcRect/>
-          <a:stretch>
-            <a:fillRect/>
-          </a:stretch>
-        </p:blipFill>
-        <p:spPr bwMode="auto">
-          <a:xfrm>
-            <a:off x="5796136" y="2924944"/>
-            <a:ext cx="2594728" cy="2351092"/>
-          </a:xfrm>
-          <a:prstGeom prst="rect">
-            <a:avLst/>
-          </a:prstGeom>
-          <a:noFill/>
-        </p:spPr>
-      </p:pic>
-      <p:sp>
-        <p:nvSpPr>
-          <p:cNvPr id="7" name="TextBox 6"/>
-          <p:cNvSpPr txBox="1"/>
-          <p:nvPr/>
-        </p:nvSpPr>
-        <p:spPr>
-          <a:xfrm>
-            <a:off x="1115616" y="1988840"/>
-            <a:ext cx="3456384" cy="369332"/>
-          </a:xfrm>
-          <a:prstGeom prst="rect">
-            <a:avLst/>
-          </a:prstGeom>
-          <a:noFill/>
-        </p:spPr>
-        <p:txBody>
-          <a:bodyPr wrap="square" rtlCol="0">
-            <a:spAutoFit/>
-          </a:bodyPr>
-          <a:lstStyle/>
-          <a:p>
-            <a:r>
-              <a:rPr lang="en-US" dirty="0" smtClean="0"/>
-              <a:t>1.1. </a:t>
-            </a:r>
-            <a:r>
-              <a:rPr lang="ru-RU" dirty="0" smtClean="0"/>
-              <a:t>Поиск по точному значению</a:t>
-            </a:r>
-            <a:endParaRPr lang="ru-RU" dirty="0"/>
-          </a:p>
-        </p:txBody>
-      </p:sp>
-      <p:sp>
-        <p:nvSpPr>
-          <p:cNvPr id="8" name="TextBox 7"/>
-          <p:cNvSpPr txBox="1"/>
-          <p:nvPr/>
-        </p:nvSpPr>
-        <p:spPr>
-          <a:xfrm>
-            <a:off x="5796136" y="1988840"/>
-            <a:ext cx="2664296" cy="369332"/>
-          </a:xfrm>
-          <a:prstGeom prst="rect">
-            <a:avLst/>
-          </a:prstGeom>
-          <a:noFill/>
-        </p:spPr>
-        <p:txBody>
-          <a:bodyPr wrap="square" rtlCol="0">
-            <a:spAutoFit/>
-          </a:bodyPr>
-          <a:lstStyle/>
-          <a:p>
-            <a:r>
-              <a:rPr lang="en-US" dirty="0" smtClean="0"/>
-              <a:t>1.</a:t>
-            </a:r>
-            <a:r>
-              <a:rPr lang="ru-RU" dirty="0" smtClean="0"/>
-              <a:t>2</a:t>
-            </a:r>
-            <a:r>
-              <a:rPr lang="en-US" dirty="0" smtClean="0"/>
-              <a:t>. </a:t>
-            </a:r>
-            <a:r>
-              <a:rPr lang="ru-RU" dirty="0" smtClean="0"/>
-              <a:t>Результаты поиска</a:t>
-            </a:r>
-            <a:endParaRPr lang="ru-RU" dirty="0"/>
-          </a:p>
-        </p:txBody>
-      </p:sp>
-    </p:spTree>
-  </p:cSld>
-  <p:clrMapOvr>
-    <a:masterClrMapping/>
-  </p:clrMapOvr>
-  <p:transition>
-    <p:fade/>
-  </p:transition>
-  <p:timing>
-    <p:tnLst>
-      <p:par>
-        <p:cTn id="1" dur="indefinite" restart="never" nodeType="tmRoot"/>
-      </p:par>
-    </p:tnLst>
-  </p:timing>
-</p:sld>
-</file>
-
-<file path=ppt/slides/slide12.xml><?xml version="1.0" encoding="utf-8"?>
-<p:sld xmlns:a="http://schemas.openxmlformats.org/drawingml/2006/main" xmlns:r="http://schemas.openxmlformats.org/officeDocument/2006/relationships" xmlns:p="http://schemas.openxmlformats.org/presentationml/2006/main">
-  <p:cSld>
-    <p:spTree>
-      <p:nvGrpSpPr>
-        <p:cNvPr id="1" name=""/>
-        <p:cNvGrpSpPr/>
-        <p:nvPr/>
-      </p:nvGrpSpPr>
-      <p:grpSpPr>
-        <a:xfrm>
-          <a:off x="0" y="0"/>
-          <a:ext cx="0" cy="0"/>
-          <a:chOff x="0" y="0"/>
-          <a:chExt cx="0" cy="0"/>
-        </a:xfrm>
-      </p:grpSpPr>
-      <p:sp>
-        <p:nvSpPr>
-          <p:cNvPr id="2" name="Заголовок 1"/>
-          <p:cNvSpPr>
-            <a:spLocks noGrp="1"/>
-          </p:cNvSpPr>
-          <p:nvPr>
-            <p:ph type="title"/>
-          </p:nvPr>
-        </p:nvSpPr>
-        <p:spPr>
-          <a:xfrm>
             <a:off x="457200" y="152400"/>
             <a:ext cx="8686800" cy="1251062"/>
           </a:xfrm>
@@ -5625,6 +5084,604 @@
               <a:t>Результаты отсеивания</a:t>
             </a:r>
             <a:endParaRPr lang="ru-RU" dirty="0"/>
+          </a:p>
+        </p:txBody>
+      </p:sp>
+      <p:sp>
+        <p:nvSpPr>
+          <p:cNvPr id="9" name="Номер слайда 8"/>
+          <p:cNvSpPr>
+            <a:spLocks noGrp="1"/>
+          </p:cNvSpPr>
+          <p:nvPr>
+            <p:ph type="sldNum" sz="quarter" idx="12"/>
+          </p:nvPr>
+        </p:nvSpPr>
+        <p:spPr/>
+        <p:txBody>
+          <a:bodyPr/>
+          <a:lstStyle/>
+          <a:p>
+            <a:fld id="{48997E51-03E2-4119-AB53-0712BC3CF70D}" type="slidenum">
+              <a:rPr lang="ru-RU" smtClean="0"/>
+              <a:pPr/>
+              <a:t>10</a:t>
+            </a:fld>
+            <a:endParaRPr lang="ru-RU"/>
+          </a:p>
+        </p:txBody>
+      </p:sp>
+    </p:spTree>
+  </p:cSld>
+  <p:clrMapOvr>
+    <a:masterClrMapping/>
+  </p:clrMapOvr>
+  <p:transition>
+    <p:fade/>
+  </p:transition>
+</p:sld>
+</file>
+
+<file path=ppt/slides/slide11.xml><?xml version="1.0" encoding="utf-8"?>
+<p:sld xmlns:a="http://schemas.openxmlformats.org/drawingml/2006/main" xmlns:r="http://schemas.openxmlformats.org/officeDocument/2006/relationships" xmlns:p="http://schemas.openxmlformats.org/presentationml/2006/main">
+  <p:cSld>
+    <p:spTree>
+      <p:nvGrpSpPr>
+        <p:cNvPr id="1" name=""/>
+        <p:cNvGrpSpPr/>
+        <p:nvPr/>
+      </p:nvGrpSpPr>
+      <p:grpSpPr>
+        <a:xfrm>
+          <a:off x="0" y="0"/>
+          <a:ext cx="0" cy="0"/>
+          <a:chOff x="0" y="0"/>
+          <a:chExt cx="0" cy="0"/>
+        </a:xfrm>
+      </p:grpSpPr>
+      <p:sp>
+        <p:nvSpPr>
+          <p:cNvPr id="2" name="Заголовок 1"/>
+          <p:cNvSpPr>
+            <a:spLocks noGrp="1"/>
+          </p:cNvSpPr>
+          <p:nvPr>
+            <p:ph type="title"/>
+          </p:nvPr>
+        </p:nvSpPr>
+        <p:spPr/>
+        <p:txBody>
+          <a:bodyPr>
+            <a:normAutofit/>
+          </a:bodyPr>
+          <a:lstStyle/>
+          <a:p>
+            <a:r>
+              <a:rPr lang="ru-RU" dirty="0" smtClean="0"/>
+              <a:t>Шаг 2</a:t>
+            </a:r>
+            <a:r>
+              <a:rPr lang="ru-RU" sz="2800" dirty="0" smtClean="0"/>
+              <a:t>б</a:t>
+            </a:r>
+            <a:r>
+              <a:rPr lang="ru-RU" dirty="0" smtClean="0"/>
+              <a:t>. Отсеивание (с защитой)</a:t>
+            </a:r>
+            <a:endParaRPr lang="ru-RU" dirty="0"/>
+          </a:p>
+        </p:txBody>
+      </p:sp>
+      <p:pic>
+        <p:nvPicPr>
+          <p:cNvPr id="26626" name="Picture 2" descr="Скриншот 3bd4f864"/>
+          <p:cNvPicPr>
+            <a:picLocks noGrp="1" noChangeAspect="1" noChangeArrowheads="1"/>
+          </p:cNvPicPr>
+          <p:nvPr>
+            <p:ph sz="half" idx="2"/>
+          </p:nvPr>
+        </p:nvPicPr>
+        <p:blipFill>
+          <a:blip r:embed="rId2" cstate="print"/>
+          <a:srcRect/>
+          <a:stretch>
+            <a:fillRect/>
+          </a:stretch>
+        </p:blipFill>
+        <p:spPr bwMode="auto">
+          <a:xfrm>
+            <a:off x="899592" y="2204864"/>
+            <a:ext cx="6923112" cy="2060833"/>
+          </a:xfrm>
+          <a:prstGeom prst="rect">
+            <a:avLst/>
+          </a:prstGeom>
+          <a:noFill/>
+        </p:spPr>
+      </p:pic>
+      <p:sp>
+        <p:nvSpPr>
+          <p:cNvPr id="7" name="Прямоугольник 6"/>
+          <p:cNvSpPr/>
+          <p:nvPr/>
+        </p:nvSpPr>
+        <p:spPr>
+          <a:xfrm>
+            <a:off x="1691680" y="1700808"/>
+            <a:ext cx="5331075" cy="369332"/>
+          </a:xfrm>
+          <a:prstGeom prst="rect">
+            <a:avLst/>
+          </a:prstGeom>
+        </p:spPr>
+        <p:txBody>
+          <a:bodyPr wrap="none">
+            <a:spAutoFit/>
+          </a:bodyPr>
+          <a:lstStyle/>
+          <a:p>
+            <a:r>
+              <a:rPr lang="ru-RU" dirty="0" smtClean="0"/>
+              <a:t>2</a:t>
+            </a:r>
+            <a:r>
+              <a:rPr lang="ru-RU" sz="1200" dirty="0" smtClean="0"/>
+              <a:t>б</a:t>
+            </a:r>
+            <a:r>
+              <a:rPr lang="ru-RU" dirty="0" smtClean="0"/>
+              <a:t>. Результат отсеивания с использованием защиты</a:t>
+            </a:r>
+            <a:endParaRPr lang="ru-RU" dirty="0"/>
+          </a:p>
+        </p:txBody>
+      </p:sp>
+      <p:sp>
+        <p:nvSpPr>
+          <p:cNvPr id="8" name="TextBox 7"/>
+          <p:cNvSpPr txBox="1"/>
+          <p:nvPr/>
+        </p:nvSpPr>
+        <p:spPr>
+          <a:xfrm>
+            <a:off x="683568" y="4725144"/>
+            <a:ext cx="7704856" cy="923330"/>
+          </a:xfrm>
+          <a:prstGeom prst="rect">
+            <a:avLst/>
+          </a:prstGeom>
+          <a:noFill/>
+        </p:spPr>
+        <p:txBody>
+          <a:bodyPr wrap="square" rtlCol="0">
+            <a:spAutoFit/>
+          </a:bodyPr>
+          <a:lstStyle/>
+          <a:p>
+            <a:r>
+              <a:rPr lang="ru-RU" sz="2700" dirty="0" smtClean="0"/>
+              <a:t>Изменение найденного значения ни как не влияет на оригинальное значение, хранящееся в памяти.</a:t>
+            </a:r>
+            <a:endParaRPr lang="ru-RU" sz="2700" dirty="0"/>
+          </a:p>
+        </p:txBody>
+      </p:sp>
+      <p:sp>
+        <p:nvSpPr>
+          <p:cNvPr id="6" name="Номер слайда 5"/>
+          <p:cNvSpPr>
+            <a:spLocks noGrp="1"/>
+          </p:cNvSpPr>
+          <p:nvPr>
+            <p:ph type="sldNum" sz="quarter" idx="12"/>
+          </p:nvPr>
+        </p:nvSpPr>
+        <p:spPr/>
+        <p:txBody>
+          <a:bodyPr/>
+          <a:lstStyle/>
+          <a:p>
+            <a:fld id="{48997E51-03E2-4119-AB53-0712BC3CF70D}" type="slidenum">
+              <a:rPr lang="ru-RU" smtClean="0"/>
+              <a:pPr/>
+              <a:t>11</a:t>
+            </a:fld>
+            <a:endParaRPr lang="ru-RU"/>
+          </a:p>
+        </p:txBody>
+      </p:sp>
+    </p:spTree>
+  </p:cSld>
+  <p:clrMapOvr>
+    <a:masterClrMapping/>
+  </p:clrMapOvr>
+  <p:transition>
+    <p:fade/>
+  </p:transition>
+</p:sld>
+</file>
+
+<file path=ppt/slides/slide12.xml><?xml version="1.0" encoding="utf-8"?>
+<p:sld xmlns:a="http://schemas.openxmlformats.org/drawingml/2006/main" xmlns:r="http://schemas.openxmlformats.org/officeDocument/2006/relationships" xmlns:p="http://schemas.openxmlformats.org/presentationml/2006/main">
+  <p:cSld>
+    <p:spTree>
+      <p:nvGrpSpPr>
+        <p:cNvPr id="1" name=""/>
+        <p:cNvGrpSpPr/>
+        <p:nvPr/>
+      </p:nvGrpSpPr>
+      <p:grpSpPr>
+        <a:xfrm>
+          <a:off x="0" y="0"/>
+          <a:ext cx="0" cy="0"/>
+          <a:chOff x="0" y="0"/>
+          <a:chExt cx="0" cy="0"/>
+        </a:xfrm>
+      </p:grpSpPr>
+      <p:sp>
+        <p:nvSpPr>
+          <p:cNvPr id="2" name="Заголовок 1"/>
+          <p:cNvSpPr>
+            <a:spLocks noGrp="1"/>
+          </p:cNvSpPr>
+          <p:nvPr>
+            <p:ph type="title"/>
+          </p:nvPr>
+        </p:nvSpPr>
+        <p:spPr/>
+        <p:txBody>
+          <a:bodyPr/>
+          <a:lstStyle/>
+          <a:p>
+            <a:r>
+              <a:rPr lang="ru-RU" dirty="0" smtClean="0"/>
+              <a:t>Оценка производительности</a:t>
+            </a:r>
+            <a:endParaRPr lang="ru-RU" dirty="0"/>
+          </a:p>
+        </p:txBody>
+      </p:sp>
+      <p:graphicFrame>
+        <p:nvGraphicFramePr>
+          <p:cNvPr id="5" name="Содержимое 4"/>
+          <p:cNvGraphicFramePr>
+            <a:graphicFrameLocks noGrp="1"/>
+          </p:cNvGraphicFramePr>
+          <p:nvPr>
+            <p:ph sz="half" idx="1"/>
+          </p:nvPr>
+        </p:nvGraphicFramePr>
+        <p:xfrm>
+          <a:off x="457200" y="1773237"/>
+          <a:ext cx="8147247" cy="2375843"/>
+        </p:xfrm>
+        <a:graphic>
+          <a:graphicData uri="http://schemas.openxmlformats.org/drawingml/2006/table">
+            <a:tbl>
+              <a:tblPr firstRow="1">
+                <a:tableStyleId>{793D81CF-94F2-401A-BA57-92F5A7B2D0C5}</a:tableStyleId>
+              </a:tblPr>
+              <a:tblGrid>
+                <a:gridCol w="2715749"/>
+                <a:gridCol w="2715749"/>
+                <a:gridCol w="2715749"/>
+              </a:tblGrid>
+              <a:tr h="867699">
+                <a:tc>
+                  <a:txBody>
+                    <a:bodyPr/>
+                    <a:lstStyle/>
+                    <a:p>
+                      <a:pPr algn="ctr">
+                        <a:spcAft>
+                          <a:spcPts val="0"/>
+                        </a:spcAft>
+                      </a:pPr>
+                      <a:endParaRPr lang="ru-RU" sz="2800" dirty="0">
+                        <a:solidFill>
+                          <a:srgbClr val="333399"/>
+                        </a:solidFill>
+                        <a:latin typeface="+mn-lt"/>
+                        <a:ea typeface="Calibri"/>
+                        <a:cs typeface="Mangal"/>
+                      </a:endParaRPr>
+                    </a:p>
+                  </a:txBody>
+                  <a:tcPr marL="68580" marR="68580" marT="0" marB="0" anchor="ctr"/>
+                </a:tc>
+                <a:tc>
+                  <a:txBody>
+                    <a:bodyPr/>
+                    <a:lstStyle/>
+                    <a:p>
+                      <a:pPr algn="ctr">
+                        <a:spcAft>
+                          <a:spcPts val="0"/>
+                        </a:spcAft>
+                      </a:pPr>
+                      <a:r>
+                        <a:rPr lang="ru-RU" sz="2800" dirty="0"/>
+                        <a:t>Незащищенное свойство</a:t>
+                      </a:r>
+                      <a:endParaRPr lang="ru-RU" sz="2800" dirty="0">
+                        <a:solidFill>
+                          <a:srgbClr val="333399"/>
+                        </a:solidFill>
+                        <a:latin typeface="+mn-lt"/>
+                        <a:ea typeface="Calibri"/>
+                        <a:cs typeface="Mangal"/>
+                      </a:endParaRPr>
+                    </a:p>
+                  </a:txBody>
+                  <a:tcPr marL="68580" marR="68580" marT="0" marB="0" anchor="ctr"/>
+                </a:tc>
+                <a:tc>
+                  <a:txBody>
+                    <a:bodyPr/>
+                    <a:lstStyle/>
+                    <a:p>
+                      <a:pPr algn="ctr">
+                        <a:spcAft>
+                          <a:spcPts val="0"/>
+                        </a:spcAft>
+                      </a:pPr>
+                      <a:r>
+                        <a:rPr lang="ru-RU" sz="2800"/>
+                        <a:t>Защищенное свойство</a:t>
+                      </a:r>
+                      <a:endParaRPr lang="ru-RU" sz="2800">
+                        <a:solidFill>
+                          <a:srgbClr val="333399"/>
+                        </a:solidFill>
+                        <a:latin typeface="+mn-lt"/>
+                        <a:ea typeface="Calibri"/>
+                        <a:cs typeface="Mangal"/>
+                      </a:endParaRPr>
+                    </a:p>
+                  </a:txBody>
+                  <a:tcPr marL="68580" marR="68580" marT="0" marB="0" anchor="ctr"/>
+                </a:tc>
+              </a:tr>
+              <a:tr h="754072">
+                <a:tc>
+                  <a:txBody>
+                    <a:bodyPr/>
+                    <a:lstStyle/>
+                    <a:p>
+                      <a:pPr algn="ctr">
+                        <a:spcAft>
+                          <a:spcPts val="0"/>
+                        </a:spcAft>
+                      </a:pPr>
+                      <a:r>
+                        <a:rPr lang="ru-RU" sz="2800"/>
+                        <a:t>Чтение</a:t>
+                      </a:r>
+                      <a:endParaRPr lang="ru-RU" sz="2800">
+                        <a:solidFill>
+                          <a:srgbClr val="333399"/>
+                        </a:solidFill>
+                        <a:latin typeface="+mn-lt"/>
+                        <a:ea typeface="Calibri"/>
+                        <a:cs typeface="Mangal"/>
+                      </a:endParaRPr>
+                    </a:p>
+                  </a:txBody>
+                  <a:tcPr marL="68580" marR="68580" marT="0" marB="0" anchor="ctr"/>
+                </a:tc>
+                <a:tc>
+                  <a:txBody>
+                    <a:bodyPr/>
+                    <a:lstStyle/>
+                    <a:p>
+                      <a:pPr algn="ctr">
+                        <a:spcAft>
+                          <a:spcPts val="0"/>
+                        </a:spcAft>
+                      </a:pPr>
+                      <a:r>
+                        <a:rPr lang="ru-RU" sz="2800" dirty="0"/>
+                        <a:t>25,8</a:t>
+                      </a:r>
+                      <a:endParaRPr lang="ru-RU" sz="2800" dirty="0">
+                        <a:solidFill>
+                          <a:srgbClr val="333399"/>
+                        </a:solidFill>
+                        <a:latin typeface="+mn-lt"/>
+                        <a:ea typeface="Calibri"/>
+                        <a:cs typeface="Mangal"/>
+                      </a:endParaRPr>
+                    </a:p>
+                  </a:txBody>
+                  <a:tcPr marL="68580" marR="68580" marT="0" marB="0" anchor="ctr"/>
+                </a:tc>
+                <a:tc>
+                  <a:txBody>
+                    <a:bodyPr/>
+                    <a:lstStyle/>
+                    <a:p>
+                      <a:pPr algn="ctr">
+                        <a:spcAft>
+                          <a:spcPts val="0"/>
+                        </a:spcAft>
+                      </a:pPr>
+                      <a:r>
+                        <a:rPr lang="ru-RU" sz="2800"/>
+                        <a:t>6318,4</a:t>
+                      </a:r>
+                      <a:endParaRPr lang="ru-RU" sz="2800">
+                        <a:solidFill>
+                          <a:srgbClr val="333399"/>
+                        </a:solidFill>
+                        <a:latin typeface="+mn-lt"/>
+                        <a:ea typeface="Calibri"/>
+                        <a:cs typeface="Mangal"/>
+                      </a:endParaRPr>
+                    </a:p>
+                  </a:txBody>
+                  <a:tcPr marL="68580" marR="68580" marT="0" marB="0" anchor="ctr"/>
+                </a:tc>
+              </a:tr>
+              <a:tr h="754072">
+                <a:tc>
+                  <a:txBody>
+                    <a:bodyPr/>
+                    <a:lstStyle/>
+                    <a:p>
+                      <a:pPr algn="ctr">
+                        <a:spcAft>
+                          <a:spcPts val="0"/>
+                        </a:spcAft>
+                      </a:pPr>
+                      <a:r>
+                        <a:rPr lang="ru-RU" sz="2800" dirty="0"/>
+                        <a:t>Запись</a:t>
+                      </a:r>
+                      <a:endParaRPr lang="ru-RU" sz="2800" dirty="0">
+                        <a:solidFill>
+                          <a:srgbClr val="333399"/>
+                        </a:solidFill>
+                        <a:latin typeface="+mn-lt"/>
+                        <a:ea typeface="Calibri"/>
+                        <a:cs typeface="Mangal"/>
+                      </a:endParaRPr>
+                    </a:p>
+                  </a:txBody>
+                  <a:tcPr marL="68580" marR="68580" marT="0" marB="0" anchor="ctr"/>
+                </a:tc>
+                <a:tc>
+                  <a:txBody>
+                    <a:bodyPr/>
+                    <a:lstStyle/>
+                    <a:p>
+                      <a:pPr algn="ctr">
+                        <a:spcAft>
+                          <a:spcPts val="0"/>
+                        </a:spcAft>
+                      </a:pPr>
+                      <a:r>
+                        <a:rPr lang="ru-RU" sz="2800"/>
+                        <a:t>32,3</a:t>
+                      </a:r>
+                      <a:endParaRPr lang="ru-RU" sz="2800">
+                        <a:solidFill>
+                          <a:srgbClr val="333399"/>
+                        </a:solidFill>
+                        <a:latin typeface="+mn-lt"/>
+                        <a:ea typeface="Calibri"/>
+                        <a:cs typeface="Mangal"/>
+                      </a:endParaRPr>
+                    </a:p>
+                  </a:txBody>
+                  <a:tcPr marL="68580" marR="68580" marT="0" marB="0" anchor="ctr"/>
+                </a:tc>
+                <a:tc>
+                  <a:txBody>
+                    <a:bodyPr/>
+                    <a:lstStyle/>
+                    <a:p>
+                      <a:pPr algn="ctr">
+                        <a:spcAft>
+                          <a:spcPts val="0"/>
+                        </a:spcAft>
+                      </a:pPr>
+                      <a:r>
+                        <a:rPr lang="ru-RU" sz="2800" dirty="0"/>
+                        <a:t>6886,5</a:t>
+                      </a:r>
+                      <a:endParaRPr lang="ru-RU" sz="2800" dirty="0">
+                        <a:solidFill>
+                          <a:srgbClr val="333399"/>
+                        </a:solidFill>
+                        <a:latin typeface="+mn-lt"/>
+                        <a:ea typeface="Calibri"/>
+                        <a:cs typeface="Mangal"/>
+                      </a:endParaRPr>
+                    </a:p>
+                  </a:txBody>
+                  <a:tcPr marL="68580" marR="68580" marT="0" marB="0" anchor="ctr"/>
+                </a:tc>
+              </a:tr>
+            </a:tbl>
+          </a:graphicData>
+        </a:graphic>
+      </p:graphicFrame>
+      <p:sp>
+        <p:nvSpPr>
+          <p:cNvPr id="6" name="TextBox 5"/>
+          <p:cNvSpPr txBox="1"/>
+          <p:nvPr/>
+        </p:nvSpPr>
+        <p:spPr>
+          <a:xfrm>
+            <a:off x="683568" y="4221088"/>
+            <a:ext cx="7704856" cy="2169825"/>
+          </a:xfrm>
+          <a:prstGeom prst="rect">
+            <a:avLst/>
+          </a:prstGeom>
+          <a:noFill/>
+        </p:spPr>
+        <p:txBody>
+          <a:bodyPr wrap="square" rtlCol="0">
+            <a:spAutoFit/>
+          </a:bodyPr>
+          <a:lstStyle/>
+          <a:p>
+            <a:pPr algn="ctr"/>
+            <a:r>
+              <a:rPr lang="ru-RU" sz="2700" dirty="0" smtClean="0"/>
+              <a:t>Время затраченное на 1 000 000 операций (сек.)</a:t>
+            </a:r>
+          </a:p>
+          <a:p>
+            <a:endParaRPr lang="ru-RU" sz="2700" dirty="0" smtClean="0"/>
+          </a:p>
+          <a:p>
+            <a:r>
+              <a:rPr lang="ru-RU" sz="2700" dirty="0" smtClean="0"/>
+              <a:t>За результат взято среднее значение, основанное на 15 тестах.</a:t>
+            </a:r>
+          </a:p>
+          <a:p>
+            <a:r>
+              <a:rPr lang="ru-RU" sz="2700" dirty="0" smtClean="0"/>
+              <a:t>Итог: </a:t>
+            </a:r>
+            <a:r>
+              <a:rPr lang="en-US" sz="2700" dirty="0" smtClean="0"/>
+              <a:t>~ 7</a:t>
+            </a:r>
+            <a:r>
+              <a:rPr lang="ru-RU" sz="2700" dirty="0" smtClean="0"/>
+              <a:t> мс на 1000 операций</a:t>
+            </a:r>
+            <a:endParaRPr lang="ru-RU" sz="2700" dirty="0"/>
+          </a:p>
+        </p:txBody>
+      </p:sp>
+      <p:sp>
+        <p:nvSpPr>
+          <p:cNvPr id="7" name="Номер слайда 6"/>
+          <p:cNvSpPr>
+            <a:spLocks noGrp="1"/>
+          </p:cNvSpPr>
+          <p:nvPr>
+            <p:ph type="sldNum" sz="quarter" idx="12"/>
+          </p:nvPr>
+        </p:nvSpPr>
+        <p:spPr/>
+        <p:txBody>
+          <a:bodyPr/>
+          <a:lstStyle/>
+          <a:p>
+            <a:fld id="{48997E51-03E2-4119-AB53-0712BC3CF70D}" type="slidenum">
+              <a:rPr lang="ru-RU" smtClean="0"/>
+              <a:pPr/>
+              <a:t>12</a:t>
+            </a:fld>
+            <a:endParaRPr lang="ru-RU"/>
           </a:p>
         </p:txBody>
       </p:sp>
@@ -5668,131 +5725,95 @@
         </p:nvSpPr>
         <p:spPr/>
         <p:txBody>
+          <a:bodyPr/>
+          <a:lstStyle/>
+          <a:p>
+            <a:r>
+              <a:rPr lang="ru-RU" dirty="0" smtClean="0"/>
+              <a:t>Результаты</a:t>
+            </a:r>
+            <a:endParaRPr lang="ru-RU" dirty="0"/>
+          </a:p>
+        </p:txBody>
+      </p:sp>
+      <p:sp>
+        <p:nvSpPr>
+          <p:cNvPr id="3" name="Содержимое 2"/>
+          <p:cNvSpPr>
+            <a:spLocks noGrp="1"/>
+          </p:cNvSpPr>
+          <p:nvPr>
+            <p:ph idx="1"/>
+          </p:nvPr>
+        </p:nvSpPr>
+        <p:spPr/>
+        <p:txBody>
           <a:bodyPr>
             <a:normAutofit/>
           </a:bodyPr>
           <a:lstStyle/>
           <a:p>
-            <a:r>
-              <a:rPr lang="ru-RU" dirty="0" smtClean="0"/>
-              <a:t>Шаг </a:t>
-            </a:r>
-            <a:r>
-              <a:rPr lang="ru-RU" dirty="0" smtClean="0"/>
-              <a:t>2</a:t>
-            </a:r>
-            <a:r>
-              <a:rPr lang="ru-RU" sz="2800" dirty="0" smtClean="0"/>
-              <a:t>б</a:t>
-            </a:r>
-            <a:r>
-              <a:rPr lang="ru-RU" dirty="0" smtClean="0"/>
-              <a:t>. </a:t>
-            </a:r>
-            <a:r>
-              <a:rPr lang="ru-RU" dirty="0" smtClean="0"/>
-              <a:t>Отсеивание </a:t>
-            </a:r>
-            <a:r>
-              <a:rPr lang="ru-RU" dirty="0" smtClean="0"/>
-              <a:t>(с защитой)</a:t>
-            </a:r>
-            <a:endParaRPr lang="ru-RU" dirty="0"/>
-          </a:p>
-        </p:txBody>
-      </p:sp>
-      <p:pic>
-        <p:nvPicPr>
-          <p:cNvPr id="26626" name="Picture 2" descr="Скриншот 3bd4f864"/>
-          <p:cNvPicPr>
-            <a:picLocks noGrp="1" noChangeAspect="1" noChangeArrowheads="1"/>
-          </p:cNvPicPr>
-          <p:nvPr>
-            <p:ph sz="half" idx="2"/>
-          </p:nvPr>
-        </p:nvPicPr>
-        <p:blipFill>
-          <a:blip r:embed="rId2" cstate="print"/>
-          <a:srcRect/>
-          <a:stretch>
-            <a:fillRect/>
-          </a:stretch>
-        </p:blipFill>
-        <p:spPr bwMode="auto">
-          <a:xfrm>
-            <a:off x="899592" y="2204864"/>
-            <a:ext cx="6923112" cy="2060833"/>
-          </a:xfrm>
-          <a:prstGeom prst="rect">
-            <a:avLst/>
-          </a:prstGeom>
-          <a:noFill/>
-        </p:spPr>
-      </p:pic>
-      <p:sp>
-        <p:nvSpPr>
-          <p:cNvPr id="7" name="Прямоугольник 6"/>
-          <p:cNvSpPr/>
-          <p:nvPr/>
-        </p:nvSpPr>
-        <p:spPr>
-          <a:xfrm>
-            <a:off x="1691680" y="1700808"/>
-            <a:ext cx="5331075" cy="369332"/>
-          </a:xfrm>
-          <a:prstGeom prst="rect">
-            <a:avLst/>
-          </a:prstGeom>
-        </p:spPr>
-        <p:txBody>
-          <a:bodyPr wrap="none">
-            <a:spAutoFit/>
-          </a:bodyPr>
+            <a:pPr>
+              <a:spcAft>
+                <a:spcPts val="600"/>
+              </a:spcAft>
+            </a:pPr>
+            <a:r>
+              <a:rPr lang="ru-RU" sz="2700" dirty="0" smtClean="0"/>
+              <a:t>В ходе работы над данным проектом были решены все поставленные задачи, в том числе разработано новое программное решение для защиты </a:t>
+            </a:r>
+            <a:r>
+              <a:rPr lang="en-US" sz="2700" dirty="0" smtClean="0"/>
+              <a:t>.NET </a:t>
+            </a:r>
+            <a:r>
+              <a:rPr lang="ru-RU" sz="2700" dirty="0" smtClean="0"/>
+              <a:t>приложений.</a:t>
+            </a:r>
+          </a:p>
+          <a:p>
+            <a:pPr>
+              <a:spcAft>
+                <a:spcPts val="600"/>
+              </a:spcAft>
+            </a:pPr>
+            <a:r>
+              <a:rPr lang="ru-RU" sz="2700" dirty="0" smtClean="0"/>
+              <a:t>Разработанное решение является законченным программным продуктом и его следует использовать к комплексе с другими существующими на рынке продуктами, такими как </a:t>
+            </a:r>
+            <a:r>
+              <a:rPr lang="ru-RU" sz="2700" dirty="0" err="1" smtClean="0"/>
+              <a:t>обфускаторы</a:t>
+            </a:r>
+            <a:r>
+              <a:rPr lang="ru-RU" sz="2700" dirty="0" smtClean="0"/>
+              <a:t> и протекторы для наилучшей защиты.</a:t>
+            </a:r>
+            <a:endParaRPr lang="ru-RU" sz="2700" dirty="0"/>
+          </a:p>
+        </p:txBody>
+      </p:sp>
+      <p:sp>
+        <p:nvSpPr>
+          <p:cNvPr id="4" name="Номер слайда 3"/>
+          <p:cNvSpPr>
+            <a:spLocks noGrp="1"/>
+          </p:cNvSpPr>
+          <p:nvPr>
+            <p:ph type="sldNum" sz="quarter" idx="12"/>
+          </p:nvPr>
+        </p:nvSpPr>
+        <p:spPr/>
+        <p:txBody>
+          <a:bodyPr/>
           <a:lstStyle/>
           <a:p>
-            <a:r>
-              <a:rPr lang="ru-RU" dirty="0" smtClean="0"/>
-              <a:t>2</a:t>
-            </a:r>
-            <a:r>
-              <a:rPr lang="ru-RU" sz="1200" dirty="0" smtClean="0"/>
-              <a:t>б</a:t>
-            </a:r>
-            <a:r>
-              <a:rPr lang="ru-RU" dirty="0" smtClean="0"/>
-              <a:t>. Результат отсеивания с использованием защиты</a:t>
-            </a:r>
-            <a:endParaRPr lang="ru-RU" dirty="0"/>
-          </a:p>
-        </p:txBody>
-      </p:sp>
-      <p:sp>
-        <p:nvSpPr>
-          <p:cNvPr id="8" name="TextBox 7"/>
-          <p:cNvSpPr txBox="1"/>
-          <p:nvPr/>
-        </p:nvSpPr>
-        <p:spPr>
-          <a:xfrm>
-            <a:off x="683568" y="4725144"/>
-            <a:ext cx="7704856" cy="923330"/>
-          </a:xfrm>
-          <a:prstGeom prst="rect">
-            <a:avLst/>
-          </a:prstGeom>
-          <a:noFill/>
-        </p:spPr>
-        <p:txBody>
-          <a:bodyPr wrap="square" rtlCol="0">
-            <a:spAutoFit/>
-          </a:bodyPr>
-          <a:lstStyle/>
-          <a:p>
-            <a:r>
-              <a:rPr lang="ru-RU" sz="2700" dirty="0" smtClean="0"/>
-              <a:t>Изменение найденного значения ни как не влияет на оригинальное значение, хранящееся в памяти.</a:t>
-            </a:r>
-            <a:endParaRPr lang="ru-RU" sz="2700" dirty="0"/>
+            <a:fld id="{48997E51-03E2-4119-AB53-0712BC3CF70D}" type="slidenum">
+              <a:rPr lang="ru-RU" smtClean="0"/>
+              <a:pPr/>
+              <a:t>13</a:t>
+            </a:fld>
+            <a:endParaRPr lang="ru-RU"/>
           </a:p>
         </p:txBody>
       </p:sp>
@@ -5841,122 +5862,6 @@
           <a:p>
             <a:r>
               <a:rPr lang="ru-RU" dirty="0" smtClean="0"/>
-              <a:t>Результаты</a:t>
-            </a:r>
-            <a:endParaRPr lang="ru-RU" dirty="0"/>
-          </a:p>
-        </p:txBody>
-      </p:sp>
-      <p:sp>
-        <p:nvSpPr>
-          <p:cNvPr id="3" name="Содержимое 2"/>
-          <p:cNvSpPr>
-            <a:spLocks noGrp="1"/>
-          </p:cNvSpPr>
-          <p:nvPr>
-            <p:ph idx="1"/>
-          </p:nvPr>
-        </p:nvSpPr>
-        <p:spPr/>
-        <p:txBody>
-          <a:bodyPr>
-            <a:normAutofit/>
-          </a:bodyPr>
-          <a:lstStyle/>
-          <a:p>
-            <a:pPr>
-              <a:spcAft>
-                <a:spcPts val="600"/>
-              </a:spcAft>
-            </a:pPr>
-            <a:r>
-              <a:rPr lang="ru-RU" sz="2700" dirty="0" smtClean="0"/>
-              <a:t>В ходе работы над данным проектом были решены все поставленные задачи, в том числе разработано новое программное решение для защиты </a:t>
-            </a:r>
-            <a:r>
-              <a:rPr lang="en-US" sz="2700" dirty="0" smtClean="0"/>
-              <a:t>.NET </a:t>
-            </a:r>
-            <a:r>
-              <a:rPr lang="ru-RU" sz="2700" dirty="0" smtClean="0"/>
-              <a:t>приложений.</a:t>
-            </a:r>
-          </a:p>
-          <a:p>
-            <a:pPr>
-              <a:spcAft>
-                <a:spcPts val="600"/>
-              </a:spcAft>
-            </a:pPr>
-            <a:r>
-              <a:rPr lang="ru-RU" sz="2700" dirty="0" smtClean="0"/>
-              <a:t>Разработанное решение является </a:t>
-            </a:r>
-            <a:r>
-              <a:rPr lang="ru-RU" sz="2700" dirty="0" smtClean="0"/>
-              <a:t>законченным программным </a:t>
-            </a:r>
-            <a:r>
-              <a:rPr lang="ru-RU" sz="2700" dirty="0" smtClean="0"/>
-              <a:t>продуктом и его следует использовать к комплексе с другими существующими на рынке продуктами, такими как </a:t>
-            </a:r>
-            <a:r>
-              <a:rPr lang="ru-RU" sz="2700" dirty="0" err="1" smtClean="0"/>
-              <a:t>обфускаторы</a:t>
-            </a:r>
-            <a:r>
-              <a:rPr lang="ru-RU" sz="2700" dirty="0" smtClean="0"/>
-              <a:t> и протекторы для наилучшей защиты.</a:t>
-            </a:r>
-            <a:endParaRPr lang="ru-RU" sz="2700" dirty="0"/>
-          </a:p>
-        </p:txBody>
-      </p:sp>
-    </p:spTree>
-  </p:cSld>
-  <p:clrMapOvr>
-    <a:masterClrMapping/>
-  </p:clrMapOvr>
-  <p:transition>
-    <p:fade/>
-  </p:transition>
-</p:sld>
-</file>
-
-<file path=ppt/slides/slide15.xml><?xml version="1.0" encoding="utf-8"?>
-<p:sld xmlns:a="http://schemas.openxmlformats.org/drawingml/2006/main" xmlns:r="http://schemas.openxmlformats.org/officeDocument/2006/relationships" xmlns:p="http://schemas.openxmlformats.org/presentationml/2006/main">
-  <p:cSld>
-    <p:spTree>
-      <p:nvGrpSpPr>
-        <p:cNvPr id="1" name=""/>
-        <p:cNvGrpSpPr/>
-        <p:nvPr/>
-      </p:nvGrpSpPr>
-      <p:grpSpPr>
-        <a:xfrm>
-          <a:off x="0" y="0"/>
-          <a:ext cx="0" cy="0"/>
-          <a:chOff x="0" y="0"/>
-          <a:chExt cx="0" cy="0"/>
-        </a:xfrm>
-      </p:grpSpPr>
-      <p:sp>
-        <p:nvSpPr>
-          <p:cNvPr id="2" name="Заголовок 1"/>
-          <p:cNvSpPr>
-            <a:spLocks noGrp="1"/>
-          </p:cNvSpPr>
-          <p:nvPr>
-            <p:ph type="title"/>
-          </p:nvPr>
-        </p:nvSpPr>
-        <p:spPr/>
-        <p:txBody>
-          <a:bodyPr/>
-          <a:lstStyle/>
-          <a:p>
-            <a:r>
-              <a:rPr lang="ru-RU" dirty="0" smtClean="0"/>
               <a:t>Перспективы развития</a:t>
             </a:r>
             <a:endParaRPr lang="ru-RU" dirty="0"/>
@@ -5987,13 +5892,8 @@
             </a:pPr>
             <a:r>
               <a:rPr lang="ru-RU" sz="2700" dirty="0" smtClean="0"/>
-              <a:t>Дополнительная поддержка ссылочных типов данных, как стандартных, так и </a:t>
-            </a:r>
-            <a:r>
-              <a:rPr lang="ru-RU" sz="2700" dirty="0" smtClean="0"/>
-              <a:t>пользовательских.</a:t>
-            </a:r>
-            <a:endParaRPr lang="ru-RU" sz="2700" dirty="0" smtClean="0"/>
+              <a:t>Дополнительная поддержка ссылочных типов данных, как стандартных, так и пользовательских.</a:t>
+            </a:r>
           </a:p>
           <a:p>
             <a:pPr lvl="0">
@@ -6019,13 +5919,8 @@
             </a:r>
             <a:r>
               <a:rPr lang="ru-RU" sz="2700" dirty="0" smtClean="0"/>
-              <a:t> конструкций на языке низкого </a:t>
-            </a:r>
-            <a:r>
-              <a:rPr lang="ru-RU" sz="2700" dirty="0" smtClean="0"/>
-              <a:t>уровня.</a:t>
-            </a:r>
-            <a:endParaRPr lang="ru-RU" sz="2700" dirty="0" smtClean="0"/>
+              <a:t> конструкций на языке низкого уровня.</a:t>
+            </a:r>
           </a:p>
           <a:p>
             <a:pPr lvl="0">
@@ -6045,6 +5940,30 @@
               </a:spcAft>
             </a:pPr>
             <a:endParaRPr lang="ru-RU" sz="2700" dirty="0"/>
+          </a:p>
+        </p:txBody>
+      </p:sp>
+      <p:sp>
+        <p:nvSpPr>
+          <p:cNvPr id="4" name="Номер слайда 3"/>
+          <p:cNvSpPr>
+            <a:spLocks noGrp="1"/>
+          </p:cNvSpPr>
+          <p:nvPr>
+            <p:ph type="sldNum" sz="quarter" idx="12"/>
+          </p:nvPr>
+        </p:nvSpPr>
+        <p:spPr/>
+        <p:txBody>
+          <a:bodyPr/>
+          <a:lstStyle/>
+          <a:p>
+            <a:fld id="{48997E51-03E2-4119-AB53-0712BC3CF70D}" type="slidenum">
+              <a:rPr lang="ru-RU" smtClean="0"/>
+              <a:pPr/>
+              <a:t>14</a:t>
+            </a:fld>
+            <a:endParaRPr lang="ru-RU"/>
           </a:p>
         </p:txBody>
       </p:sp>
@@ -6093,7 +6012,7 @@
           <a:p>
             <a:r>
               <a:rPr lang="ru-RU" dirty="0" smtClean="0"/>
-              <a:t>Актуальность темы</a:t>
+              <a:t>Задачи проекта</a:t>
             </a:r>
             <a:endParaRPr lang="ru-RU" dirty="0"/>
           </a:p>
@@ -6121,71 +6040,88 @@
           </a:bodyPr>
           <a:lstStyle/>
           <a:p>
+            <a:pPr lvl="0">
+              <a:spcAft>
+                <a:spcPts val="600"/>
+              </a:spcAft>
+            </a:pPr>
+            <a:r>
+              <a:rPr lang="ru-RU" sz="2700" dirty="0" smtClean="0"/>
+              <a:t>Провести анализ существующих решений и выявить их преимущества и недостатки;</a:t>
+            </a:r>
+          </a:p>
+          <a:p>
+            <a:pPr lvl="0">
+              <a:spcAft>
+                <a:spcPts val="600"/>
+              </a:spcAft>
+            </a:pPr>
+            <a:r>
+              <a:rPr lang="ru-RU" sz="2700" dirty="0" smtClean="0"/>
+              <a:t>Определить возможные эффективные пути по защите памяти приложения от чтения и модификации информации;</a:t>
+            </a:r>
+          </a:p>
+          <a:p>
+            <a:pPr lvl="0">
+              <a:spcAft>
+                <a:spcPts val="600"/>
+              </a:spcAft>
+            </a:pPr>
+            <a:r>
+              <a:rPr lang="ru-RU" sz="2700" dirty="0" smtClean="0"/>
+              <a:t>Реализовать механизм инъекции кода без необходимости модификации исходного кода;</a:t>
+            </a:r>
+          </a:p>
+          <a:p>
+            <a:pPr lvl="0">
+              <a:spcAft>
+                <a:spcPts val="600"/>
+              </a:spcAft>
+            </a:pPr>
+            <a:r>
+              <a:rPr lang="ru-RU" sz="2700" dirty="0" smtClean="0"/>
+              <a:t>Разработать рабочее приложение, позволяющее эффективно защищать память .</a:t>
+            </a:r>
+            <a:r>
+              <a:rPr lang="en-US" sz="2700" dirty="0" smtClean="0"/>
+              <a:t>NET </a:t>
+            </a:r>
+            <a:r>
+              <a:rPr lang="ru-RU" sz="2700" dirty="0" smtClean="0"/>
+              <a:t>программ от несанкционированного доступа к памяти.</a:t>
+            </a:r>
+          </a:p>
+          <a:p>
             <a:pPr>
               <a:spcAft>
                 <a:spcPts val="600"/>
               </a:spcAft>
             </a:pPr>
-            <a:r>
-              <a:rPr lang="ru-RU" sz="2700" dirty="0" smtClean="0"/>
-              <a:t>В связи с </a:t>
-            </a:r>
-            <a:r>
-              <a:rPr lang="ru-RU" sz="2700" dirty="0" smtClean="0"/>
-              <a:t>широким распространением информационных технологий , </a:t>
-            </a:r>
-            <a:r>
-              <a:rPr lang="ru-RU" sz="2700" dirty="0" smtClean="0"/>
-              <a:t>серьезно встает вопрос защиты обрабатываемых и хранимых данных. </a:t>
-            </a:r>
-            <a:endParaRPr lang="ru-RU" sz="2700" dirty="0" smtClean="0"/>
-          </a:p>
-          <a:p>
-            <a:pPr>
-              <a:spcAft>
-                <a:spcPts val="600"/>
-              </a:spcAft>
-            </a:pPr>
-            <a:r>
-              <a:rPr lang="ru-RU" sz="2700" dirty="0" smtClean="0"/>
-              <a:t>В наше время существует множество высокоуровневых </a:t>
-            </a:r>
-            <a:r>
-              <a:rPr lang="ru-RU" sz="2700" dirty="0" smtClean="0"/>
-              <a:t>инструментов для облегчения </a:t>
-            </a:r>
-            <a:r>
-              <a:rPr lang="ru-RU" sz="2700" dirty="0" smtClean="0"/>
-              <a:t>разработки, например, виртуальных машин, таких как </a:t>
-            </a:r>
-            <a:r>
-              <a:rPr lang="en-US" sz="2700" dirty="0" smtClean="0"/>
-              <a:t>JVM, CLR </a:t>
-            </a:r>
-            <a:r>
-              <a:rPr lang="ru-RU" sz="2700" dirty="0" smtClean="0"/>
-              <a:t>и других.</a:t>
-            </a:r>
-          </a:p>
-          <a:p>
-            <a:pPr>
-              <a:spcAft>
-                <a:spcPts val="600"/>
-              </a:spcAft>
-            </a:pPr>
-            <a:r>
-              <a:rPr lang="ru-RU" sz="2700" dirty="0" smtClean="0"/>
-              <a:t>С их использованием приложение хранится в промежуточном байт-коде, который легко </a:t>
-            </a:r>
-            <a:r>
-              <a:rPr lang="ru-RU" sz="2700" dirty="0" err="1" smtClean="0"/>
-              <a:t>декомпилируется</a:t>
-            </a:r>
-            <a:r>
-              <a:rPr lang="ru-RU" sz="2700" dirty="0" smtClean="0"/>
-              <a:t> обратно в исходный код.</a:t>
-            </a:r>
             <a:endParaRPr lang="ru-RU" sz="2700" dirty="0"/>
+          </a:p>
+        </p:txBody>
+      </p:sp>
+      <p:sp>
+        <p:nvSpPr>
+          <p:cNvPr id="4" name="Номер слайда 3"/>
+          <p:cNvSpPr>
+            <a:spLocks noGrp="1"/>
+          </p:cNvSpPr>
+          <p:nvPr>
+            <p:ph type="sldNum" sz="quarter" idx="12"/>
+          </p:nvPr>
+        </p:nvSpPr>
+        <p:spPr/>
+        <p:txBody>
+          <a:bodyPr/>
+          <a:lstStyle/>
+          <a:p>
+            <a:fld id="{48997E51-03E2-4119-AB53-0712BC3CF70D}" type="slidenum">
+              <a:rPr lang="ru-RU" smtClean="0"/>
+              <a:pPr/>
+              <a:t>2</a:t>
+            </a:fld>
+            <a:endParaRPr lang="ru-RU"/>
           </a:p>
         </p:txBody>
       </p:sp>
@@ -6236,65 +6172,90 @@
         </p:nvSpPr>
         <p:spPr/>
         <p:txBody>
-          <a:bodyPr/>
-          <a:lstStyle/>
-          <a:p>
-            <a:r>
-              <a:rPr lang="ru-RU" dirty="0" smtClean="0"/>
-              <a:t>Ц</a:t>
-            </a:r>
-            <a:r>
-              <a:rPr lang="ru-RU" dirty="0" smtClean="0"/>
-              <a:t>ель проекта</a:t>
-            </a:r>
-            <a:endParaRPr lang="ru-RU" dirty="0"/>
-          </a:p>
-        </p:txBody>
-      </p:sp>
-      <p:sp>
-        <p:nvSpPr>
-          <p:cNvPr id="3" name="Содержимое 2"/>
-          <p:cNvSpPr>
-            <a:spLocks noGrp="1"/>
-          </p:cNvSpPr>
-          <p:nvPr>
-            <p:ph idx="1"/>
-          </p:nvPr>
-        </p:nvSpPr>
-        <p:spPr/>
-        <p:txBody>
           <a:bodyPr>
             <a:normAutofit/>
           </a:bodyPr>
           <a:lstStyle/>
           <a:p>
             <a:r>
-              <a:rPr lang="ru-RU" sz="2700" dirty="0" smtClean="0"/>
-              <a:t>Целью проекта является рассмотрение </a:t>
-            </a:r>
-            <a:r>
-              <a:rPr lang="ru-RU" sz="2700" dirty="0" smtClean="0"/>
-              <a:t>существующих решений, </a:t>
-            </a:r>
-            <a:r>
-              <a:rPr lang="ru-RU" sz="2700" dirty="0" smtClean="0"/>
-              <a:t>выявление </a:t>
-            </a:r>
-            <a:r>
-              <a:rPr lang="ru-RU" sz="2700" dirty="0" smtClean="0"/>
-              <a:t>преимуществ и недостатков и </a:t>
-            </a:r>
-            <a:r>
-              <a:rPr lang="ru-RU" sz="2700" dirty="0" smtClean="0"/>
-              <a:t>разработка </a:t>
-            </a:r>
-            <a:r>
-              <a:rPr lang="ru-RU" sz="2700" dirty="0" smtClean="0"/>
-              <a:t>нового решения, основанного одновременно на нескольких методах и технологиях, как защиты, так и упрощения ее внедрения в готовый проект.</a:t>
-            </a:r>
-          </a:p>
-          <a:p>
-            <a:endParaRPr lang="ru-RU" sz="2700" dirty="0"/>
+              <a:rPr lang="ru-RU" sz="4000" dirty="0" smtClean="0"/>
+              <a:t>Обзор технологий защиты ПО</a:t>
+            </a:r>
+            <a:endParaRPr lang="ru-RU" sz="4000" dirty="0"/>
+          </a:p>
+        </p:txBody>
+      </p:sp>
+      <p:sp>
+        <p:nvSpPr>
+          <p:cNvPr id="3" name="Содержимое 2"/>
+          <p:cNvSpPr>
+            <a:spLocks noGrp="1"/>
+          </p:cNvSpPr>
+          <p:nvPr>
+            <p:ph idx="1"/>
+          </p:nvPr>
+        </p:nvSpPr>
+        <p:spPr/>
+        <p:txBody>
+          <a:bodyPr/>
+          <a:lstStyle/>
+          <a:p>
+            <a:endParaRPr lang="ru-RU" dirty="0"/>
+          </a:p>
+        </p:txBody>
+      </p:sp>
+      <p:pic>
+        <p:nvPicPr>
+          <p:cNvPr id="1027" name="Picture 3" descr="D:\Downloads\_.png"/>
+          <p:cNvPicPr>
+            <a:picLocks noChangeAspect="1" noChangeArrowheads="1"/>
+          </p:cNvPicPr>
+          <p:nvPr/>
+        </p:nvPicPr>
+        <p:blipFill>
+          <a:blip r:embed="rId2" cstate="print"/>
+          <a:srcRect l="20533"/>
+          <a:stretch>
+            <a:fillRect/>
+          </a:stretch>
+        </p:blipFill>
+        <p:spPr bwMode="auto">
+          <a:xfrm>
+            <a:off x="395536" y="1556792"/>
+            <a:ext cx="8343051" cy="4536504"/>
+          </a:xfrm>
+          <a:prstGeom prst="rect">
+            <a:avLst/>
+          </a:prstGeom>
+          <a:ln>
+            <a:noFill/>
+          </a:ln>
+          <a:effectLst>
+            <a:softEdge rad="112500"/>
+          </a:effectLst>
+        </p:spPr>
+      </p:pic>
+      <p:sp>
+        <p:nvSpPr>
+          <p:cNvPr id="5" name="Номер слайда 4"/>
+          <p:cNvSpPr>
+            <a:spLocks noGrp="1"/>
+          </p:cNvSpPr>
+          <p:nvPr>
+            <p:ph type="sldNum" sz="quarter" idx="12"/>
+          </p:nvPr>
+        </p:nvSpPr>
+        <p:spPr/>
+        <p:txBody>
+          <a:bodyPr/>
+          <a:lstStyle/>
+          <a:p>
+            <a:fld id="{48997E51-03E2-4119-AB53-0712BC3CF70D}" type="slidenum">
+              <a:rPr lang="ru-RU" smtClean="0"/>
+              <a:pPr/>
+              <a:t>3</a:t>
+            </a:fld>
+            <a:endParaRPr lang="ru-RU"/>
           </a:p>
         </p:txBody>
       </p:sp>
@@ -6345,294 +6306,6 @@
         </p:nvSpPr>
         <p:spPr/>
         <p:txBody>
-          <a:bodyPr/>
-          <a:lstStyle/>
-          <a:p>
-            <a:r>
-              <a:rPr lang="ru-RU" dirty="0" smtClean="0"/>
-              <a:t>Задачи проекта</a:t>
-            </a:r>
-            <a:endParaRPr lang="ru-RU" dirty="0"/>
-          </a:p>
-        </p:txBody>
-      </p:sp>
-      <p:sp>
-        <p:nvSpPr>
-          <p:cNvPr id="3" name="Содержимое 2"/>
-          <p:cNvSpPr>
-            <a:spLocks noGrp="1"/>
-          </p:cNvSpPr>
-          <p:nvPr>
-            <p:ph idx="1"/>
-          </p:nvPr>
-        </p:nvSpPr>
-        <p:spPr>
-          <a:xfrm>
-            <a:off x="457200" y="1775191"/>
-            <a:ext cx="8507288" cy="4625609"/>
-          </a:xfrm>
-        </p:spPr>
-        <p:txBody>
-          <a:bodyPr>
-            <a:noAutofit/>
-          </a:bodyPr>
-          <a:lstStyle/>
-          <a:p>
-            <a:pPr lvl="0">
-              <a:spcAft>
-                <a:spcPts val="600"/>
-              </a:spcAft>
-            </a:pPr>
-            <a:r>
-              <a:rPr lang="ru-RU" sz="2700" dirty="0" smtClean="0"/>
-              <a:t>Провести </a:t>
-            </a:r>
-            <a:r>
-              <a:rPr lang="ru-RU" sz="2700" dirty="0" smtClean="0"/>
-              <a:t>анализ существующих решений и </a:t>
-            </a:r>
-            <a:r>
-              <a:rPr lang="ru-RU" sz="2700" dirty="0" smtClean="0"/>
-              <a:t>выявить </a:t>
-            </a:r>
-            <a:r>
-              <a:rPr lang="ru-RU" sz="2700" dirty="0" smtClean="0"/>
-              <a:t>их </a:t>
-            </a:r>
-            <a:r>
-              <a:rPr lang="ru-RU" sz="2700" dirty="0" smtClean="0"/>
-              <a:t>преимущества </a:t>
-            </a:r>
-            <a:r>
-              <a:rPr lang="ru-RU" sz="2700" dirty="0" smtClean="0"/>
-              <a:t>и недостатки;</a:t>
-            </a:r>
-          </a:p>
-          <a:p>
-            <a:pPr lvl="0">
-              <a:spcAft>
-                <a:spcPts val="600"/>
-              </a:spcAft>
-            </a:pPr>
-            <a:r>
-              <a:rPr lang="ru-RU" sz="2700" dirty="0" smtClean="0"/>
-              <a:t>Определить </a:t>
-            </a:r>
-            <a:r>
-              <a:rPr lang="ru-RU" sz="2700" dirty="0" smtClean="0"/>
-              <a:t>возможные эффективные пути по защите памяти приложения от чтения и модификации информации;</a:t>
-            </a:r>
-          </a:p>
-          <a:p>
-            <a:pPr lvl="0">
-              <a:spcAft>
-                <a:spcPts val="600"/>
-              </a:spcAft>
-            </a:pPr>
-            <a:r>
-              <a:rPr lang="ru-RU" sz="2700" dirty="0" smtClean="0"/>
-              <a:t>Реализовать </a:t>
-            </a:r>
-            <a:r>
-              <a:rPr lang="ru-RU" sz="2700" dirty="0" smtClean="0"/>
-              <a:t>механизм инъекции кода без необходимости модификации </a:t>
-            </a:r>
-            <a:r>
-              <a:rPr lang="ru-RU" sz="2700" dirty="0" smtClean="0"/>
-              <a:t>исходного кода;</a:t>
-            </a:r>
-            <a:endParaRPr lang="ru-RU" sz="2700" dirty="0" smtClean="0"/>
-          </a:p>
-          <a:p>
-            <a:pPr lvl="0">
-              <a:spcAft>
-                <a:spcPts val="600"/>
-              </a:spcAft>
-            </a:pPr>
-            <a:r>
-              <a:rPr lang="ru-RU" sz="2700" dirty="0" smtClean="0"/>
-              <a:t>Разработать рабочее </a:t>
-            </a:r>
-            <a:r>
-              <a:rPr lang="ru-RU" sz="2700" dirty="0" smtClean="0"/>
-              <a:t>приложение, позволяющее эффективно защищать память .</a:t>
-            </a:r>
-            <a:r>
-              <a:rPr lang="en-US" sz="2700" dirty="0" smtClean="0"/>
-              <a:t>NET </a:t>
-            </a:r>
-            <a:r>
-              <a:rPr lang="ru-RU" sz="2700" dirty="0" smtClean="0"/>
-              <a:t>программ от несанкционированного доступа к памяти.</a:t>
-            </a:r>
-          </a:p>
-          <a:p>
-            <a:pPr>
-              <a:spcAft>
-                <a:spcPts val="600"/>
-              </a:spcAft>
-            </a:pPr>
-            <a:endParaRPr lang="ru-RU" sz="2700" dirty="0"/>
-          </a:p>
-        </p:txBody>
-      </p:sp>
-    </p:spTree>
-  </p:cSld>
-  <p:clrMapOvr>
-    <a:masterClrMapping/>
-  </p:clrMapOvr>
-  <p:transition>
-    <p:fade/>
-  </p:transition>
-  <p:timing>
-    <p:tnLst>
-      <p:par>
-        <p:cTn id="1" dur="indefinite" restart="never" nodeType="tmRoot"/>
-      </p:par>
-    </p:tnLst>
-  </p:timing>
-</p:sld>
-</file>
-
-<file path=ppt/slides/slide5.xml><?xml version="1.0" encoding="utf-8"?>
-<p:sld xmlns:a="http://schemas.openxmlformats.org/drawingml/2006/main" xmlns:r="http://schemas.openxmlformats.org/officeDocument/2006/relationships" xmlns:p="http://schemas.openxmlformats.org/presentationml/2006/main">
-  <p:cSld>
-    <p:spTree>
-      <p:nvGrpSpPr>
-        <p:cNvPr id="1" name=""/>
-        <p:cNvGrpSpPr/>
-        <p:nvPr/>
-      </p:nvGrpSpPr>
-      <p:grpSpPr>
-        <a:xfrm>
-          <a:off x="0" y="0"/>
-          <a:ext cx="0" cy="0"/>
-          <a:chOff x="0" y="0"/>
-          <a:chExt cx="0" cy="0"/>
-        </a:xfrm>
-      </p:grpSpPr>
-      <p:sp>
-        <p:nvSpPr>
-          <p:cNvPr id="2" name="Заголовок 1"/>
-          <p:cNvSpPr>
-            <a:spLocks noGrp="1"/>
-          </p:cNvSpPr>
-          <p:nvPr>
-            <p:ph type="title"/>
-          </p:nvPr>
-        </p:nvSpPr>
-        <p:spPr/>
-        <p:txBody>
-          <a:bodyPr>
-            <a:normAutofit/>
-          </a:bodyPr>
-          <a:lstStyle/>
-          <a:p>
-            <a:r>
-              <a:rPr lang="ru-RU" sz="4000" dirty="0" smtClean="0"/>
-              <a:t>Обзор технологий защиты ПО</a:t>
-            </a:r>
-            <a:endParaRPr lang="ru-RU" sz="4000" dirty="0"/>
-          </a:p>
-        </p:txBody>
-      </p:sp>
-      <p:sp>
-        <p:nvSpPr>
-          <p:cNvPr id="3" name="Содержимое 2"/>
-          <p:cNvSpPr>
-            <a:spLocks noGrp="1"/>
-          </p:cNvSpPr>
-          <p:nvPr>
-            <p:ph idx="1"/>
-          </p:nvPr>
-        </p:nvSpPr>
-        <p:spPr/>
-        <p:txBody>
-          <a:bodyPr/>
-          <a:lstStyle/>
-          <a:p>
-            <a:endParaRPr lang="ru-RU" dirty="0"/>
-          </a:p>
-        </p:txBody>
-      </p:sp>
-      <p:pic>
-        <p:nvPicPr>
-          <p:cNvPr id="1027" name="Picture 3" descr="D:\Downloads\_.png"/>
-          <p:cNvPicPr>
-            <a:picLocks noChangeAspect="1" noChangeArrowheads="1"/>
-          </p:cNvPicPr>
-          <p:nvPr/>
-        </p:nvPicPr>
-        <p:blipFill>
-          <a:blip r:embed="rId2" cstate="print"/>
-          <a:srcRect l="20533"/>
-          <a:stretch>
-            <a:fillRect/>
-          </a:stretch>
-        </p:blipFill>
-        <p:spPr bwMode="auto">
-          <a:xfrm>
-            <a:off x="395536" y="1556792"/>
-            <a:ext cx="8343051" cy="4536504"/>
-          </a:xfrm>
-          <a:prstGeom prst="rect">
-            <a:avLst/>
-          </a:prstGeom>
-          <a:ln>
-            <a:noFill/>
-          </a:ln>
-          <a:effectLst>
-            <a:softEdge rad="112500"/>
-          </a:effectLst>
-        </p:spPr>
-      </p:pic>
-    </p:spTree>
-  </p:cSld>
-  <p:clrMapOvr>
-    <a:masterClrMapping/>
-  </p:clrMapOvr>
-  <p:transition>
-    <p:fade/>
-  </p:transition>
-  <p:timing>
-    <p:tnLst>
-      <p:par>
-        <p:cTn id="1" dur="indefinite" restart="never" nodeType="tmRoot"/>
-      </p:par>
-    </p:tnLst>
-  </p:timing>
-</p:sld>
-</file>
-
-<file path=ppt/slides/slide6.xml><?xml version="1.0" encoding="utf-8"?>
-<p:sld xmlns:a="http://schemas.openxmlformats.org/drawingml/2006/main" xmlns:r="http://schemas.openxmlformats.org/officeDocument/2006/relationships" xmlns:p="http://schemas.openxmlformats.org/presentationml/2006/main">
-  <p:cSld>
-    <p:spTree>
-      <p:nvGrpSpPr>
-        <p:cNvPr id="1" name=""/>
-        <p:cNvGrpSpPr/>
-        <p:nvPr/>
-      </p:nvGrpSpPr>
-      <p:grpSpPr>
-        <a:xfrm>
-          <a:off x="0" y="0"/>
-          <a:ext cx="0" cy="0"/>
-          <a:chOff x="0" y="0"/>
-          <a:chExt cx="0" cy="0"/>
-        </a:xfrm>
-      </p:grpSpPr>
-      <p:sp>
-        <p:nvSpPr>
-          <p:cNvPr id="2" name="Заголовок 1"/>
-          <p:cNvSpPr>
-            <a:spLocks noGrp="1"/>
-          </p:cNvSpPr>
-          <p:nvPr>
-            <p:ph type="title"/>
-          </p:nvPr>
-        </p:nvSpPr>
-        <p:spPr/>
-        <p:txBody>
           <a:bodyPr>
             <a:normAutofit/>
           </a:bodyPr>
@@ -6663,8 +6336,8 @@
         <a:graphic>
           <a:graphicData uri="http://schemas.openxmlformats.org/drawingml/2006/table">
             <a:tbl>
-              <a:tblPr>
-                <a:tableStyleId>{3C2FFA5D-87B4-456A-9821-1D502468CF0F}</a:tableStyleId>
+              <a:tblPr firstRow="1" bandRow="1">
+                <a:tableStyleId>{8EC20E35-A176-4012-BC5E-935CFFF8708E}</a:tableStyleId>
               </a:tblPr>
               <a:tblGrid>
                 <a:gridCol w="2838596"/>
@@ -6818,14 +6491,7 @@
                       </a:endParaRPr>
                     </a:p>
                   </a:txBody>
-                  <a:tcPr marL="60202" marR="60202" marT="31773" marB="31773" anchor="ctr">
-                    <a:solidFill>
-                      <a:schemeClr val="accent2">
-                        <a:lumMod val="40000"/>
-                        <a:lumOff val="60000"/>
-                      </a:schemeClr>
-                    </a:solidFill>
-                  </a:tcPr>
+                  <a:tcPr marL="60202" marR="60202" marT="31773" marB="31773" anchor="ctr"/>
                 </a:tc>
               </a:tr>
               <a:tr h="250841">
@@ -6941,14 +6607,7 @@
                       </a:endParaRPr>
                     </a:p>
                   </a:txBody>
-                  <a:tcPr marL="60202" marR="60202" marT="31773" marB="31773" anchor="ctr">
-                    <a:solidFill>
-                      <a:schemeClr val="accent2">
-                        <a:lumMod val="40000"/>
-                        <a:lumOff val="60000"/>
-                      </a:schemeClr>
-                    </a:solidFill>
-                  </a:tcPr>
+                  <a:tcPr marL="60202" marR="60202" marT="31773" marB="31773" anchor="ctr"/>
                 </a:tc>
               </a:tr>
               <a:tr h="250841">
@@ -7080,14 +6739,7 @@
                       </a:endParaRPr>
                     </a:p>
                   </a:txBody>
-                  <a:tcPr marL="60202" marR="60202" marT="31773" marB="31773" anchor="ctr">
-                    <a:solidFill>
-                      <a:schemeClr val="accent2">
-                        <a:lumMod val="40000"/>
-                        <a:lumOff val="60000"/>
-                      </a:schemeClr>
-                    </a:solidFill>
-                  </a:tcPr>
+                  <a:tcPr marL="60202" marR="60202" marT="31773" marB="31773" anchor="ctr"/>
                 </a:tc>
               </a:tr>
               <a:tr h="438136">
@@ -7219,14 +6871,7 @@
                       </a:endParaRPr>
                     </a:p>
                   </a:txBody>
-                  <a:tcPr marL="60202" marR="60202" marT="31773" marB="31773" anchor="ctr">
-                    <a:solidFill>
-                      <a:schemeClr val="accent2">
-                        <a:lumMod val="40000"/>
-                        <a:lumOff val="60000"/>
-                      </a:schemeClr>
-                    </a:solidFill>
-                  </a:tcPr>
+                  <a:tcPr marL="60202" marR="60202" marT="31773" marB="31773" anchor="ctr"/>
                 </a:tc>
               </a:tr>
               <a:tr h="438136">
@@ -7358,14 +7003,7 @@
                       </a:endParaRPr>
                     </a:p>
                   </a:txBody>
-                  <a:tcPr marL="60202" marR="60202" marT="31773" marB="31773" anchor="ctr">
-                    <a:solidFill>
-                      <a:schemeClr val="accent2">
-                        <a:lumMod val="40000"/>
-                        <a:lumOff val="60000"/>
-                      </a:schemeClr>
-                    </a:solidFill>
-                  </a:tcPr>
+                  <a:tcPr marL="60202" marR="60202" marT="31773" marB="31773" anchor="ctr"/>
                 </a:tc>
               </a:tr>
               <a:tr h="250841">
@@ -7497,14 +7135,7 @@
                       </a:endParaRPr>
                     </a:p>
                   </a:txBody>
-                  <a:tcPr marL="60202" marR="60202" marT="31773" marB="31773" anchor="ctr">
-                    <a:solidFill>
-                      <a:schemeClr val="accent2">
-                        <a:lumMod val="40000"/>
-                        <a:lumOff val="60000"/>
-                      </a:schemeClr>
-                    </a:solidFill>
-                  </a:tcPr>
+                  <a:tcPr marL="60202" marR="60202" marT="31773" marB="31773" anchor="ctr"/>
                 </a:tc>
               </a:tr>
               <a:tr h="250841">
@@ -7636,14 +7267,7 @@
                       </a:endParaRPr>
                     </a:p>
                   </a:txBody>
-                  <a:tcPr marL="60202" marR="60202" marT="31773" marB="31773" anchor="ctr">
-                    <a:solidFill>
-                      <a:schemeClr val="accent2">
-                        <a:lumMod val="40000"/>
-                        <a:lumOff val="60000"/>
-                      </a:schemeClr>
-                    </a:solidFill>
-                  </a:tcPr>
+                  <a:tcPr marL="60202" marR="60202" marT="31773" marB="31773" anchor="ctr"/>
                 </a:tc>
               </a:tr>
               <a:tr h="250841">
@@ -7767,14 +7391,7 @@
                       </a:endParaRPr>
                     </a:p>
                   </a:txBody>
-                  <a:tcPr marL="60202" marR="60202" marT="31773" marB="31773" anchor="ctr">
-                    <a:solidFill>
-                      <a:schemeClr val="accent2">
-                        <a:lumMod val="40000"/>
-                        <a:lumOff val="60000"/>
-                      </a:schemeClr>
-                    </a:solidFill>
-                  </a:tcPr>
+                  <a:tcPr marL="60202" marR="60202" marT="31773" marB="31773" anchor="ctr"/>
                 </a:tc>
               </a:tr>
               <a:tr h="250841">
@@ -7906,14 +7523,7 @@
                       </a:endParaRPr>
                     </a:p>
                   </a:txBody>
-                  <a:tcPr marL="60202" marR="60202" marT="31773" marB="31773" anchor="ctr">
-                    <a:solidFill>
-                      <a:schemeClr val="accent2">
-                        <a:lumMod val="40000"/>
-                        <a:lumOff val="60000"/>
-                      </a:schemeClr>
-                    </a:solidFill>
-                  </a:tcPr>
+                  <a:tcPr marL="60202" marR="60202" marT="31773" marB="31773" anchor="ctr"/>
                 </a:tc>
               </a:tr>
               <a:tr h="250841">
@@ -8045,14 +7655,7 @@
                       </a:endParaRPr>
                     </a:p>
                   </a:txBody>
-                  <a:tcPr marL="60202" marR="60202" marT="31773" marB="31773" anchor="ctr">
-                    <a:solidFill>
-                      <a:schemeClr val="accent2">
-                        <a:lumMod val="40000"/>
-                        <a:lumOff val="60000"/>
-                      </a:schemeClr>
-                    </a:solidFill>
-                  </a:tcPr>
+                  <a:tcPr marL="60202" marR="60202" marT="31773" marB="31773" anchor="ctr"/>
                 </a:tc>
               </a:tr>
               <a:tr h="438136">
@@ -8188,14 +7791,7 @@
                       </a:endParaRPr>
                     </a:p>
                   </a:txBody>
-                  <a:tcPr marL="60202" marR="60202" marT="31773" marB="31773" anchor="ctr">
-                    <a:solidFill>
-                      <a:schemeClr val="accent2">
-                        <a:lumMod val="40000"/>
-                        <a:lumOff val="60000"/>
-                      </a:schemeClr>
-                    </a:solidFill>
-                  </a:tcPr>
+                  <a:tcPr marL="60202" marR="60202" marT="31773" marB="31773" anchor="ctr"/>
                 </a:tc>
               </a:tr>
               <a:tr h="250841">
@@ -8331,20 +7927,389 @@
                       </a:endParaRPr>
                     </a:p>
                   </a:txBody>
-                  <a:tcPr marL="60202" marR="60202" marT="31773" marB="31773" anchor="ctr">
-                    <a:solidFill>
-                      <a:schemeClr val="accent2">
-                        <a:lumMod val="40000"/>
-                        <a:lumOff val="60000"/>
-                      </a:schemeClr>
-                    </a:solidFill>
-                  </a:tcPr>
+                  <a:tcPr marL="60202" marR="60202" marT="31773" marB="31773" anchor="ctr"/>
                 </a:tc>
               </a:tr>
             </a:tbl>
           </a:graphicData>
         </a:graphic>
       </p:graphicFrame>
+      <p:sp>
+        <p:nvSpPr>
+          <p:cNvPr id="5" name="Номер слайда 4"/>
+          <p:cNvSpPr>
+            <a:spLocks noGrp="1"/>
+          </p:cNvSpPr>
+          <p:nvPr>
+            <p:ph type="sldNum" sz="quarter" idx="12"/>
+          </p:nvPr>
+        </p:nvSpPr>
+        <p:spPr/>
+        <p:txBody>
+          <a:bodyPr/>
+          <a:lstStyle/>
+          <a:p>
+            <a:fld id="{48997E51-03E2-4119-AB53-0712BC3CF70D}" type="slidenum">
+              <a:rPr lang="ru-RU" smtClean="0"/>
+              <a:pPr/>
+              <a:t>4</a:t>
+            </a:fld>
+            <a:endParaRPr lang="ru-RU"/>
+          </a:p>
+        </p:txBody>
+      </p:sp>
+    </p:spTree>
+  </p:cSld>
+  <p:clrMapOvr>
+    <a:masterClrMapping/>
+  </p:clrMapOvr>
+  <p:transition>
+    <p:fade/>
+  </p:transition>
+  <p:timing>
+    <p:tnLst>
+      <p:par>
+        <p:cTn id="1" dur="indefinite" restart="never" nodeType="tmRoot"/>
+      </p:par>
+    </p:tnLst>
+  </p:timing>
+</p:sld>
+</file>
+
+<file path=ppt/slides/slide5.xml><?xml version="1.0" encoding="utf-8"?>
+<p:sld xmlns:a="http://schemas.openxmlformats.org/drawingml/2006/main" xmlns:r="http://schemas.openxmlformats.org/officeDocument/2006/relationships" xmlns:p="http://schemas.openxmlformats.org/presentationml/2006/main">
+  <p:cSld>
+    <p:spTree>
+      <p:nvGrpSpPr>
+        <p:cNvPr id="1" name=""/>
+        <p:cNvGrpSpPr/>
+        <p:nvPr/>
+      </p:nvGrpSpPr>
+      <p:grpSpPr>
+        <a:xfrm>
+          <a:off x="0" y="0"/>
+          <a:ext cx="0" cy="0"/>
+          <a:chOff x="0" y="0"/>
+          <a:chExt cx="0" cy="0"/>
+        </a:xfrm>
+      </p:grpSpPr>
+      <p:sp>
+        <p:nvSpPr>
+          <p:cNvPr id="2" name="Заголовок 1"/>
+          <p:cNvSpPr>
+            <a:spLocks noGrp="1"/>
+          </p:cNvSpPr>
+          <p:nvPr>
+            <p:ph type="title"/>
+          </p:nvPr>
+        </p:nvSpPr>
+        <p:spPr/>
+        <p:txBody>
+          <a:bodyPr/>
+          <a:lstStyle/>
+          <a:p>
+            <a:r>
+              <a:rPr lang="ru-RU" dirty="0" smtClean="0"/>
+              <a:t>Используемые средства</a:t>
+            </a:r>
+            <a:endParaRPr lang="ru-RU" dirty="0"/>
+          </a:p>
+        </p:txBody>
+      </p:sp>
+      <p:sp>
+        <p:nvSpPr>
+          <p:cNvPr id="3" name="Содержимое 2"/>
+          <p:cNvSpPr>
+            <a:spLocks noGrp="1"/>
+          </p:cNvSpPr>
+          <p:nvPr>
+            <p:ph idx="1"/>
+          </p:nvPr>
+        </p:nvSpPr>
+        <p:spPr>
+          <a:xfrm>
+            <a:off x="457200" y="1775191"/>
+            <a:ext cx="8507288" cy="4625609"/>
+          </a:xfrm>
+        </p:spPr>
+        <p:txBody>
+          <a:bodyPr>
+            <a:normAutofit lnSpcReduction="10000"/>
+          </a:bodyPr>
+          <a:lstStyle/>
+          <a:p>
+            <a:r>
+              <a:rPr lang="ru-RU" b="1" dirty="0" smtClean="0"/>
+              <a:t>Технологии</a:t>
+            </a:r>
+            <a:r>
+              <a:rPr lang="ru-RU" dirty="0" smtClean="0"/>
+              <a:t>:</a:t>
+            </a:r>
+          </a:p>
+          <a:p>
+            <a:pPr lvl="1"/>
+            <a:r>
+              <a:rPr lang="ru-RU" dirty="0" err="1" smtClean="0"/>
+              <a:t>Аспектно-ориентированное</a:t>
+            </a:r>
+            <a:r>
+              <a:rPr lang="ru-RU" dirty="0" smtClean="0"/>
+              <a:t> программирование</a:t>
+            </a:r>
+          </a:p>
+          <a:p>
+            <a:pPr lvl="1"/>
+            <a:r>
+              <a:rPr lang="en-US" dirty="0" smtClean="0"/>
+              <a:t>.NET Framework, C#</a:t>
+            </a:r>
+          </a:p>
+          <a:p>
+            <a:r>
+              <a:rPr lang="ru-RU" b="1" dirty="0" smtClean="0"/>
+              <a:t>Решения</a:t>
+            </a:r>
+            <a:r>
+              <a:rPr lang="ru-RU" dirty="0" smtClean="0"/>
+              <a:t>:</a:t>
+            </a:r>
+          </a:p>
+          <a:p>
+            <a:pPr lvl="1"/>
+            <a:r>
+              <a:rPr lang="ru-RU" dirty="0" smtClean="0"/>
+              <a:t>Библиотека </a:t>
+            </a:r>
+            <a:r>
+              <a:rPr lang="en-US" dirty="0" err="1" smtClean="0"/>
+              <a:t>Mono.Cecil</a:t>
+            </a:r>
+            <a:r>
+              <a:rPr lang="en-US" dirty="0" smtClean="0"/>
+              <a:t> DLL</a:t>
+            </a:r>
+          </a:p>
+          <a:p>
+            <a:r>
+              <a:rPr lang="ru-RU" b="1" dirty="0" smtClean="0"/>
+              <a:t>Инструменты</a:t>
+            </a:r>
+            <a:r>
+              <a:rPr lang="ru-RU" dirty="0" smtClean="0"/>
+              <a:t>:</a:t>
+            </a:r>
+          </a:p>
+          <a:p>
+            <a:pPr lvl="1"/>
+            <a:r>
+              <a:rPr lang="en-US" dirty="0" err="1" smtClean="0"/>
+              <a:t>MSBuild</a:t>
+            </a:r>
+            <a:r>
+              <a:rPr lang="ru-RU" dirty="0" smtClean="0"/>
+              <a:t> (сборщик проектов)</a:t>
+            </a:r>
+            <a:endParaRPr lang="en-US" dirty="0" smtClean="0"/>
+          </a:p>
+          <a:p>
+            <a:pPr lvl="1"/>
+            <a:r>
+              <a:rPr lang="en-US" dirty="0" err="1" smtClean="0"/>
+              <a:t>ArtMoney</a:t>
+            </a:r>
+            <a:r>
+              <a:rPr lang="ru-RU" dirty="0" smtClean="0"/>
+              <a:t> (работа с памятью)</a:t>
+            </a:r>
+            <a:endParaRPr lang="en-US" dirty="0" smtClean="0"/>
+          </a:p>
+          <a:p>
+            <a:pPr lvl="1"/>
+            <a:r>
+              <a:rPr lang="en-US" dirty="0" smtClean="0"/>
+              <a:t>.NET</a:t>
+            </a:r>
+            <a:r>
+              <a:rPr lang="ru-RU" dirty="0" smtClean="0"/>
+              <a:t> </a:t>
+            </a:r>
+            <a:r>
+              <a:rPr lang="en-US" dirty="0" smtClean="0"/>
+              <a:t>Reflector</a:t>
+            </a:r>
+            <a:r>
+              <a:rPr lang="ru-RU" dirty="0" smtClean="0"/>
+              <a:t> (анализатор и </a:t>
+            </a:r>
+            <a:r>
+              <a:rPr lang="ru-RU" dirty="0" err="1" smtClean="0"/>
+              <a:t>декомпилятор</a:t>
+            </a:r>
+            <a:r>
+              <a:rPr lang="ru-RU" dirty="0" smtClean="0"/>
+              <a:t>)</a:t>
+            </a:r>
+            <a:endParaRPr lang="ru-RU" dirty="0"/>
+          </a:p>
+        </p:txBody>
+      </p:sp>
+      <p:sp>
+        <p:nvSpPr>
+          <p:cNvPr id="5" name="Номер слайда 4"/>
+          <p:cNvSpPr>
+            <a:spLocks noGrp="1"/>
+          </p:cNvSpPr>
+          <p:nvPr>
+            <p:ph type="sldNum" sz="quarter" idx="12"/>
+          </p:nvPr>
+        </p:nvSpPr>
+        <p:spPr/>
+        <p:txBody>
+          <a:bodyPr/>
+          <a:lstStyle/>
+          <a:p>
+            <a:fld id="{48997E51-03E2-4119-AB53-0712BC3CF70D}" type="slidenum">
+              <a:rPr lang="ru-RU" smtClean="0"/>
+              <a:pPr/>
+              <a:t>5</a:t>
+            </a:fld>
+            <a:endParaRPr lang="ru-RU"/>
+          </a:p>
+        </p:txBody>
+      </p:sp>
+    </p:spTree>
+  </p:cSld>
+  <p:clrMapOvr>
+    <a:masterClrMapping/>
+  </p:clrMapOvr>
+  <p:transition>
+    <p:fade/>
+  </p:transition>
+  <p:timing>
+    <p:tnLst>
+      <p:par>
+        <p:cTn id="1" dur="indefinite" restart="never" nodeType="tmRoot"/>
+      </p:par>
+    </p:tnLst>
+  </p:timing>
+</p:sld>
+</file>
+
+<file path=ppt/slides/slide6.xml><?xml version="1.0" encoding="utf-8"?>
+<p:sld xmlns:a="http://schemas.openxmlformats.org/drawingml/2006/main" xmlns:r="http://schemas.openxmlformats.org/officeDocument/2006/relationships" xmlns:p="http://schemas.openxmlformats.org/presentationml/2006/main">
+  <p:cSld>
+    <p:spTree>
+      <p:nvGrpSpPr>
+        <p:cNvPr id="1" name=""/>
+        <p:cNvGrpSpPr/>
+        <p:nvPr/>
+      </p:nvGrpSpPr>
+      <p:grpSpPr>
+        <a:xfrm>
+          <a:off x="0" y="0"/>
+          <a:ext cx="0" cy="0"/>
+          <a:chOff x="0" y="0"/>
+          <a:chExt cx="0" cy="0"/>
+        </a:xfrm>
+      </p:grpSpPr>
+      <p:sp>
+        <p:nvSpPr>
+          <p:cNvPr id="2" name="Заголовок 1"/>
+          <p:cNvSpPr>
+            <a:spLocks noGrp="1"/>
+          </p:cNvSpPr>
+          <p:nvPr>
+            <p:ph type="title"/>
+          </p:nvPr>
+        </p:nvSpPr>
+        <p:spPr/>
+        <p:txBody>
+          <a:bodyPr/>
+          <a:lstStyle/>
+          <a:p>
+            <a:r>
+              <a:rPr lang="ru-RU" dirty="0" smtClean="0"/>
+              <a:t>Алгоритм внедрения защиты</a:t>
+            </a:r>
+            <a:endParaRPr lang="ru-RU" dirty="0"/>
+          </a:p>
+        </p:txBody>
+      </p:sp>
+      <p:sp>
+        <p:nvSpPr>
+          <p:cNvPr id="3" name="Содержимое 2"/>
+          <p:cNvSpPr>
+            <a:spLocks noGrp="1"/>
+          </p:cNvSpPr>
+          <p:nvPr>
+            <p:ph idx="1"/>
+          </p:nvPr>
+        </p:nvSpPr>
+        <p:spPr/>
+        <p:txBody>
+          <a:bodyPr/>
+          <a:lstStyle/>
+          <a:p>
+            <a:endParaRPr lang="ru-RU"/>
+          </a:p>
+        </p:txBody>
+      </p:sp>
+      <p:pic>
+        <p:nvPicPr>
+          <p:cNvPr id="16388" name="Picture 4" descr="D:\Downloads\monoinjections (3).png"/>
+          <p:cNvPicPr>
+            <a:picLocks noChangeAspect="1" noChangeArrowheads="1"/>
+          </p:cNvPicPr>
+          <p:nvPr/>
+        </p:nvPicPr>
+        <p:blipFill>
+          <a:blip r:embed="rId2" cstate="print"/>
+          <a:srcRect l="3052" b="1389"/>
+          <a:stretch>
+            <a:fillRect/>
+          </a:stretch>
+        </p:blipFill>
+        <p:spPr bwMode="auto">
+          <a:xfrm>
+            <a:off x="683568" y="1556792"/>
+            <a:ext cx="7776000" cy="5120372"/>
+          </a:xfrm>
+          <a:prstGeom prst="rect">
+            <a:avLst/>
+          </a:prstGeom>
+          <a:ln>
+            <a:noFill/>
+          </a:ln>
+          <a:effectLst>
+            <a:softEdge rad="112500"/>
+          </a:effectLst>
+        </p:spPr>
+      </p:pic>
+      <p:sp>
+        <p:nvSpPr>
+          <p:cNvPr id="5" name="Номер слайда 4"/>
+          <p:cNvSpPr>
+            <a:spLocks noGrp="1"/>
+          </p:cNvSpPr>
+          <p:nvPr>
+            <p:ph type="sldNum" sz="quarter" idx="12"/>
+          </p:nvPr>
+        </p:nvSpPr>
+        <p:spPr/>
+        <p:txBody>
+          <a:bodyPr/>
+          <a:lstStyle/>
+          <a:p>
+            <a:fld id="{48997E51-03E2-4119-AB53-0712BC3CF70D}" type="slidenum">
+              <a:rPr lang="ru-RU" smtClean="0"/>
+              <a:pPr/>
+              <a:t>6</a:t>
+            </a:fld>
+            <a:endParaRPr lang="ru-RU"/>
+          </a:p>
+        </p:txBody>
+      </p:sp>
     </p:spTree>
   </p:cSld>
   <p:clrMapOvr>
@@ -8380,79 +8345,154 @@
           <a:chExt cx="0" cy="0"/>
         </a:xfrm>
       </p:grpSpPr>
-      <p:sp>
-        <p:nvSpPr>
-          <p:cNvPr id="2" name="Заголовок 1"/>
-          <p:cNvSpPr>
-            <a:spLocks noGrp="1"/>
-          </p:cNvSpPr>
-          <p:nvPr>
-            <p:ph type="title"/>
-          </p:nvPr>
-        </p:nvSpPr>
-        <p:spPr/>
-        <p:txBody>
-          <a:bodyPr/>
-          <a:lstStyle/>
-          <a:p>
-            <a:r>
-              <a:rPr lang="ru-RU" dirty="0" smtClean="0"/>
-              <a:t>Теоретическая разработка</a:t>
-            </a:r>
-            <a:endParaRPr lang="ru-RU" dirty="0"/>
-          </a:p>
-        </p:txBody>
-      </p:sp>
-      <p:sp>
-        <p:nvSpPr>
-          <p:cNvPr id="3" name="Содержимое 2"/>
-          <p:cNvSpPr>
-            <a:spLocks noGrp="1"/>
-          </p:cNvSpPr>
-          <p:nvPr>
-            <p:ph idx="1"/>
-          </p:nvPr>
-        </p:nvSpPr>
-        <p:spPr/>
-        <p:txBody>
-          <a:bodyPr/>
-          <a:lstStyle/>
-          <a:p>
-            <a:endParaRPr lang="ru-RU"/>
-          </a:p>
-        </p:txBody>
-      </p:sp>
       <p:pic>
         <p:nvPicPr>
-          <p:cNvPr id="17410" name="Picture 2" descr="D:\Downloads\technologies.png"/>
+          <p:cNvPr id="2" name="Содержимое 3" descr="C:\Users\Sergey\Downloads\Untitled Diagram.png"/>
+          <p:cNvPicPr>
+            <a:picLocks/>
+          </p:cNvPicPr>
+          <p:nvPr/>
+        </p:nvPicPr>
+        <p:blipFill>
+          <a:blip r:embed="rId2" cstate="print"/>
+          <a:srcRect t="12223" b="9233"/>
+          <a:stretch>
+            <a:fillRect/>
+          </a:stretch>
+        </p:blipFill>
+        <p:spPr bwMode="auto">
+          <a:xfrm>
+            <a:off x="323528" y="692696"/>
+            <a:ext cx="4104456" cy="5987298"/>
+          </a:xfrm>
+          <a:prstGeom prst="rect">
+            <a:avLst/>
+          </a:prstGeom>
+          <a:noFill/>
+          <a:ln w="9525">
+            <a:noFill/>
+            <a:miter lim="800000"/>
+            <a:headEnd/>
+            <a:tailEnd/>
+          </a:ln>
+        </p:spPr>
+      </p:pic>
+      <p:pic>
+        <p:nvPicPr>
+          <p:cNvPr id="1026" name="Рисунок 5" descr="C:\Users\Sergey\Downloads\Untitled Diagram (1).png"/>
           <p:cNvPicPr>
             <a:picLocks noChangeAspect="1" noChangeArrowheads="1"/>
           </p:cNvPicPr>
           <p:nvPr/>
         </p:nvPicPr>
         <p:blipFill>
-          <a:blip r:embed="rId2" cstate="print"/>
-          <a:srcRect r="214"/>
+          <a:blip r:embed="rId3" cstate="print"/>
+          <a:srcRect t="13475" b="9820"/>
           <a:stretch>
             <a:fillRect/>
           </a:stretch>
         </p:blipFill>
         <p:spPr bwMode="auto">
           <a:xfrm>
-            <a:off x="683568" y="1556792"/>
-            <a:ext cx="7776864" cy="5112568"/>
+            <a:off x="4644008" y="692696"/>
+            <a:ext cx="4331429" cy="5329902"/>
           </a:xfrm>
           <a:prstGeom prst="rect">
             <a:avLst/>
           </a:prstGeom>
-          <a:ln>
+          <a:noFill/>
+          <a:ln w="9525">
             <a:noFill/>
+            <a:miter lim="800000"/>
+            <a:headEnd/>
+            <a:tailEnd/>
           </a:ln>
-          <a:effectLst>
-            <a:softEdge rad="112500"/>
-          </a:effectLst>
         </p:spPr>
       </p:pic>
+      <p:sp>
+        <p:nvSpPr>
+          <p:cNvPr id="4" name="TextBox 3"/>
+          <p:cNvSpPr txBox="1"/>
+          <p:nvPr/>
+        </p:nvSpPr>
+        <p:spPr>
+          <a:xfrm>
+            <a:off x="1115616" y="116632"/>
+            <a:ext cx="2422458" cy="523220"/>
+          </a:xfrm>
+          <a:prstGeom prst="rect">
+            <a:avLst/>
+          </a:prstGeom>
+          <a:noFill/>
+        </p:spPr>
+        <p:txBody>
+          <a:bodyPr wrap="none" rtlCol="0">
+            <a:spAutoFit/>
+          </a:bodyPr>
+          <a:lstStyle/>
+          <a:p>
+            <a:r>
+              <a:rPr lang="en-US" sz="2800" u="sng" dirty="0" err="1" smtClean="0"/>
+              <a:t>SetSecureField</a:t>
+            </a:r>
+            <a:endParaRPr lang="ru-RU" sz="2800" u="sng" dirty="0"/>
+          </a:p>
+        </p:txBody>
+      </p:sp>
+      <p:sp>
+        <p:nvSpPr>
+          <p:cNvPr id="6" name="TextBox 5"/>
+          <p:cNvSpPr txBox="1"/>
+          <p:nvPr/>
+        </p:nvSpPr>
+        <p:spPr>
+          <a:xfrm>
+            <a:off x="5492240" y="116632"/>
+            <a:ext cx="2464136" cy="523220"/>
+          </a:xfrm>
+          <a:prstGeom prst="rect">
+            <a:avLst/>
+          </a:prstGeom>
+          <a:noFill/>
+        </p:spPr>
+        <p:txBody>
+          <a:bodyPr wrap="none" rtlCol="0">
+            <a:spAutoFit/>
+          </a:bodyPr>
+          <a:lstStyle/>
+          <a:p>
+            <a:r>
+              <a:rPr lang="en-US" sz="2800" u="sng" dirty="0" err="1" smtClean="0"/>
+              <a:t>GetSecureField</a:t>
+            </a:r>
+            <a:endParaRPr lang="ru-RU" sz="2800" u="sng" dirty="0"/>
+          </a:p>
+        </p:txBody>
+      </p:sp>
+      <p:sp>
+        <p:nvSpPr>
+          <p:cNvPr id="7" name="Номер слайда 6"/>
+          <p:cNvSpPr>
+            <a:spLocks noGrp="1"/>
+          </p:cNvSpPr>
+          <p:nvPr>
+            <p:ph type="sldNum" sz="quarter" idx="12"/>
+          </p:nvPr>
+        </p:nvSpPr>
+        <p:spPr/>
+        <p:txBody>
+          <a:bodyPr/>
+          <a:lstStyle/>
+          <a:p>
+            <a:fld id="{48997E51-03E2-4119-AB53-0712BC3CF70D}" type="slidenum">
+              <a:rPr lang="ru-RU" smtClean="0"/>
+              <a:pPr/>
+              <a:t>7</a:t>
+            </a:fld>
+            <a:endParaRPr lang="ru-RU"/>
+          </a:p>
+        </p:txBody>
+      </p:sp>
     </p:spTree>
   </p:cSld>
   <p:clrMapOvr>
@@ -8461,13 +8501,6 @@
   <p:transition>
     <p:fade/>
   </p:transition>
-  <p:timing>
-    <p:tnLst>
-      <p:par>
-        <p:cTn id="1" dur="indefinite" restart="never" nodeType="tmRoot"/>
-      </p:par>
-    </p:tnLst>
-  </p:timing>
 </p:sld>
 </file>
 
@@ -8498,41 +8531,58 @@
             <p:ph type="title"/>
           </p:nvPr>
         </p:nvSpPr>
+        <p:spPr>
+          <a:xfrm>
+            <a:off x="467544" y="118872"/>
+            <a:ext cx="8496944" cy="1509928"/>
+          </a:xfrm>
+        </p:spPr>
+        <p:txBody>
+          <a:bodyPr>
+            <a:normAutofit/>
+          </a:bodyPr>
+          <a:lstStyle/>
+          <a:p>
+            <a:r>
+              <a:rPr lang="ru-RU" dirty="0" smtClean="0"/>
+              <a:t>Проверка работоспособности</a:t>
+            </a:r>
+            <a:endParaRPr lang="ru-RU" dirty="0"/>
+          </a:p>
+        </p:txBody>
+      </p:sp>
+      <p:sp>
+        <p:nvSpPr>
+          <p:cNvPr id="3" name="Текст 2"/>
+          <p:cNvSpPr>
+            <a:spLocks noGrp="1"/>
+          </p:cNvSpPr>
+          <p:nvPr>
+            <p:ph type="body" idx="1"/>
+          </p:nvPr>
+        </p:nvSpPr>
         <p:spPr/>
         <p:txBody>
-          <a:bodyPr/>
+          <a:bodyPr>
+            <a:normAutofit/>
+          </a:bodyPr>
           <a:lstStyle/>
           <a:p>
             <a:r>
-              <a:rPr lang="ru-RU" dirty="0" smtClean="0"/>
-              <a:t>Реализация</a:t>
-            </a:r>
-            <a:endParaRPr lang="ru-RU" dirty="0"/>
-          </a:p>
-        </p:txBody>
-      </p:sp>
-      <p:sp>
-        <p:nvSpPr>
-          <p:cNvPr id="5" name="Содержимое 4"/>
-          <p:cNvSpPr>
-            <a:spLocks noGrp="1"/>
-          </p:cNvSpPr>
-          <p:nvPr>
-            <p:ph idx="1"/>
-          </p:nvPr>
-        </p:nvSpPr>
-        <p:spPr/>
-        <p:txBody>
-          <a:bodyPr/>
-          <a:lstStyle/>
-          <a:p>
-            <a:endParaRPr lang="ru-RU"/>
+              <a:rPr lang="ru-RU" sz="2800" dirty="0" smtClean="0"/>
+              <a:t>С использованием </a:t>
+            </a:r>
+            <a:r>
+              <a:rPr lang="en-US" sz="2800" dirty="0" err="1" smtClean="0"/>
+              <a:t>ArtMoney</a:t>
+            </a:r>
+            <a:endParaRPr lang="ru-RU" sz="2800" dirty="0"/>
           </a:p>
         </p:txBody>
       </p:sp>
       <p:pic>
         <p:nvPicPr>
-          <p:cNvPr id="4098" name="Picture 2" descr="Скриншот a70d99c7"/>
+          <p:cNvPr id="2050" name="Picture 2" descr="Скриншот 573f016f"/>
           <p:cNvPicPr>
             <a:picLocks noChangeAspect="1" noChangeArrowheads="1"/>
           </p:cNvPicPr>
@@ -8540,15 +8590,15 @@
         </p:nvPicPr>
         <p:blipFill>
           <a:blip r:embed="rId2" cstate="print"/>
-          <a:srcRect t="1340"/>
+          <a:srcRect/>
           <a:stretch>
             <a:fillRect/>
           </a:stretch>
         </p:blipFill>
         <p:spPr bwMode="auto">
           <a:xfrm>
-            <a:off x="64047" y="1556792"/>
-            <a:ext cx="8972449" cy="5301208"/>
+            <a:off x="1547664" y="2852936"/>
+            <a:ext cx="6324600" cy="3743325"/>
           </a:xfrm>
           <a:prstGeom prst="rect">
             <a:avLst/>
@@ -8556,6 +8606,30 @@
           <a:noFill/>
         </p:spPr>
       </p:pic>
+      <p:sp>
+        <p:nvSpPr>
+          <p:cNvPr id="5" name="Номер слайда 4"/>
+          <p:cNvSpPr>
+            <a:spLocks noGrp="1"/>
+          </p:cNvSpPr>
+          <p:nvPr>
+            <p:ph type="sldNum" sz="quarter" idx="12"/>
+          </p:nvPr>
+        </p:nvSpPr>
+        <p:spPr/>
+        <p:txBody>
+          <a:bodyPr/>
+          <a:lstStyle/>
+          <a:p>
+            <a:fld id="{48997E51-03E2-4119-AB53-0712BC3CF70D}" type="slidenum">
+              <a:rPr lang="ru-RU" smtClean="0"/>
+              <a:pPr/>
+              <a:t>8</a:t>
+            </a:fld>
+            <a:endParaRPr lang="ru-RU"/>
+          </a:p>
+        </p:txBody>
+      </p:sp>
     </p:spTree>
   </p:cSld>
   <p:clrMapOvr>
@@ -8564,6 +8638,13 @@
   <p:transition>
     <p:fade/>
   </p:transition>
+  <p:timing>
+    <p:tnLst>
+      <p:par>
+        <p:cTn id="1" dur="indefinite" restart="never" nodeType="tmRoot"/>
+      </p:par>
+    </p:tnLst>
+  </p:timing>
 </p:sld>
 </file>
 
@@ -8601,62 +8682,174 @@
           <a:p>
             <a:r>
               <a:rPr lang="ru-RU" dirty="0" smtClean="0"/>
-              <a:t>Алгоритм внедрения защиты</a:t>
+              <a:t>Шаг 1. Поиск</a:t>
             </a:r>
             <a:endParaRPr lang="ru-RU" dirty="0"/>
-          </a:p>
-        </p:txBody>
-      </p:sp>
-      <p:sp>
-        <p:nvSpPr>
-          <p:cNvPr id="3" name="Содержимое 2"/>
-          <p:cNvSpPr>
-            <a:spLocks noGrp="1"/>
-          </p:cNvSpPr>
-          <p:nvPr>
-            <p:ph idx="1"/>
-          </p:nvPr>
-        </p:nvSpPr>
-        <p:spPr/>
-        <p:txBody>
-          <a:bodyPr/>
-          <a:lstStyle/>
-          <a:p>
-            <a:endParaRPr lang="ru-RU"/>
           </a:p>
         </p:txBody>
       </p:sp>
       <p:pic>
         <p:nvPicPr>
-          <p:cNvPr id="16388" name="Picture 4" descr="D:\Downloads\monoinjections (3).png"/>
+          <p:cNvPr id="5" name="Содержимое 4" descr="Скриншот 74828018"/>
           <p:cNvPicPr>
-            <a:picLocks noChangeAspect="1" noChangeArrowheads="1"/>
+            <a:picLocks noGrp="1"/>
           </p:cNvPicPr>
-          <p:nvPr/>
+          <p:nvPr>
+            <p:ph sz="half" idx="1"/>
+          </p:nvPr>
         </p:nvPicPr>
         <p:blipFill>
           <a:blip r:embed="rId2" cstate="print"/>
-          <a:srcRect l="3052" b="1389"/>
+          <a:srcRect/>
           <a:stretch>
             <a:fillRect/>
           </a:stretch>
         </p:blipFill>
         <p:spPr bwMode="auto">
           <a:xfrm>
-            <a:off x="683568" y="1556792"/>
-            <a:ext cx="7776000" cy="5120372"/>
+            <a:off x="467544" y="2564904"/>
+            <a:ext cx="4817519" cy="3084901"/>
           </a:xfrm>
           <a:prstGeom prst="rect">
             <a:avLst/>
           </a:prstGeom>
-          <a:ln>
+          <a:noFill/>
+          <a:ln w="9525">
             <a:noFill/>
+            <a:miter lim="800000"/>
+            <a:headEnd/>
+            <a:tailEnd/>
           </a:ln>
-          <a:effectLst>
-            <a:softEdge rad="112500"/>
-          </a:effectLst>
         </p:spPr>
       </p:pic>
+      <p:pic>
+        <p:nvPicPr>
+          <p:cNvPr id="1026" name="Picture 2" descr="Скриншот e510ef6a"/>
+          <p:cNvPicPr>
+            <a:picLocks noGrp="1" noChangeAspect="1" noChangeArrowheads="1"/>
+          </p:cNvPicPr>
+          <p:nvPr>
+            <p:ph sz="half" idx="2"/>
+          </p:nvPr>
+        </p:nvPicPr>
+        <p:blipFill>
+          <a:blip r:embed="rId3" cstate="print"/>
+          <a:srcRect/>
+          <a:stretch>
+            <a:fillRect/>
+          </a:stretch>
+        </p:blipFill>
+        <p:spPr bwMode="auto">
+          <a:xfrm>
+            <a:off x="5796136" y="2924944"/>
+            <a:ext cx="2594728" cy="2351092"/>
+          </a:xfrm>
+          <a:prstGeom prst="rect">
+            <a:avLst/>
+          </a:prstGeom>
+          <a:noFill/>
+        </p:spPr>
+      </p:pic>
+      <p:sp>
+        <p:nvSpPr>
+          <p:cNvPr id="7" name="TextBox 6"/>
+          <p:cNvSpPr txBox="1"/>
+          <p:nvPr/>
+        </p:nvSpPr>
+        <p:spPr>
+          <a:xfrm>
+            <a:off x="1115616" y="1988840"/>
+            <a:ext cx="3456384" cy="369332"/>
+          </a:xfrm>
+          <a:prstGeom prst="rect">
+            <a:avLst/>
+          </a:prstGeom>
+          <a:noFill/>
+        </p:spPr>
+        <p:txBody>
+          <a:bodyPr wrap="square" rtlCol="0">
+            <a:spAutoFit/>
+          </a:bodyPr>
+          <a:lstStyle/>
+          <a:p>
+            <a:r>
+              <a:rPr lang="en-US" dirty="0" smtClean="0"/>
+              <a:t>1.1. </a:t>
+            </a:r>
+            <a:r>
+              <a:rPr lang="ru-RU" dirty="0" smtClean="0"/>
+              <a:t>Поиск по точному значению</a:t>
+            </a:r>
+            <a:endParaRPr lang="ru-RU" dirty="0"/>
+          </a:p>
+        </p:txBody>
+      </p:sp>
+      <p:sp>
+        <p:nvSpPr>
+          <p:cNvPr id="8" name="TextBox 7"/>
+          <p:cNvSpPr txBox="1"/>
+          <p:nvPr/>
+        </p:nvSpPr>
+        <p:spPr>
+          <a:xfrm>
+            <a:off x="5796136" y="1988840"/>
+            <a:ext cx="2664296" cy="369332"/>
+          </a:xfrm>
+          <a:prstGeom prst="rect">
+            <a:avLst/>
+          </a:prstGeom>
+          <a:noFill/>
+        </p:spPr>
+        <p:txBody>
+          <a:bodyPr wrap="square" rtlCol="0">
+            <a:spAutoFit/>
+          </a:bodyPr>
+          <a:lstStyle/>
+          <a:p>
+            <a:r>
+              <a:rPr lang="en-US" dirty="0" smtClean="0"/>
+              <a:t>1.</a:t>
+            </a:r>
+            <a:r>
+              <a:rPr lang="ru-RU" dirty="0" smtClean="0"/>
+              <a:t>2</a:t>
+            </a:r>
+            <a:r>
+              <a:rPr lang="en-US" dirty="0" smtClean="0"/>
+              <a:t>. </a:t>
+            </a:r>
+            <a:r>
+              <a:rPr lang="ru-RU" dirty="0" smtClean="0"/>
+              <a:t>Результаты поиска</a:t>
+            </a:r>
+            <a:endParaRPr lang="ru-RU" dirty="0"/>
+          </a:p>
+        </p:txBody>
+      </p:sp>
+      <p:sp>
+        <p:nvSpPr>
+          <p:cNvPr id="9" name="Номер слайда 8"/>
+          <p:cNvSpPr>
+            <a:spLocks noGrp="1"/>
+          </p:cNvSpPr>
+          <p:nvPr>
+            <p:ph type="sldNum" sz="quarter" idx="12"/>
+          </p:nvPr>
+        </p:nvSpPr>
+        <p:spPr/>
+        <p:txBody>
+          <a:bodyPr/>
+          <a:lstStyle/>
+          <a:p>
+            <a:fld id="{48997E51-03E2-4119-AB53-0712BC3CF70D}" type="slidenum">
+              <a:rPr lang="ru-RU" smtClean="0"/>
+              <a:pPr/>
+              <a:t>9</a:t>
+            </a:fld>
+            <a:endParaRPr lang="ru-RU"/>
+          </a:p>
+        </p:txBody>
+      </p:sp>
     </p:spTree>
   </p:cSld>
   <p:clrMapOvr>
@@ -8678,7 +8871,7 @@
 <file path=ppt/theme/theme1.xml><?xml version="1.0" encoding="utf-8"?>
 <a:theme xmlns:a="http://schemas.openxmlformats.org/drawingml/2006/main" name="Модульная">
   <a:themeElements>
-    <a:clrScheme name="Модульная">
+    <a:clrScheme name="Другая 7">
       <a:dk1>
         <a:sysClr val="windowText" lastClr="000000"/>
       </a:dk1>
@@ -8686,34 +8879,34 @@
         <a:sysClr val="window" lastClr="FFFFFF"/>
       </a:lt1>
       <a:dk2>
-        <a:srgbClr val="5A6378"/>
+        <a:srgbClr val="4E5B6F"/>
       </a:dk2>
       <a:lt2>
-        <a:srgbClr val="D4D4D6"/>
+        <a:srgbClr val="D6ECFF"/>
       </a:lt2>
       <a:accent1>
-        <a:srgbClr val="F0AD00"/>
+        <a:srgbClr val="FEB80A"/>
       </a:accent1>
       <a:accent2>
-        <a:srgbClr val="60B5CC"/>
+        <a:srgbClr val="00ADDC"/>
       </a:accent2>
       <a:accent3>
-        <a:srgbClr val="E66C7D"/>
+        <a:srgbClr val="7FD13B"/>
       </a:accent3>
       <a:accent4>
-        <a:srgbClr val="6BB76D"/>
+        <a:srgbClr val="EA157A"/>
       </a:accent4>
       <a:accent5>
-        <a:srgbClr val="E88651"/>
+        <a:srgbClr val="738AC8"/>
       </a:accent5>
       <a:accent6>
-        <a:srgbClr val="C64847"/>
+        <a:srgbClr val="1AB39F"/>
       </a:accent6>
       <a:hlink>
-        <a:srgbClr val="168BBA"/>
+        <a:srgbClr val="EB8803"/>
       </a:hlink>
       <a:folHlink>
-        <a:srgbClr val="680000"/>
+        <a:srgbClr val="5F7791"/>
       </a:folHlink>
     </a:clrScheme>
     <a:fontScheme name="Модульная">
